--- a/Documents/Iteration1/Team 7-Iteration 1.pptx
+++ b/Documents/Iteration1/Team 7-Iteration 1.pptx
@@ -1,49 +1,49 @@
 
 <file path=ppt/presentation.xml><?xml version="1.0" encoding="utf-8"?>
-<p:presentation xmlns:a="http://schemas.openxmlformats.org/drawingml/2006/main" xmlns:r="http://schemas.openxmlformats.org/officeDocument/2006/relationships" xmlns:mc="http://schemas.openxmlformats.org/markup-compatibility/2006" xmlns:mv="urn:schemas-microsoft-com:mac:vml" xmlns:p="http://schemas.openxmlformats.org/presentationml/2006/main" xmlns:c="http://schemas.openxmlformats.org/drawingml/2006/chart" xmlns:dgm="http://schemas.openxmlformats.org/drawingml/2006/diagram" xmlns:o="urn:schemas-microsoft-com:office:office" xmlns:v="urn:schemas-microsoft-com:vml" xmlns:pvml="urn:schemas-microsoft-com:office:powerpoint" xmlns:com="http://schemas.openxmlformats.org/drawingml/2006/compatibility" xmlns:p14="http://schemas.microsoft.com/office/powerpoint/2010/main" xmlns:p15="http://schemas.microsoft.com/office/powerpoint/2012/main" autoCompressPictures="0" embedTrueTypeFonts="1" strictFirstAndLastChars="0" saveSubsetFonts="1">
+<p:presentation xmlns:a="http://schemas.openxmlformats.org/drawingml/2006/main" xmlns:r="http://schemas.openxmlformats.org/officeDocument/2006/relationships" xmlns:p="http://schemas.openxmlformats.org/presentationml/2006/main" strictFirstAndLastChars="0" embedTrueTypeFonts="1" saveSubsetFonts="1" autoCompressPictures="0">
   <p:sldMasterIdLst>
-    <p:sldMasterId id="2147483659" r:id="rId4"/>
+    <p:sldMasterId id="2147483659" r:id="rId1"/>
   </p:sldMasterIdLst>
   <p:notesMasterIdLst>
-    <p:notesMasterId r:id="rId5"/>
+    <p:notesMasterId r:id="rId17"/>
   </p:notesMasterIdLst>
   <p:sldIdLst>
-    <p:sldId id="256" r:id="rId6"/>
-    <p:sldId id="257" r:id="rId7"/>
-    <p:sldId id="258" r:id="rId8"/>
-    <p:sldId id="259" r:id="rId9"/>
-    <p:sldId id="260" r:id="rId10"/>
-    <p:sldId id="261" r:id="rId11"/>
-    <p:sldId id="262" r:id="rId12"/>
-    <p:sldId id="263" r:id="rId13"/>
-    <p:sldId id="264" r:id="rId14"/>
-    <p:sldId id="265" r:id="rId15"/>
-    <p:sldId id="266" r:id="rId16"/>
-    <p:sldId id="267" r:id="rId17"/>
-    <p:sldId id="268" r:id="rId18"/>
-    <p:sldId id="269" r:id="rId19"/>
-    <p:sldId id="270" r:id="rId20"/>
+    <p:sldId id="256" r:id="rId2"/>
+    <p:sldId id="257" r:id="rId3"/>
+    <p:sldId id="258" r:id="rId4"/>
+    <p:sldId id="259" r:id="rId5"/>
+    <p:sldId id="260" r:id="rId6"/>
+    <p:sldId id="261" r:id="rId7"/>
+    <p:sldId id="262" r:id="rId8"/>
+    <p:sldId id="263" r:id="rId9"/>
+    <p:sldId id="264" r:id="rId10"/>
+    <p:sldId id="265" r:id="rId11"/>
+    <p:sldId id="266" r:id="rId12"/>
+    <p:sldId id="267" r:id="rId13"/>
+    <p:sldId id="271" r:id="rId14"/>
+    <p:sldId id="269" r:id="rId15"/>
+    <p:sldId id="270" r:id="rId16"/>
   </p:sldIdLst>
-  <p:sldSz cy="5143500" cx="9144000"/>
+  <p:sldSz cx="9144000" cy="5143500" type="screen16x9"/>
   <p:notesSz cx="6858000" cy="9144000"/>
   <p:embeddedFontLst>
     <p:embeddedFont>
-      <p:font typeface="Montserrat"/>
-      <p:regular r:id="rId21"/>
-      <p:bold r:id="rId22"/>
-      <p:italic r:id="rId23"/>
-      <p:boldItalic r:id="rId24"/>
+      <p:font typeface="Montserrat" charset="0"/>
+      <p:regular r:id="rId18"/>
+      <p:bold r:id="rId19"/>
+      <p:italic r:id="rId20"/>
+      <p:boldItalic r:id="rId21"/>
     </p:embeddedFont>
     <p:embeddedFont>
-      <p:font typeface="Lato"/>
-      <p:regular r:id="rId25"/>
-      <p:bold r:id="rId26"/>
-      <p:italic r:id="rId27"/>
-      <p:boldItalic r:id="rId28"/>
+      <p:font typeface="Lato" charset="0"/>
+      <p:regular r:id="rId22"/>
+      <p:bold r:id="rId23"/>
+      <p:italic r:id="rId24"/>
+      <p:boldItalic r:id="rId25"/>
     </p:embeddedFont>
   </p:embeddedFontLst>
   <p:defaultTextStyle>
-    <a:defPPr lvl="0" marR="0" rtl="0" algn="l">
+    <a:defPPr marR="0" lvl="0" algn="l" rtl="0">
       <a:lnSpc>
         <a:spcPct val="100000"/>
       </a:lnSpc>
@@ -54,7 +54,7 @@
         <a:spcPts val="0"/>
       </a:spcAft>
     </a:defPPr>
-    <a:lvl1pPr lvl="0" marR="0" rtl="0" algn="l">
+    <a:lvl1pPr marR="0" lvl="0" algn="l" rtl="0">
       <a:lnSpc>
         <a:spcPct val="100000"/>
       </a:lnSpc>
@@ -68,7 +68,7 @@
         <a:srgbClr val="000000"/>
       </a:buClr>
       <a:buFont typeface="Arial"/>
-      <a:defRPr b="0" i="0" sz="1400" u="none" cap="none" strike="noStrike">
+      <a:defRPr sz="1400" b="0" i="0" u="none" strike="noStrike" cap="none">
         <a:solidFill>
           <a:srgbClr val="000000"/>
         </a:solidFill>
@@ -78,7 +78,7 @@
         <a:sym typeface="Arial"/>
       </a:defRPr>
     </a:lvl1pPr>
-    <a:lvl2pPr lvl="1" marR="0" rtl="0" algn="l">
+    <a:lvl2pPr marR="0" lvl="1" algn="l" rtl="0">
       <a:lnSpc>
         <a:spcPct val="100000"/>
       </a:lnSpc>
@@ -92,7 +92,7 @@
         <a:srgbClr val="000000"/>
       </a:buClr>
       <a:buFont typeface="Arial"/>
-      <a:defRPr b="0" i="0" sz="1400" u="none" cap="none" strike="noStrike">
+      <a:defRPr sz="1400" b="0" i="0" u="none" strike="noStrike" cap="none">
         <a:solidFill>
           <a:srgbClr val="000000"/>
         </a:solidFill>
@@ -102,7 +102,7 @@
         <a:sym typeface="Arial"/>
       </a:defRPr>
     </a:lvl2pPr>
-    <a:lvl3pPr lvl="2" marR="0" rtl="0" algn="l">
+    <a:lvl3pPr marR="0" lvl="2" algn="l" rtl="0">
       <a:lnSpc>
         <a:spcPct val="100000"/>
       </a:lnSpc>
@@ -116,7 +116,7 @@
         <a:srgbClr val="000000"/>
       </a:buClr>
       <a:buFont typeface="Arial"/>
-      <a:defRPr b="0" i="0" sz="1400" u="none" cap="none" strike="noStrike">
+      <a:defRPr sz="1400" b="0" i="0" u="none" strike="noStrike" cap="none">
         <a:solidFill>
           <a:srgbClr val="000000"/>
         </a:solidFill>
@@ -126,7 +126,7 @@
         <a:sym typeface="Arial"/>
       </a:defRPr>
     </a:lvl3pPr>
-    <a:lvl4pPr lvl="3" marR="0" rtl="0" algn="l">
+    <a:lvl4pPr marR="0" lvl="3" algn="l" rtl="0">
       <a:lnSpc>
         <a:spcPct val="100000"/>
       </a:lnSpc>
@@ -140,7 +140,7 @@
         <a:srgbClr val="000000"/>
       </a:buClr>
       <a:buFont typeface="Arial"/>
-      <a:defRPr b="0" i="0" sz="1400" u="none" cap="none" strike="noStrike">
+      <a:defRPr sz="1400" b="0" i="0" u="none" strike="noStrike" cap="none">
         <a:solidFill>
           <a:srgbClr val="000000"/>
         </a:solidFill>
@@ -150,7 +150,7 @@
         <a:sym typeface="Arial"/>
       </a:defRPr>
     </a:lvl4pPr>
-    <a:lvl5pPr lvl="4" marR="0" rtl="0" algn="l">
+    <a:lvl5pPr marR="0" lvl="4" algn="l" rtl="0">
       <a:lnSpc>
         <a:spcPct val="100000"/>
       </a:lnSpc>
@@ -164,7 +164,7 @@
         <a:srgbClr val="000000"/>
       </a:buClr>
       <a:buFont typeface="Arial"/>
-      <a:defRPr b="0" i="0" sz="1400" u="none" cap="none" strike="noStrike">
+      <a:defRPr sz="1400" b="0" i="0" u="none" strike="noStrike" cap="none">
         <a:solidFill>
           <a:srgbClr val="000000"/>
         </a:solidFill>
@@ -174,7 +174,7 @@
         <a:sym typeface="Arial"/>
       </a:defRPr>
     </a:lvl5pPr>
-    <a:lvl6pPr lvl="5" marR="0" rtl="0" algn="l">
+    <a:lvl6pPr marR="0" lvl="5" algn="l" rtl="0">
       <a:lnSpc>
         <a:spcPct val="100000"/>
       </a:lnSpc>
@@ -188,7 +188,7 @@
         <a:srgbClr val="000000"/>
       </a:buClr>
       <a:buFont typeface="Arial"/>
-      <a:defRPr b="0" i="0" sz="1400" u="none" cap="none" strike="noStrike">
+      <a:defRPr sz="1400" b="0" i="0" u="none" strike="noStrike" cap="none">
         <a:solidFill>
           <a:srgbClr val="000000"/>
         </a:solidFill>
@@ -198,7 +198,7 @@
         <a:sym typeface="Arial"/>
       </a:defRPr>
     </a:lvl6pPr>
-    <a:lvl7pPr lvl="6" marR="0" rtl="0" algn="l">
+    <a:lvl7pPr marR="0" lvl="6" algn="l" rtl="0">
       <a:lnSpc>
         <a:spcPct val="100000"/>
       </a:lnSpc>
@@ -212,7 +212,7 @@
         <a:srgbClr val="000000"/>
       </a:buClr>
       <a:buFont typeface="Arial"/>
-      <a:defRPr b="0" i="0" sz="1400" u="none" cap="none" strike="noStrike">
+      <a:defRPr sz="1400" b="0" i="0" u="none" strike="noStrike" cap="none">
         <a:solidFill>
           <a:srgbClr val="000000"/>
         </a:solidFill>
@@ -222,7 +222,7 @@
         <a:sym typeface="Arial"/>
       </a:defRPr>
     </a:lvl7pPr>
-    <a:lvl8pPr lvl="7" marR="0" rtl="0" algn="l">
+    <a:lvl8pPr marR="0" lvl="7" algn="l" rtl="0">
       <a:lnSpc>
         <a:spcPct val="100000"/>
       </a:lnSpc>
@@ -236,7 +236,7 @@
         <a:srgbClr val="000000"/>
       </a:buClr>
       <a:buFont typeface="Arial"/>
-      <a:defRPr b="0" i="0" sz="1400" u="none" cap="none" strike="noStrike">
+      <a:defRPr sz="1400" b="0" i="0" u="none" strike="noStrike" cap="none">
         <a:solidFill>
           <a:srgbClr val="000000"/>
         </a:solidFill>
@@ -246,7 +246,7 @@
         <a:sym typeface="Arial"/>
       </a:defRPr>
     </a:lvl8pPr>
-    <a:lvl9pPr lvl="8" marR="0" rtl="0" algn="l">
+    <a:lvl9pPr marR="0" lvl="8" algn="l" rtl="0">
       <a:lnSpc>
         <a:spcPct val="100000"/>
       </a:lnSpc>
@@ -260,7 +260,7 @@
         <a:srgbClr val="000000"/>
       </a:buClr>
       <a:buFont typeface="Arial"/>
-      <a:defRPr b="0" i="0" sz="1400" u="none" cap="none" strike="noStrike">
+      <a:defRPr sz="1400" b="0" i="0" u="none" strike="noStrike" cap="none">
         <a:solidFill>
           <a:srgbClr val="000000"/>
         </a:solidFill>
@@ -275,11 +275,16 @@
 </file>
 
 <file path=ppt/notesMasters/notesMaster1.xml><?xml version="1.0" encoding="utf-8"?>
-<p:notesMaster xmlns:a="http://schemas.openxmlformats.org/drawingml/2006/main" xmlns:r="http://schemas.openxmlformats.org/officeDocument/2006/relationships" xmlns:mc="http://schemas.openxmlformats.org/markup-compatibility/2006" xmlns:mv="urn:schemas-microsoft-com:mac:vml" xmlns:p="http://schemas.openxmlformats.org/presentationml/2006/main" xmlns:c="http://schemas.openxmlformats.org/drawingml/2006/chart" xmlns:dgm="http://schemas.openxmlformats.org/drawingml/2006/diagram" xmlns:o="urn:schemas-microsoft-com:office:office" xmlns:v="urn:schemas-microsoft-com:vml" xmlns:pvml="urn:schemas-microsoft-com:office:powerpoint" xmlns:com="http://schemas.openxmlformats.org/drawingml/2006/compatibility" xmlns:p14="http://schemas.microsoft.com/office/powerpoint/2010/main" xmlns:p15="http://schemas.microsoft.com/office/powerpoint/2012/main">
+<p:notesMaster xmlns:a="http://schemas.openxmlformats.org/drawingml/2006/main" xmlns:r="http://schemas.openxmlformats.org/officeDocument/2006/relationships" xmlns:p="http://schemas.openxmlformats.org/presentationml/2006/main">
   <p:cSld>
+    <p:bg>
+      <p:bgRef idx="1001">
+        <a:schemeClr val="bg1"/>
+      </p:bgRef>
+    </p:bg>
     <p:spTree>
       <p:nvGrpSpPr>
-        <p:cNvPr id="2" name="Shape 2"/>
+        <p:cNvPr id="1" name="Shape 2"/>
         <p:cNvGrpSpPr/>
         <p:nvPr/>
       </p:nvGrpSpPr>
@@ -294,9 +299,11 @@
       <p:sp>
         <p:nvSpPr>
           <p:cNvPr id="3" name="Google Shape;3;n"/>
-          <p:cNvSpPr/>
+          <p:cNvSpPr>
+            <a:spLocks noGrp="1" noRot="1" noChangeAspect="1"/>
+          </p:cNvSpPr>
           <p:nvPr>
-            <p:ph idx="2" type="sldImg"/>
+            <p:ph type="sldImg" idx="2"/>
           </p:nvPr>
         </p:nvSpPr>
         <p:spPr>
@@ -305,9 +312,13 @@
             <a:ext cx="6096075" cy="3429000"/>
           </a:xfrm>
           <a:custGeom>
-            <a:rect b="b" l="l" r="r" t="t"/>
+            <a:avLst/>
+            <a:gdLst/>
+            <a:ahLst/>
+            <a:cxnLst/>
+            <a:rect l="l" t="t" r="r" b="b"/>
             <a:pathLst>
-              <a:path extrusionOk="0" h="120000" w="120000">
+              <a:path w="120000" h="120000" extrusionOk="0">
                 <a:moveTo>
                   <a:pt x="0" y="0"/>
                 </a:moveTo>
@@ -325,23 +336,25 @@
             </a:pathLst>
           </a:custGeom>
           <a:noFill/>
-          <a:ln cap="flat" cmpd="sng" w="9525">
+          <a:ln w="9525" cap="flat" cmpd="sng">
             <a:solidFill>
               <a:srgbClr val="000000"/>
             </a:solidFill>
             <a:prstDash val="solid"/>
             <a:round/>
-            <a:headEnd len="sm" w="sm" type="none"/>
-            <a:tailEnd len="sm" w="sm" type="none"/>
+            <a:headEnd type="none" w="sm" len="sm"/>
+            <a:tailEnd type="none" w="sm" len="sm"/>
           </a:ln>
         </p:spPr>
       </p:sp>
       <p:sp>
         <p:nvSpPr>
           <p:cNvPr id="4" name="Google Shape;4;n"/>
-          <p:cNvSpPr txBox="1"/>
+          <p:cNvSpPr txBox="1">
+            <a:spLocks noGrp="1"/>
+          </p:cNvSpPr>
           <p:nvPr>
-            <p:ph idx="1" type="body"/>
+            <p:ph type="body" idx="1"/>
           </p:nvPr>
         </p:nvSpPr>
         <p:spPr>
@@ -358,9 +371,9 @@
           </a:ln>
         </p:spPr>
         <p:txBody>
-          <a:bodyPr anchorCtr="0" anchor="t" bIns="91425" lIns="91425" spcFirstLastPara="1" rIns="91425" wrap="square" tIns="91425"/>
+          <a:bodyPr spcFirstLastPara="1" wrap="square" lIns="91425" tIns="91425" rIns="91425" bIns="91425" anchor="t" anchorCtr="0"/>
           <a:lstStyle>
-            <a:lvl1pPr indent="-298450" lvl="0" marL="457200">
+            <a:lvl1pPr marL="457200" lvl="0" indent="-298450">
               <a:spcBef>
                 <a:spcPts val="0"/>
               </a:spcBef>
@@ -371,7 +384,7 @@
               <a:buChar char="●"/>
               <a:defRPr sz="1100"/>
             </a:lvl1pPr>
-            <a:lvl2pPr indent="-298450" lvl="1" marL="914400">
+            <a:lvl2pPr marL="914400" lvl="1" indent="-298450">
               <a:spcBef>
                 <a:spcPts val="0"/>
               </a:spcBef>
@@ -382,7 +395,7 @@
               <a:buChar char="○"/>
               <a:defRPr sz="1100"/>
             </a:lvl2pPr>
-            <a:lvl3pPr indent="-298450" lvl="2" marL="1371600">
+            <a:lvl3pPr marL="1371600" lvl="2" indent="-298450">
               <a:spcBef>
                 <a:spcPts val="0"/>
               </a:spcBef>
@@ -393,7 +406,7 @@
               <a:buChar char="■"/>
               <a:defRPr sz="1100"/>
             </a:lvl3pPr>
-            <a:lvl4pPr indent="-298450" lvl="3" marL="1828800">
+            <a:lvl4pPr marL="1828800" lvl="3" indent="-298450">
               <a:spcBef>
                 <a:spcPts val="0"/>
               </a:spcBef>
@@ -404,7 +417,7 @@
               <a:buChar char="●"/>
               <a:defRPr sz="1100"/>
             </a:lvl4pPr>
-            <a:lvl5pPr indent="-298450" lvl="4" marL="2286000">
+            <a:lvl5pPr marL="2286000" lvl="4" indent="-298450">
               <a:spcBef>
                 <a:spcPts val="0"/>
               </a:spcBef>
@@ -415,7 +428,7 @@
               <a:buChar char="○"/>
               <a:defRPr sz="1100"/>
             </a:lvl5pPr>
-            <a:lvl6pPr indent="-298450" lvl="5" marL="2743200">
+            <a:lvl6pPr marL="2743200" lvl="5" indent="-298450">
               <a:spcBef>
                 <a:spcPts val="0"/>
               </a:spcBef>
@@ -426,7 +439,7 @@
               <a:buChar char="■"/>
               <a:defRPr sz="1100"/>
             </a:lvl6pPr>
-            <a:lvl7pPr indent="-298450" lvl="6" marL="3200400">
+            <a:lvl7pPr marL="3200400" lvl="6" indent="-298450">
               <a:spcBef>
                 <a:spcPts val="0"/>
               </a:spcBef>
@@ -437,7 +450,7 @@
               <a:buChar char="●"/>
               <a:defRPr sz="1100"/>
             </a:lvl7pPr>
-            <a:lvl8pPr indent="-298450" lvl="7" marL="3657600">
+            <a:lvl8pPr marL="3657600" lvl="7" indent="-298450">
               <a:spcBef>
                 <a:spcPts val="0"/>
               </a:spcBef>
@@ -448,7 +461,7 @@
               <a:buChar char="○"/>
               <a:defRPr sz="1100"/>
             </a:lvl8pPr>
-            <a:lvl9pPr indent="-298450" lvl="8" marL="4114800">
+            <a:lvl9pPr marL="4114800" lvl="8" indent="-298450">
               <a:spcBef>
                 <a:spcPts val="0"/>
               </a:spcBef>
@@ -460,14 +473,16 @@
               <a:defRPr sz="1100"/>
             </a:lvl9pPr>
           </a:lstStyle>
-          <a:p/>
+          <a:p>
+            <a:endParaRPr/>
+          </a:p>
         </p:txBody>
       </p:sp>
     </p:spTree>
   </p:cSld>
-  <p:clrMap accent1="accent1" accent2="accent2" accent3="accent3" accent4="accent4" accent5="accent5" accent6="accent6" bg1="lt1" bg2="dk2" tx1="dk1" tx2="lt2" folHlink="folHlink" hlink="hlink"/>
+  <p:clrMap bg1="lt1" tx1="dk1" bg2="dk2" tx2="lt2" accent1="accent1" accent2="accent2" accent3="accent3" accent4="accent4" accent5="accent5" accent6="accent6" hlink="hlink" folHlink="folHlink"/>
   <p:notesStyle>
-    <a:defPPr lvl="0" marR="0" rtl="0" algn="l">
+    <a:defPPr marR="0" lvl="0" algn="l" rtl="0">
       <a:lnSpc>
         <a:spcPct val="100000"/>
       </a:lnSpc>
@@ -478,7 +493,7 @@
         <a:spcPts val="0"/>
       </a:spcAft>
     </a:defPPr>
-    <a:lvl1pPr lvl="0" marR="0" rtl="0" algn="l">
+    <a:lvl1pPr marR="0" lvl="0" algn="l" rtl="0">
       <a:lnSpc>
         <a:spcPct val="100000"/>
       </a:lnSpc>
@@ -492,7 +507,7 @@
         <a:srgbClr val="000000"/>
       </a:buClr>
       <a:buFont typeface="Arial"/>
-      <a:defRPr b="0" i="0" sz="1400" u="none" cap="none" strike="noStrike">
+      <a:defRPr sz="1400" b="0" i="0" u="none" strike="noStrike" cap="none">
         <a:solidFill>
           <a:srgbClr val="000000"/>
         </a:solidFill>
@@ -502,7 +517,7 @@
         <a:sym typeface="Arial"/>
       </a:defRPr>
     </a:lvl1pPr>
-    <a:lvl2pPr lvl="1" marR="0" rtl="0" algn="l">
+    <a:lvl2pPr marR="0" lvl="1" algn="l" rtl="0">
       <a:lnSpc>
         <a:spcPct val="100000"/>
       </a:lnSpc>
@@ -516,7 +531,7 @@
         <a:srgbClr val="000000"/>
       </a:buClr>
       <a:buFont typeface="Arial"/>
-      <a:defRPr b="0" i="0" sz="1400" u="none" cap="none" strike="noStrike">
+      <a:defRPr sz="1400" b="0" i="0" u="none" strike="noStrike" cap="none">
         <a:solidFill>
           <a:srgbClr val="000000"/>
         </a:solidFill>
@@ -526,7 +541,7 @@
         <a:sym typeface="Arial"/>
       </a:defRPr>
     </a:lvl2pPr>
-    <a:lvl3pPr lvl="2" marR="0" rtl="0" algn="l">
+    <a:lvl3pPr marR="0" lvl="2" algn="l" rtl="0">
       <a:lnSpc>
         <a:spcPct val="100000"/>
       </a:lnSpc>
@@ -540,7 +555,7 @@
         <a:srgbClr val="000000"/>
       </a:buClr>
       <a:buFont typeface="Arial"/>
-      <a:defRPr b="0" i="0" sz="1400" u="none" cap="none" strike="noStrike">
+      <a:defRPr sz="1400" b="0" i="0" u="none" strike="noStrike" cap="none">
         <a:solidFill>
           <a:srgbClr val="000000"/>
         </a:solidFill>
@@ -550,7 +565,7 @@
         <a:sym typeface="Arial"/>
       </a:defRPr>
     </a:lvl3pPr>
-    <a:lvl4pPr lvl="3" marR="0" rtl="0" algn="l">
+    <a:lvl4pPr marR="0" lvl="3" algn="l" rtl="0">
       <a:lnSpc>
         <a:spcPct val="100000"/>
       </a:lnSpc>
@@ -564,7 +579,7 @@
         <a:srgbClr val="000000"/>
       </a:buClr>
       <a:buFont typeface="Arial"/>
-      <a:defRPr b="0" i="0" sz="1400" u="none" cap="none" strike="noStrike">
+      <a:defRPr sz="1400" b="0" i="0" u="none" strike="noStrike" cap="none">
         <a:solidFill>
           <a:srgbClr val="000000"/>
         </a:solidFill>
@@ -574,7 +589,7 @@
         <a:sym typeface="Arial"/>
       </a:defRPr>
     </a:lvl4pPr>
-    <a:lvl5pPr lvl="4" marR="0" rtl="0" algn="l">
+    <a:lvl5pPr marR="0" lvl="4" algn="l" rtl="0">
       <a:lnSpc>
         <a:spcPct val="100000"/>
       </a:lnSpc>
@@ -588,7 +603,7 @@
         <a:srgbClr val="000000"/>
       </a:buClr>
       <a:buFont typeface="Arial"/>
-      <a:defRPr b="0" i="0" sz="1400" u="none" cap="none" strike="noStrike">
+      <a:defRPr sz="1400" b="0" i="0" u="none" strike="noStrike" cap="none">
         <a:solidFill>
           <a:srgbClr val="000000"/>
         </a:solidFill>
@@ -598,7 +613,7 @@
         <a:sym typeface="Arial"/>
       </a:defRPr>
     </a:lvl5pPr>
-    <a:lvl6pPr lvl="5" marR="0" rtl="0" algn="l">
+    <a:lvl6pPr marR="0" lvl="5" algn="l" rtl="0">
       <a:lnSpc>
         <a:spcPct val="100000"/>
       </a:lnSpc>
@@ -612,7 +627,7 @@
         <a:srgbClr val="000000"/>
       </a:buClr>
       <a:buFont typeface="Arial"/>
-      <a:defRPr b="0" i="0" sz="1400" u="none" cap="none" strike="noStrike">
+      <a:defRPr sz="1400" b="0" i="0" u="none" strike="noStrike" cap="none">
         <a:solidFill>
           <a:srgbClr val="000000"/>
         </a:solidFill>
@@ -622,7 +637,7 @@
         <a:sym typeface="Arial"/>
       </a:defRPr>
     </a:lvl6pPr>
-    <a:lvl7pPr lvl="6" marR="0" rtl="0" algn="l">
+    <a:lvl7pPr marR="0" lvl="6" algn="l" rtl="0">
       <a:lnSpc>
         <a:spcPct val="100000"/>
       </a:lnSpc>
@@ -636,7 +651,7 @@
         <a:srgbClr val="000000"/>
       </a:buClr>
       <a:buFont typeface="Arial"/>
-      <a:defRPr b="0" i="0" sz="1400" u="none" cap="none" strike="noStrike">
+      <a:defRPr sz="1400" b="0" i="0" u="none" strike="noStrike" cap="none">
         <a:solidFill>
           <a:srgbClr val="000000"/>
         </a:solidFill>
@@ -646,7 +661,7 @@
         <a:sym typeface="Arial"/>
       </a:defRPr>
     </a:lvl7pPr>
-    <a:lvl8pPr lvl="7" marR="0" rtl="0" algn="l">
+    <a:lvl8pPr marR="0" lvl="7" algn="l" rtl="0">
       <a:lnSpc>
         <a:spcPct val="100000"/>
       </a:lnSpc>
@@ -660,7 +675,7 @@
         <a:srgbClr val="000000"/>
       </a:buClr>
       <a:buFont typeface="Arial"/>
-      <a:defRPr b="0" i="0" sz="1400" u="none" cap="none" strike="noStrike">
+      <a:defRPr sz="1400" b="0" i="0" u="none" strike="noStrike" cap="none">
         <a:solidFill>
           <a:srgbClr val="000000"/>
         </a:solidFill>
@@ -670,7 +685,7 @@
         <a:sym typeface="Arial"/>
       </a:defRPr>
     </a:lvl8pPr>
-    <a:lvl9pPr lvl="8" marR="0" rtl="0" algn="l">
+    <a:lvl9pPr marR="0" lvl="8" algn="l" rtl="0">
       <a:lnSpc>
         <a:spcPct val="100000"/>
       </a:lnSpc>
@@ -684,7 +699,7 @@
         <a:srgbClr val="000000"/>
       </a:buClr>
       <a:buFont typeface="Arial"/>
-      <a:defRPr b="0" i="0" sz="1400" u="none" cap="none" strike="noStrike">
+      <a:defRPr sz="1400" b="0" i="0" u="none" strike="noStrike" cap="none">
         <a:solidFill>
           <a:srgbClr val="000000"/>
         </a:solidFill>
@@ -699,11 +714,11 @@
 </file>
 
 <file path=ppt/notesSlides/notesSlide1.xml><?xml version="1.0" encoding="utf-8"?>
-<p:notes xmlns:a="http://schemas.openxmlformats.org/drawingml/2006/main" xmlns:r="http://schemas.openxmlformats.org/officeDocument/2006/relationships" xmlns:mc="http://schemas.openxmlformats.org/markup-compatibility/2006" xmlns:mv="urn:schemas-microsoft-com:mac:vml" xmlns:p="http://schemas.openxmlformats.org/presentationml/2006/main" xmlns:c="http://schemas.openxmlformats.org/drawingml/2006/chart" xmlns:dgm="http://schemas.openxmlformats.org/drawingml/2006/diagram" xmlns:o="urn:schemas-microsoft-com:office:office" xmlns:v="urn:schemas-microsoft-com:vml" xmlns:pvml="urn:schemas-microsoft-com:office:powerpoint" xmlns:com="http://schemas.openxmlformats.org/drawingml/2006/compatibility" xmlns:p14="http://schemas.microsoft.com/office/powerpoint/2010/main" xmlns:p15="http://schemas.microsoft.com/office/powerpoint/2012/main" showMasterPhAnim="0" showMasterSp="0">
+<p:notes xmlns:a="http://schemas.openxmlformats.org/drawingml/2006/main" xmlns:r="http://schemas.openxmlformats.org/officeDocument/2006/relationships" xmlns:p="http://schemas.openxmlformats.org/presentationml/2006/main" showMasterSp="0" showMasterPhAnim="0">
   <p:cSld>
     <p:spTree>
       <p:nvGrpSpPr>
-        <p:cNvPr id="130" name="Shape 130"/>
+        <p:cNvPr id="1" name="Shape 130"/>
         <p:cNvGrpSpPr/>
         <p:nvPr/>
       </p:nvGrpSpPr>
@@ -718,9 +733,11 @@
       <p:sp>
         <p:nvSpPr>
           <p:cNvPr id="131" name="Google Shape;131;p:notes"/>
-          <p:cNvSpPr/>
+          <p:cNvSpPr>
+            <a:spLocks noGrp="1" noRot="1" noChangeAspect="1"/>
+          </p:cNvSpPr>
           <p:nvPr>
-            <p:ph idx="2" type="sldImg"/>
+            <p:ph type="sldImg" idx="2"/>
           </p:nvPr>
         </p:nvSpPr>
         <p:spPr>
@@ -729,9 +746,13 @@
             <a:ext cx="6096075" cy="3429000"/>
           </a:xfrm>
           <a:custGeom>
-            <a:rect b="b" l="l" r="r" t="t"/>
+            <a:avLst/>
+            <a:gdLst/>
+            <a:ahLst/>
+            <a:cxnLst/>
+            <a:rect l="l" t="t" r="r" b="b"/>
             <a:pathLst>
-              <a:path extrusionOk="0" h="120000" w="120000">
+              <a:path w="120000" h="120000" extrusionOk="0">
                 <a:moveTo>
                   <a:pt x="0" y="0"/>
                 </a:moveTo>
@@ -753,9 +774,11 @@
       <p:sp>
         <p:nvSpPr>
           <p:cNvPr id="132" name="Google Shape;132;p:notes"/>
-          <p:cNvSpPr txBox="1"/>
+          <p:cNvSpPr txBox="1">
+            <a:spLocks noGrp="1"/>
+          </p:cNvSpPr>
           <p:nvPr>
-            <p:ph idx="1" type="body"/>
+            <p:ph type="body" idx="1"/>
           </p:nvPr>
         </p:nvSpPr>
         <p:spPr>
@@ -768,12 +791,12 @@
           </a:prstGeom>
         </p:spPr>
         <p:txBody>
-          <a:bodyPr anchorCtr="0" anchor="t" bIns="91425" lIns="91425" spcFirstLastPara="1" rIns="91425" wrap="square" tIns="91425">
+          <a:bodyPr spcFirstLastPara="1" wrap="square" lIns="91425" tIns="91425" rIns="91425" bIns="91425" anchor="t" anchorCtr="0">
             <a:noAutofit/>
           </a:bodyPr>
           <a:lstStyle/>
           <a:p>
-            <a:pPr indent="0" lvl="0" marL="0" rtl="0" algn="l">
+            <a:pPr marL="0" lvl="0" indent="0" algn="l" rtl="0">
               <a:spcBef>
                 <a:spcPts val="0"/>
               </a:spcBef>
@@ -782,9 +805,6 @@
               </a:spcAft>
               <a:buNone/>
             </a:pPr>
-            <a:r>
-              <a:t/>
-            </a:r>
             <a:endParaRPr/>
           </a:p>
         </p:txBody>
@@ -798,11 +818,11 @@
 </file>
 
 <file path=ppt/notesSlides/notesSlide10.xml><?xml version="1.0" encoding="utf-8"?>
-<p:notes xmlns:a="http://schemas.openxmlformats.org/drawingml/2006/main" xmlns:r="http://schemas.openxmlformats.org/officeDocument/2006/relationships" xmlns:mc="http://schemas.openxmlformats.org/markup-compatibility/2006" xmlns:mv="urn:schemas-microsoft-com:mac:vml" xmlns:p="http://schemas.openxmlformats.org/presentationml/2006/main" xmlns:c="http://schemas.openxmlformats.org/drawingml/2006/chart" xmlns:dgm="http://schemas.openxmlformats.org/drawingml/2006/diagram" xmlns:o="urn:schemas-microsoft-com:office:office" xmlns:v="urn:schemas-microsoft-com:vml" xmlns:pvml="urn:schemas-microsoft-com:office:powerpoint" xmlns:com="http://schemas.openxmlformats.org/drawingml/2006/compatibility" xmlns:p14="http://schemas.microsoft.com/office/powerpoint/2010/main" xmlns:p15="http://schemas.microsoft.com/office/powerpoint/2012/main" showMasterPhAnim="0" showMasterSp="0">
+<p:notes xmlns:a="http://schemas.openxmlformats.org/drawingml/2006/main" xmlns:r="http://schemas.openxmlformats.org/officeDocument/2006/relationships" xmlns:p="http://schemas.openxmlformats.org/presentationml/2006/main" showMasterSp="0" showMasterPhAnim="0">
   <p:cSld>
     <p:spTree>
       <p:nvGrpSpPr>
-        <p:cNvPr id="184" name="Shape 184"/>
+        <p:cNvPr id="1" name="Shape 184"/>
         <p:cNvGrpSpPr/>
         <p:nvPr/>
       </p:nvGrpSpPr>
@@ -817,9 +837,11 @@
       <p:sp>
         <p:nvSpPr>
           <p:cNvPr id="185" name="Google Shape;185;g4cd49abcab_1_7:notes"/>
-          <p:cNvSpPr/>
+          <p:cNvSpPr>
+            <a:spLocks noGrp="1" noRot="1" noChangeAspect="1"/>
+          </p:cNvSpPr>
           <p:nvPr>
-            <p:ph idx="2" type="sldImg"/>
+            <p:ph type="sldImg" idx="2"/>
           </p:nvPr>
         </p:nvSpPr>
         <p:spPr>
@@ -828,9 +850,13 @@
             <a:ext cx="6096000" cy="3429000"/>
           </a:xfrm>
           <a:custGeom>
-            <a:rect b="b" l="l" r="r" t="t"/>
+            <a:avLst/>
+            <a:gdLst/>
+            <a:ahLst/>
+            <a:cxnLst/>
+            <a:rect l="l" t="t" r="r" b="b"/>
             <a:pathLst>
-              <a:path extrusionOk="0" h="120000" w="120000">
+              <a:path w="120000" h="120000" extrusionOk="0">
                 <a:moveTo>
                   <a:pt x="0" y="0"/>
                 </a:moveTo>
@@ -852,9 +878,11 @@
       <p:sp>
         <p:nvSpPr>
           <p:cNvPr id="186" name="Google Shape;186;g4cd49abcab_1_7:notes"/>
-          <p:cNvSpPr txBox="1"/>
+          <p:cNvSpPr txBox="1">
+            <a:spLocks noGrp="1"/>
+          </p:cNvSpPr>
           <p:nvPr>
-            <p:ph idx="1" type="body"/>
+            <p:ph type="body" idx="1"/>
           </p:nvPr>
         </p:nvSpPr>
         <p:spPr>
@@ -867,12 +895,12 @@
           </a:prstGeom>
         </p:spPr>
         <p:txBody>
-          <a:bodyPr anchorCtr="0" anchor="t" bIns="91425" lIns="91425" spcFirstLastPara="1" rIns="91425" wrap="square" tIns="91425">
+          <a:bodyPr spcFirstLastPara="1" wrap="square" lIns="91425" tIns="91425" rIns="91425" bIns="91425" anchor="t" anchorCtr="0">
             <a:noAutofit/>
           </a:bodyPr>
           <a:lstStyle/>
           <a:p>
-            <a:pPr indent="0" lvl="0" marL="0" rtl="0" algn="l">
+            <a:pPr marL="0" lvl="0" indent="0" algn="l" rtl="0">
               <a:spcBef>
                 <a:spcPts val="0"/>
               </a:spcBef>
@@ -881,9 +909,6 @@
               </a:spcAft>
               <a:buNone/>
             </a:pPr>
-            <a:r>
-              <a:t/>
-            </a:r>
             <a:endParaRPr/>
           </a:p>
         </p:txBody>
@@ -897,11 +922,11 @@
 </file>
 
 <file path=ppt/notesSlides/notesSlide11.xml><?xml version="1.0" encoding="utf-8"?>
-<p:notes xmlns:a="http://schemas.openxmlformats.org/drawingml/2006/main" xmlns:r="http://schemas.openxmlformats.org/officeDocument/2006/relationships" xmlns:mc="http://schemas.openxmlformats.org/markup-compatibility/2006" xmlns:mv="urn:schemas-microsoft-com:mac:vml" xmlns:p="http://schemas.openxmlformats.org/presentationml/2006/main" xmlns:c="http://schemas.openxmlformats.org/drawingml/2006/chart" xmlns:dgm="http://schemas.openxmlformats.org/drawingml/2006/diagram" xmlns:o="urn:schemas-microsoft-com:office:office" xmlns:v="urn:schemas-microsoft-com:vml" xmlns:pvml="urn:schemas-microsoft-com:office:powerpoint" xmlns:com="http://schemas.openxmlformats.org/drawingml/2006/compatibility" xmlns:p14="http://schemas.microsoft.com/office/powerpoint/2010/main" xmlns:p15="http://schemas.microsoft.com/office/powerpoint/2012/main" showMasterPhAnim="0" showMasterSp="0">
+<p:notes xmlns:a="http://schemas.openxmlformats.org/drawingml/2006/main" xmlns:r="http://schemas.openxmlformats.org/officeDocument/2006/relationships" xmlns:p="http://schemas.openxmlformats.org/presentationml/2006/main" showMasterSp="0" showMasterPhAnim="0">
   <p:cSld>
     <p:spTree>
       <p:nvGrpSpPr>
-        <p:cNvPr id="192" name="Shape 192"/>
+        <p:cNvPr id="1" name="Shape 192"/>
         <p:cNvGrpSpPr/>
         <p:nvPr/>
       </p:nvGrpSpPr>
@@ -916,9 +941,11 @@
       <p:sp>
         <p:nvSpPr>
           <p:cNvPr id="193" name="Google Shape;193;g4cd49abcab_1_16:notes"/>
-          <p:cNvSpPr/>
+          <p:cNvSpPr>
+            <a:spLocks noGrp="1" noRot="1" noChangeAspect="1"/>
+          </p:cNvSpPr>
           <p:nvPr>
-            <p:ph idx="2" type="sldImg"/>
+            <p:ph type="sldImg" idx="2"/>
           </p:nvPr>
         </p:nvSpPr>
         <p:spPr>
@@ -927,9 +954,13 @@
             <a:ext cx="6096000" cy="3429000"/>
           </a:xfrm>
           <a:custGeom>
-            <a:rect b="b" l="l" r="r" t="t"/>
+            <a:avLst/>
+            <a:gdLst/>
+            <a:ahLst/>
+            <a:cxnLst/>
+            <a:rect l="l" t="t" r="r" b="b"/>
             <a:pathLst>
-              <a:path extrusionOk="0" h="120000" w="120000">
+              <a:path w="120000" h="120000" extrusionOk="0">
                 <a:moveTo>
                   <a:pt x="0" y="0"/>
                 </a:moveTo>
@@ -951,9 +982,11 @@
       <p:sp>
         <p:nvSpPr>
           <p:cNvPr id="194" name="Google Shape;194;g4cd49abcab_1_16:notes"/>
-          <p:cNvSpPr txBox="1"/>
+          <p:cNvSpPr txBox="1">
+            <a:spLocks noGrp="1"/>
+          </p:cNvSpPr>
           <p:nvPr>
-            <p:ph idx="1" type="body"/>
+            <p:ph type="body" idx="1"/>
           </p:nvPr>
         </p:nvSpPr>
         <p:spPr>
@@ -966,12 +999,12 @@
           </a:prstGeom>
         </p:spPr>
         <p:txBody>
-          <a:bodyPr anchorCtr="0" anchor="t" bIns="91425" lIns="91425" spcFirstLastPara="1" rIns="91425" wrap="square" tIns="91425">
+          <a:bodyPr spcFirstLastPara="1" wrap="square" lIns="91425" tIns="91425" rIns="91425" bIns="91425" anchor="t" anchorCtr="0">
             <a:noAutofit/>
           </a:bodyPr>
           <a:lstStyle/>
           <a:p>
-            <a:pPr indent="0" lvl="0" marL="0" rtl="0" algn="l">
+            <a:pPr marL="0" lvl="0" indent="0" algn="l" rtl="0">
               <a:spcBef>
                 <a:spcPts val="0"/>
               </a:spcBef>
@@ -980,9 +1013,6 @@
               </a:spcAft>
               <a:buNone/>
             </a:pPr>
-            <a:r>
-              <a:t/>
-            </a:r>
             <a:endParaRPr/>
           </a:p>
         </p:txBody>
@@ -996,11 +1026,11 @@
 </file>
 
 <file path=ppt/notesSlides/notesSlide12.xml><?xml version="1.0" encoding="utf-8"?>
-<p:notes xmlns:a="http://schemas.openxmlformats.org/drawingml/2006/main" xmlns:r="http://schemas.openxmlformats.org/officeDocument/2006/relationships" xmlns:mc="http://schemas.openxmlformats.org/markup-compatibility/2006" xmlns:mv="urn:schemas-microsoft-com:mac:vml" xmlns:p="http://schemas.openxmlformats.org/presentationml/2006/main" xmlns:c="http://schemas.openxmlformats.org/drawingml/2006/chart" xmlns:dgm="http://schemas.openxmlformats.org/drawingml/2006/diagram" xmlns:o="urn:schemas-microsoft-com:office:office" xmlns:v="urn:schemas-microsoft-com:vml" xmlns:pvml="urn:schemas-microsoft-com:office:powerpoint" xmlns:com="http://schemas.openxmlformats.org/drawingml/2006/compatibility" xmlns:p14="http://schemas.microsoft.com/office/powerpoint/2010/main" xmlns:p15="http://schemas.microsoft.com/office/powerpoint/2012/main" showMasterPhAnim="0" showMasterSp="0">
+<p:notes xmlns:a="http://schemas.openxmlformats.org/drawingml/2006/main" xmlns:r="http://schemas.openxmlformats.org/officeDocument/2006/relationships" xmlns:p="http://schemas.openxmlformats.org/presentationml/2006/main" showMasterSp="0" showMasterPhAnim="0">
   <p:cSld>
     <p:spTree>
       <p:nvGrpSpPr>
-        <p:cNvPr id="198" name="Shape 198"/>
+        <p:cNvPr id="1" name="Shape 198"/>
         <p:cNvGrpSpPr/>
         <p:nvPr/>
       </p:nvGrpSpPr>
@@ -1015,9 +1045,11 @@
       <p:sp>
         <p:nvSpPr>
           <p:cNvPr id="199" name="Google Shape;199;g4cd49abcab_1_36:notes"/>
-          <p:cNvSpPr/>
+          <p:cNvSpPr>
+            <a:spLocks noGrp="1" noRot="1" noChangeAspect="1"/>
+          </p:cNvSpPr>
           <p:nvPr>
-            <p:ph idx="2" type="sldImg"/>
+            <p:ph type="sldImg" idx="2"/>
           </p:nvPr>
         </p:nvSpPr>
         <p:spPr>
@@ -1026,9 +1058,13 @@
             <a:ext cx="6096000" cy="3429000"/>
           </a:xfrm>
           <a:custGeom>
-            <a:rect b="b" l="l" r="r" t="t"/>
+            <a:avLst/>
+            <a:gdLst/>
+            <a:ahLst/>
+            <a:cxnLst/>
+            <a:rect l="l" t="t" r="r" b="b"/>
             <a:pathLst>
-              <a:path extrusionOk="0" h="120000" w="120000">
+              <a:path w="120000" h="120000" extrusionOk="0">
                 <a:moveTo>
                   <a:pt x="0" y="0"/>
                 </a:moveTo>
@@ -1050,9 +1086,11 @@
       <p:sp>
         <p:nvSpPr>
           <p:cNvPr id="200" name="Google Shape;200;g4cd49abcab_1_36:notes"/>
-          <p:cNvSpPr txBox="1"/>
+          <p:cNvSpPr txBox="1">
+            <a:spLocks noGrp="1"/>
+          </p:cNvSpPr>
           <p:nvPr>
-            <p:ph idx="1" type="body"/>
+            <p:ph type="body" idx="1"/>
           </p:nvPr>
         </p:nvSpPr>
         <p:spPr>
@@ -1065,12 +1103,12 @@
           </a:prstGeom>
         </p:spPr>
         <p:txBody>
-          <a:bodyPr anchorCtr="0" anchor="t" bIns="91425" lIns="91425" spcFirstLastPara="1" rIns="91425" wrap="square" tIns="91425">
+          <a:bodyPr spcFirstLastPara="1" wrap="square" lIns="91425" tIns="91425" rIns="91425" bIns="91425" anchor="t" anchorCtr="0">
             <a:noAutofit/>
           </a:bodyPr>
           <a:lstStyle/>
           <a:p>
-            <a:pPr indent="0" lvl="0" marL="0" rtl="0" algn="l">
+            <a:pPr marL="0" lvl="0" indent="0" algn="l" rtl="0">
               <a:spcBef>
                 <a:spcPts val="0"/>
               </a:spcBef>
@@ -1079,9 +1117,6 @@
               </a:spcAft>
               <a:buNone/>
             </a:pPr>
-            <a:r>
-              <a:t/>
-            </a:r>
             <a:endParaRPr/>
           </a:p>
         </p:txBody>
@@ -1095,110 +1130,11 @@
 </file>
 
 <file path=ppt/notesSlides/notesSlide13.xml><?xml version="1.0" encoding="utf-8"?>
-<p:notes xmlns:a="http://schemas.openxmlformats.org/drawingml/2006/main" xmlns:r="http://schemas.openxmlformats.org/officeDocument/2006/relationships" xmlns:mc="http://schemas.openxmlformats.org/markup-compatibility/2006" xmlns:mv="urn:schemas-microsoft-com:mac:vml" xmlns:p="http://schemas.openxmlformats.org/presentationml/2006/main" xmlns:c="http://schemas.openxmlformats.org/drawingml/2006/chart" xmlns:dgm="http://schemas.openxmlformats.org/drawingml/2006/diagram" xmlns:o="urn:schemas-microsoft-com:office:office" xmlns:v="urn:schemas-microsoft-com:vml" xmlns:pvml="urn:schemas-microsoft-com:office:powerpoint" xmlns:com="http://schemas.openxmlformats.org/drawingml/2006/compatibility" xmlns:p14="http://schemas.microsoft.com/office/powerpoint/2010/main" xmlns:p15="http://schemas.microsoft.com/office/powerpoint/2012/main" showMasterPhAnim="0" showMasterSp="0">
+<p:notes xmlns:a="http://schemas.openxmlformats.org/drawingml/2006/main" xmlns:r="http://schemas.openxmlformats.org/officeDocument/2006/relationships" xmlns:p="http://schemas.openxmlformats.org/presentationml/2006/main" showMasterSp="0" showMasterPhAnim="0">
   <p:cSld>
     <p:spTree>
       <p:nvGrpSpPr>
-        <p:cNvPr id="204" name="Shape 204"/>
-        <p:cNvGrpSpPr/>
-        <p:nvPr/>
-      </p:nvGrpSpPr>
-      <p:grpSpPr>
-        <a:xfrm>
-          <a:off x="0" y="0"/>
-          <a:ext cx="0" cy="0"/>
-          <a:chOff x="0" y="0"/>
-          <a:chExt cx="0" cy="0"/>
-        </a:xfrm>
-      </p:grpSpPr>
-      <p:sp>
-        <p:nvSpPr>
-          <p:cNvPr id="205" name="Google Shape;205;g4cd49abcab_1_21:notes"/>
-          <p:cNvSpPr/>
-          <p:nvPr>
-            <p:ph idx="2" type="sldImg"/>
-          </p:nvPr>
-        </p:nvSpPr>
-        <p:spPr>
-          <a:xfrm>
-            <a:off x="381300" y="685800"/>
-            <a:ext cx="6096000" cy="3429000"/>
-          </a:xfrm>
-          <a:custGeom>
-            <a:rect b="b" l="l" r="r" t="t"/>
-            <a:pathLst>
-              <a:path extrusionOk="0" h="120000" w="120000">
-                <a:moveTo>
-                  <a:pt x="0" y="0"/>
-                </a:moveTo>
-                <a:lnTo>
-                  <a:pt x="120000" y="0"/>
-                </a:lnTo>
-                <a:lnTo>
-                  <a:pt x="120000" y="120000"/>
-                </a:lnTo>
-                <a:lnTo>
-                  <a:pt x="0" y="120000"/>
-                </a:lnTo>
-                <a:close/>
-              </a:path>
-            </a:pathLst>
-          </a:custGeom>
-        </p:spPr>
-      </p:sp>
-      <p:sp>
-        <p:nvSpPr>
-          <p:cNvPr id="206" name="Google Shape;206;g4cd49abcab_1_21:notes"/>
-          <p:cNvSpPr txBox="1"/>
-          <p:nvPr>
-            <p:ph idx="1" type="body"/>
-          </p:nvPr>
-        </p:nvSpPr>
-        <p:spPr>
-          <a:xfrm>
-            <a:off x="685800" y="4343400"/>
-            <a:ext cx="5486400" cy="4114800"/>
-          </a:xfrm>
-          <a:prstGeom prst="rect">
-            <a:avLst/>
-          </a:prstGeom>
-        </p:spPr>
-        <p:txBody>
-          <a:bodyPr anchorCtr="0" anchor="t" bIns="91425" lIns="91425" spcFirstLastPara="1" rIns="91425" wrap="square" tIns="91425">
-            <a:noAutofit/>
-          </a:bodyPr>
-          <a:lstStyle/>
-          <a:p>
-            <a:pPr indent="0" lvl="0" marL="0" rtl="0" algn="l">
-              <a:spcBef>
-                <a:spcPts val="0"/>
-              </a:spcBef>
-              <a:spcAft>
-                <a:spcPts val="0"/>
-              </a:spcAft>
-              <a:buNone/>
-            </a:pPr>
-            <a:r>
-              <a:t/>
-            </a:r>
-            <a:endParaRPr/>
-          </a:p>
-        </p:txBody>
-      </p:sp>
-    </p:spTree>
-  </p:cSld>
-  <p:clrMapOvr>
-    <a:masterClrMapping/>
-  </p:clrMapOvr>
-</p:notes>
-</file>
-
-<file path=ppt/notesSlides/notesSlide14.xml><?xml version="1.0" encoding="utf-8"?>
-<p:notes xmlns:a="http://schemas.openxmlformats.org/drawingml/2006/main" xmlns:r="http://schemas.openxmlformats.org/officeDocument/2006/relationships" xmlns:mc="http://schemas.openxmlformats.org/markup-compatibility/2006" xmlns:mv="urn:schemas-microsoft-com:mac:vml" xmlns:p="http://schemas.openxmlformats.org/presentationml/2006/main" xmlns:c="http://schemas.openxmlformats.org/drawingml/2006/chart" xmlns:dgm="http://schemas.openxmlformats.org/drawingml/2006/diagram" xmlns:o="urn:schemas-microsoft-com:office:office" xmlns:v="urn:schemas-microsoft-com:vml" xmlns:pvml="urn:schemas-microsoft-com:office:powerpoint" xmlns:com="http://schemas.openxmlformats.org/drawingml/2006/compatibility" xmlns:p14="http://schemas.microsoft.com/office/powerpoint/2010/main" xmlns:p15="http://schemas.microsoft.com/office/powerpoint/2012/main" showMasterPhAnim="0" showMasterSp="0">
-  <p:cSld>
-    <p:spTree>
-      <p:nvGrpSpPr>
-        <p:cNvPr id="211" name="Shape 211"/>
+        <p:cNvPr id="1" name="Shape 211"/>
         <p:cNvGrpSpPr/>
         <p:nvPr/>
       </p:nvGrpSpPr>
@@ -1213,9 +1149,11 @@
       <p:sp>
         <p:nvSpPr>
           <p:cNvPr id="212" name="Google Shape;212;g4cd49abcab_1_30:notes"/>
-          <p:cNvSpPr/>
+          <p:cNvSpPr>
+            <a:spLocks noGrp="1" noRot="1" noChangeAspect="1"/>
+          </p:cNvSpPr>
           <p:nvPr>
-            <p:ph idx="2" type="sldImg"/>
+            <p:ph type="sldImg" idx="2"/>
           </p:nvPr>
         </p:nvSpPr>
         <p:spPr>
@@ -1224,9 +1162,13 @@
             <a:ext cx="6096000" cy="3429000"/>
           </a:xfrm>
           <a:custGeom>
-            <a:rect b="b" l="l" r="r" t="t"/>
+            <a:avLst/>
+            <a:gdLst/>
+            <a:ahLst/>
+            <a:cxnLst/>
+            <a:rect l="l" t="t" r="r" b="b"/>
             <a:pathLst>
-              <a:path extrusionOk="0" h="120000" w="120000">
+              <a:path w="120000" h="120000" extrusionOk="0">
                 <a:moveTo>
                   <a:pt x="0" y="0"/>
                 </a:moveTo>
@@ -1248,9 +1190,11 @@
       <p:sp>
         <p:nvSpPr>
           <p:cNvPr id="213" name="Google Shape;213;g4cd49abcab_1_30:notes"/>
-          <p:cNvSpPr txBox="1"/>
+          <p:cNvSpPr txBox="1">
+            <a:spLocks noGrp="1"/>
+          </p:cNvSpPr>
           <p:nvPr>
-            <p:ph idx="1" type="body"/>
+            <p:ph type="body" idx="1"/>
           </p:nvPr>
         </p:nvSpPr>
         <p:spPr>
@@ -1263,12 +1207,12 @@
           </a:prstGeom>
         </p:spPr>
         <p:txBody>
-          <a:bodyPr anchorCtr="0" anchor="t" bIns="91425" lIns="91425" spcFirstLastPara="1" rIns="91425" wrap="square" tIns="91425">
+          <a:bodyPr spcFirstLastPara="1" wrap="square" lIns="91425" tIns="91425" rIns="91425" bIns="91425" anchor="t" anchorCtr="0">
             <a:noAutofit/>
           </a:bodyPr>
           <a:lstStyle/>
           <a:p>
-            <a:pPr indent="0" lvl="0" marL="0" rtl="0" algn="l">
+            <a:pPr marL="0" lvl="0" indent="0" algn="l" rtl="0">
               <a:spcBef>
                 <a:spcPts val="0"/>
               </a:spcBef>
@@ -1277,9 +1221,6 @@
               </a:spcAft>
               <a:buNone/>
             </a:pPr>
-            <a:r>
-              <a:t/>
-            </a:r>
             <a:endParaRPr/>
           </a:p>
         </p:txBody>
@@ -1292,12 +1233,12 @@
 </p:notes>
 </file>
 
-<file path=ppt/notesSlides/notesSlide15.xml><?xml version="1.0" encoding="utf-8"?>
-<p:notes xmlns:a="http://schemas.openxmlformats.org/drawingml/2006/main" xmlns:r="http://schemas.openxmlformats.org/officeDocument/2006/relationships" xmlns:mc="http://schemas.openxmlformats.org/markup-compatibility/2006" xmlns:mv="urn:schemas-microsoft-com:mac:vml" xmlns:p="http://schemas.openxmlformats.org/presentationml/2006/main" xmlns:c="http://schemas.openxmlformats.org/drawingml/2006/chart" xmlns:dgm="http://schemas.openxmlformats.org/drawingml/2006/diagram" xmlns:o="urn:schemas-microsoft-com:office:office" xmlns:v="urn:schemas-microsoft-com:vml" xmlns:pvml="urn:schemas-microsoft-com:office:powerpoint" xmlns:com="http://schemas.openxmlformats.org/drawingml/2006/compatibility" xmlns:p14="http://schemas.microsoft.com/office/powerpoint/2010/main" xmlns:p15="http://schemas.microsoft.com/office/powerpoint/2012/main" showMasterPhAnim="0" showMasterSp="0">
+<file path=ppt/notesSlides/notesSlide14.xml><?xml version="1.0" encoding="utf-8"?>
+<p:notes xmlns:a="http://schemas.openxmlformats.org/drawingml/2006/main" xmlns:r="http://schemas.openxmlformats.org/officeDocument/2006/relationships" xmlns:p="http://schemas.openxmlformats.org/presentationml/2006/main" showMasterSp="0" showMasterPhAnim="0">
   <p:cSld>
     <p:spTree>
       <p:nvGrpSpPr>
-        <p:cNvPr id="217" name="Shape 217"/>
+        <p:cNvPr id="1" name="Shape 217"/>
         <p:cNvGrpSpPr/>
         <p:nvPr/>
       </p:nvGrpSpPr>
@@ -1312,9 +1253,11 @@
       <p:sp>
         <p:nvSpPr>
           <p:cNvPr id="218" name="Google Shape;218;g4cd49abcab_1_43:notes"/>
-          <p:cNvSpPr/>
+          <p:cNvSpPr>
+            <a:spLocks noGrp="1" noRot="1" noChangeAspect="1"/>
+          </p:cNvSpPr>
           <p:nvPr>
-            <p:ph idx="2" type="sldImg"/>
+            <p:ph type="sldImg" idx="2"/>
           </p:nvPr>
         </p:nvSpPr>
         <p:spPr>
@@ -1323,9 +1266,13 @@
             <a:ext cx="6096000" cy="3429000"/>
           </a:xfrm>
           <a:custGeom>
-            <a:rect b="b" l="l" r="r" t="t"/>
+            <a:avLst/>
+            <a:gdLst/>
+            <a:ahLst/>
+            <a:cxnLst/>
+            <a:rect l="l" t="t" r="r" b="b"/>
             <a:pathLst>
-              <a:path extrusionOk="0" h="120000" w="120000">
+              <a:path w="120000" h="120000" extrusionOk="0">
                 <a:moveTo>
                   <a:pt x="0" y="0"/>
                 </a:moveTo>
@@ -1347,9 +1294,11 @@
       <p:sp>
         <p:nvSpPr>
           <p:cNvPr id="219" name="Google Shape;219;g4cd49abcab_1_43:notes"/>
-          <p:cNvSpPr txBox="1"/>
+          <p:cNvSpPr txBox="1">
+            <a:spLocks noGrp="1"/>
+          </p:cNvSpPr>
           <p:nvPr>
-            <p:ph idx="1" type="body"/>
+            <p:ph type="body" idx="1"/>
           </p:nvPr>
         </p:nvSpPr>
         <p:spPr>
@@ -1362,12 +1311,12 @@
           </a:prstGeom>
         </p:spPr>
         <p:txBody>
-          <a:bodyPr anchorCtr="0" anchor="t" bIns="91425" lIns="91425" spcFirstLastPara="1" rIns="91425" wrap="square" tIns="91425">
+          <a:bodyPr spcFirstLastPara="1" wrap="square" lIns="91425" tIns="91425" rIns="91425" bIns="91425" anchor="t" anchorCtr="0">
             <a:noAutofit/>
           </a:bodyPr>
           <a:lstStyle/>
           <a:p>
-            <a:pPr indent="0" lvl="0" marL="0" rtl="0" algn="l">
+            <a:pPr marL="0" lvl="0" indent="0" algn="l" rtl="0">
               <a:spcBef>
                 <a:spcPts val="0"/>
               </a:spcBef>
@@ -1376,9 +1325,6 @@
               </a:spcAft>
               <a:buNone/>
             </a:pPr>
-            <a:r>
-              <a:t/>
-            </a:r>
             <a:endParaRPr/>
           </a:p>
         </p:txBody>
@@ -1392,11 +1338,11 @@
 </file>
 
 <file path=ppt/notesSlides/notesSlide2.xml><?xml version="1.0" encoding="utf-8"?>
-<p:notes xmlns:a="http://schemas.openxmlformats.org/drawingml/2006/main" xmlns:r="http://schemas.openxmlformats.org/officeDocument/2006/relationships" xmlns:mc="http://schemas.openxmlformats.org/markup-compatibility/2006" xmlns:mv="urn:schemas-microsoft-com:mac:vml" xmlns:p="http://schemas.openxmlformats.org/presentationml/2006/main" xmlns:c="http://schemas.openxmlformats.org/drawingml/2006/chart" xmlns:dgm="http://schemas.openxmlformats.org/drawingml/2006/diagram" xmlns:o="urn:schemas-microsoft-com:office:office" xmlns:v="urn:schemas-microsoft-com:vml" xmlns:pvml="urn:schemas-microsoft-com:office:powerpoint" xmlns:com="http://schemas.openxmlformats.org/drawingml/2006/compatibility" xmlns:p14="http://schemas.microsoft.com/office/powerpoint/2010/main" xmlns:p15="http://schemas.microsoft.com/office/powerpoint/2012/main" showMasterPhAnim="0" showMasterSp="0">
+<p:notes xmlns:a="http://schemas.openxmlformats.org/drawingml/2006/main" xmlns:r="http://schemas.openxmlformats.org/officeDocument/2006/relationships" xmlns:p="http://schemas.openxmlformats.org/presentationml/2006/main" showMasterSp="0" showMasterPhAnim="0">
   <p:cSld>
     <p:spTree>
       <p:nvGrpSpPr>
-        <p:cNvPr id="136" name="Shape 136"/>
+        <p:cNvPr id="1" name="Shape 136"/>
         <p:cNvGrpSpPr/>
         <p:nvPr/>
       </p:nvGrpSpPr>
@@ -1411,9 +1357,11 @@
       <p:sp>
         <p:nvSpPr>
           <p:cNvPr id="137" name="Google Shape;137;g4cd49abcab_2_10:notes"/>
-          <p:cNvSpPr/>
+          <p:cNvSpPr>
+            <a:spLocks noGrp="1" noRot="1" noChangeAspect="1"/>
+          </p:cNvSpPr>
           <p:nvPr>
-            <p:ph idx="2" type="sldImg"/>
+            <p:ph type="sldImg" idx="2"/>
           </p:nvPr>
         </p:nvSpPr>
         <p:spPr>
@@ -1422,9 +1370,13 @@
             <a:ext cx="6096000" cy="3429000"/>
           </a:xfrm>
           <a:custGeom>
-            <a:rect b="b" l="l" r="r" t="t"/>
+            <a:avLst/>
+            <a:gdLst/>
+            <a:ahLst/>
+            <a:cxnLst/>
+            <a:rect l="l" t="t" r="r" b="b"/>
             <a:pathLst>
-              <a:path extrusionOk="0" h="120000" w="120000">
+              <a:path w="120000" h="120000" extrusionOk="0">
                 <a:moveTo>
                   <a:pt x="0" y="0"/>
                 </a:moveTo>
@@ -1446,9 +1398,11 @@
       <p:sp>
         <p:nvSpPr>
           <p:cNvPr id="138" name="Google Shape;138;g4cd49abcab_2_10:notes"/>
-          <p:cNvSpPr txBox="1"/>
+          <p:cNvSpPr txBox="1">
+            <a:spLocks noGrp="1"/>
+          </p:cNvSpPr>
           <p:nvPr>
-            <p:ph idx="1" type="body"/>
+            <p:ph type="body" idx="1"/>
           </p:nvPr>
         </p:nvSpPr>
         <p:spPr>
@@ -1461,12 +1415,12 @@
           </a:prstGeom>
         </p:spPr>
         <p:txBody>
-          <a:bodyPr anchorCtr="0" anchor="t" bIns="91425" lIns="91425" spcFirstLastPara="1" rIns="91425" wrap="square" tIns="91425">
+          <a:bodyPr spcFirstLastPara="1" wrap="square" lIns="91425" tIns="91425" rIns="91425" bIns="91425" anchor="t" anchorCtr="0">
             <a:noAutofit/>
           </a:bodyPr>
           <a:lstStyle/>
           <a:p>
-            <a:pPr indent="0" lvl="0" marL="0" rtl="0" algn="l">
+            <a:pPr marL="0" lvl="0" indent="0" algn="l" rtl="0">
               <a:spcBef>
                 <a:spcPts val="0"/>
               </a:spcBef>
@@ -1475,9 +1429,6 @@
               </a:spcAft>
               <a:buNone/>
             </a:pPr>
-            <a:r>
-              <a:t/>
-            </a:r>
             <a:endParaRPr/>
           </a:p>
         </p:txBody>
@@ -1491,11 +1442,11 @@
 </file>
 
 <file path=ppt/notesSlides/notesSlide3.xml><?xml version="1.0" encoding="utf-8"?>
-<p:notes xmlns:a="http://schemas.openxmlformats.org/drawingml/2006/main" xmlns:r="http://schemas.openxmlformats.org/officeDocument/2006/relationships" xmlns:mc="http://schemas.openxmlformats.org/markup-compatibility/2006" xmlns:mv="urn:schemas-microsoft-com:mac:vml" xmlns:p="http://schemas.openxmlformats.org/presentationml/2006/main" xmlns:c="http://schemas.openxmlformats.org/drawingml/2006/chart" xmlns:dgm="http://schemas.openxmlformats.org/drawingml/2006/diagram" xmlns:o="urn:schemas-microsoft-com:office:office" xmlns:v="urn:schemas-microsoft-com:vml" xmlns:pvml="urn:schemas-microsoft-com:office:powerpoint" xmlns:com="http://schemas.openxmlformats.org/drawingml/2006/compatibility" xmlns:p14="http://schemas.microsoft.com/office/powerpoint/2010/main" xmlns:p15="http://schemas.microsoft.com/office/powerpoint/2012/main" showMasterPhAnim="0" showMasterSp="0">
+<p:notes xmlns:a="http://schemas.openxmlformats.org/drawingml/2006/main" xmlns:r="http://schemas.openxmlformats.org/officeDocument/2006/relationships" xmlns:p="http://schemas.openxmlformats.org/presentationml/2006/main" showMasterSp="0" showMasterPhAnim="0">
   <p:cSld>
     <p:spTree>
       <p:nvGrpSpPr>
-        <p:cNvPr id="142" name="Shape 142"/>
+        <p:cNvPr id="1" name="Shape 142"/>
         <p:cNvGrpSpPr/>
         <p:nvPr/>
       </p:nvGrpSpPr>
@@ -1510,9 +1461,11 @@
       <p:sp>
         <p:nvSpPr>
           <p:cNvPr id="143" name="Google Shape;143;g4cd49abcab_0_125:notes"/>
-          <p:cNvSpPr/>
+          <p:cNvSpPr>
+            <a:spLocks noGrp="1" noRot="1" noChangeAspect="1"/>
+          </p:cNvSpPr>
           <p:nvPr>
-            <p:ph idx="2" type="sldImg"/>
+            <p:ph type="sldImg" idx="2"/>
           </p:nvPr>
         </p:nvSpPr>
         <p:spPr>
@@ -1521,9 +1474,13 @@
             <a:ext cx="6096000" cy="3429000"/>
           </a:xfrm>
           <a:custGeom>
-            <a:rect b="b" l="l" r="r" t="t"/>
+            <a:avLst/>
+            <a:gdLst/>
+            <a:ahLst/>
+            <a:cxnLst/>
+            <a:rect l="l" t="t" r="r" b="b"/>
             <a:pathLst>
-              <a:path extrusionOk="0" h="120000" w="120000">
+              <a:path w="120000" h="120000" extrusionOk="0">
                 <a:moveTo>
                   <a:pt x="0" y="0"/>
                 </a:moveTo>
@@ -1545,9 +1502,11 @@
       <p:sp>
         <p:nvSpPr>
           <p:cNvPr id="144" name="Google Shape;144;g4cd49abcab_0_125:notes"/>
-          <p:cNvSpPr txBox="1"/>
+          <p:cNvSpPr txBox="1">
+            <a:spLocks noGrp="1"/>
+          </p:cNvSpPr>
           <p:nvPr>
-            <p:ph idx="1" type="body"/>
+            <p:ph type="body" idx="1"/>
           </p:nvPr>
         </p:nvSpPr>
         <p:spPr>
@@ -1560,12 +1519,12 @@
           </a:prstGeom>
         </p:spPr>
         <p:txBody>
-          <a:bodyPr anchorCtr="0" anchor="t" bIns="91425" lIns="91425" spcFirstLastPara="1" rIns="91425" wrap="square" tIns="91425">
+          <a:bodyPr spcFirstLastPara="1" wrap="square" lIns="91425" tIns="91425" rIns="91425" bIns="91425" anchor="t" anchorCtr="0">
             <a:noAutofit/>
           </a:bodyPr>
           <a:lstStyle/>
           <a:p>
-            <a:pPr indent="0" lvl="0" marL="0" rtl="0" algn="l">
+            <a:pPr marL="0" lvl="0" indent="0" algn="l" rtl="0">
               <a:spcBef>
                 <a:spcPts val="0"/>
               </a:spcBef>
@@ -1574,9 +1533,6 @@
               </a:spcAft>
               <a:buNone/>
             </a:pPr>
-            <a:r>
-              <a:t/>
-            </a:r>
             <a:endParaRPr/>
           </a:p>
         </p:txBody>
@@ -1590,11 +1546,11 @@
 </file>
 
 <file path=ppt/notesSlides/notesSlide4.xml><?xml version="1.0" encoding="utf-8"?>
-<p:notes xmlns:a="http://schemas.openxmlformats.org/drawingml/2006/main" xmlns:r="http://schemas.openxmlformats.org/officeDocument/2006/relationships" xmlns:mc="http://schemas.openxmlformats.org/markup-compatibility/2006" xmlns:mv="urn:schemas-microsoft-com:mac:vml" xmlns:p="http://schemas.openxmlformats.org/presentationml/2006/main" xmlns:c="http://schemas.openxmlformats.org/drawingml/2006/chart" xmlns:dgm="http://schemas.openxmlformats.org/drawingml/2006/diagram" xmlns:o="urn:schemas-microsoft-com:office:office" xmlns:v="urn:schemas-microsoft-com:vml" xmlns:pvml="urn:schemas-microsoft-com:office:powerpoint" xmlns:com="http://schemas.openxmlformats.org/drawingml/2006/compatibility" xmlns:p14="http://schemas.microsoft.com/office/powerpoint/2010/main" xmlns:p15="http://schemas.microsoft.com/office/powerpoint/2012/main" showMasterPhAnim="0" showMasterSp="0">
+<p:notes xmlns:a="http://schemas.openxmlformats.org/drawingml/2006/main" xmlns:r="http://schemas.openxmlformats.org/officeDocument/2006/relationships" xmlns:p="http://schemas.openxmlformats.org/presentationml/2006/main" showMasterSp="0" showMasterPhAnim="0">
   <p:cSld>
     <p:spTree>
       <p:nvGrpSpPr>
-        <p:cNvPr id="148" name="Shape 148"/>
+        <p:cNvPr id="1" name="Shape 148"/>
         <p:cNvGrpSpPr/>
         <p:nvPr/>
       </p:nvGrpSpPr>
@@ -1609,9 +1565,11 @@
       <p:sp>
         <p:nvSpPr>
           <p:cNvPr id="149" name="Google Shape;149;g4cd49abcab_2_0:notes"/>
-          <p:cNvSpPr/>
+          <p:cNvSpPr>
+            <a:spLocks noGrp="1" noRot="1" noChangeAspect="1"/>
+          </p:cNvSpPr>
           <p:nvPr>
-            <p:ph idx="2" type="sldImg"/>
+            <p:ph type="sldImg" idx="2"/>
           </p:nvPr>
         </p:nvSpPr>
         <p:spPr>
@@ -1620,9 +1578,13 @@
             <a:ext cx="6096000" cy="3429000"/>
           </a:xfrm>
           <a:custGeom>
-            <a:rect b="b" l="l" r="r" t="t"/>
+            <a:avLst/>
+            <a:gdLst/>
+            <a:ahLst/>
+            <a:cxnLst/>
+            <a:rect l="l" t="t" r="r" b="b"/>
             <a:pathLst>
-              <a:path extrusionOk="0" h="120000" w="120000">
+              <a:path w="120000" h="120000" extrusionOk="0">
                 <a:moveTo>
                   <a:pt x="0" y="0"/>
                 </a:moveTo>
@@ -1644,9 +1606,11 @@
       <p:sp>
         <p:nvSpPr>
           <p:cNvPr id="150" name="Google Shape;150;g4cd49abcab_2_0:notes"/>
-          <p:cNvSpPr txBox="1"/>
+          <p:cNvSpPr txBox="1">
+            <a:spLocks noGrp="1"/>
+          </p:cNvSpPr>
           <p:nvPr>
-            <p:ph idx="1" type="body"/>
+            <p:ph type="body" idx="1"/>
           </p:nvPr>
         </p:nvSpPr>
         <p:spPr>
@@ -1659,12 +1623,12 @@
           </a:prstGeom>
         </p:spPr>
         <p:txBody>
-          <a:bodyPr anchorCtr="0" anchor="t" bIns="91425" lIns="91425" spcFirstLastPara="1" rIns="91425" wrap="square" tIns="91425">
+          <a:bodyPr spcFirstLastPara="1" wrap="square" lIns="91425" tIns="91425" rIns="91425" bIns="91425" anchor="t" anchorCtr="0">
             <a:noAutofit/>
           </a:bodyPr>
           <a:lstStyle/>
           <a:p>
-            <a:pPr indent="0" lvl="0" marL="0" rtl="0" algn="l">
+            <a:pPr marL="0" lvl="0" indent="0" algn="l" rtl="0">
               <a:spcBef>
                 <a:spcPts val="0"/>
               </a:spcBef>
@@ -1673,9 +1637,6 @@
               </a:spcAft>
               <a:buNone/>
             </a:pPr>
-            <a:r>
-              <a:t/>
-            </a:r>
             <a:endParaRPr/>
           </a:p>
         </p:txBody>
@@ -1689,11 +1650,11 @@
 </file>
 
 <file path=ppt/notesSlides/notesSlide5.xml><?xml version="1.0" encoding="utf-8"?>
-<p:notes xmlns:a="http://schemas.openxmlformats.org/drawingml/2006/main" xmlns:r="http://schemas.openxmlformats.org/officeDocument/2006/relationships" xmlns:mc="http://schemas.openxmlformats.org/markup-compatibility/2006" xmlns:mv="urn:schemas-microsoft-com:mac:vml" xmlns:p="http://schemas.openxmlformats.org/presentationml/2006/main" xmlns:c="http://schemas.openxmlformats.org/drawingml/2006/chart" xmlns:dgm="http://schemas.openxmlformats.org/drawingml/2006/diagram" xmlns:o="urn:schemas-microsoft-com:office:office" xmlns:v="urn:schemas-microsoft-com:vml" xmlns:pvml="urn:schemas-microsoft-com:office:powerpoint" xmlns:com="http://schemas.openxmlformats.org/drawingml/2006/compatibility" xmlns:p14="http://schemas.microsoft.com/office/powerpoint/2010/main" xmlns:p15="http://schemas.microsoft.com/office/powerpoint/2012/main" showMasterPhAnim="0" showMasterSp="0">
+<p:notes xmlns:a="http://schemas.openxmlformats.org/drawingml/2006/main" xmlns:r="http://schemas.openxmlformats.org/officeDocument/2006/relationships" xmlns:p="http://schemas.openxmlformats.org/presentationml/2006/main" showMasterSp="0" showMasterPhAnim="0">
   <p:cSld>
     <p:spTree>
       <p:nvGrpSpPr>
-        <p:cNvPr id="154" name="Shape 154"/>
+        <p:cNvPr id="1" name="Shape 154"/>
         <p:cNvGrpSpPr/>
         <p:nvPr/>
       </p:nvGrpSpPr>
@@ -1708,9 +1669,11 @@
       <p:sp>
         <p:nvSpPr>
           <p:cNvPr id="155" name="Google Shape;155;g4cd49abcab_0_144:notes"/>
-          <p:cNvSpPr/>
+          <p:cNvSpPr>
+            <a:spLocks noGrp="1" noRot="1" noChangeAspect="1"/>
+          </p:cNvSpPr>
           <p:nvPr>
-            <p:ph idx="2" type="sldImg"/>
+            <p:ph type="sldImg" idx="2"/>
           </p:nvPr>
         </p:nvSpPr>
         <p:spPr>
@@ -1719,9 +1682,13 @@
             <a:ext cx="6096000" cy="3429000"/>
           </a:xfrm>
           <a:custGeom>
-            <a:rect b="b" l="l" r="r" t="t"/>
+            <a:avLst/>
+            <a:gdLst/>
+            <a:ahLst/>
+            <a:cxnLst/>
+            <a:rect l="l" t="t" r="r" b="b"/>
             <a:pathLst>
-              <a:path extrusionOk="0" h="120000" w="120000">
+              <a:path w="120000" h="120000" extrusionOk="0">
                 <a:moveTo>
                   <a:pt x="0" y="0"/>
                 </a:moveTo>
@@ -1743,9 +1710,11 @@
       <p:sp>
         <p:nvSpPr>
           <p:cNvPr id="156" name="Google Shape;156;g4cd49abcab_0_144:notes"/>
-          <p:cNvSpPr txBox="1"/>
+          <p:cNvSpPr txBox="1">
+            <a:spLocks noGrp="1"/>
+          </p:cNvSpPr>
           <p:nvPr>
-            <p:ph idx="1" type="body"/>
+            <p:ph type="body" idx="1"/>
           </p:nvPr>
         </p:nvSpPr>
         <p:spPr>
@@ -1758,12 +1727,12 @@
           </a:prstGeom>
         </p:spPr>
         <p:txBody>
-          <a:bodyPr anchorCtr="0" anchor="t" bIns="91425" lIns="91425" spcFirstLastPara="1" rIns="91425" wrap="square" tIns="91425">
+          <a:bodyPr spcFirstLastPara="1" wrap="square" lIns="91425" tIns="91425" rIns="91425" bIns="91425" anchor="t" anchorCtr="0">
             <a:noAutofit/>
           </a:bodyPr>
           <a:lstStyle/>
           <a:p>
-            <a:pPr indent="0" lvl="0" marL="0" rtl="0" algn="l">
+            <a:pPr marL="0" lvl="0" indent="0" algn="l" rtl="0">
               <a:spcBef>
                 <a:spcPts val="0"/>
               </a:spcBef>
@@ -1772,9 +1741,6 @@
               </a:spcAft>
               <a:buNone/>
             </a:pPr>
-            <a:r>
-              <a:t/>
-            </a:r>
             <a:endParaRPr/>
           </a:p>
         </p:txBody>
@@ -1788,11 +1754,11 @@
 </file>
 
 <file path=ppt/notesSlides/notesSlide6.xml><?xml version="1.0" encoding="utf-8"?>
-<p:notes xmlns:a="http://schemas.openxmlformats.org/drawingml/2006/main" xmlns:r="http://schemas.openxmlformats.org/officeDocument/2006/relationships" xmlns:mc="http://schemas.openxmlformats.org/markup-compatibility/2006" xmlns:mv="urn:schemas-microsoft-com:mac:vml" xmlns:p="http://schemas.openxmlformats.org/presentationml/2006/main" xmlns:c="http://schemas.openxmlformats.org/drawingml/2006/chart" xmlns:dgm="http://schemas.openxmlformats.org/drawingml/2006/diagram" xmlns:o="urn:schemas-microsoft-com:office:office" xmlns:v="urn:schemas-microsoft-com:vml" xmlns:pvml="urn:schemas-microsoft-com:office:powerpoint" xmlns:com="http://schemas.openxmlformats.org/drawingml/2006/compatibility" xmlns:p14="http://schemas.microsoft.com/office/powerpoint/2010/main" xmlns:p15="http://schemas.microsoft.com/office/powerpoint/2012/main" showMasterPhAnim="0" showMasterSp="0">
+<p:notes xmlns:a="http://schemas.openxmlformats.org/drawingml/2006/main" xmlns:r="http://schemas.openxmlformats.org/officeDocument/2006/relationships" xmlns:p="http://schemas.openxmlformats.org/presentationml/2006/main" showMasterSp="0" showMasterPhAnim="0">
   <p:cSld>
     <p:spTree>
       <p:nvGrpSpPr>
-        <p:cNvPr id="160" name="Shape 160"/>
+        <p:cNvPr id="1" name="Shape 160"/>
         <p:cNvGrpSpPr/>
         <p:nvPr/>
       </p:nvGrpSpPr>
@@ -1807,9 +1773,11 @@
       <p:sp>
         <p:nvSpPr>
           <p:cNvPr id="161" name="Google Shape;161;g4cd49abcab_0_149:notes"/>
-          <p:cNvSpPr/>
+          <p:cNvSpPr>
+            <a:spLocks noGrp="1" noRot="1" noChangeAspect="1"/>
+          </p:cNvSpPr>
           <p:nvPr>
-            <p:ph idx="2" type="sldImg"/>
+            <p:ph type="sldImg" idx="2"/>
           </p:nvPr>
         </p:nvSpPr>
         <p:spPr>
@@ -1818,9 +1786,13 @@
             <a:ext cx="6096000" cy="3429000"/>
           </a:xfrm>
           <a:custGeom>
-            <a:rect b="b" l="l" r="r" t="t"/>
+            <a:avLst/>
+            <a:gdLst/>
+            <a:ahLst/>
+            <a:cxnLst/>
+            <a:rect l="l" t="t" r="r" b="b"/>
             <a:pathLst>
-              <a:path extrusionOk="0" h="120000" w="120000">
+              <a:path w="120000" h="120000" extrusionOk="0">
                 <a:moveTo>
                   <a:pt x="0" y="0"/>
                 </a:moveTo>
@@ -1842,9 +1814,11 @@
       <p:sp>
         <p:nvSpPr>
           <p:cNvPr id="162" name="Google Shape;162;g4cd49abcab_0_149:notes"/>
-          <p:cNvSpPr txBox="1"/>
+          <p:cNvSpPr txBox="1">
+            <a:spLocks noGrp="1"/>
+          </p:cNvSpPr>
           <p:nvPr>
-            <p:ph idx="1" type="body"/>
+            <p:ph type="body" idx="1"/>
           </p:nvPr>
         </p:nvSpPr>
         <p:spPr>
@@ -1857,12 +1831,12 @@
           </a:prstGeom>
         </p:spPr>
         <p:txBody>
-          <a:bodyPr anchorCtr="0" anchor="t" bIns="91425" lIns="91425" spcFirstLastPara="1" rIns="91425" wrap="square" tIns="91425">
+          <a:bodyPr spcFirstLastPara="1" wrap="square" lIns="91425" tIns="91425" rIns="91425" bIns="91425" anchor="t" anchorCtr="0">
             <a:noAutofit/>
           </a:bodyPr>
           <a:lstStyle/>
           <a:p>
-            <a:pPr indent="0" lvl="0" marL="0" rtl="0" algn="l">
+            <a:pPr marL="0" lvl="0" indent="0" algn="l" rtl="0">
               <a:spcBef>
                 <a:spcPts val="0"/>
               </a:spcBef>
@@ -1871,9 +1845,6 @@
               </a:spcAft>
               <a:buNone/>
             </a:pPr>
-            <a:r>
-              <a:t/>
-            </a:r>
             <a:endParaRPr/>
           </a:p>
         </p:txBody>
@@ -1887,11 +1858,11 @@
 </file>
 
 <file path=ppt/notesSlides/notesSlide7.xml><?xml version="1.0" encoding="utf-8"?>
-<p:notes xmlns:a="http://schemas.openxmlformats.org/drawingml/2006/main" xmlns:r="http://schemas.openxmlformats.org/officeDocument/2006/relationships" xmlns:mc="http://schemas.openxmlformats.org/markup-compatibility/2006" xmlns:mv="urn:schemas-microsoft-com:mac:vml" xmlns:p="http://schemas.openxmlformats.org/presentationml/2006/main" xmlns:c="http://schemas.openxmlformats.org/drawingml/2006/chart" xmlns:dgm="http://schemas.openxmlformats.org/drawingml/2006/diagram" xmlns:o="urn:schemas-microsoft-com:office:office" xmlns:v="urn:schemas-microsoft-com:vml" xmlns:pvml="urn:schemas-microsoft-com:office:powerpoint" xmlns:com="http://schemas.openxmlformats.org/drawingml/2006/compatibility" xmlns:p14="http://schemas.microsoft.com/office/powerpoint/2010/main" xmlns:p15="http://schemas.microsoft.com/office/powerpoint/2012/main" showMasterPhAnim="0" showMasterSp="0">
+<p:notes xmlns:a="http://schemas.openxmlformats.org/drawingml/2006/main" xmlns:r="http://schemas.openxmlformats.org/officeDocument/2006/relationships" xmlns:p="http://schemas.openxmlformats.org/presentationml/2006/main" showMasterSp="0" showMasterPhAnim="0">
   <p:cSld>
     <p:spTree>
       <p:nvGrpSpPr>
-        <p:cNvPr id="166" name="Shape 166"/>
+        <p:cNvPr id="1" name="Shape 166"/>
         <p:cNvGrpSpPr/>
         <p:nvPr/>
       </p:nvGrpSpPr>
@@ -1906,9 +1877,11 @@
       <p:sp>
         <p:nvSpPr>
           <p:cNvPr id="167" name="Google Shape;167;g4cd49abcab_0_154:notes"/>
-          <p:cNvSpPr/>
+          <p:cNvSpPr>
+            <a:spLocks noGrp="1" noRot="1" noChangeAspect="1"/>
+          </p:cNvSpPr>
           <p:nvPr>
-            <p:ph idx="2" type="sldImg"/>
+            <p:ph type="sldImg" idx="2"/>
           </p:nvPr>
         </p:nvSpPr>
         <p:spPr>
@@ -1917,9 +1890,13 @@
             <a:ext cx="6096000" cy="3429000"/>
           </a:xfrm>
           <a:custGeom>
-            <a:rect b="b" l="l" r="r" t="t"/>
+            <a:avLst/>
+            <a:gdLst/>
+            <a:ahLst/>
+            <a:cxnLst/>
+            <a:rect l="l" t="t" r="r" b="b"/>
             <a:pathLst>
-              <a:path extrusionOk="0" h="120000" w="120000">
+              <a:path w="120000" h="120000" extrusionOk="0">
                 <a:moveTo>
                   <a:pt x="0" y="0"/>
                 </a:moveTo>
@@ -1941,9 +1918,11 @@
       <p:sp>
         <p:nvSpPr>
           <p:cNvPr id="168" name="Google Shape;168;g4cd49abcab_0_154:notes"/>
-          <p:cNvSpPr txBox="1"/>
+          <p:cNvSpPr txBox="1">
+            <a:spLocks noGrp="1"/>
+          </p:cNvSpPr>
           <p:nvPr>
-            <p:ph idx="1" type="body"/>
+            <p:ph type="body" idx="1"/>
           </p:nvPr>
         </p:nvSpPr>
         <p:spPr>
@@ -1956,12 +1935,12 @@
           </a:prstGeom>
         </p:spPr>
         <p:txBody>
-          <a:bodyPr anchorCtr="0" anchor="t" bIns="91425" lIns="91425" spcFirstLastPara="1" rIns="91425" wrap="square" tIns="91425">
+          <a:bodyPr spcFirstLastPara="1" wrap="square" lIns="91425" tIns="91425" rIns="91425" bIns="91425" anchor="t" anchorCtr="0">
             <a:noAutofit/>
           </a:bodyPr>
           <a:lstStyle/>
           <a:p>
-            <a:pPr indent="0" lvl="0" marL="0" rtl="0" algn="l">
+            <a:pPr marL="0" lvl="0" indent="0" algn="l" rtl="0">
               <a:spcBef>
                 <a:spcPts val="0"/>
               </a:spcBef>
@@ -1970,9 +1949,6 @@
               </a:spcAft>
               <a:buNone/>
             </a:pPr>
-            <a:r>
-              <a:t/>
-            </a:r>
             <a:endParaRPr/>
           </a:p>
         </p:txBody>
@@ -1986,11 +1962,11 @@
 </file>
 
 <file path=ppt/notesSlides/notesSlide8.xml><?xml version="1.0" encoding="utf-8"?>
-<p:notes xmlns:a="http://schemas.openxmlformats.org/drawingml/2006/main" xmlns:r="http://schemas.openxmlformats.org/officeDocument/2006/relationships" xmlns:mc="http://schemas.openxmlformats.org/markup-compatibility/2006" xmlns:mv="urn:schemas-microsoft-com:mac:vml" xmlns:p="http://schemas.openxmlformats.org/presentationml/2006/main" xmlns:c="http://schemas.openxmlformats.org/drawingml/2006/chart" xmlns:dgm="http://schemas.openxmlformats.org/drawingml/2006/diagram" xmlns:o="urn:schemas-microsoft-com:office:office" xmlns:v="urn:schemas-microsoft-com:vml" xmlns:pvml="urn:schemas-microsoft-com:office:powerpoint" xmlns:com="http://schemas.openxmlformats.org/drawingml/2006/compatibility" xmlns:p14="http://schemas.microsoft.com/office/powerpoint/2010/main" xmlns:p15="http://schemas.microsoft.com/office/powerpoint/2012/main" showMasterPhAnim="0" showMasterSp="0">
+<p:notes xmlns:a="http://schemas.openxmlformats.org/drawingml/2006/main" xmlns:r="http://schemas.openxmlformats.org/officeDocument/2006/relationships" xmlns:p="http://schemas.openxmlformats.org/presentationml/2006/main" showMasterSp="0" showMasterPhAnim="0">
   <p:cSld>
     <p:spTree>
       <p:nvGrpSpPr>
-        <p:cNvPr id="172" name="Shape 172"/>
+        <p:cNvPr id="1" name="Shape 172"/>
         <p:cNvGrpSpPr/>
         <p:nvPr/>
       </p:nvGrpSpPr>
@@ -2005,9 +1981,11 @@
       <p:sp>
         <p:nvSpPr>
           <p:cNvPr id="173" name="Google Shape;173;g4cd49abcab_1_0:notes"/>
-          <p:cNvSpPr/>
+          <p:cNvSpPr>
+            <a:spLocks noGrp="1" noRot="1" noChangeAspect="1"/>
+          </p:cNvSpPr>
           <p:nvPr>
-            <p:ph idx="2" type="sldImg"/>
+            <p:ph type="sldImg" idx="2"/>
           </p:nvPr>
         </p:nvSpPr>
         <p:spPr>
@@ -2016,9 +1994,13 @@
             <a:ext cx="6096000" cy="3429000"/>
           </a:xfrm>
           <a:custGeom>
-            <a:rect b="b" l="l" r="r" t="t"/>
+            <a:avLst/>
+            <a:gdLst/>
+            <a:ahLst/>
+            <a:cxnLst/>
+            <a:rect l="l" t="t" r="r" b="b"/>
             <a:pathLst>
-              <a:path extrusionOk="0" h="120000" w="120000">
+              <a:path w="120000" h="120000" extrusionOk="0">
                 <a:moveTo>
                   <a:pt x="0" y="0"/>
                 </a:moveTo>
@@ -2040,9 +2022,11 @@
       <p:sp>
         <p:nvSpPr>
           <p:cNvPr id="174" name="Google Shape;174;g4cd49abcab_1_0:notes"/>
-          <p:cNvSpPr txBox="1"/>
+          <p:cNvSpPr txBox="1">
+            <a:spLocks noGrp="1"/>
+          </p:cNvSpPr>
           <p:nvPr>
-            <p:ph idx="1" type="body"/>
+            <p:ph type="body" idx="1"/>
           </p:nvPr>
         </p:nvSpPr>
         <p:spPr>
@@ -2055,12 +2039,12 @@
           </a:prstGeom>
         </p:spPr>
         <p:txBody>
-          <a:bodyPr anchorCtr="0" anchor="t" bIns="91425" lIns="91425" spcFirstLastPara="1" rIns="91425" wrap="square" tIns="91425">
+          <a:bodyPr spcFirstLastPara="1" wrap="square" lIns="91425" tIns="91425" rIns="91425" bIns="91425" anchor="t" anchorCtr="0">
             <a:noAutofit/>
           </a:bodyPr>
           <a:lstStyle/>
           <a:p>
-            <a:pPr indent="0" lvl="0" marL="0" rtl="0" algn="l">
+            <a:pPr marL="0" lvl="0" indent="0" algn="l" rtl="0">
               <a:spcBef>
                 <a:spcPts val="0"/>
               </a:spcBef>
@@ -2069,9 +2053,6 @@
               </a:spcAft>
               <a:buNone/>
             </a:pPr>
-            <a:r>
-              <a:t/>
-            </a:r>
             <a:endParaRPr/>
           </a:p>
         </p:txBody>
@@ -2085,11 +2066,11 @@
 </file>
 
 <file path=ppt/notesSlides/notesSlide9.xml><?xml version="1.0" encoding="utf-8"?>
-<p:notes xmlns:a="http://schemas.openxmlformats.org/drawingml/2006/main" xmlns:r="http://schemas.openxmlformats.org/officeDocument/2006/relationships" xmlns:mc="http://schemas.openxmlformats.org/markup-compatibility/2006" xmlns:mv="urn:schemas-microsoft-com:mac:vml" xmlns:p="http://schemas.openxmlformats.org/presentationml/2006/main" xmlns:c="http://schemas.openxmlformats.org/drawingml/2006/chart" xmlns:dgm="http://schemas.openxmlformats.org/drawingml/2006/diagram" xmlns:o="urn:schemas-microsoft-com:office:office" xmlns:v="urn:schemas-microsoft-com:vml" xmlns:pvml="urn:schemas-microsoft-com:office:powerpoint" xmlns:com="http://schemas.openxmlformats.org/drawingml/2006/compatibility" xmlns:p14="http://schemas.microsoft.com/office/powerpoint/2010/main" xmlns:p15="http://schemas.microsoft.com/office/powerpoint/2012/main" showMasterPhAnim="0" showMasterSp="0">
+<p:notes xmlns:a="http://schemas.openxmlformats.org/drawingml/2006/main" xmlns:r="http://schemas.openxmlformats.org/officeDocument/2006/relationships" xmlns:p="http://schemas.openxmlformats.org/presentationml/2006/main" showMasterSp="0" showMasterPhAnim="0">
   <p:cSld>
     <p:spTree>
       <p:nvGrpSpPr>
-        <p:cNvPr id="178" name="Shape 178"/>
+        <p:cNvPr id="1" name="Shape 178"/>
         <p:cNvGrpSpPr/>
         <p:nvPr/>
       </p:nvGrpSpPr>
@@ -2104,9 +2085,11 @@
       <p:sp>
         <p:nvSpPr>
           <p:cNvPr id="179" name="Google Shape;179;g4cd49abcab_0_130:notes"/>
-          <p:cNvSpPr/>
+          <p:cNvSpPr>
+            <a:spLocks noGrp="1" noRot="1" noChangeAspect="1"/>
+          </p:cNvSpPr>
           <p:nvPr>
-            <p:ph idx="2" type="sldImg"/>
+            <p:ph type="sldImg" idx="2"/>
           </p:nvPr>
         </p:nvSpPr>
         <p:spPr>
@@ -2115,9 +2098,13 @@
             <a:ext cx="6096000" cy="3429000"/>
           </a:xfrm>
           <a:custGeom>
-            <a:rect b="b" l="l" r="r" t="t"/>
+            <a:avLst/>
+            <a:gdLst/>
+            <a:ahLst/>
+            <a:cxnLst/>
+            <a:rect l="l" t="t" r="r" b="b"/>
             <a:pathLst>
-              <a:path extrusionOk="0" h="120000" w="120000">
+              <a:path w="120000" h="120000" extrusionOk="0">
                 <a:moveTo>
                   <a:pt x="0" y="0"/>
                 </a:moveTo>
@@ -2139,9 +2126,11 @@
       <p:sp>
         <p:nvSpPr>
           <p:cNvPr id="180" name="Google Shape;180;g4cd49abcab_0_130:notes"/>
-          <p:cNvSpPr txBox="1"/>
+          <p:cNvSpPr txBox="1">
+            <a:spLocks noGrp="1"/>
+          </p:cNvSpPr>
           <p:nvPr>
-            <p:ph idx="1" type="body"/>
+            <p:ph type="body" idx="1"/>
           </p:nvPr>
         </p:nvSpPr>
         <p:spPr>
@@ -2154,12 +2143,12 @@
           </a:prstGeom>
         </p:spPr>
         <p:txBody>
-          <a:bodyPr anchorCtr="0" anchor="t" bIns="91425" lIns="91425" spcFirstLastPara="1" rIns="91425" wrap="square" tIns="91425">
+          <a:bodyPr spcFirstLastPara="1" wrap="square" lIns="91425" tIns="91425" rIns="91425" bIns="91425" anchor="t" anchorCtr="0">
             <a:noAutofit/>
           </a:bodyPr>
           <a:lstStyle/>
           <a:p>
-            <a:pPr indent="0" lvl="0" marL="0" rtl="0" algn="l">
+            <a:pPr marL="0" lvl="0" indent="0" algn="l" rtl="0">
               <a:spcBef>
                 <a:spcPts val="0"/>
               </a:spcBef>
@@ -2168,9 +2157,6 @@
               </a:spcAft>
               <a:buNone/>
             </a:pPr>
-            <a:r>
-              <a:t/>
-            </a:r>
             <a:endParaRPr/>
           </a:p>
         </p:txBody>
@@ -2184,11 +2170,11 @@
 </file>
 
 <file path=ppt/slideLayouts/slideLayout1.xml><?xml version="1.0" encoding="utf-8"?>
-<p:sldLayout xmlns:a="http://schemas.openxmlformats.org/drawingml/2006/main" xmlns:r="http://schemas.openxmlformats.org/officeDocument/2006/relationships" xmlns:mc="http://schemas.openxmlformats.org/markup-compatibility/2006" xmlns:mv="urn:schemas-microsoft-com:mac:vml" xmlns:p="http://schemas.openxmlformats.org/presentationml/2006/main" xmlns:c="http://schemas.openxmlformats.org/drawingml/2006/chart" xmlns:dgm="http://schemas.openxmlformats.org/drawingml/2006/diagram" xmlns:o="urn:schemas-microsoft-com:office:office" xmlns:v="urn:schemas-microsoft-com:vml" xmlns:pvml="urn:schemas-microsoft-com:office:powerpoint" xmlns:com="http://schemas.openxmlformats.org/drawingml/2006/compatibility" xmlns:p14="http://schemas.microsoft.com/office/powerpoint/2010/main" xmlns:p15="http://schemas.microsoft.com/office/powerpoint/2012/main" matchingName="Title slide" type="title">
+<p:sldLayout xmlns:a="http://schemas.openxmlformats.org/drawingml/2006/main" xmlns:r="http://schemas.openxmlformats.org/officeDocument/2006/relationships" xmlns:p="http://schemas.openxmlformats.org/presentationml/2006/main" matchingName="Title slide" type="title">
   <p:cSld name="TITLE">
     <p:spTree>
       <p:nvGrpSpPr>
-        <p:cNvPr id="9" name="Shape 9"/>
+        <p:cNvPr id="1" name="Shape 9"/>
         <p:cNvGrpSpPr/>
         <p:nvPr/>
       </p:nvGrpSpPr>
@@ -2213,7 +2199,7 @@
           </a:xfrm>
           <a:prstGeom prst="diagStripe">
             <a:avLst>
-              <a:gd fmla="val 0" name="adj"/>
+              <a:gd name="adj" fmla="val 0"/>
             </a:avLst>
           </a:prstGeom>
           <a:solidFill>
@@ -2226,12 +2212,12 @@
           </a:ln>
         </p:spPr>
         <p:txBody>
-          <a:bodyPr anchorCtr="0" anchor="ctr" bIns="91425" lIns="91425" spcFirstLastPara="1" rIns="91425" wrap="square" tIns="91425">
+          <a:bodyPr spcFirstLastPara="1" wrap="square" lIns="91425" tIns="91425" rIns="91425" bIns="91425" anchor="ctr" anchorCtr="0">
             <a:noAutofit/>
           </a:bodyPr>
           <a:lstStyle/>
           <a:p>
-            <a:pPr indent="0" lvl="0" marL="0" rtl="0" algn="l">
+            <a:pPr marL="0" lvl="0" indent="0" algn="l" rtl="0">
               <a:spcBef>
                 <a:spcPts val="0"/>
               </a:spcBef>
@@ -2240,9 +2226,6 @@
               </a:spcAft>
               <a:buNone/>
             </a:pPr>
-            <a:r>
-              <a:t/>
-            </a:r>
             <a:endParaRPr/>
           </a:p>
         </p:txBody>
@@ -2274,7 +2257,7 @@
             </a:xfrm>
             <a:prstGeom prst="diagStripe">
               <a:avLst>
-                <a:gd fmla="val 50000" name="adj"/>
+                <a:gd name="adj" fmla="val 50000"/>
               </a:avLst>
             </a:prstGeom>
             <a:solidFill>
@@ -2287,12 +2270,12 @@
             </a:ln>
           </p:spPr>
           <p:txBody>
-            <a:bodyPr anchorCtr="0" anchor="ctr" bIns="91425" lIns="91425" spcFirstLastPara="1" rIns="91425" wrap="square" tIns="91425">
+            <a:bodyPr spcFirstLastPara="1" wrap="square" lIns="91425" tIns="91425" rIns="91425" bIns="91425" anchor="ctr" anchorCtr="0">
               <a:noAutofit/>
             </a:bodyPr>
             <a:lstStyle/>
             <a:p>
-              <a:pPr indent="0" lvl="0" marL="0" rtl="0" algn="l">
+              <a:pPr marL="0" lvl="0" indent="0" algn="l" rtl="0">
                 <a:spcBef>
                   <a:spcPts val="0"/>
                 </a:spcBef>
@@ -2301,9 +2284,6 @@
                 </a:spcAft>
                 <a:buNone/>
               </a:pPr>
-              <a:r>
-                <a:t/>
-              </a:r>
               <a:endParaRPr/>
             </a:p>
           </p:txBody>
@@ -2321,7 +2301,7 @@
             </a:xfrm>
             <a:prstGeom prst="diagStripe">
               <a:avLst>
-                <a:gd fmla="val 58774" name="adj"/>
+                <a:gd name="adj" fmla="val 58774"/>
               </a:avLst>
             </a:prstGeom>
             <a:solidFill>
@@ -2334,12 +2314,12 @@
             </a:ln>
           </p:spPr>
           <p:txBody>
-            <a:bodyPr anchorCtr="0" anchor="ctr" bIns="91425" lIns="91425" spcFirstLastPara="1" rIns="91425" wrap="square" tIns="91425">
+            <a:bodyPr spcFirstLastPara="1" wrap="square" lIns="91425" tIns="91425" rIns="91425" bIns="91425" anchor="ctr" anchorCtr="0">
               <a:noAutofit/>
             </a:bodyPr>
             <a:lstStyle/>
             <a:p>
-              <a:pPr indent="0" lvl="0" marL="0" rtl="0" algn="l">
+              <a:pPr marL="0" lvl="0" indent="0" algn="l" rtl="0">
                 <a:spcBef>
                   <a:spcPts val="0"/>
                 </a:spcBef>
@@ -2348,9 +2328,6 @@
                 </a:spcAft>
                 <a:buNone/>
               </a:pPr>
-              <a:r>
-                <a:t/>
-              </a:r>
               <a:endParaRPr/>
             </a:p>
           </p:txBody>
@@ -2368,7 +2345,7 @@
             </a:xfrm>
             <a:prstGeom prst="diagStripe">
               <a:avLst>
-                <a:gd fmla="val 50000" name="adj"/>
+                <a:gd name="adj" fmla="val 50000"/>
               </a:avLst>
             </a:prstGeom>
             <a:solidFill>
@@ -2379,12 +2356,12 @@
             </a:ln>
           </p:spPr>
           <p:txBody>
-            <a:bodyPr anchorCtr="0" anchor="ctr" bIns="91425" lIns="91425" spcFirstLastPara="1" rIns="91425" wrap="square" tIns="91425">
+            <a:bodyPr spcFirstLastPara="1" wrap="square" lIns="91425" tIns="91425" rIns="91425" bIns="91425" anchor="ctr" anchorCtr="0">
               <a:noAutofit/>
             </a:bodyPr>
             <a:lstStyle/>
             <a:p>
-              <a:pPr indent="0" lvl="0" marL="0" rtl="0" algn="l">
+              <a:pPr marL="0" lvl="0" indent="0" algn="l" rtl="0">
                 <a:spcBef>
                   <a:spcPts val="0"/>
                 </a:spcBef>
@@ -2393,9 +2370,6 @@
                 </a:spcAft>
                 <a:buNone/>
               </a:pPr>
-              <a:r>
-                <a:t/>
-              </a:r>
               <a:endParaRPr/>
             </a:p>
           </p:txBody>
@@ -2413,7 +2387,7 @@
             </a:xfrm>
             <a:prstGeom prst="diagStripe">
               <a:avLst>
-                <a:gd fmla="val 50000" name="adj"/>
+                <a:gd name="adj" fmla="val 50000"/>
               </a:avLst>
             </a:prstGeom>
             <a:solidFill>
@@ -2424,12 +2398,12 @@
             </a:ln>
           </p:spPr>
           <p:txBody>
-            <a:bodyPr anchorCtr="0" anchor="ctr" bIns="91425" lIns="91425" spcFirstLastPara="1" rIns="91425" wrap="square" tIns="91425">
+            <a:bodyPr spcFirstLastPara="1" wrap="square" lIns="91425" tIns="91425" rIns="91425" bIns="91425" anchor="ctr" anchorCtr="0">
               <a:noAutofit/>
             </a:bodyPr>
             <a:lstStyle/>
             <a:p>
-              <a:pPr indent="0" lvl="0" marL="0" rtl="0" algn="l">
+              <a:pPr marL="0" lvl="0" indent="0" algn="l" rtl="0">
                 <a:spcBef>
                   <a:spcPts val="0"/>
                 </a:spcBef>
@@ -2438,9 +2412,6 @@
                 </a:spcAft>
                 <a:buNone/>
               </a:pPr>
-              <a:r>
-                <a:t/>
-              </a:r>
               <a:endParaRPr/>
             </a:p>
           </p:txBody>
@@ -2449,7 +2420,9 @@
       <p:sp>
         <p:nvSpPr>
           <p:cNvPr id="16" name="Google Shape;16;p2"/>
-          <p:cNvSpPr txBox="1"/>
+          <p:cNvSpPr txBox="1">
+            <a:spLocks noGrp="1"/>
+          </p:cNvSpPr>
           <p:nvPr>
             <p:ph type="ctrTitle"/>
           </p:nvPr>
@@ -2464,7 +2437,7 @@
           </a:prstGeom>
         </p:spPr>
         <p:txBody>
-          <a:bodyPr anchorCtr="0" anchor="t" bIns="91425" lIns="91425" spcFirstLastPara="1" rIns="91425" wrap="square" tIns="91425"/>
+          <a:bodyPr spcFirstLastPara="1" wrap="square" lIns="91425" tIns="91425" rIns="91425" bIns="91425" anchor="t" anchorCtr="0"/>
           <a:lstStyle>
             <a:lvl1pPr lvl="0">
               <a:spcBef>
@@ -2566,15 +2539,19 @@
               <a:defRPr sz="4000"/>
             </a:lvl9pPr>
           </a:lstStyle>
-          <a:p/>
+          <a:p>
+            <a:endParaRPr/>
+          </a:p>
         </p:txBody>
       </p:sp>
       <p:sp>
         <p:nvSpPr>
           <p:cNvPr id="17" name="Google Shape;17;p2"/>
-          <p:cNvSpPr txBox="1"/>
+          <p:cNvSpPr txBox="1">
+            <a:spLocks noGrp="1"/>
+          </p:cNvSpPr>
           <p:nvPr>
-            <p:ph idx="1" type="subTitle"/>
+            <p:ph type="subTitle" idx="1"/>
           </p:nvPr>
         </p:nvSpPr>
         <p:spPr>
@@ -2587,7 +2564,7 @@
           </a:prstGeom>
         </p:spPr>
         <p:txBody>
-          <a:bodyPr anchorCtr="0" anchor="t" bIns="91425" lIns="91425" spcFirstLastPara="1" rIns="91425" wrap="square" tIns="91425"/>
+          <a:bodyPr spcFirstLastPara="1" wrap="square" lIns="91425" tIns="91425" rIns="91425" bIns="91425" anchor="t" anchorCtr="0"/>
           <a:lstStyle>
             <a:lvl1pPr lvl="0">
               <a:lnSpc>
@@ -2716,15 +2693,19 @@
               <a:defRPr sz="1300"/>
             </a:lvl9pPr>
           </a:lstStyle>
-          <a:p/>
+          <a:p>
+            <a:endParaRPr/>
+          </a:p>
         </p:txBody>
       </p:sp>
       <p:sp>
         <p:nvSpPr>
           <p:cNvPr id="18" name="Google Shape;18;p2"/>
-          <p:cNvSpPr txBox="1"/>
+          <p:cNvSpPr txBox="1">
+            <a:spLocks noGrp="1"/>
+          </p:cNvSpPr>
           <p:nvPr>
-            <p:ph idx="12" type="sldNum"/>
+            <p:ph type="sldNum" idx="12"/>
           </p:nvPr>
         </p:nvSpPr>
         <p:spPr>
@@ -2737,7 +2718,7 @@
           </a:prstGeom>
         </p:spPr>
         <p:txBody>
-          <a:bodyPr anchorCtr="0" anchor="ctr" bIns="91425" lIns="91425" spcFirstLastPara="1" rIns="91425" wrap="square" tIns="91425">
+          <a:bodyPr spcFirstLastPara="1" wrap="square" lIns="91425" tIns="91425" rIns="91425" bIns="91425" anchor="ctr" anchorCtr="0">
             <a:noAutofit/>
           </a:bodyPr>
           <a:lstStyle>
@@ -2779,7 +2760,7 @@
             </a:lvl9pPr>
           </a:lstStyle>
           <a:p>
-            <a:pPr indent="0" lvl="0" marL="0" rtl="0" algn="r">
+            <a:pPr marL="0" lvl="0" indent="0" algn="r" rtl="0">
               <a:spcBef>
                 <a:spcPts val="0"/>
               </a:spcBef>
@@ -2790,6 +2771,15 @@
             </a:pPr>
             <a:fld id="{00000000-1234-1234-1234-123412341234}" type="slidenum">
               <a:rPr lang="en-GB"/>
+              <a:pPr marL="0" lvl="0" indent="0" algn="r" rtl="0">
+                <a:spcBef>
+                  <a:spcPts val="0"/>
+                </a:spcBef>
+                <a:spcAft>
+                  <a:spcPts val="0"/>
+                </a:spcAft>
+                <a:buNone/>
+              </a:pPr>
               <a:t>‹#›</a:t>
             </a:fld>
             <a:endParaRPr/>
@@ -2805,11 +2795,11 @@
 </file>
 
 <file path=ppt/slideLayouts/slideLayout10.xml><?xml version="1.0" encoding="utf-8"?>
-<p:sldLayout xmlns:a="http://schemas.openxmlformats.org/drawingml/2006/main" xmlns:r="http://schemas.openxmlformats.org/officeDocument/2006/relationships" xmlns:mc="http://schemas.openxmlformats.org/markup-compatibility/2006" xmlns:mv="urn:schemas-microsoft-com:mac:vml" xmlns:p="http://schemas.openxmlformats.org/presentationml/2006/main" xmlns:c="http://schemas.openxmlformats.org/drawingml/2006/chart" xmlns:dgm="http://schemas.openxmlformats.org/drawingml/2006/diagram" xmlns:o="urn:schemas-microsoft-com:office:office" xmlns:v="urn:schemas-microsoft-com:vml" xmlns:pvml="urn:schemas-microsoft-com:office:powerpoint" xmlns:com="http://schemas.openxmlformats.org/drawingml/2006/compatibility" xmlns:p14="http://schemas.microsoft.com/office/powerpoint/2010/main" xmlns:p15="http://schemas.microsoft.com/office/powerpoint/2012/main" matchingName="Big number">
+<p:sldLayout xmlns:a="http://schemas.openxmlformats.org/drawingml/2006/main" xmlns:r="http://schemas.openxmlformats.org/officeDocument/2006/relationships" xmlns:p="http://schemas.openxmlformats.org/presentationml/2006/main" matchingName="Big number">
   <p:cSld name="BIG_NUMBER">
     <p:spTree>
       <p:nvGrpSpPr>
-        <p:cNvPr id="105" name="Shape 105"/>
+        <p:cNvPr id="1" name="Shape 105"/>
         <p:cNvGrpSpPr/>
         <p:nvPr/>
       </p:nvGrpSpPr>
@@ -2848,7 +2838,7 @@
             </a:xfrm>
             <a:prstGeom prst="diagStripe">
               <a:avLst>
-                <a:gd fmla="val 49469" name="adj"/>
+                <a:gd name="adj" fmla="val 49469"/>
               </a:avLst>
             </a:prstGeom>
             <a:solidFill>
@@ -2861,12 +2851,12 @@
             </a:ln>
           </p:spPr>
           <p:txBody>
-            <a:bodyPr anchorCtr="0" anchor="ctr" bIns="91425" lIns="91425" spcFirstLastPara="1" rIns="91425" wrap="square" tIns="91425">
+            <a:bodyPr spcFirstLastPara="1" wrap="square" lIns="91425" tIns="91425" rIns="91425" bIns="91425" anchor="ctr" anchorCtr="0">
               <a:noAutofit/>
             </a:bodyPr>
             <a:lstStyle/>
             <a:p>
-              <a:pPr indent="0" lvl="0" marL="0" rtl="0" algn="l">
+              <a:pPr marL="0" lvl="0" indent="0" algn="l" rtl="0">
                 <a:spcBef>
                   <a:spcPts val="0"/>
                 </a:spcBef>
@@ -2875,9 +2865,6 @@
                 </a:spcAft>
                 <a:buNone/>
               </a:pPr>
-              <a:r>
-                <a:t/>
-              </a:r>
               <a:endParaRPr/>
             </a:p>
           </p:txBody>
@@ -2895,7 +2882,7 @@
             </a:xfrm>
             <a:prstGeom prst="diagStripe">
               <a:avLst>
-                <a:gd fmla="val 0" name="adj"/>
+                <a:gd name="adj" fmla="val 0"/>
               </a:avLst>
             </a:prstGeom>
             <a:solidFill>
@@ -2908,12 +2895,12 @@
             </a:ln>
           </p:spPr>
           <p:txBody>
-            <a:bodyPr anchorCtr="0" anchor="ctr" bIns="91425" lIns="91425" spcFirstLastPara="1" rIns="91425" wrap="square" tIns="91425">
+            <a:bodyPr spcFirstLastPara="1" wrap="square" lIns="91425" tIns="91425" rIns="91425" bIns="91425" anchor="ctr" anchorCtr="0">
               <a:noAutofit/>
             </a:bodyPr>
             <a:lstStyle/>
             <a:p>
-              <a:pPr indent="0" lvl="0" marL="0" rtl="0" algn="l">
+              <a:pPr marL="0" lvl="0" indent="0" algn="l" rtl="0">
                 <a:spcBef>
                   <a:spcPts val="0"/>
                 </a:spcBef>
@@ -2922,9 +2909,6 @@
                 </a:spcAft>
                 <a:buNone/>
               </a:pPr>
-              <a:r>
-                <a:t/>
-              </a:r>
               <a:endParaRPr/>
             </a:p>
           </p:txBody>
@@ -2942,7 +2926,7 @@
             </a:xfrm>
             <a:prstGeom prst="diagStripe">
               <a:avLst>
-                <a:gd fmla="val 50000" name="adj"/>
+                <a:gd name="adj" fmla="val 50000"/>
               </a:avLst>
             </a:prstGeom>
             <a:solidFill>
@@ -2955,12 +2939,12 @@
             </a:ln>
           </p:spPr>
           <p:txBody>
-            <a:bodyPr anchorCtr="0" anchor="ctr" bIns="91425" lIns="91425" spcFirstLastPara="1" rIns="91425" wrap="square" tIns="91425">
+            <a:bodyPr spcFirstLastPara="1" wrap="square" lIns="91425" tIns="91425" rIns="91425" bIns="91425" anchor="ctr" anchorCtr="0">
               <a:noAutofit/>
             </a:bodyPr>
             <a:lstStyle/>
             <a:p>
-              <a:pPr indent="0" lvl="0" marL="0" rtl="0" algn="l">
+              <a:pPr marL="0" lvl="0" indent="0" algn="l" rtl="0">
                 <a:spcBef>
                   <a:spcPts val="0"/>
                 </a:spcBef>
@@ -2969,9 +2953,6 @@
                 </a:spcAft>
                 <a:buNone/>
               </a:pPr>
-              <a:r>
-                <a:t/>
-              </a:r>
               <a:endParaRPr/>
             </a:p>
           </p:txBody>
@@ -2989,7 +2970,7 @@
             </a:xfrm>
             <a:prstGeom prst="diagStripe">
               <a:avLst>
-                <a:gd fmla="val 50000" name="adj"/>
+                <a:gd name="adj" fmla="val 50000"/>
               </a:avLst>
             </a:prstGeom>
             <a:solidFill>
@@ -3002,12 +2983,12 @@
             </a:ln>
           </p:spPr>
           <p:txBody>
-            <a:bodyPr anchorCtr="0" anchor="ctr" bIns="91425" lIns="91425" spcFirstLastPara="1" rIns="91425" wrap="square" tIns="91425">
+            <a:bodyPr spcFirstLastPara="1" wrap="square" lIns="91425" tIns="91425" rIns="91425" bIns="91425" anchor="ctr" anchorCtr="0">
               <a:noAutofit/>
             </a:bodyPr>
             <a:lstStyle/>
             <a:p>
-              <a:pPr indent="0" lvl="0" marL="0" rtl="0" algn="l">
+              <a:pPr marL="0" lvl="0" indent="0" algn="l" rtl="0">
                 <a:spcBef>
                   <a:spcPts val="0"/>
                 </a:spcBef>
@@ -3016,9 +2997,6 @@
                 </a:spcAft>
                 <a:buNone/>
               </a:pPr>
-              <a:r>
-                <a:t/>
-              </a:r>
               <a:endParaRPr/>
             </a:p>
           </p:txBody>
@@ -3036,7 +3014,7 @@
             </a:xfrm>
             <a:prstGeom prst="diagStripe">
               <a:avLst>
-                <a:gd fmla="val 50000" name="adj"/>
+                <a:gd name="adj" fmla="val 50000"/>
               </a:avLst>
             </a:prstGeom>
             <a:solidFill>
@@ -3049,12 +3027,12 @@
             </a:ln>
           </p:spPr>
           <p:txBody>
-            <a:bodyPr anchorCtr="0" anchor="ctr" bIns="91425" lIns="91425" spcFirstLastPara="1" rIns="91425" wrap="square" tIns="91425">
+            <a:bodyPr spcFirstLastPara="1" wrap="square" lIns="91425" tIns="91425" rIns="91425" bIns="91425" anchor="ctr" anchorCtr="0">
               <a:noAutofit/>
             </a:bodyPr>
             <a:lstStyle/>
             <a:p>
-              <a:pPr indent="0" lvl="0" marL="0" rtl="0" algn="l">
+              <a:pPr marL="0" lvl="0" indent="0" algn="l" rtl="0">
                 <a:spcBef>
                   <a:spcPts val="0"/>
                 </a:spcBef>
@@ -3063,9 +3041,6 @@
                 </a:spcAft>
                 <a:buNone/>
               </a:pPr>
-              <a:r>
-                <a:t/>
-              </a:r>
               <a:endParaRPr/>
             </a:p>
           </p:txBody>
@@ -3083,7 +3058,7 @@
             </a:xfrm>
             <a:prstGeom prst="diagStripe">
               <a:avLst>
-                <a:gd fmla="val 50000" name="adj"/>
+                <a:gd name="adj" fmla="val 50000"/>
               </a:avLst>
             </a:prstGeom>
             <a:solidFill>
@@ -3096,12 +3071,12 @@
             </a:ln>
           </p:spPr>
           <p:txBody>
-            <a:bodyPr anchorCtr="0" anchor="ctr" bIns="91425" lIns="91425" spcFirstLastPara="1" rIns="91425" wrap="square" tIns="91425">
+            <a:bodyPr spcFirstLastPara="1" wrap="square" lIns="91425" tIns="91425" rIns="91425" bIns="91425" anchor="ctr" anchorCtr="0">
               <a:noAutofit/>
             </a:bodyPr>
             <a:lstStyle/>
             <a:p>
-              <a:pPr indent="0" lvl="0" marL="0" rtl="0" algn="l">
+              <a:pPr marL="0" lvl="0" indent="0" algn="l" rtl="0">
                 <a:spcBef>
                   <a:spcPts val="0"/>
                 </a:spcBef>
@@ -3110,9 +3085,6 @@
                 </a:spcAft>
                 <a:buNone/>
               </a:pPr>
-              <a:r>
-                <a:t/>
-              </a:r>
               <a:endParaRPr/>
             </a:p>
           </p:txBody>
@@ -3130,7 +3102,7 @@
             </a:xfrm>
             <a:prstGeom prst="diagStripe">
               <a:avLst>
-                <a:gd fmla="val 50000" name="adj"/>
+                <a:gd name="adj" fmla="val 50000"/>
               </a:avLst>
             </a:prstGeom>
             <a:solidFill>
@@ -3143,12 +3115,12 @@
             </a:ln>
           </p:spPr>
           <p:txBody>
-            <a:bodyPr anchorCtr="0" anchor="ctr" bIns="91425" lIns="91425" spcFirstLastPara="1" rIns="91425" wrap="square" tIns="91425">
+            <a:bodyPr spcFirstLastPara="1" wrap="square" lIns="91425" tIns="91425" rIns="91425" bIns="91425" anchor="ctr" anchorCtr="0">
               <a:noAutofit/>
             </a:bodyPr>
             <a:lstStyle/>
             <a:p>
-              <a:pPr indent="0" lvl="0" marL="0" rtl="0" algn="l">
+              <a:pPr marL="0" lvl="0" indent="0" algn="l" rtl="0">
                 <a:spcBef>
                   <a:spcPts val="0"/>
                 </a:spcBef>
@@ -3157,9 +3129,6 @@
                 </a:spcAft>
                 <a:buNone/>
               </a:pPr>
-              <a:r>
-                <a:t/>
-              </a:r>
               <a:endParaRPr/>
             </a:p>
           </p:txBody>
@@ -3177,7 +3146,7 @@
             </a:xfrm>
             <a:prstGeom prst="diagStripe">
               <a:avLst>
-                <a:gd fmla="val 50000" name="adj"/>
+                <a:gd name="adj" fmla="val 50000"/>
               </a:avLst>
             </a:prstGeom>
             <a:solidFill>
@@ -3188,12 +3157,12 @@
             </a:ln>
           </p:spPr>
           <p:txBody>
-            <a:bodyPr anchorCtr="0" anchor="ctr" bIns="91425" lIns="91425" spcFirstLastPara="1" rIns="91425" wrap="square" tIns="91425">
+            <a:bodyPr spcFirstLastPara="1" wrap="square" lIns="91425" tIns="91425" rIns="91425" bIns="91425" anchor="ctr" anchorCtr="0">
               <a:noAutofit/>
             </a:bodyPr>
             <a:lstStyle/>
             <a:p>
-              <a:pPr indent="0" lvl="0" marL="0" rtl="0" algn="l">
+              <a:pPr marL="0" lvl="0" indent="0" algn="l" rtl="0">
                 <a:spcBef>
                   <a:spcPts val="0"/>
                 </a:spcBef>
@@ -3202,9 +3171,6 @@
                 </a:spcAft>
                 <a:buNone/>
               </a:pPr>
-              <a:r>
-                <a:t/>
-              </a:r>
               <a:endParaRPr/>
             </a:p>
           </p:txBody>
@@ -3222,7 +3188,7 @@
             </a:xfrm>
             <a:prstGeom prst="diagStripe">
               <a:avLst>
-                <a:gd fmla="val 50000" name="adj"/>
+                <a:gd name="adj" fmla="val 50000"/>
               </a:avLst>
             </a:prstGeom>
             <a:solidFill>
@@ -3235,12 +3201,12 @@
             </a:ln>
           </p:spPr>
           <p:txBody>
-            <a:bodyPr anchorCtr="0" anchor="ctr" bIns="91425" lIns="91425" spcFirstLastPara="1" rIns="91425" wrap="square" tIns="91425">
+            <a:bodyPr spcFirstLastPara="1" wrap="square" lIns="91425" tIns="91425" rIns="91425" bIns="91425" anchor="ctr" anchorCtr="0">
               <a:noAutofit/>
             </a:bodyPr>
             <a:lstStyle/>
             <a:p>
-              <a:pPr indent="0" lvl="0" marL="0" rtl="0" algn="l">
+              <a:pPr marL="0" lvl="0" indent="0" algn="l" rtl="0">
                 <a:spcBef>
                   <a:spcPts val="0"/>
                 </a:spcBef>
@@ -3249,9 +3215,6 @@
                 </a:spcAft>
                 <a:buNone/>
               </a:pPr>
-              <a:r>
-                <a:t/>
-              </a:r>
               <a:endParaRPr/>
             </a:p>
           </p:txBody>
@@ -3269,7 +3232,7 @@
             </a:xfrm>
             <a:prstGeom prst="diagStripe">
               <a:avLst>
-                <a:gd fmla="val 50000" name="adj"/>
+                <a:gd name="adj" fmla="val 50000"/>
               </a:avLst>
             </a:prstGeom>
             <a:solidFill>
@@ -3282,12 +3245,12 @@
             </a:ln>
           </p:spPr>
           <p:txBody>
-            <a:bodyPr anchorCtr="0" anchor="ctr" bIns="91425" lIns="91425" spcFirstLastPara="1" rIns="91425" wrap="square" tIns="91425">
+            <a:bodyPr spcFirstLastPara="1" wrap="square" lIns="91425" tIns="91425" rIns="91425" bIns="91425" anchor="ctr" anchorCtr="0">
               <a:noAutofit/>
             </a:bodyPr>
             <a:lstStyle/>
             <a:p>
-              <a:pPr indent="0" lvl="0" marL="0" rtl="0" algn="l">
+              <a:pPr marL="0" lvl="0" indent="0" algn="l" rtl="0">
                 <a:spcBef>
                   <a:spcPts val="0"/>
                 </a:spcBef>
@@ -3296,9 +3259,6 @@
                 </a:spcAft>
                 <a:buNone/>
               </a:pPr>
-              <a:r>
-                <a:t/>
-              </a:r>
               <a:endParaRPr/>
             </a:p>
           </p:txBody>
@@ -3316,7 +3276,7 @@
             </a:xfrm>
             <a:prstGeom prst="diagStripe">
               <a:avLst>
-                <a:gd fmla="val 50000" name="adj"/>
+                <a:gd name="adj" fmla="val 50000"/>
               </a:avLst>
             </a:prstGeom>
             <a:solidFill>
@@ -3329,12 +3289,12 @@
             </a:ln>
           </p:spPr>
           <p:txBody>
-            <a:bodyPr anchorCtr="0" anchor="ctr" bIns="91425" lIns="91425" spcFirstLastPara="1" rIns="91425" wrap="square" tIns="91425">
+            <a:bodyPr spcFirstLastPara="1" wrap="square" lIns="91425" tIns="91425" rIns="91425" bIns="91425" anchor="ctr" anchorCtr="0">
               <a:noAutofit/>
             </a:bodyPr>
             <a:lstStyle/>
             <a:p>
-              <a:pPr indent="0" lvl="0" marL="0" rtl="0" algn="l">
+              <a:pPr marL="0" lvl="0" indent="0" algn="l" rtl="0">
                 <a:spcBef>
                   <a:spcPts val="0"/>
                 </a:spcBef>
@@ -3343,9 +3303,6 @@
                 </a:spcAft>
                 <a:buNone/>
               </a:pPr>
-              <a:r>
-                <a:t/>
-              </a:r>
               <a:endParaRPr/>
             </a:p>
           </p:txBody>
@@ -3363,7 +3320,7 @@
             </a:xfrm>
             <a:prstGeom prst="diagStripe">
               <a:avLst>
-                <a:gd fmla="val 50000" name="adj"/>
+                <a:gd name="adj" fmla="val 50000"/>
               </a:avLst>
             </a:prstGeom>
             <a:solidFill>
@@ -3376,12 +3333,12 @@
             </a:ln>
           </p:spPr>
           <p:txBody>
-            <a:bodyPr anchorCtr="0" anchor="ctr" bIns="91425" lIns="91425" spcFirstLastPara="1" rIns="91425" wrap="square" tIns="91425">
+            <a:bodyPr spcFirstLastPara="1" wrap="square" lIns="91425" tIns="91425" rIns="91425" bIns="91425" anchor="ctr" anchorCtr="0">
               <a:noAutofit/>
             </a:bodyPr>
             <a:lstStyle/>
             <a:p>
-              <a:pPr indent="0" lvl="0" marL="0" rtl="0" algn="l">
+              <a:pPr marL="0" lvl="0" indent="0" algn="l" rtl="0">
                 <a:spcBef>
                   <a:spcPts val="0"/>
                 </a:spcBef>
@@ -3390,9 +3347,6 @@
                 </a:spcAft>
                 <a:buNone/>
               </a:pPr>
-              <a:r>
-                <a:t/>
-              </a:r>
               <a:endParaRPr/>
             </a:p>
           </p:txBody>
@@ -3410,7 +3364,7 @@
             </a:xfrm>
             <a:prstGeom prst="diagStripe">
               <a:avLst>
-                <a:gd fmla="val 50000" name="adj"/>
+                <a:gd name="adj" fmla="val 50000"/>
               </a:avLst>
             </a:prstGeom>
             <a:solidFill>
@@ -3423,12 +3377,12 @@
             </a:ln>
           </p:spPr>
           <p:txBody>
-            <a:bodyPr anchorCtr="0" anchor="ctr" bIns="91425" lIns="91425" spcFirstLastPara="1" rIns="91425" wrap="square" tIns="91425">
+            <a:bodyPr spcFirstLastPara="1" wrap="square" lIns="91425" tIns="91425" rIns="91425" bIns="91425" anchor="ctr" anchorCtr="0">
               <a:noAutofit/>
             </a:bodyPr>
             <a:lstStyle/>
             <a:p>
-              <a:pPr indent="0" lvl="0" marL="0" rtl="0" algn="l">
+              <a:pPr marL="0" lvl="0" indent="0" algn="l" rtl="0">
                 <a:spcBef>
                   <a:spcPts val="0"/>
                 </a:spcBef>
@@ -3437,9 +3391,6 @@
                 </a:spcAft>
                 <a:buNone/>
               </a:pPr>
-              <a:r>
-                <a:t/>
-              </a:r>
               <a:endParaRPr/>
             </a:p>
           </p:txBody>
@@ -3457,7 +3408,7 @@
             </a:xfrm>
             <a:prstGeom prst="diagStripe">
               <a:avLst>
-                <a:gd fmla="val 50000" name="adj"/>
+                <a:gd name="adj" fmla="val 50000"/>
               </a:avLst>
             </a:prstGeom>
             <a:solidFill>
@@ -3468,12 +3419,12 @@
             </a:ln>
           </p:spPr>
           <p:txBody>
-            <a:bodyPr anchorCtr="0" anchor="ctr" bIns="91425" lIns="91425" spcFirstLastPara="1" rIns="91425" wrap="square" tIns="91425">
+            <a:bodyPr spcFirstLastPara="1" wrap="square" lIns="91425" tIns="91425" rIns="91425" bIns="91425" anchor="ctr" anchorCtr="0">
               <a:noAutofit/>
             </a:bodyPr>
             <a:lstStyle/>
             <a:p>
-              <a:pPr indent="0" lvl="0" marL="0" rtl="0" algn="l">
+              <a:pPr marL="0" lvl="0" indent="0" algn="l" rtl="0">
                 <a:spcBef>
                   <a:spcPts val="0"/>
                 </a:spcBef>
@@ -3482,9 +3433,6 @@
                 </a:spcAft>
                 <a:buNone/>
               </a:pPr>
-              <a:r>
-                <a:t/>
-              </a:r>
               <a:endParaRPr/>
             </a:p>
           </p:txBody>
@@ -3502,7 +3450,7 @@
             </a:xfrm>
             <a:prstGeom prst="diagStripe">
               <a:avLst>
-                <a:gd fmla="val 50000" name="adj"/>
+                <a:gd name="adj" fmla="val 50000"/>
               </a:avLst>
             </a:prstGeom>
             <a:solidFill>
@@ -3515,12 +3463,12 @@
             </a:ln>
           </p:spPr>
           <p:txBody>
-            <a:bodyPr anchorCtr="0" anchor="ctr" bIns="91425" lIns="91425" spcFirstLastPara="1" rIns="91425" wrap="square" tIns="91425">
+            <a:bodyPr spcFirstLastPara="1" wrap="square" lIns="91425" tIns="91425" rIns="91425" bIns="91425" anchor="ctr" anchorCtr="0">
               <a:noAutofit/>
             </a:bodyPr>
             <a:lstStyle/>
             <a:p>
-              <a:pPr indent="0" lvl="0" marL="0" rtl="0" algn="l">
+              <a:pPr marL="0" lvl="0" indent="0" algn="l" rtl="0">
                 <a:spcBef>
                   <a:spcPts val="0"/>
                 </a:spcBef>
@@ -3529,9 +3477,6 @@
                 </a:spcAft>
                 <a:buNone/>
               </a:pPr>
-              <a:r>
-                <a:t/>
-              </a:r>
               <a:endParaRPr/>
             </a:p>
           </p:txBody>
@@ -3549,7 +3494,7 @@
             </a:xfrm>
             <a:prstGeom prst="diagStripe">
               <a:avLst>
-                <a:gd fmla="val 50000" name="adj"/>
+                <a:gd name="adj" fmla="val 50000"/>
               </a:avLst>
             </a:prstGeom>
             <a:solidFill>
@@ -3562,12 +3507,12 @@
             </a:ln>
           </p:spPr>
           <p:txBody>
-            <a:bodyPr anchorCtr="0" anchor="ctr" bIns="91425" lIns="91425" spcFirstLastPara="1" rIns="91425" wrap="square" tIns="91425">
+            <a:bodyPr spcFirstLastPara="1" wrap="square" lIns="91425" tIns="91425" rIns="91425" bIns="91425" anchor="ctr" anchorCtr="0">
               <a:noAutofit/>
             </a:bodyPr>
             <a:lstStyle/>
             <a:p>
-              <a:pPr indent="0" lvl="0" marL="0" rtl="0" algn="l">
+              <a:pPr marL="0" lvl="0" indent="0" algn="l" rtl="0">
                 <a:spcBef>
                   <a:spcPts val="0"/>
                 </a:spcBef>
@@ -3576,9 +3521,6 @@
                 </a:spcAft>
                 <a:buNone/>
               </a:pPr>
-              <a:r>
-                <a:t/>
-              </a:r>
               <a:endParaRPr/>
             </a:p>
           </p:txBody>
@@ -3596,7 +3538,7 @@
             </a:xfrm>
             <a:prstGeom prst="diagStripe">
               <a:avLst>
-                <a:gd fmla="val 50000" name="adj"/>
+                <a:gd name="adj" fmla="val 50000"/>
               </a:avLst>
             </a:prstGeom>
             <a:solidFill>
@@ -3609,12 +3551,12 @@
             </a:ln>
           </p:spPr>
           <p:txBody>
-            <a:bodyPr anchorCtr="0" anchor="ctr" bIns="91425" lIns="91425" spcFirstLastPara="1" rIns="91425" wrap="square" tIns="91425">
+            <a:bodyPr spcFirstLastPara="1" wrap="square" lIns="91425" tIns="91425" rIns="91425" bIns="91425" anchor="ctr" anchorCtr="0">
               <a:noAutofit/>
             </a:bodyPr>
             <a:lstStyle/>
             <a:p>
-              <a:pPr indent="0" lvl="0" marL="0" rtl="0" algn="l">
+              <a:pPr marL="0" lvl="0" indent="0" algn="l" rtl="0">
                 <a:spcBef>
                   <a:spcPts val="0"/>
                 </a:spcBef>
@@ -3623,9 +3565,6 @@
                 </a:spcAft>
                 <a:buNone/>
               </a:pPr>
-              <a:r>
-                <a:t/>
-              </a:r>
               <a:endParaRPr/>
             </a:p>
           </p:txBody>
@@ -3643,7 +3582,7 @@
             </a:xfrm>
             <a:prstGeom prst="diagStripe">
               <a:avLst>
-                <a:gd fmla="val 50000" name="adj"/>
+                <a:gd name="adj" fmla="val 50000"/>
               </a:avLst>
             </a:prstGeom>
             <a:solidFill>
@@ -3656,12 +3595,12 @@
             </a:ln>
           </p:spPr>
           <p:txBody>
-            <a:bodyPr anchorCtr="0" anchor="ctr" bIns="91425" lIns="91425" spcFirstLastPara="1" rIns="91425" wrap="square" tIns="91425">
+            <a:bodyPr spcFirstLastPara="1" wrap="square" lIns="91425" tIns="91425" rIns="91425" bIns="91425" anchor="ctr" anchorCtr="0">
               <a:noAutofit/>
             </a:bodyPr>
             <a:lstStyle/>
             <a:p>
-              <a:pPr indent="0" lvl="0" marL="0" rtl="0" algn="l">
+              <a:pPr marL="0" lvl="0" indent="0" algn="l" rtl="0">
                 <a:spcBef>
                   <a:spcPts val="0"/>
                 </a:spcBef>
@@ -3670,9 +3609,6 @@
                 </a:spcAft>
                 <a:buNone/>
               </a:pPr>
-              <a:r>
-                <a:t/>
-              </a:r>
               <a:endParaRPr/>
             </a:p>
           </p:txBody>
@@ -3681,9 +3617,11 @@
       <p:sp>
         <p:nvSpPr>
           <p:cNvPr id="125" name="Google Shape;125;p11"/>
-          <p:cNvSpPr txBox="1"/>
+          <p:cNvSpPr txBox="1">
+            <a:spLocks noGrp="1"/>
+          </p:cNvSpPr>
           <p:nvPr>
-            <p:ph hasCustomPrompt="1" type="title"/>
+            <p:ph type="title" hasCustomPrompt="1"/>
           </p:nvPr>
         </p:nvSpPr>
         <p:spPr>
@@ -3696,7 +3634,7 @@
           </a:prstGeom>
         </p:spPr>
         <p:txBody>
-          <a:bodyPr anchorCtr="0" anchor="t" bIns="91425" lIns="91425" spcFirstLastPara="1" rIns="91425" wrap="square" tIns="91425"/>
+          <a:bodyPr spcFirstLastPara="1" wrap="square" lIns="91425" tIns="91425" rIns="91425" bIns="91425" anchor="t" anchorCtr="0"/>
           <a:lstStyle>
             <a:lvl1pPr lvl="0">
               <a:spcBef>
@@ -3808,9 +3746,11 @@
       <p:sp>
         <p:nvSpPr>
           <p:cNvPr id="126" name="Google Shape;126;p11"/>
-          <p:cNvSpPr txBox="1"/>
+          <p:cNvSpPr txBox="1">
+            <a:spLocks noGrp="1"/>
+          </p:cNvSpPr>
           <p:nvPr>
-            <p:ph idx="1" type="body"/>
+            <p:ph type="body" idx="1"/>
           </p:nvPr>
         </p:nvSpPr>
         <p:spPr>
@@ -3823,9 +3763,9 @@
           </a:prstGeom>
         </p:spPr>
         <p:txBody>
-          <a:bodyPr anchorCtr="0" anchor="t" bIns="91425" lIns="91425" spcFirstLastPara="1" rIns="91425" wrap="square" tIns="91425"/>
+          <a:bodyPr spcFirstLastPara="1" wrap="square" lIns="91425" tIns="91425" rIns="91425" bIns="91425" anchor="t" anchorCtr="0"/>
           <a:lstStyle>
-            <a:lvl1pPr indent="-311150" lvl="0" marL="457200">
+            <a:lvl1pPr marL="457200" lvl="0" indent="-311150">
               <a:spcBef>
                 <a:spcPts val="0"/>
               </a:spcBef>
@@ -3836,7 +3776,7 @@
               <a:buChar char="●"/>
               <a:defRPr/>
             </a:lvl1pPr>
-            <a:lvl2pPr indent="-298450" lvl="1" marL="914400">
+            <a:lvl2pPr marL="914400" lvl="1" indent="-298450">
               <a:spcBef>
                 <a:spcPts val="1600"/>
               </a:spcBef>
@@ -3847,7 +3787,7 @@
               <a:buChar char="○"/>
               <a:defRPr/>
             </a:lvl2pPr>
-            <a:lvl3pPr indent="-298450" lvl="2" marL="1371600">
+            <a:lvl3pPr marL="1371600" lvl="2" indent="-298450">
               <a:spcBef>
                 <a:spcPts val="1600"/>
               </a:spcBef>
@@ -3858,7 +3798,7 @@
               <a:buChar char="■"/>
               <a:defRPr/>
             </a:lvl3pPr>
-            <a:lvl4pPr indent="-298450" lvl="3" marL="1828800">
+            <a:lvl4pPr marL="1828800" lvl="3" indent="-298450">
               <a:spcBef>
                 <a:spcPts val="1600"/>
               </a:spcBef>
@@ -3869,7 +3809,7 @@
               <a:buChar char="●"/>
               <a:defRPr/>
             </a:lvl4pPr>
-            <a:lvl5pPr indent="-298450" lvl="4" marL="2286000">
+            <a:lvl5pPr marL="2286000" lvl="4" indent="-298450">
               <a:spcBef>
                 <a:spcPts val="1600"/>
               </a:spcBef>
@@ -3880,7 +3820,7 @@
               <a:buChar char="○"/>
               <a:defRPr/>
             </a:lvl5pPr>
-            <a:lvl6pPr indent="-298450" lvl="5" marL="2743200">
+            <a:lvl6pPr marL="2743200" lvl="5" indent="-298450">
               <a:spcBef>
                 <a:spcPts val="1600"/>
               </a:spcBef>
@@ -3891,7 +3831,7 @@
               <a:buChar char="■"/>
               <a:defRPr/>
             </a:lvl6pPr>
-            <a:lvl7pPr indent="-298450" lvl="6" marL="3200400">
+            <a:lvl7pPr marL="3200400" lvl="6" indent="-298450">
               <a:spcBef>
                 <a:spcPts val="1600"/>
               </a:spcBef>
@@ -3902,7 +3842,7 @@
               <a:buChar char="●"/>
               <a:defRPr/>
             </a:lvl7pPr>
-            <a:lvl8pPr indent="-298450" lvl="7" marL="3657600">
+            <a:lvl8pPr marL="3657600" lvl="7" indent="-298450">
               <a:spcBef>
                 <a:spcPts val="1600"/>
               </a:spcBef>
@@ -3913,7 +3853,7 @@
               <a:buChar char="○"/>
               <a:defRPr/>
             </a:lvl8pPr>
-            <a:lvl9pPr indent="-298450" lvl="8" marL="4114800">
+            <a:lvl9pPr marL="4114800" lvl="8" indent="-298450">
               <a:spcBef>
                 <a:spcPts val="1600"/>
               </a:spcBef>
@@ -3925,15 +3865,19 @@
               <a:defRPr/>
             </a:lvl9pPr>
           </a:lstStyle>
-          <a:p/>
+          <a:p>
+            <a:endParaRPr/>
+          </a:p>
         </p:txBody>
       </p:sp>
       <p:sp>
         <p:nvSpPr>
           <p:cNvPr id="127" name="Google Shape;127;p11"/>
-          <p:cNvSpPr txBox="1"/>
+          <p:cNvSpPr txBox="1">
+            <a:spLocks noGrp="1"/>
+          </p:cNvSpPr>
           <p:nvPr>
-            <p:ph idx="12" type="sldNum"/>
+            <p:ph type="sldNum" idx="12"/>
           </p:nvPr>
         </p:nvSpPr>
         <p:spPr>
@@ -3946,7 +3890,7 @@
           </a:prstGeom>
         </p:spPr>
         <p:txBody>
-          <a:bodyPr anchorCtr="0" anchor="ctr" bIns="91425" lIns="91425" spcFirstLastPara="1" rIns="91425" wrap="square" tIns="91425">
+          <a:bodyPr spcFirstLastPara="1" wrap="square" lIns="91425" tIns="91425" rIns="91425" bIns="91425" anchor="ctr" anchorCtr="0">
             <a:noAutofit/>
           </a:bodyPr>
           <a:lstStyle>
@@ -3988,7 +3932,7 @@
             </a:lvl9pPr>
           </a:lstStyle>
           <a:p>
-            <a:pPr indent="0" lvl="0" marL="0" rtl="0" algn="r">
+            <a:pPr marL="0" lvl="0" indent="0" algn="r" rtl="0">
               <a:spcBef>
                 <a:spcPts val="0"/>
               </a:spcBef>
@@ -3999,6 +3943,15 @@
             </a:pPr>
             <a:fld id="{00000000-1234-1234-1234-123412341234}" type="slidenum">
               <a:rPr lang="en-GB"/>
+              <a:pPr marL="0" lvl="0" indent="0" algn="r" rtl="0">
+                <a:spcBef>
+                  <a:spcPts val="0"/>
+                </a:spcBef>
+                <a:spcAft>
+                  <a:spcPts val="0"/>
+                </a:spcAft>
+                <a:buNone/>
+              </a:pPr>
               <a:t>‹#›</a:t>
             </a:fld>
             <a:endParaRPr/>
@@ -4014,11 +3967,11 @@
 </file>
 
 <file path=ppt/slideLayouts/slideLayout11.xml><?xml version="1.0" encoding="utf-8"?>
-<p:sldLayout xmlns:a="http://schemas.openxmlformats.org/drawingml/2006/main" xmlns:r="http://schemas.openxmlformats.org/officeDocument/2006/relationships" xmlns:mc="http://schemas.openxmlformats.org/markup-compatibility/2006" xmlns:mv="urn:schemas-microsoft-com:mac:vml" xmlns:p="http://schemas.openxmlformats.org/presentationml/2006/main" xmlns:c="http://schemas.openxmlformats.org/drawingml/2006/chart" xmlns:dgm="http://schemas.openxmlformats.org/drawingml/2006/diagram" xmlns:o="urn:schemas-microsoft-com:office:office" xmlns:v="urn:schemas-microsoft-com:vml" xmlns:pvml="urn:schemas-microsoft-com:office:powerpoint" xmlns:com="http://schemas.openxmlformats.org/drawingml/2006/compatibility" xmlns:p14="http://schemas.microsoft.com/office/powerpoint/2010/main" xmlns:p15="http://schemas.microsoft.com/office/powerpoint/2012/main" matchingName="Blank" type="blank">
+<p:sldLayout xmlns:a="http://schemas.openxmlformats.org/drawingml/2006/main" xmlns:r="http://schemas.openxmlformats.org/officeDocument/2006/relationships" xmlns:p="http://schemas.openxmlformats.org/presentationml/2006/main" matchingName="Blank" type="blank">
   <p:cSld name="BLANK">
     <p:spTree>
       <p:nvGrpSpPr>
-        <p:cNvPr id="128" name="Shape 128"/>
+        <p:cNvPr id="1" name="Shape 128"/>
         <p:cNvGrpSpPr/>
         <p:nvPr/>
       </p:nvGrpSpPr>
@@ -4033,9 +3986,11 @@
       <p:sp>
         <p:nvSpPr>
           <p:cNvPr id="129" name="Google Shape;129;p12"/>
-          <p:cNvSpPr txBox="1"/>
+          <p:cNvSpPr txBox="1">
+            <a:spLocks noGrp="1"/>
+          </p:cNvSpPr>
           <p:nvPr>
-            <p:ph idx="12" type="sldNum"/>
+            <p:ph type="sldNum" idx="12"/>
           </p:nvPr>
         </p:nvSpPr>
         <p:spPr>
@@ -4048,7 +4003,7 @@
           </a:prstGeom>
         </p:spPr>
         <p:txBody>
-          <a:bodyPr anchorCtr="0" anchor="ctr" bIns="91425" lIns="91425" spcFirstLastPara="1" rIns="91425" wrap="square" tIns="91425">
+          <a:bodyPr spcFirstLastPara="1" wrap="square" lIns="91425" tIns="91425" rIns="91425" bIns="91425" anchor="ctr" anchorCtr="0">
             <a:noAutofit/>
           </a:bodyPr>
           <a:lstStyle>
@@ -4090,7 +4045,7 @@
             </a:lvl9pPr>
           </a:lstStyle>
           <a:p>
-            <a:pPr indent="0" lvl="0" marL="0" rtl="0" algn="r">
+            <a:pPr marL="0" lvl="0" indent="0" algn="r" rtl="0">
               <a:spcBef>
                 <a:spcPts val="0"/>
               </a:spcBef>
@@ -4101,6 +4056,15 @@
             </a:pPr>
             <a:fld id="{00000000-1234-1234-1234-123412341234}" type="slidenum">
               <a:rPr lang="en-GB"/>
+              <a:pPr marL="0" lvl="0" indent="0" algn="r" rtl="0">
+                <a:spcBef>
+                  <a:spcPts val="0"/>
+                </a:spcBef>
+                <a:spcAft>
+                  <a:spcPts val="0"/>
+                </a:spcAft>
+                <a:buNone/>
+              </a:pPr>
               <a:t>‹#›</a:t>
             </a:fld>
             <a:endParaRPr/>
@@ -4116,11 +4080,11 @@
 </file>
 
 <file path=ppt/slideLayouts/slideLayout2.xml><?xml version="1.0" encoding="utf-8"?>
-<p:sldLayout xmlns:a="http://schemas.openxmlformats.org/drawingml/2006/main" xmlns:r="http://schemas.openxmlformats.org/officeDocument/2006/relationships" xmlns:mc="http://schemas.openxmlformats.org/markup-compatibility/2006" xmlns:mv="urn:schemas-microsoft-com:mac:vml" xmlns:p="http://schemas.openxmlformats.org/presentationml/2006/main" xmlns:c="http://schemas.openxmlformats.org/drawingml/2006/chart" xmlns:dgm="http://schemas.openxmlformats.org/drawingml/2006/diagram" xmlns:o="urn:schemas-microsoft-com:office:office" xmlns:v="urn:schemas-microsoft-com:vml" xmlns:pvml="urn:schemas-microsoft-com:office:powerpoint" xmlns:com="http://schemas.openxmlformats.org/drawingml/2006/compatibility" xmlns:p14="http://schemas.microsoft.com/office/powerpoint/2010/main" xmlns:p15="http://schemas.microsoft.com/office/powerpoint/2012/main" matchingName="Section header" type="secHead">
+<p:sldLayout xmlns:a="http://schemas.openxmlformats.org/drawingml/2006/main" xmlns:r="http://schemas.openxmlformats.org/officeDocument/2006/relationships" xmlns:p="http://schemas.openxmlformats.org/presentationml/2006/main" matchingName="Section header" type="secHead">
   <p:cSld name="SECTION_HEADER">
     <p:spTree>
       <p:nvGrpSpPr>
-        <p:cNvPr id="19" name="Shape 19"/>
+        <p:cNvPr id="1" name="Shape 19"/>
         <p:cNvGrpSpPr/>
         <p:nvPr/>
       </p:nvGrpSpPr>
@@ -4159,7 +4123,7 @@
             </a:xfrm>
             <a:prstGeom prst="diagStripe">
               <a:avLst>
-                <a:gd fmla="val 49469" name="adj"/>
+                <a:gd name="adj" fmla="val 49469"/>
               </a:avLst>
             </a:prstGeom>
             <a:solidFill>
@@ -4172,12 +4136,12 @@
             </a:ln>
           </p:spPr>
           <p:txBody>
-            <a:bodyPr anchorCtr="0" anchor="ctr" bIns="91425" lIns="91425" spcFirstLastPara="1" rIns="91425" wrap="square" tIns="91425">
+            <a:bodyPr spcFirstLastPara="1" wrap="square" lIns="91425" tIns="91425" rIns="91425" bIns="91425" anchor="ctr" anchorCtr="0">
               <a:noAutofit/>
             </a:bodyPr>
             <a:lstStyle/>
             <a:p>
-              <a:pPr indent="0" lvl="0" marL="0" rtl="0" algn="l">
+              <a:pPr marL="0" lvl="0" indent="0" algn="l" rtl="0">
                 <a:spcBef>
                   <a:spcPts val="0"/>
                 </a:spcBef>
@@ -4186,9 +4150,6 @@
                 </a:spcAft>
                 <a:buNone/>
               </a:pPr>
-              <a:r>
-                <a:t/>
-              </a:r>
               <a:endParaRPr/>
             </a:p>
           </p:txBody>
@@ -4206,7 +4167,7 @@
             </a:xfrm>
             <a:prstGeom prst="diagStripe">
               <a:avLst>
-                <a:gd fmla="val 0" name="adj"/>
+                <a:gd name="adj" fmla="val 0"/>
               </a:avLst>
             </a:prstGeom>
             <a:solidFill>
@@ -4219,12 +4180,12 @@
             </a:ln>
           </p:spPr>
           <p:txBody>
-            <a:bodyPr anchorCtr="0" anchor="ctr" bIns="91425" lIns="91425" spcFirstLastPara="1" rIns="91425" wrap="square" tIns="91425">
+            <a:bodyPr spcFirstLastPara="1" wrap="square" lIns="91425" tIns="91425" rIns="91425" bIns="91425" anchor="ctr" anchorCtr="0">
               <a:noAutofit/>
             </a:bodyPr>
             <a:lstStyle/>
             <a:p>
-              <a:pPr indent="0" lvl="0" marL="0" rtl="0" algn="l">
+              <a:pPr marL="0" lvl="0" indent="0" algn="l" rtl="0">
                 <a:spcBef>
                   <a:spcPts val="0"/>
                 </a:spcBef>
@@ -4233,9 +4194,6 @@
                 </a:spcAft>
                 <a:buNone/>
               </a:pPr>
-              <a:r>
-                <a:t/>
-              </a:r>
               <a:endParaRPr/>
             </a:p>
           </p:txBody>
@@ -4253,7 +4211,7 @@
             </a:xfrm>
             <a:prstGeom prst="diagStripe">
               <a:avLst>
-                <a:gd fmla="val 50000" name="adj"/>
+                <a:gd name="adj" fmla="val 50000"/>
               </a:avLst>
             </a:prstGeom>
             <a:solidFill>
@@ -4266,12 +4224,12 @@
             </a:ln>
           </p:spPr>
           <p:txBody>
-            <a:bodyPr anchorCtr="0" anchor="ctr" bIns="91425" lIns="91425" spcFirstLastPara="1" rIns="91425" wrap="square" tIns="91425">
+            <a:bodyPr spcFirstLastPara="1" wrap="square" lIns="91425" tIns="91425" rIns="91425" bIns="91425" anchor="ctr" anchorCtr="0">
               <a:noAutofit/>
             </a:bodyPr>
             <a:lstStyle/>
             <a:p>
-              <a:pPr indent="0" lvl="0" marL="0" rtl="0" algn="l">
+              <a:pPr marL="0" lvl="0" indent="0" algn="l" rtl="0">
                 <a:spcBef>
                   <a:spcPts val="0"/>
                 </a:spcBef>
@@ -4280,9 +4238,6 @@
                 </a:spcAft>
                 <a:buNone/>
               </a:pPr>
-              <a:r>
-                <a:t/>
-              </a:r>
               <a:endParaRPr/>
             </a:p>
           </p:txBody>
@@ -4300,7 +4255,7 @@
             </a:xfrm>
             <a:prstGeom prst="diagStripe">
               <a:avLst>
-                <a:gd fmla="val 50000" name="adj"/>
+                <a:gd name="adj" fmla="val 50000"/>
               </a:avLst>
             </a:prstGeom>
             <a:solidFill>
@@ -4313,12 +4268,12 @@
             </a:ln>
           </p:spPr>
           <p:txBody>
-            <a:bodyPr anchorCtr="0" anchor="ctr" bIns="91425" lIns="91425" spcFirstLastPara="1" rIns="91425" wrap="square" tIns="91425">
+            <a:bodyPr spcFirstLastPara="1" wrap="square" lIns="91425" tIns="91425" rIns="91425" bIns="91425" anchor="ctr" anchorCtr="0">
               <a:noAutofit/>
             </a:bodyPr>
             <a:lstStyle/>
             <a:p>
-              <a:pPr indent="0" lvl="0" marL="0" rtl="0" algn="l">
+              <a:pPr marL="0" lvl="0" indent="0" algn="l" rtl="0">
                 <a:spcBef>
                   <a:spcPts val="0"/>
                 </a:spcBef>
@@ -4327,9 +4282,6 @@
                 </a:spcAft>
                 <a:buNone/>
               </a:pPr>
-              <a:r>
-                <a:t/>
-              </a:r>
               <a:endParaRPr/>
             </a:p>
           </p:txBody>
@@ -4347,7 +4299,7 @@
             </a:xfrm>
             <a:prstGeom prst="diagStripe">
               <a:avLst>
-                <a:gd fmla="val 50000" name="adj"/>
+                <a:gd name="adj" fmla="val 50000"/>
               </a:avLst>
             </a:prstGeom>
             <a:solidFill>
@@ -4360,12 +4312,12 @@
             </a:ln>
           </p:spPr>
           <p:txBody>
-            <a:bodyPr anchorCtr="0" anchor="ctr" bIns="91425" lIns="91425" spcFirstLastPara="1" rIns="91425" wrap="square" tIns="91425">
+            <a:bodyPr spcFirstLastPara="1" wrap="square" lIns="91425" tIns="91425" rIns="91425" bIns="91425" anchor="ctr" anchorCtr="0">
               <a:noAutofit/>
             </a:bodyPr>
             <a:lstStyle/>
             <a:p>
-              <a:pPr indent="0" lvl="0" marL="0" rtl="0" algn="l">
+              <a:pPr marL="0" lvl="0" indent="0" algn="l" rtl="0">
                 <a:spcBef>
                   <a:spcPts val="0"/>
                 </a:spcBef>
@@ -4374,9 +4326,6 @@
                 </a:spcAft>
                 <a:buNone/>
               </a:pPr>
-              <a:r>
-                <a:t/>
-              </a:r>
               <a:endParaRPr/>
             </a:p>
           </p:txBody>
@@ -4394,7 +4343,7 @@
             </a:xfrm>
             <a:prstGeom prst="diagStripe">
               <a:avLst>
-                <a:gd fmla="val 50000" name="adj"/>
+                <a:gd name="adj" fmla="val 50000"/>
               </a:avLst>
             </a:prstGeom>
             <a:solidFill>
@@ -4407,12 +4356,12 @@
             </a:ln>
           </p:spPr>
           <p:txBody>
-            <a:bodyPr anchorCtr="0" anchor="ctr" bIns="91425" lIns="91425" spcFirstLastPara="1" rIns="91425" wrap="square" tIns="91425">
+            <a:bodyPr spcFirstLastPara="1" wrap="square" lIns="91425" tIns="91425" rIns="91425" bIns="91425" anchor="ctr" anchorCtr="0">
               <a:noAutofit/>
             </a:bodyPr>
             <a:lstStyle/>
             <a:p>
-              <a:pPr indent="0" lvl="0" marL="0" rtl="0" algn="l">
+              <a:pPr marL="0" lvl="0" indent="0" algn="l" rtl="0">
                 <a:spcBef>
                   <a:spcPts val="0"/>
                 </a:spcBef>
@@ -4421,9 +4370,6 @@
                 </a:spcAft>
                 <a:buNone/>
               </a:pPr>
-              <a:r>
-                <a:t/>
-              </a:r>
               <a:endParaRPr/>
             </a:p>
           </p:txBody>
@@ -4441,7 +4387,7 @@
             </a:xfrm>
             <a:prstGeom prst="diagStripe">
               <a:avLst>
-                <a:gd fmla="val 50000" name="adj"/>
+                <a:gd name="adj" fmla="val 50000"/>
               </a:avLst>
             </a:prstGeom>
             <a:solidFill>
@@ -4454,12 +4400,12 @@
             </a:ln>
           </p:spPr>
           <p:txBody>
-            <a:bodyPr anchorCtr="0" anchor="ctr" bIns="91425" lIns="91425" spcFirstLastPara="1" rIns="91425" wrap="square" tIns="91425">
+            <a:bodyPr spcFirstLastPara="1" wrap="square" lIns="91425" tIns="91425" rIns="91425" bIns="91425" anchor="ctr" anchorCtr="0">
               <a:noAutofit/>
             </a:bodyPr>
             <a:lstStyle/>
             <a:p>
-              <a:pPr indent="0" lvl="0" marL="0" rtl="0" algn="l">
+              <a:pPr marL="0" lvl="0" indent="0" algn="l" rtl="0">
                 <a:spcBef>
                   <a:spcPts val="0"/>
                 </a:spcBef>
@@ -4468,9 +4414,6 @@
                 </a:spcAft>
                 <a:buNone/>
               </a:pPr>
-              <a:r>
-                <a:t/>
-              </a:r>
               <a:endParaRPr/>
             </a:p>
           </p:txBody>
@@ -4488,7 +4431,7 @@
             </a:xfrm>
             <a:prstGeom prst="diagStripe">
               <a:avLst>
-                <a:gd fmla="val 50000" name="adj"/>
+                <a:gd name="adj" fmla="val 50000"/>
               </a:avLst>
             </a:prstGeom>
             <a:solidFill>
@@ -4499,12 +4442,12 @@
             </a:ln>
           </p:spPr>
           <p:txBody>
-            <a:bodyPr anchorCtr="0" anchor="ctr" bIns="91425" lIns="91425" spcFirstLastPara="1" rIns="91425" wrap="square" tIns="91425">
+            <a:bodyPr spcFirstLastPara="1" wrap="square" lIns="91425" tIns="91425" rIns="91425" bIns="91425" anchor="ctr" anchorCtr="0">
               <a:noAutofit/>
             </a:bodyPr>
             <a:lstStyle/>
             <a:p>
-              <a:pPr indent="0" lvl="0" marL="0" rtl="0" algn="l">
+              <a:pPr marL="0" lvl="0" indent="0" algn="l" rtl="0">
                 <a:spcBef>
                   <a:spcPts val="0"/>
                 </a:spcBef>
@@ -4513,9 +4456,6 @@
                 </a:spcAft>
                 <a:buNone/>
               </a:pPr>
-              <a:r>
-                <a:t/>
-              </a:r>
               <a:endParaRPr/>
             </a:p>
           </p:txBody>
@@ -4533,7 +4473,7 @@
             </a:xfrm>
             <a:prstGeom prst="diagStripe">
               <a:avLst>
-                <a:gd fmla="val 50000" name="adj"/>
+                <a:gd name="adj" fmla="val 50000"/>
               </a:avLst>
             </a:prstGeom>
             <a:solidFill>
@@ -4546,12 +4486,12 @@
             </a:ln>
           </p:spPr>
           <p:txBody>
-            <a:bodyPr anchorCtr="0" anchor="ctr" bIns="91425" lIns="91425" spcFirstLastPara="1" rIns="91425" wrap="square" tIns="91425">
+            <a:bodyPr spcFirstLastPara="1" wrap="square" lIns="91425" tIns="91425" rIns="91425" bIns="91425" anchor="ctr" anchorCtr="0">
               <a:noAutofit/>
             </a:bodyPr>
             <a:lstStyle/>
             <a:p>
-              <a:pPr indent="0" lvl="0" marL="0" rtl="0" algn="l">
+              <a:pPr marL="0" lvl="0" indent="0" algn="l" rtl="0">
                 <a:spcBef>
                   <a:spcPts val="0"/>
                 </a:spcBef>
@@ -4560,9 +4500,6 @@
                 </a:spcAft>
                 <a:buNone/>
               </a:pPr>
-              <a:r>
-                <a:t/>
-              </a:r>
               <a:endParaRPr/>
             </a:p>
           </p:txBody>
@@ -4580,7 +4517,7 @@
             </a:xfrm>
             <a:prstGeom prst="diagStripe">
               <a:avLst>
-                <a:gd fmla="val 50000" name="adj"/>
+                <a:gd name="adj" fmla="val 50000"/>
               </a:avLst>
             </a:prstGeom>
             <a:solidFill>
@@ -4593,12 +4530,12 @@
             </a:ln>
           </p:spPr>
           <p:txBody>
-            <a:bodyPr anchorCtr="0" anchor="ctr" bIns="91425" lIns="91425" spcFirstLastPara="1" rIns="91425" wrap="square" tIns="91425">
+            <a:bodyPr spcFirstLastPara="1" wrap="square" lIns="91425" tIns="91425" rIns="91425" bIns="91425" anchor="ctr" anchorCtr="0">
               <a:noAutofit/>
             </a:bodyPr>
             <a:lstStyle/>
             <a:p>
-              <a:pPr indent="0" lvl="0" marL="0" rtl="0" algn="l">
+              <a:pPr marL="0" lvl="0" indent="0" algn="l" rtl="0">
                 <a:spcBef>
                   <a:spcPts val="0"/>
                 </a:spcBef>
@@ -4607,9 +4544,6 @@
                 </a:spcAft>
                 <a:buNone/>
               </a:pPr>
-              <a:r>
-                <a:t/>
-              </a:r>
               <a:endParaRPr/>
             </a:p>
           </p:txBody>
@@ -4627,7 +4561,7 @@
             </a:xfrm>
             <a:prstGeom prst="diagStripe">
               <a:avLst>
-                <a:gd fmla="val 50000" name="adj"/>
+                <a:gd name="adj" fmla="val 50000"/>
               </a:avLst>
             </a:prstGeom>
             <a:solidFill>
@@ -4640,12 +4574,12 @@
             </a:ln>
           </p:spPr>
           <p:txBody>
-            <a:bodyPr anchorCtr="0" anchor="ctr" bIns="91425" lIns="91425" spcFirstLastPara="1" rIns="91425" wrap="square" tIns="91425">
+            <a:bodyPr spcFirstLastPara="1" wrap="square" lIns="91425" tIns="91425" rIns="91425" bIns="91425" anchor="ctr" anchorCtr="0">
               <a:noAutofit/>
             </a:bodyPr>
             <a:lstStyle/>
             <a:p>
-              <a:pPr indent="0" lvl="0" marL="0" rtl="0" algn="l">
+              <a:pPr marL="0" lvl="0" indent="0" algn="l" rtl="0">
                 <a:spcBef>
                   <a:spcPts val="0"/>
                 </a:spcBef>
@@ -4654,9 +4588,6 @@
                 </a:spcAft>
                 <a:buNone/>
               </a:pPr>
-              <a:r>
-                <a:t/>
-              </a:r>
               <a:endParaRPr/>
             </a:p>
           </p:txBody>
@@ -4674,7 +4605,7 @@
             </a:xfrm>
             <a:prstGeom prst="diagStripe">
               <a:avLst>
-                <a:gd fmla="val 50000" name="adj"/>
+                <a:gd name="adj" fmla="val 50000"/>
               </a:avLst>
             </a:prstGeom>
             <a:solidFill>
@@ -4687,12 +4618,12 @@
             </a:ln>
           </p:spPr>
           <p:txBody>
-            <a:bodyPr anchorCtr="0" anchor="ctr" bIns="91425" lIns="91425" spcFirstLastPara="1" rIns="91425" wrap="square" tIns="91425">
+            <a:bodyPr spcFirstLastPara="1" wrap="square" lIns="91425" tIns="91425" rIns="91425" bIns="91425" anchor="ctr" anchorCtr="0">
               <a:noAutofit/>
             </a:bodyPr>
             <a:lstStyle/>
             <a:p>
-              <a:pPr indent="0" lvl="0" marL="0" rtl="0" algn="l">
+              <a:pPr marL="0" lvl="0" indent="0" algn="l" rtl="0">
                 <a:spcBef>
                   <a:spcPts val="0"/>
                 </a:spcBef>
@@ -4701,9 +4632,6 @@
                 </a:spcAft>
                 <a:buNone/>
               </a:pPr>
-              <a:r>
-                <a:t/>
-              </a:r>
               <a:endParaRPr/>
             </a:p>
           </p:txBody>
@@ -4721,7 +4649,7 @@
             </a:xfrm>
             <a:prstGeom prst="diagStripe">
               <a:avLst>
-                <a:gd fmla="val 50000" name="adj"/>
+                <a:gd name="adj" fmla="val 50000"/>
               </a:avLst>
             </a:prstGeom>
             <a:solidFill>
@@ -4734,12 +4662,12 @@
             </a:ln>
           </p:spPr>
           <p:txBody>
-            <a:bodyPr anchorCtr="0" anchor="ctr" bIns="91425" lIns="91425" spcFirstLastPara="1" rIns="91425" wrap="square" tIns="91425">
+            <a:bodyPr spcFirstLastPara="1" wrap="square" lIns="91425" tIns="91425" rIns="91425" bIns="91425" anchor="ctr" anchorCtr="0">
               <a:noAutofit/>
             </a:bodyPr>
             <a:lstStyle/>
             <a:p>
-              <a:pPr indent="0" lvl="0" marL="0" rtl="0" algn="l">
+              <a:pPr marL="0" lvl="0" indent="0" algn="l" rtl="0">
                 <a:spcBef>
                   <a:spcPts val="0"/>
                 </a:spcBef>
@@ -4748,9 +4676,6 @@
                 </a:spcAft>
                 <a:buNone/>
               </a:pPr>
-              <a:r>
-                <a:t/>
-              </a:r>
               <a:endParaRPr/>
             </a:p>
           </p:txBody>
@@ -4768,7 +4693,7 @@
             </a:xfrm>
             <a:prstGeom prst="diagStripe">
               <a:avLst>
-                <a:gd fmla="val 50000" name="adj"/>
+                <a:gd name="adj" fmla="val 50000"/>
               </a:avLst>
             </a:prstGeom>
             <a:solidFill>
@@ -4779,12 +4704,12 @@
             </a:ln>
           </p:spPr>
           <p:txBody>
-            <a:bodyPr anchorCtr="0" anchor="ctr" bIns="91425" lIns="91425" spcFirstLastPara="1" rIns="91425" wrap="square" tIns="91425">
+            <a:bodyPr spcFirstLastPara="1" wrap="square" lIns="91425" tIns="91425" rIns="91425" bIns="91425" anchor="ctr" anchorCtr="0">
               <a:noAutofit/>
             </a:bodyPr>
             <a:lstStyle/>
             <a:p>
-              <a:pPr indent="0" lvl="0" marL="0" rtl="0" algn="l">
+              <a:pPr marL="0" lvl="0" indent="0" algn="l" rtl="0">
                 <a:spcBef>
                   <a:spcPts val="0"/>
                 </a:spcBef>
@@ -4793,9 +4718,6 @@
                 </a:spcAft>
                 <a:buNone/>
               </a:pPr>
-              <a:r>
-                <a:t/>
-              </a:r>
               <a:endParaRPr/>
             </a:p>
           </p:txBody>
@@ -4813,7 +4735,7 @@
             </a:xfrm>
             <a:prstGeom prst="diagStripe">
               <a:avLst>
-                <a:gd fmla="val 50000" name="adj"/>
+                <a:gd name="adj" fmla="val 50000"/>
               </a:avLst>
             </a:prstGeom>
             <a:solidFill>
@@ -4826,12 +4748,12 @@
             </a:ln>
           </p:spPr>
           <p:txBody>
-            <a:bodyPr anchorCtr="0" anchor="ctr" bIns="91425" lIns="91425" spcFirstLastPara="1" rIns="91425" wrap="square" tIns="91425">
+            <a:bodyPr spcFirstLastPara="1" wrap="square" lIns="91425" tIns="91425" rIns="91425" bIns="91425" anchor="ctr" anchorCtr="0">
               <a:noAutofit/>
             </a:bodyPr>
             <a:lstStyle/>
             <a:p>
-              <a:pPr indent="0" lvl="0" marL="0" rtl="0" algn="l">
+              <a:pPr marL="0" lvl="0" indent="0" algn="l" rtl="0">
                 <a:spcBef>
                   <a:spcPts val="0"/>
                 </a:spcBef>
@@ -4840,9 +4762,6 @@
                 </a:spcAft>
                 <a:buNone/>
               </a:pPr>
-              <a:r>
-                <a:t/>
-              </a:r>
               <a:endParaRPr/>
             </a:p>
           </p:txBody>
@@ -4860,7 +4779,7 @@
             </a:xfrm>
             <a:prstGeom prst="diagStripe">
               <a:avLst>
-                <a:gd fmla="val 50000" name="adj"/>
+                <a:gd name="adj" fmla="val 50000"/>
               </a:avLst>
             </a:prstGeom>
             <a:solidFill>
@@ -4873,12 +4792,12 @@
             </a:ln>
           </p:spPr>
           <p:txBody>
-            <a:bodyPr anchorCtr="0" anchor="ctr" bIns="91425" lIns="91425" spcFirstLastPara="1" rIns="91425" wrap="square" tIns="91425">
+            <a:bodyPr spcFirstLastPara="1" wrap="square" lIns="91425" tIns="91425" rIns="91425" bIns="91425" anchor="ctr" anchorCtr="0">
               <a:noAutofit/>
             </a:bodyPr>
             <a:lstStyle/>
             <a:p>
-              <a:pPr indent="0" lvl="0" marL="0" rtl="0" algn="l">
+              <a:pPr marL="0" lvl="0" indent="0" algn="l" rtl="0">
                 <a:spcBef>
                   <a:spcPts val="0"/>
                 </a:spcBef>
@@ -4887,9 +4806,6 @@
                 </a:spcAft>
                 <a:buNone/>
               </a:pPr>
-              <a:r>
-                <a:t/>
-              </a:r>
               <a:endParaRPr/>
             </a:p>
           </p:txBody>
@@ -4907,7 +4823,7 @@
             </a:xfrm>
             <a:prstGeom prst="diagStripe">
               <a:avLst>
-                <a:gd fmla="val 50000" name="adj"/>
+                <a:gd name="adj" fmla="val 50000"/>
               </a:avLst>
             </a:prstGeom>
             <a:solidFill>
@@ -4920,12 +4836,12 @@
             </a:ln>
           </p:spPr>
           <p:txBody>
-            <a:bodyPr anchorCtr="0" anchor="ctr" bIns="91425" lIns="91425" spcFirstLastPara="1" rIns="91425" wrap="square" tIns="91425">
+            <a:bodyPr spcFirstLastPara="1" wrap="square" lIns="91425" tIns="91425" rIns="91425" bIns="91425" anchor="ctr" anchorCtr="0">
               <a:noAutofit/>
             </a:bodyPr>
             <a:lstStyle/>
             <a:p>
-              <a:pPr indent="0" lvl="0" marL="0" rtl="0" algn="l">
+              <a:pPr marL="0" lvl="0" indent="0" algn="l" rtl="0">
                 <a:spcBef>
                   <a:spcPts val="0"/>
                 </a:spcBef>
@@ -4934,9 +4850,6 @@
                 </a:spcAft>
                 <a:buNone/>
               </a:pPr>
-              <a:r>
-                <a:t/>
-              </a:r>
               <a:endParaRPr/>
             </a:p>
           </p:txBody>
@@ -4954,7 +4867,7 @@
             </a:xfrm>
             <a:prstGeom prst="diagStripe">
               <a:avLst>
-                <a:gd fmla="val 50000" name="adj"/>
+                <a:gd name="adj" fmla="val 50000"/>
               </a:avLst>
             </a:prstGeom>
             <a:solidFill>
@@ -4967,12 +4880,12 @@
             </a:ln>
           </p:spPr>
           <p:txBody>
-            <a:bodyPr anchorCtr="0" anchor="ctr" bIns="91425" lIns="91425" spcFirstLastPara="1" rIns="91425" wrap="square" tIns="91425">
+            <a:bodyPr spcFirstLastPara="1" wrap="square" lIns="91425" tIns="91425" rIns="91425" bIns="91425" anchor="ctr" anchorCtr="0">
               <a:noAutofit/>
             </a:bodyPr>
             <a:lstStyle/>
             <a:p>
-              <a:pPr indent="0" lvl="0" marL="0" rtl="0" algn="l">
+              <a:pPr marL="0" lvl="0" indent="0" algn="l" rtl="0">
                 <a:spcBef>
                   <a:spcPts val="0"/>
                 </a:spcBef>
@@ -4981,9 +4894,6 @@
                 </a:spcAft>
                 <a:buNone/>
               </a:pPr>
-              <a:r>
-                <a:t/>
-              </a:r>
               <a:endParaRPr/>
             </a:p>
           </p:txBody>
@@ -4992,7 +4902,9 @@
       <p:sp>
         <p:nvSpPr>
           <p:cNvPr id="39" name="Google Shape;39;p3"/>
-          <p:cNvSpPr txBox="1"/>
+          <p:cNvSpPr txBox="1">
+            <a:spLocks noGrp="1"/>
+          </p:cNvSpPr>
           <p:nvPr>
             <p:ph type="title"/>
           </p:nvPr>
@@ -5007,7 +4919,7 @@
           </a:prstGeom>
         </p:spPr>
         <p:txBody>
-          <a:bodyPr anchorCtr="0" anchor="ctr" bIns="91425" lIns="91425" spcFirstLastPara="1" rIns="91425" wrap="square" tIns="91425"/>
+          <a:bodyPr spcFirstLastPara="1" wrap="square" lIns="91425" tIns="91425" rIns="91425" bIns="91425" anchor="ctr" anchorCtr="0"/>
           <a:lstStyle>
             <a:lvl1pPr lvl="0">
               <a:spcBef>
@@ -5109,15 +5021,19 @@
               <a:defRPr/>
             </a:lvl9pPr>
           </a:lstStyle>
-          <a:p/>
+          <a:p>
+            <a:endParaRPr/>
+          </a:p>
         </p:txBody>
       </p:sp>
       <p:sp>
         <p:nvSpPr>
           <p:cNvPr id="40" name="Google Shape;40;p3"/>
-          <p:cNvSpPr txBox="1"/>
+          <p:cNvSpPr txBox="1">
+            <a:spLocks noGrp="1"/>
+          </p:cNvSpPr>
           <p:nvPr>
-            <p:ph idx="12" type="sldNum"/>
+            <p:ph type="sldNum" idx="12"/>
           </p:nvPr>
         </p:nvSpPr>
         <p:spPr>
@@ -5130,7 +5046,7 @@
           </a:prstGeom>
         </p:spPr>
         <p:txBody>
-          <a:bodyPr anchorCtr="0" anchor="ctr" bIns="91425" lIns="91425" spcFirstLastPara="1" rIns="91425" wrap="square" tIns="91425">
+          <a:bodyPr spcFirstLastPara="1" wrap="square" lIns="91425" tIns="91425" rIns="91425" bIns="91425" anchor="ctr" anchorCtr="0">
             <a:noAutofit/>
           </a:bodyPr>
           <a:lstStyle>
@@ -5172,7 +5088,7 @@
             </a:lvl9pPr>
           </a:lstStyle>
           <a:p>
-            <a:pPr indent="0" lvl="0" marL="0" rtl="0" algn="r">
+            <a:pPr marL="0" lvl="0" indent="0" algn="r" rtl="0">
               <a:spcBef>
                 <a:spcPts val="0"/>
               </a:spcBef>
@@ -5183,6 +5099,15 @@
             </a:pPr>
             <a:fld id="{00000000-1234-1234-1234-123412341234}" type="slidenum">
               <a:rPr lang="en-GB"/>
+              <a:pPr marL="0" lvl="0" indent="0" algn="r" rtl="0">
+                <a:spcBef>
+                  <a:spcPts val="0"/>
+                </a:spcBef>
+                <a:spcAft>
+                  <a:spcPts val="0"/>
+                </a:spcAft>
+                <a:buNone/>
+              </a:pPr>
               <a:t>‹#›</a:t>
             </a:fld>
             <a:endParaRPr/>
@@ -5198,11 +5123,11 @@
 </file>
 
 <file path=ppt/slideLayouts/slideLayout3.xml><?xml version="1.0" encoding="utf-8"?>
-<p:sldLayout xmlns:a="http://schemas.openxmlformats.org/drawingml/2006/main" xmlns:r="http://schemas.openxmlformats.org/officeDocument/2006/relationships" xmlns:mc="http://schemas.openxmlformats.org/markup-compatibility/2006" xmlns:mv="urn:schemas-microsoft-com:mac:vml" xmlns:p="http://schemas.openxmlformats.org/presentationml/2006/main" xmlns:c="http://schemas.openxmlformats.org/drawingml/2006/chart" xmlns:dgm="http://schemas.openxmlformats.org/drawingml/2006/diagram" xmlns:o="urn:schemas-microsoft-com:office:office" xmlns:v="urn:schemas-microsoft-com:vml" xmlns:pvml="urn:schemas-microsoft-com:office:powerpoint" xmlns:com="http://schemas.openxmlformats.org/drawingml/2006/compatibility" xmlns:p14="http://schemas.microsoft.com/office/powerpoint/2010/main" xmlns:p15="http://schemas.microsoft.com/office/powerpoint/2012/main" matchingName="Title and body" type="tx">
+<p:sldLayout xmlns:a="http://schemas.openxmlformats.org/drawingml/2006/main" xmlns:r="http://schemas.openxmlformats.org/officeDocument/2006/relationships" xmlns:p="http://schemas.openxmlformats.org/presentationml/2006/main" matchingName="Title and body" type="tx">
   <p:cSld name="TITLE_AND_BODY">
     <p:spTree>
       <p:nvGrpSpPr>
-        <p:cNvPr id="41" name="Shape 41"/>
+        <p:cNvPr id="1" name="Shape 41"/>
         <p:cNvGrpSpPr/>
         <p:nvPr/>
       </p:nvGrpSpPr>
@@ -5241,7 +5166,7 @@
             </a:xfrm>
             <a:prstGeom prst="diagStripe">
               <a:avLst>
-                <a:gd fmla="val 50000" name="adj"/>
+                <a:gd name="adj" fmla="val 50000"/>
               </a:avLst>
             </a:prstGeom>
             <a:solidFill>
@@ -5252,12 +5177,12 @@
             </a:ln>
           </p:spPr>
           <p:txBody>
-            <a:bodyPr anchorCtr="0" anchor="ctr" bIns="91425" lIns="91425" spcFirstLastPara="1" rIns="91425" wrap="square" tIns="91425">
+            <a:bodyPr spcFirstLastPara="1" wrap="square" lIns="91425" tIns="91425" rIns="91425" bIns="91425" anchor="ctr" anchorCtr="0">
               <a:noAutofit/>
             </a:bodyPr>
             <a:lstStyle/>
             <a:p>
-              <a:pPr indent="0" lvl="0" marL="0" rtl="0" algn="l">
+              <a:pPr marL="0" lvl="0" indent="0" algn="l" rtl="0">
                 <a:spcBef>
                   <a:spcPts val="0"/>
                 </a:spcBef>
@@ -5266,9 +5191,6 @@
                 </a:spcAft>
                 <a:buNone/>
               </a:pPr>
-              <a:r>
-                <a:t/>
-              </a:r>
               <a:endParaRPr/>
             </a:p>
           </p:txBody>
@@ -5286,7 +5208,7 @@
             </a:xfrm>
             <a:prstGeom prst="diagStripe">
               <a:avLst>
-                <a:gd fmla="val 50000" name="adj"/>
+                <a:gd name="adj" fmla="val 50000"/>
               </a:avLst>
             </a:prstGeom>
             <a:solidFill>
@@ -5297,12 +5219,12 @@
             </a:ln>
           </p:spPr>
           <p:txBody>
-            <a:bodyPr anchorCtr="0" anchor="ctr" bIns="91425" lIns="91425" spcFirstLastPara="1" rIns="91425" wrap="square" tIns="91425">
+            <a:bodyPr spcFirstLastPara="1" wrap="square" lIns="91425" tIns="91425" rIns="91425" bIns="91425" anchor="ctr" anchorCtr="0">
               <a:noAutofit/>
             </a:bodyPr>
             <a:lstStyle/>
             <a:p>
-              <a:pPr indent="0" lvl="0" marL="0" rtl="0" algn="l">
+              <a:pPr marL="0" lvl="0" indent="0" algn="l" rtl="0">
                 <a:spcBef>
                   <a:spcPts val="0"/>
                 </a:spcBef>
@@ -5311,9 +5233,6 @@
                 </a:spcAft>
                 <a:buNone/>
               </a:pPr>
-              <a:r>
-                <a:t/>
-              </a:r>
               <a:endParaRPr/>
             </a:p>
           </p:txBody>
@@ -5322,7 +5241,9 @@
       <p:sp>
         <p:nvSpPr>
           <p:cNvPr id="45" name="Google Shape;45;p4"/>
-          <p:cNvSpPr txBox="1"/>
+          <p:cNvSpPr txBox="1">
+            <a:spLocks noGrp="1"/>
+          </p:cNvSpPr>
           <p:nvPr>
             <p:ph type="title"/>
           </p:nvPr>
@@ -5337,7 +5258,7 @@
           </a:prstGeom>
         </p:spPr>
         <p:txBody>
-          <a:bodyPr anchorCtr="0" anchor="t" bIns="91425" lIns="91425" spcFirstLastPara="1" rIns="91425" wrap="square" tIns="91425"/>
+          <a:bodyPr spcFirstLastPara="1" wrap="square" lIns="91425" tIns="91425" rIns="91425" bIns="91425" anchor="t" anchorCtr="0"/>
           <a:lstStyle>
             <a:lvl1pPr lvl="0">
               <a:spcBef>
@@ -5439,15 +5360,19 @@
               <a:defRPr sz="2400"/>
             </a:lvl9pPr>
           </a:lstStyle>
-          <a:p/>
+          <a:p>
+            <a:endParaRPr/>
+          </a:p>
         </p:txBody>
       </p:sp>
       <p:sp>
         <p:nvSpPr>
           <p:cNvPr id="46" name="Google Shape;46;p4"/>
-          <p:cNvSpPr txBox="1"/>
+          <p:cNvSpPr txBox="1">
+            <a:spLocks noGrp="1"/>
+          </p:cNvSpPr>
           <p:nvPr>
-            <p:ph idx="1" type="body"/>
+            <p:ph type="body" idx="1"/>
           </p:nvPr>
         </p:nvSpPr>
         <p:spPr>
@@ -5460,9 +5385,9 @@
           </a:prstGeom>
         </p:spPr>
         <p:txBody>
-          <a:bodyPr anchorCtr="0" anchor="t" bIns="91425" lIns="91425" spcFirstLastPara="1" rIns="91425" wrap="square" tIns="91425"/>
+          <a:bodyPr spcFirstLastPara="1" wrap="square" lIns="91425" tIns="91425" rIns="91425" bIns="91425" anchor="t" anchorCtr="0"/>
           <a:lstStyle>
-            <a:lvl1pPr indent="-311150" lvl="0" marL="457200">
+            <a:lvl1pPr marL="457200" lvl="0" indent="-311150">
               <a:spcBef>
                 <a:spcPts val="0"/>
               </a:spcBef>
@@ -5473,7 +5398,7 @@
               <a:buChar char="●"/>
               <a:defRPr/>
             </a:lvl1pPr>
-            <a:lvl2pPr indent="-298450" lvl="1" marL="914400">
+            <a:lvl2pPr marL="914400" lvl="1" indent="-298450">
               <a:spcBef>
                 <a:spcPts val="1600"/>
               </a:spcBef>
@@ -5484,7 +5409,7 @@
               <a:buChar char="○"/>
               <a:defRPr/>
             </a:lvl2pPr>
-            <a:lvl3pPr indent="-298450" lvl="2" marL="1371600">
+            <a:lvl3pPr marL="1371600" lvl="2" indent="-298450">
               <a:spcBef>
                 <a:spcPts val="1600"/>
               </a:spcBef>
@@ -5495,7 +5420,7 @@
               <a:buChar char="■"/>
               <a:defRPr/>
             </a:lvl3pPr>
-            <a:lvl4pPr indent="-298450" lvl="3" marL="1828800">
+            <a:lvl4pPr marL="1828800" lvl="3" indent="-298450">
               <a:spcBef>
                 <a:spcPts val="1600"/>
               </a:spcBef>
@@ -5506,7 +5431,7 @@
               <a:buChar char="●"/>
               <a:defRPr/>
             </a:lvl4pPr>
-            <a:lvl5pPr indent="-298450" lvl="4" marL="2286000">
+            <a:lvl5pPr marL="2286000" lvl="4" indent="-298450">
               <a:spcBef>
                 <a:spcPts val="1600"/>
               </a:spcBef>
@@ -5517,7 +5442,7 @@
               <a:buChar char="○"/>
               <a:defRPr/>
             </a:lvl5pPr>
-            <a:lvl6pPr indent="-298450" lvl="5" marL="2743200">
+            <a:lvl6pPr marL="2743200" lvl="5" indent="-298450">
               <a:spcBef>
                 <a:spcPts val="1600"/>
               </a:spcBef>
@@ -5528,7 +5453,7 @@
               <a:buChar char="■"/>
               <a:defRPr/>
             </a:lvl6pPr>
-            <a:lvl7pPr indent="-298450" lvl="6" marL="3200400">
+            <a:lvl7pPr marL="3200400" lvl="6" indent="-298450">
               <a:spcBef>
                 <a:spcPts val="1600"/>
               </a:spcBef>
@@ -5539,7 +5464,7 @@
               <a:buChar char="●"/>
               <a:defRPr/>
             </a:lvl7pPr>
-            <a:lvl8pPr indent="-298450" lvl="7" marL="3657600">
+            <a:lvl8pPr marL="3657600" lvl="7" indent="-298450">
               <a:spcBef>
                 <a:spcPts val="1600"/>
               </a:spcBef>
@@ -5550,7 +5475,7 @@
               <a:buChar char="○"/>
               <a:defRPr/>
             </a:lvl8pPr>
-            <a:lvl9pPr indent="-298450" lvl="8" marL="4114800">
+            <a:lvl9pPr marL="4114800" lvl="8" indent="-298450">
               <a:spcBef>
                 <a:spcPts val="1600"/>
               </a:spcBef>
@@ -5562,15 +5487,19 @@
               <a:defRPr/>
             </a:lvl9pPr>
           </a:lstStyle>
-          <a:p/>
+          <a:p>
+            <a:endParaRPr/>
+          </a:p>
         </p:txBody>
       </p:sp>
       <p:sp>
         <p:nvSpPr>
           <p:cNvPr id="47" name="Google Shape;47;p4"/>
-          <p:cNvSpPr txBox="1"/>
+          <p:cNvSpPr txBox="1">
+            <a:spLocks noGrp="1"/>
+          </p:cNvSpPr>
           <p:nvPr>
-            <p:ph idx="12" type="sldNum"/>
+            <p:ph type="sldNum" idx="12"/>
           </p:nvPr>
         </p:nvSpPr>
         <p:spPr>
@@ -5583,7 +5512,7 @@
           </a:prstGeom>
         </p:spPr>
         <p:txBody>
-          <a:bodyPr anchorCtr="0" anchor="ctr" bIns="91425" lIns="91425" spcFirstLastPara="1" rIns="91425" wrap="square" tIns="91425">
+          <a:bodyPr spcFirstLastPara="1" wrap="square" lIns="91425" tIns="91425" rIns="91425" bIns="91425" anchor="ctr" anchorCtr="0">
             <a:noAutofit/>
           </a:bodyPr>
           <a:lstStyle>
@@ -5625,7 +5554,7 @@
             </a:lvl9pPr>
           </a:lstStyle>
           <a:p>
-            <a:pPr indent="0" lvl="0" marL="0" rtl="0" algn="r">
+            <a:pPr marL="0" lvl="0" indent="0" algn="r" rtl="0">
               <a:spcBef>
                 <a:spcPts val="0"/>
               </a:spcBef>
@@ -5636,6 +5565,15 @@
             </a:pPr>
             <a:fld id="{00000000-1234-1234-1234-123412341234}" type="slidenum">
               <a:rPr lang="en-GB"/>
+              <a:pPr marL="0" lvl="0" indent="0" algn="r" rtl="0">
+                <a:spcBef>
+                  <a:spcPts val="0"/>
+                </a:spcBef>
+                <a:spcAft>
+                  <a:spcPts val="0"/>
+                </a:spcAft>
+                <a:buNone/>
+              </a:pPr>
               <a:t>‹#›</a:t>
             </a:fld>
             <a:endParaRPr/>
@@ -5651,11 +5589,11 @@
 </file>
 
 <file path=ppt/slideLayouts/slideLayout4.xml><?xml version="1.0" encoding="utf-8"?>
-<p:sldLayout xmlns:a="http://schemas.openxmlformats.org/drawingml/2006/main" xmlns:r="http://schemas.openxmlformats.org/officeDocument/2006/relationships" xmlns:mc="http://schemas.openxmlformats.org/markup-compatibility/2006" xmlns:mv="urn:schemas-microsoft-com:mac:vml" xmlns:p="http://schemas.openxmlformats.org/presentationml/2006/main" xmlns:c="http://schemas.openxmlformats.org/drawingml/2006/chart" xmlns:dgm="http://schemas.openxmlformats.org/drawingml/2006/diagram" xmlns:o="urn:schemas-microsoft-com:office:office" xmlns:v="urn:schemas-microsoft-com:vml" xmlns:pvml="urn:schemas-microsoft-com:office:powerpoint" xmlns:com="http://schemas.openxmlformats.org/drawingml/2006/compatibility" xmlns:p14="http://schemas.microsoft.com/office/powerpoint/2010/main" xmlns:p15="http://schemas.microsoft.com/office/powerpoint/2012/main" matchingName="Title and two columns" type="twoColTx">
+<p:sldLayout xmlns:a="http://schemas.openxmlformats.org/drawingml/2006/main" xmlns:r="http://schemas.openxmlformats.org/officeDocument/2006/relationships" xmlns:p="http://schemas.openxmlformats.org/presentationml/2006/main" matchingName="Title and two columns" type="twoColTx">
   <p:cSld name="TITLE_AND_TWO_COLUMNS">
     <p:spTree>
       <p:nvGrpSpPr>
-        <p:cNvPr id="48" name="Shape 48"/>
+        <p:cNvPr id="1" name="Shape 48"/>
         <p:cNvGrpSpPr/>
         <p:nvPr/>
       </p:nvGrpSpPr>
@@ -5694,7 +5632,7 @@
             </a:xfrm>
             <a:prstGeom prst="diagStripe">
               <a:avLst>
-                <a:gd fmla="val 50000" name="adj"/>
+                <a:gd name="adj" fmla="val 50000"/>
               </a:avLst>
             </a:prstGeom>
             <a:solidFill>
@@ -5705,12 +5643,12 @@
             </a:ln>
           </p:spPr>
           <p:txBody>
-            <a:bodyPr anchorCtr="0" anchor="ctr" bIns="91425" lIns="91425" spcFirstLastPara="1" rIns="91425" wrap="square" tIns="91425">
+            <a:bodyPr spcFirstLastPara="1" wrap="square" lIns="91425" tIns="91425" rIns="91425" bIns="91425" anchor="ctr" anchorCtr="0">
               <a:noAutofit/>
             </a:bodyPr>
             <a:lstStyle/>
             <a:p>
-              <a:pPr indent="0" lvl="0" marL="0" rtl="0" algn="l">
+              <a:pPr marL="0" lvl="0" indent="0" algn="l" rtl="0">
                 <a:spcBef>
                   <a:spcPts val="0"/>
                 </a:spcBef>
@@ -5719,9 +5657,6 @@
                 </a:spcAft>
                 <a:buNone/>
               </a:pPr>
-              <a:r>
-                <a:t/>
-              </a:r>
               <a:endParaRPr/>
             </a:p>
           </p:txBody>
@@ -5739,7 +5674,7 @@
             </a:xfrm>
             <a:prstGeom prst="diagStripe">
               <a:avLst>
-                <a:gd fmla="val 50000" name="adj"/>
+                <a:gd name="adj" fmla="val 50000"/>
               </a:avLst>
             </a:prstGeom>
             <a:solidFill>
@@ -5750,12 +5685,12 @@
             </a:ln>
           </p:spPr>
           <p:txBody>
-            <a:bodyPr anchorCtr="0" anchor="ctr" bIns="91425" lIns="91425" spcFirstLastPara="1" rIns="91425" wrap="square" tIns="91425">
+            <a:bodyPr spcFirstLastPara="1" wrap="square" lIns="91425" tIns="91425" rIns="91425" bIns="91425" anchor="ctr" anchorCtr="0">
               <a:noAutofit/>
             </a:bodyPr>
             <a:lstStyle/>
             <a:p>
-              <a:pPr indent="0" lvl="0" marL="0" rtl="0" algn="l">
+              <a:pPr marL="0" lvl="0" indent="0" algn="l" rtl="0">
                 <a:spcBef>
                   <a:spcPts val="0"/>
                 </a:spcBef>
@@ -5764,9 +5699,6 @@
                 </a:spcAft>
                 <a:buNone/>
               </a:pPr>
-              <a:r>
-                <a:t/>
-              </a:r>
               <a:endParaRPr/>
             </a:p>
           </p:txBody>
@@ -5775,7 +5707,9 @@
       <p:sp>
         <p:nvSpPr>
           <p:cNvPr id="52" name="Google Shape;52;p5"/>
-          <p:cNvSpPr txBox="1"/>
+          <p:cNvSpPr txBox="1">
+            <a:spLocks noGrp="1"/>
+          </p:cNvSpPr>
           <p:nvPr>
             <p:ph type="title"/>
           </p:nvPr>
@@ -5790,7 +5724,7 @@
           </a:prstGeom>
         </p:spPr>
         <p:txBody>
-          <a:bodyPr anchorCtr="0" anchor="t" bIns="91425" lIns="91425" spcFirstLastPara="1" rIns="91425" wrap="square" tIns="91425"/>
+          <a:bodyPr spcFirstLastPara="1" wrap="square" lIns="91425" tIns="91425" rIns="91425" bIns="91425" anchor="t" anchorCtr="0"/>
           <a:lstStyle>
             <a:lvl1pPr lvl="0">
               <a:spcBef>
@@ -5892,15 +5826,19 @@
               <a:defRPr sz="2400"/>
             </a:lvl9pPr>
           </a:lstStyle>
-          <a:p/>
+          <a:p>
+            <a:endParaRPr/>
+          </a:p>
         </p:txBody>
       </p:sp>
       <p:sp>
         <p:nvSpPr>
           <p:cNvPr id="53" name="Google Shape;53;p5"/>
-          <p:cNvSpPr txBox="1"/>
+          <p:cNvSpPr txBox="1">
+            <a:spLocks noGrp="1"/>
+          </p:cNvSpPr>
           <p:nvPr>
-            <p:ph idx="1" type="body"/>
+            <p:ph type="body" idx="1"/>
           </p:nvPr>
         </p:nvSpPr>
         <p:spPr>
@@ -5913,9 +5851,9 @@
           </a:prstGeom>
         </p:spPr>
         <p:txBody>
-          <a:bodyPr anchorCtr="0" anchor="t" bIns="91425" lIns="91425" spcFirstLastPara="1" rIns="91425" wrap="square" tIns="91425"/>
+          <a:bodyPr spcFirstLastPara="1" wrap="square" lIns="91425" tIns="91425" rIns="91425" bIns="91425" anchor="t" anchorCtr="0"/>
           <a:lstStyle>
-            <a:lvl1pPr indent="-311150" lvl="0" marL="457200">
+            <a:lvl1pPr marL="457200" lvl="0" indent="-311150">
               <a:spcBef>
                 <a:spcPts val="0"/>
               </a:spcBef>
@@ -5926,7 +5864,7 @@
               <a:buChar char="●"/>
               <a:defRPr/>
             </a:lvl1pPr>
-            <a:lvl2pPr indent="-298450" lvl="1" marL="914400">
+            <a:lvl2pPr marL="914400" lvl="1" indent="-298450">
               <a:spcBef>
                 <a:spcPts val="1600"/>
               </a:spcBef>
@@ -5937,7 +5875,7 @@
               <a:buChar char="○"/>
               <a:defRPr/>
             </a:lvl2pPr>
-            <a:lvl3pPr indent="-298450" lvl="2" marL="1371600">
+            <a:lvl3pPr marL="1371600" lvl="2" indent="-298450">
               <a:spcBef>
                 <a:spcPts val="1600"/>
               </a:spcBef>
@@ -5948,7 +5886,7 @@
               <a:buChar char="■"/>
               <a:defRPr/>
             </a:lvl3pPr>
-            <a:lvl4pPr indent="-298450" lvl="3" marL="1828800">
+            <a:lvl4pPr marL="1828800" lvl="3" indent="-298450">
               <a:spcBef>
                 <a:spcPts val="1600"/>
               </a:spcBef>
@@ -5959,7 +5897,7 @@
               <a:buChar char="●"/>
               <a:defRPr/>
             </a:lvl4pPr>
-            <a:lvl5pPr indent="-298450" lvl="4" marL="2286000">
+            <a:lvl5pPr marL="2286000" lvl="4" indent="-298450">
               <a:spcBef>
                 <a:spcPts val="1600"/>
               </a:spcBef>
@@ -5970,7 +5908,7 @@
               <a:buChar char="○"/>
               <a:defRPr/>
             </a:lvl5pPr>
-            <a:lvl6pPr indent="-298450" lvl="5" marL="2743200">
+            <a:lvl6pPr marL="2743200" lvl="5" indent="-298450">
               <a:spcBef>
                 <a:spcPts val="1600"/>
               </a:spcBef>
@@ -5981,7 +5919,7 @@
               <a:buChar char="■"/>
               <a:defRPr/>
             </a:lvl6pPr>
-            <a:lvl7pPr indent="-298450" lvl="6" marL="3200400">
+            <a:lvl7pPr marL="3200400" lvl="6" indent="-298450">
               <a:spcBef>
                 <a:spcPts val="1600"/>
               </a:spcBef>
@@ -5992,7 +5930,7 @@
               <a:buChar char="●"/>
               <a:defRPr/>
             </a:lvl7pPr>
-            <a:lvl8pPr indent="-298450" lvl="7" marL="3657600">
+            <a:lvl8pPr marL="3657600" lvl="7" indent="-298450">
               <a:spcBef>
                 <a:spcPts val="1600"/>
               </a:spcBef>
@@ -6003,7 +5941,7 @@
               <a:buChar char="○"/>
               <a:defRPr/>
             </a:lvl8pPr>
-            <a:lvl9pPr indent="-298450" lvl="8" marL="4114800">
+            <a:lvl9pPr marL="4114800" lvl="8" indent="-298450">
               <a:spcBef>
                 <a:spcPts val="1600"/>
               </a:spcBef>
@@ -6015,15 +5953,19 @@
               <a:defRPr/>
             </a:lvl9pPr>
           </a:lstStyle>
-          <a:p/>
+          <a:p>
+            <a:endParaRPr/>
+          </a:p>
         </p:txBody>
       </p:sp>
       <p:sp>
         <p:nvSpPr>
           <p:cNvPr id="54" name="Google Shape;54;p5"/>
-          <p:cNvSpPr txBox="1"/>
+          <p:cNvSpPr txBox="1">
+            <a:spLocks noGrp="1"/>
+          </p:cNvSpPr>
           <p:nvPr>
-            <p:ph idx="2" type="body"/>
+            <p:ph type="body" idx="2"/>
           </p:nvPr>
         </p:nvSpPr>
         <p:spPr>
@@ -6036,9 +5978,9 @@
           </a:prstGeom>
         </p:spPr>
         <p:txBody>
-          <a:bodyPr anchorCtr="0" anchor="t" bIns="91425" lIns="91425" spcFirstLastPara="1" rIns="91425" wrap="square" tIns="91425"/>
+          <a:bodyPr spcFirstLastPara="1" wrap="square" lIns="91425" tIns="91425" rIns="91425" bIns="91425" anchor="t" anchorCtr="0"/>
           <a:lstStyle>
-            <a:lvl1pPr indent="-311150" lvl="0" marL="457200">
+            <a:lvl1pPr marL="457200" lvl="0" indent="-311150">
               <a:spcBef>
                 <a:spcPts val="0"/>
               </a:spcBef>
@@ -6049,7 +5991,7 @@
               <a:buChar char="●"/>
               <a:defRPr/>
             </a:lvl1pPr>
-            <a:lvl2pPr indent="-298450" lvl="1" marL="914400">
+            <a:lvl2pPr marL="914400" lvl="1" indent="-298450">
               <a:spcBef>
                 <a:spcPts val="1600"/>
               </a:spcBef>
@@ -6060,7 +6002,7 @@
               <a:buChar char="○"/>
               <a:defRPr/>
             </a:lvl2pPr>
-            <a:lvl3pPr indent="-298450" lvl="2" marL="1371600">
+            <a:lvl3pPr marL="1371600" lvl="2" indent="-298450">
               <a:spcBef>
                 <a:spcPts val="1600"/>
               </a:spcBef>
@@ -6071,7 +6013,7 @@
               <a:buChar char="■"/>
               <a:defRPr/>
             </a:lvl3pPr>
-            <a:lvl4pPr indent="-298450" lvl="3" marL="1828800">
+            <a:lvl4pPr marL="1828800" lvl="3" indent="-298450">
               <a:spcBef>
                 <a:spcPts val="1600"/>
               </a:spcBef>
@@ -6082,7 +6024,7 @@
               <a:buChar char="●"/>
               <a:defRPr/>
             </a:lvl4pPr>
-            <a:lvl5pPr indent="-298450" lvl="4" marL="2286000">
+            <a:lvl5pPr marL="2286000" lvl="4" indent="-298450">
               <a:spcBef>
                 <a:spcPts val="1600"/>
               </a:spcBef>
@@ -6093,7 +6035,7 @@
               <a:buChar char="○"/>
               <a:defRPr/>
             </a:lvl5pPr>
-            <a:lvl6pPr indent="-298450" lvl="5" marL="2743200">
+            <a:lvl6pPr marL="2743200" lvl="5" indent="-298450">
               <a:spcBef>
                 <a:spcPts val="1600"/>
               </a:spcBef>
@@ -6104,7 +6046,7 @@
               <a:buChar char="■"/>
               <a:defRPr/>
             </a:lvl6pPr>
-            <a:lvl7pPr indent="-298450" lvl="6" marL="3200400">
+            <a:lvl7pPr marL="3200400" lvl="6" indent="-298450">
               <a:spcBef>
                 <a:spcPts val="1600"/>
               </a:spcBef>
@@ -6115,7 +6057,7 @@
               <a:buChar char="●"/>
               <a:defRPr/>
             </a:lvl7pPr>
-            <a:lvl8pPr indent="-298450" lvl="7" marL="3657600">
+            <a:lvl8pPr marL="3657600" lvl="7" indent="-298450">
               <a:spcBef>
                 <a:spcPts val="1600"/>
               </a:spcBef>
@@ -6126,7 +6068,7 @@
               <a:buChar char="○"/>
               <a:defRPr/>
             </a:lvl8pPr>
-            <a:lvl9pPr indent="-298450" lvl="8" marL="4114800">
+            <a:lvl9pPr marL="4114800" lvl="8" indent="-298450">
               <a:spcBef>
                 <a:spcPts val="1600"/>
               </a:spcBef>
@@ -6138,15 +6080,19 @@
               <a:defRPr/>
             </a:lvl9pPr>
           </a:lstStyle>
-          <a:p/>
+          <a:p>
+            <a:endParaRPr/>
+          </a:p>
         </p:txBody>
       </p:sp>
       <p:sp>
         <p:nvSpPr>
           <p:cNvPr id="55" name="Google Shape;55;p5"/>
-          <p:cNvSpPr txBox="1"/>
+          <p:cNvSpPr txBox="1">
+            <a:spLocks noGrp="1"/>
+          </p:cNvSpPr>
           <p:nvPr>
-            <p:ph idx="12" type="sldNum"/>
+            <p:ph type="sldNum" idx="12"/>
           </p:nvPr>
         </p:nvSpPr>
         <p:spPr>
@@ -6159,7 +6105,7 @@
           </a:prstGeom>
         </p:spPr>
         <p:txBody>
-          <a:bodyPr anchorCtr="0" anchor="ctr" bIns="91425" lIns="91425" spcFirstLastPara="1" rIns="91425" wrap="square" tIns="91425">
+          <a:bodyPr spcFirstLastPara="1" wrap="square" lIns="91425" tIns="91425" rIns="91425" bIns="91425" anchor="ctr" anchorCtr="0">
             <a:noAutofit/>
           </a:bodyPr>
           <a:lstStyle>
@@ -6201,7 +6147,7 @@
             </a:lvl9pPr>
           </a:lstStyle>
           <a:p>
-            <a:pPr indent="0" lvl="0" marL="0" rtl="0" algn="r">
+            <a:pPr marL="0" lvl="0" indent="0" algn="r" rtl="0">
               <a:spcBef>
                 <a:spcPts val="0"/>
               </a:spcBef>
@@ -6212,6 +6158,15 @@
             </a:pPr>
             <a:fld id="{00000000-1234-1234-1234-123412341234}" type="slidenum">
               <a:rPr lang="en-GB"/>
+              <a:pPr marL="0" lvl="0" indent="0" algn="r" rtl="0">
+                <a:spcBef>
+                  <a:spcPts val="0"/>
+                </a:spcBef>
+                <a:spcAft>
+                  <a:spcPts val="0"/>
+                </a:spcAft>
+                <a:buNone/>
+              </a:pPr>
               <a:t>‹#›</a:t>
             </a:fld>
             <a:endParaRPr/>
@@ -6227,11 +6182,11 @@
 </file>
 
 <file path=ppt/slideLayouts/slideLayout5.xml><?xml version="1.0" encoding="utf-8"?>
-<p:sldLayout xmlns:a="http://schemas.openxmlformats.org/drawingml/2006/main" xmlns:r="http://schemas.openxmlformats.org/officeDocument/2006/relationships" xmlns:mc="http://schemas.openxmlformats.org/markup-compatibility/2006" xmlns:mv="urn:schemas-microsoft-com:mac:vml" xmlns:p="http://schemas.openxmlformats.org/presentationml/2006/main" xmlns:c="http://schemas.openxmlformats.org/drawingml/2006/chart" xmlns:dgm="http://schemas.openxmlformats.org/drawingml/2006/diagram" xmlns:o="urn:schemas-microsoft-com:office:office" xmlns:v="urn:schemas-microsoft-com:vml" xmlns:pvml="urn:schemas-microsoft-com:office:powerpoint" xmlns:com="http://schemas.openxmlformats.org/drawingml/2006/compatibility" xmlns:p14="http://schemas.microsoft.com/office/powerpoint/2010/main" xmlns:p15="http://schemas.microsoft.com/office/powerpoint/2012/main" matchingName="Title only" type="titleOnly">
+<p:sldLayout xmlns:a="http://schemas.openxmlformats.org/drawingml/2006/main" xmlns:r="http://schemas.openxmlformats.org/officeDocument/2006/relationships" xmlns:p="http://schemas.openxmlformats.org/presentationml/2006/main" matchingName="Title only" type="titleOnly">
   <p:cSld name="TITLE_ONLY">
     <p:spTree>
       <p:nvGrpSpPr>
-        <p:cNvPr id="56" name="Shape 56"/>
+        <p:cNvPr id="1" name="Shape 56"/>
         <p:cNvGrpSpPr/>
         <p:nvPr/>
       </p:nvGrpSpPr>
@@ -6270,7 +6225,7 @@
             </a:xfrm>
             <a:prstGeom prst="diagStripe">
               <a:avLst>
-                <a:gd fmla="val 50000" name="adj"/>
+                <a:gd name="adj" fmla="val 50000"/>
               </a:avLst>
             </a:prstGeom>
             <a:solidFill>
@@ -6281,12 +6236,12 @@
             </a:ln>
           </p:spPr>
           <p:txBody>
-            <a:bodyPr anchorCtr="0" anchor="ctr" bIns="91425" lIns="91425" spcFirstLastPara="1" rIns="91425" wrap="square" tIns="91425">
+            <a:bodyPr spcFirstLastPara="1" wrap="square" lIns="91425" tIns="91425" rIns="91425" bIns="91425" anchor="ctr" anchorCtr="0">
               <a:noAutofit/>
             </a:bodyPr>
             <a:lstStyle/>
             <a:p>
-              <a:pPr indent="0" lvl="0" marL="0" rtl="0" algn="l">
+              <a:pPr marL="0" lvl="0" indent="0" algn="l" rtl="0">
                 <a:spcBef>
                   <a:spcPts val="0"/>
                 </a:spcBef>
@@ -6295,9 +6250,6 @@
                 </a:spcAft>
                 <a:buNone/>
               </a:pPr>
-              <a:r>
-                <a:t/>
-              </a:r>
               <a:endParaRPr/>
             </a:p>
           </p:txBody>
@@ -6315,7 +6267,7 @@
             </a:xfrm>
             <a:prstGeom prst="diagStripe">
               <a:avLst>
-                <a:gd fmla="val 50000" name="adj"/>
+                <a:gd name="adj" fmla="val 50000"/>
               </a:avLst>
             </a:prstGeom>
             <a:solidFill>
@@ -6326,12 +6278,12 @@
             </a:ln>
           </p:spPr>
           <p:txBody>
-            <a:bodyPr anchorCtr="0" anchor="ctr" bIns="91425" lIns="91425" spcFirstLastPara="1" rIns="91425" wrap="square" tIns="91425">
+            <a:bodyPr spcFirstLastPara="1" wrap="square" lIns="91425" tIns="91425" rIns="91425" bIns="91425" anchor="ctr" anchorCtr="0">
               <a:noAutofit/>
             </a:bodyPr>
             <a:lstStyle/>
             <a:p>
-              <a:pPr indent="0" lvl="0" marL="0" rtl="0" algn="l">
+              <a:pPr marL="0" lvl="0" indent="0" algn="l" rtl="0">
                 <a:spcBef>
                   <a:spcPts val="0"/>
                 </a:spcBef>
@@ -6340,9 +6292,6 @@
                 </a:spcAft>
                 <a:buNone/>
               </a:pPr>
-              <a:r>
-                <a:t/>
-              </a:r>
               <a:endParaRPr/>
             </a:p>
           </p:txBody>
@@ -6351,7 +6300,9 @@
       <p:sp>
         <p:nvSpPr>
           <p:cNvPr id="60" name="Google Shape;60;p6"/>
-          <p:cNvSpPr txBox="1"/>
+          <p:cNvSpPr txBox="1">
+            <a:spLocks noGrp="1"/>
+          </p:cNvSpPr>
           <p:nvPr>
             <p:ph type="title"/>
           </p:nvPr>
@@ -6366,7 +6317,7 @@
           </a:prstGeom>
         </p:spPr>
         <p:txBody>
-          <a:bodyPr anchorCtr="0" anchor="t" bIns="91425" lIns="91425" spcFirstLastPara="1" rIns="91425" wrap="square" tIns="91425"/>
+          <a:bodyPr spcFirstLastPara="1" wrap="square" lIns="91425" tIns="91425" rIns="91425" bIns="91425" anchor="t" anchorCtr="0"/>
           <a:lstStyle>
             <a:lvl1pPr lvl="0">
               <a:spcBef>
@@ -6468,15 +6419,19 @@
               <a:defRPr sz="2400"/>
             </a:lvl9pPr>
           </a:lstStyle>
-          <a:p/>
+          <a:p>
+            <a:endParaRPr/>
+          </a:p>
         </p:txBody>
       </p:sp>
       <p:sp>
         <p:nvSpPr>
           <p:cNvPr id="61" name="Google Shape;61;p6"/>
-          <p:cNvSpPr txBox="1"/>
+          <p:cNvSpPr txBox="1">
+            <a:spLocks noGrp="1"/>
+          </p:cNvSpPr>
           <p:nvPr>
-            <p:ph idx="12" type="sldNum"/>
+            <p:ph type="sldNum" idx="12"/>
           </p:nvPr>
         </p:nvSpPr>
         <p:spPr>
@@ -6489,7 +6444,7 @@
           </a:prstGeom>
         </p:spPr>
         <p:txBody>
-          <a:bodyPr anchorCtr="0" anchor="ctr" bIns="91425" lIns="91425" spcFirstLastPara="1" rIns="91425" wrap="square" tIns="91425">
+          <a:bodyPr spcFirstLastPara="1" wrap="square" lIns="91425" tIns="91425" rIns="91425" bIns="91425" anchor="ctr" anchorCtr="0">
             <a:noAutofit/>
           </a:bodyPr>
           <a:lstStyle>
@@ -6531,7 +6486,7 @@
             </a:lvl9pPr>
           </a:lstStyle>
           <a:p>
-            <a:pPr indent="0" lvl="0" marL="0" rtl="0" algn="r">
+            <a:pPr marL="0" lvl="0" indent="0" algn="r" rtl="0">
               <a:spcBef>
                 <a:spcPts val="0"/>
               </a:spcBef>
@@ -6542,6 +6497,15 @@
             </a:pPr>
             <a:fld id="{00000000-1234-1234-1234-123412341234}" type="slidenum">
               <a:rPr lang="en-GB"/>
+              <a:pPr marL="0" lvl="0" indent="0" algn="r" rtl="0">
+                <a:spcBef>
+                  <a:spcPts val="0"/>
+                </a:spcBef>
+                <a:spcAft>
+                  <a:spcPts val="0"/>
+                </a:spcAft>
+                <a:buNone/>
+              </a:pPr>
               <a:t>‹#›</a:t>
             </a:fld>
             <a:endParaRPr/>
@@ -6557,11 +6521,11 @@
 </file>
 
 <file path=ppt/slideLayouts/slideLayout6.xml><?xml version="1.0" encoding="utf-8"?>
-<p:sldLayout xmlns:a="http://schemas.openxmlformats.org/drawingml/2006/main" xmlns:r="http://schemas.openxmlformats.org/officeDocument/2006/relationships" xmlns:mc="http://schemas.openxmlformats.org/markup-compatibility/2006" xmlns:mv="urn:schemas-microsoft-com:mac:vml" xmlns:p="http://schemas.openxmlformats.org/presentationml/2006/main" xmlns:c="http://schemas.openxmlformats.org/drawingml/2006/chart" xmlns:dgm="http://schemas.openxmlformats.org/drawingml/2006/diagram" xmlns:o="urn:schemas-microsoft-com:office:office" xmlns:v="urn:schemas-microsoft-com:vml" xmlns:pvml="urn:schemas-microsoft-com:office:powerpoint" xmlns:com="http://schemas.openxmlformats.org/drawingml/2006/compatibility" xmlns:p14="http://schemas.microsoft.com/office/powerpoint/2010/main" xmlns:p15="http://schemas.microsoft.com/office/powerpoint/2012/main" matchingName="One column text">
+<p:sldLayout xmlns:a="http://schemas.openxmlformats.org/drawingml/2006/main" xmlns:r="http://schemas.openxmlformats.org/officeDocument/2006/relationships" xmlns:p="http://schemas.openxmlformats.org/presentationml/2006/main" matchingName="One column text">
   <p:cSld name="ONE_COLUMN_TEXT">
     <p:spTree>
       <p:nvGrpSpPr>
-        <p:cNvPr id="62" name="Shape 62"/>
+        <p:cNvPr id="1" name="Shape 62"/>
         <p:cNvGrpSpPr/>
         <p:nvPr/>
       </p:nvGrpSpPr>
@@ -6600,7 +6564,7 @@
             </a:xfrm>
             <a:prstGeom prst="diagStripe">
               <a:avLst>
-                <a:gd fmla="val 50000" name="adj"/>
+                <a:gd name="adj" fmla="val 50000"/>
               </a:avLst>
             </a:prstGeom>
             <a:solidFill>
@@ -6611,12 +6575,12 @@
             </a:ln>
           </p:spPr>
           <p:txBody>
-            <a:bodyPr anchorCtr="0" anchor="ctr" bIns="91425" lIns="91425" spcFirstLastPara="1" rIns="91425" wrap="square" tIns="91425">
+            <a:bodyPr spcFirstLastPara="1" wrap="square" lIns="91425" tIns="91425" rIns="91425" bIns="91425" anchor="ctr" anchorCtr="0">
               <a:noAutofit/>
             </a:bodyPr>
             <a:lstStyle/>
             <a:p>
-              <a:pPr indent="0" lvl="0" marL="0" rtl="0" algn="l">
+              <a:pPr marL="0" lvl="0" indent="0" algn="l" rtl="0">
                 <a:spcBef>
                   <a:spcPts val="0"/>
                 </a:spcBef>
@@ -6625,9 +6589,6 @@
                 </a:spcAft>
                 <a:buNone/>
               </a:pPr>
-              <a:r>
-                <a:t/>
-              </a:r>
               <a:endParaRPr/>
             </a:p>
           </p:txBody>
@@ -6645,7 +6606,7 @@
             </a:xfrm>
             <a:prstGeom prst="diagStripe">
               <a:avLst>
-                <a:gd fmla="val 50000" name="adj"/>
+                <a:gd name="adj" fmla="val 50000"/>
               </a:avLst>
             </a:prstGeom>
             <a:solidFill>
@@ -6656,12 +6617,12 @@
             </a:ln>
           </p:spPr>
           <p:txBody>
-            <a:bodyPr anchorCtr="0" anchor="ctr" bIns="91425" lIns="91425" spcFirstLastPara="1" rIns="91425" wrap="square" tIns="91425">
+            <a:bodyPr spcFirstLastPara="1" wrap="square" lIns="91425" tIns="91425" rIns="91425" bIns="91425" anchor="ctr" anchorCtr="0">
               <a:noAutofit/>
             </a:bodyPr>
             <a:lstStyle/>
             <a:p>
-              <a:pPr indent="0" lvl="0" marL="0" rtl="0" algn="l">
+              <a:pPr marL="0" lvl="0" indent="0" algn="l" rtl="0">
                 <a:spcBef>
                   <a:spcPts val="0"/>
                 </a:spcBef>
@@ -6670,9 +6631,6 @@
                 </a:spcAft>
                 <a:buNone/>
               </a:pPr>
-              <a:r>
-                <a:t/>
-              </a:r>
               <a:endParaRPr/>
             </a:p>
           </p:txBody>
@@ -6681,7 +6639,9 @@
       <p:sp>
         <p:nvSpPr>
           <p:cNvPr id="66" name="Google Shape;66;p7"/>
-          <p:cNvSpPr txBox="1"/>
+          <p:cNvSpPr txBox="1">
+            <a:spLocks noGrp="1"/>
+          </p:cNvSpPr>
           <p:nvPr>
             <p:ph type="title"/>
           </p:nvPr>
@@ -6696,7 +6656,7 @@
           </a:prstGeom>
         </p:spPr>
         <p:txBody>
-          <a:bodyPr anchorCtr="0" anchor="t" bIns="91425" lIns="91425" spcFirstLastPara="1" rIns="91425" wrap="square" tIns="91425"/>
+          <a:bodyPr spcFirstLastPara="1" wrap="square" lIns="91425" tIns="91425" rIns="91425" bIns="91425" anchor="t" anchorCtr="0"/>
           <a:lstStyle>
             <a:lvl1pPr lvl="0">
               <a:spcBef>
@@ -6798,15 +6758,19 @@
               <a:defRPr sz="2400"/>
             </a:lvl9pPr>
           </a:lstStyle>
-          <a:p/>
+          <a:p>
+            <a:endParaRPr/>
+          </a:p>
         </p:txBody>
       </p:sp>
       <p:sp>
         <p:nvSpPr>
           <p:cNvPr id="67" name="Google Shape;67;p7"/>
-          <p:cNvSpPr txBox="1"/>
+          <p:cNvSpPr txBox="1">
+            <a:spLocks noGrp="1"/>
+          </p:cNvSpPr>
           <p:nvPr>
-            <p:ph idx="1" type="body"/>
+            <p:ph type="body" idx="1"/>
           </p:nvPr>
         </p:nvSpPr>
         <p:spPr>
@@ -6819,9 +6783,9 @@
           </a:prstGeom>
         </p:spPr>
         <p:txBody>
-          <a:bodyPr anchorCtr="0" anchor="t" bIns="91425" lIns="91425" spcFirstLastPara="1" rIns="91425" wrap="square" tIns="91425"/>
+          <a:bodyPr spcFirstLastPara="1" wrap="square" lIns="91425" tIns="91425" rIns="91425" bIns="91425" anchor="t" anchorCtr="0"/>
           <a:lstStyle>
-            <a:lvl1pPr indent="-311150" lvl="0" marL="457200">
+            <a:lvl1pPr marL="457200" lvl="0" indent="-311150">
               <a:spcBef>
                 <a:spcPts val="0"/>
               </a:spcBef>
@@ -6832,7 +6796,7 @@
               <a:buChar char="●"/>
               <a:defRPr/>
             </a:lvl1pPr>
-            <a:lvl2pPr indent="-298450" lvl="1" marL="914400">
+            <a:lvl2pPr marL="914400" lvl="1" indent="-298450">
               <a:spcBef>
                 <a:spcPts val="1600"/>
               </a:spcBef>
@@ -6843,7 +6807,7 @@
               <a:buChar char="○"/>
               <a:defRPr/>
             </a:lvl2pPr>
-            <a:lvl3pPr indent="-298450" lvl="2" marL="1371600">
+            <a:lvl3pPr marL="1371600" lvl="2" indent="-298450">
               <a:spcBef>
                 <a:spcPts val="1600"/>
               </a:spcBef>
@@ -6854,7 +6818,7 @@
               <a:buChar char="■"/>
               <a:defRPr/>
             </a:lvl3pPr>
-            <a:lvl4pPr indent="-298450" lvl="3" marL="1828800">
+            <a:lvl4pPr marL="1828800" lvl="3" indent="-298450">
               <a:spcBef>
                 <a:spcPts val="1600"/>
               </a:spcBef>
@@ -6865,7 +6829,7 @@
               <a:buChar char="●"/>
               <a:defRPr/>
             </a:lvl4pPr>
-            <a:lvl5pPr indent="-298450" lvl="4" marL="2286000">
+            <a:lvl5pPr marL="2286000" lvl="4" indent="-298450">
               <a:spcBef>
                 <a:spcPts val="1600"/>
               </a:spcBef>
@@ -6876,7 +6840,7 @@
               <a:buChar char="○"/>
               <a:defRPr/>
             </a:lvl5pPr>
-            <a:lvl6pPr indent="-298450" lvl="5" marL="2743200">
+            <a:lvl6pPr marL="2743200" lvl="5" indent="-298450">
               <a:spcBef>
                 <a:spcPts val="1600"/>
               </a:spcBef>
@@ -6887,7 +6851,7 @@
               <a:buChar char="■"/>
               <a:defRPr/>
             </a:lvl6pPr>
-            <a:lvl7pPr indent="-298450" lvl="6" marL="3200400">
+            <a:lvl7pPr marL="3200400" lvl="6" indent="-298450">
               <a:spcBef>
                 <a:spcPts val="1600"/>
               </a:spcBef>
@@ -6898,7 +6862,7 @@
               <a:buChar char="●"/>
               <a:defRPr/>
             </a:lvl7pPr>
-            <a:lvl8pPr indent="-298450" lvl="7" marL="3657600">
+            <a:lvl8pPr marL="3657600" lvl="7" indent="-298450">
               <a:spcBef>
                 <a:spcPts val="1600"/>
               </a:spcBef>
@@ -6909,7 +6873,7 @@
               <a:buChar char="○"/>
               <a:defRPr/>
             </a:lvl8pPr>
-            <a:lvl9pPr indent="-298450" lvl="8" marL="4114800">
+            <a:lvl9pPr marL="4114800" lvl="8" indent="-298450">
               <a:spcBef>
                 <a:spcPts val="1600"/>
               </a:spcBef>
@@ -6921,15 +6885,19 @@
               <a:defRPr/>
             </a:lvl9pPr>
           </a:lstStyle>
-          <a:p/>
+          <a:p>
+            <a:endParaRPr/>
+          </a:p>
         </p:txBody>
       </p:sp>
       <p:sp>
         <p:nvSpPr>
           <p:cNvPr id="68" name="Google Shape;68;p7"/>
-          <p:cNvSpPr txBox="1"/>
+          <p:cNvSpPr txBox="1">
+            <a:spLocks noGrp="1"/>
+          </p:cNvSpPr>
           <p:nvPr>
-            <p:ph idx="12" type="sldNum"/>
+            <p:ph type="sldNum" idx="12"/>
           </p:nvPr>
         </p:nvSpPr>
         <p:spPr>
@@ -6942,7 +6910,7 @@
           </a:prstGeom>
         </p:spPr>
         <p:txBody>
-          <a:bodyPr anchorCtr="0" anchor="ctr" bIns="91425" lIns="91425" spcFirstLastPara="1" rIns="91425" wrap="square" tIns="91425">
+          <a:bodyPr spcFirstLastPara="1" wrap="square" lIns="91425" tIns="91425" rIns="91425" bIns="91425" anchor="ctr" anchorCtr="0">
             <a:noAutofit/>
           </a:bodyPr>
           <a:lstStyle>
@@ -6984,7 +6952,7 @@
             </a:lvl9pPr>
           </a:lstStyle>
           <a:p>
-            <a:pPr indent="0" lvl="0" marL="0" rtl="0" algn="r">
+            <a:pPr marL="0" lvl="0" indent="0" algn="r" rtl="0">
               <a:spcBef>
                 <a:spcPts val="0"/>
               </a:spcBef>
@@ -6995,6 +6963,15 @@
             </a:pPr>
             <a:fld id="{00000000-1234-1234-1234-123412341234}" type="slidenum">
               <a:rPr lang="en-GB"/>
+              <a:pPr marL="0" lvl="0" indent="0" algn="r" rtl="0">
+                <a:spcBef>
+                  <a:spcPts val="0"/>
+                </a:spcBef>
+                <a:spcAft>
+                  <a:spcPts val="0"/>
+                </a:spcAft>
+                <a:buNone/>
+              </a:pPr>
               <a:t>‹#›</a:t>
             </a:fld>
             <a:endParaRPr/>
@@ -7010,11 +6987,11 @@
 </file>
 
 <file path=ppt/slideLayouts/slideLayout7.xml><?xml version="1.0" encoding="utf-8"?>
-<p:sldLayout xmlns:a="http://schemas.openxmlformats.org/drawingml/2006/main" xmlns:r="http://schemas.openxmlformats.org/officeDocument/2006/relationships" xmlns:mc="http://schemas.openxmlformats.org/markup-compatibility/2006" xmlns:mv="urn:schemas-microsoft-com:mac:vml" xmlns:p="http://schemas.openxmlformats.org/presentationml/2006/main" xmlns:c="http://schemas.openxmlformats.org/drawingml/2006/chart" xmlns:dgm="http://schemas.openxmlformats.org/drawingml/2006/diagram" xmlns:o="urn:schemas-microsoft-com:office:office" xmlns:v="urn:schemas-microsoft-com:vml" xmlns:pvml="urn:schemas-microsoft-com:office:powerpoint" xmlns:com="http://schemas.openxmlformats.org/drawingml/2006/compatibility" xmlns:p14="http://schemas.microsoft.com/office/powerpoint/2010/main" xmlns:p15="http://schemas.microsoft.com/office/powerpoint/2012/main" matchingName="Main point">
+<p:sldLayout xmlns:a="http://schemas.openxmlformats.org/drawingml/2006/main" xmlns:r="http://schemas.openxmlformats.org/officeDocument/2006/relationships" xmlns:p="http://schemas.openxmlformats.org/presentationml/2006/main" matchingName="Main point">
   <p:cSld name="MAIN_POINT">
     <p:spTree>
       <p:nvGrpSpPr>
-        <p:cNvPr id="69" name="Shape 69"/>
+        <p:cNvPr id="1" name="Shape 69"/>
         <p:cNvGrpSpPr/>
         <p:nvPr/>
       </p:nvGrpSpPr>
@@ -7053,7 +7030,7 @@
             </a:xfrm>
             <a:prstGeom prst="diagStripe">
               <a:avLst>
-                <a:gd fmla="val 49469" name="adj"/>
+                <a:gd name="adj" fmla="val 49469"/>
               </a:avLst>
             </a:prstGeom>
             <a:solidFill>
@@ -7066,12 +7043,12 @@
             </a:ln>
           </p:spPr>
           <p:txBody>
-            <a:bodyPr anchorCtr="0" anchor="ctr" bIns="91425" lIns="91425" spcFirstLastPara="1" rIns="91425" wrap="square" tIns="91425">
+            <a:bodyPr spcFirstLastPara="1" wrap="square" lIns="91425" tIns="91425" rIns="91425" bIns="91425" anchor="ctr" anchorCtr="0">
               <a:noAutofit/>
             </a:bodyPr>
             <a:lstStyle/>
             <a:p>
-              <a:pPr indent="0" lvl="0" marL="0" rtl="0" algn="l">
+              <a:pPr marL="0" lvl="0" indent="0" algn="l" rtl="0">
                 <a:spcBef>
                   <a:spcPts val="0"/>
                 </a:spcBef>
@@ -7080,9 +7057,6 @@
                 </a:spcAft>
                 <a:buNone/>
               </a:pPr>
-              <a:r>
-                <a:t/>
-              </a:r>
               <a:endParaRPr/>
             </a:p>
           </p:txBody>
@@ -7100,7 +7074,7 @@
             </a:xfrm>
             <a:prstGeom prst="diagStripe">
               <a:avLst>
-                <a:gd fmla="val 0" name="adj"/>
+                <a:gd name="adj" fmla="val 0"/>
               </a:avLst>
             </a:prstGeom>
             <a:solidFill>
@@ -7113,12 +7087,12 @@
             </a:ln>
           </p:spPr>
           <p:txBody>
-            <a:bodyPr anchorCtr="0" anchor="ctr" bIns="91425" lIns="91425" spcFirstLastPara="1" rIns="91425" wrap="square" tIns="91425">
+            <a:bodyPr spcFirstLastPara="1" wrap="square" lIns="91425" tIns="91425" rIns="91425" bIns="91425" anchor="ctr" anchorCtr="0">
               <a:noAutofit/>
             </a:bodyPr>
             <a:lstStyle/>
             <a:p>
-              <a:pPr indent="0" lvl="0" marL="0" rtl="0" algn="l">
+              <a:pPr marL="0" lvl="0" indent="0" algn="l" rtl="0">
                 <a:spcBef>
                   <a:spcPts val="0"/>
                 </a:spcBef>
@@ -7127,9 +7101,6 @@
                 </a:spcAft>
                 <a:buNone/>
               </a:pPr>
-              <a:r>
-                <a:t/>
-              </a:r>
               <a:endParaRPr/>
             </a:p>
           </p:txBody>
@@ -7147,7 +7118,7 @@
             </a:xfrm>
             <a:prstGeom prst="diagStripe">
               <a:avLst>
-                <a:gd fmla="val 50000" name="adj"/>
+                <a:gd name="adj" fmla="val 50000"/>
               </a:avLst>
             </a:prstGeom>
             <a:solidFill>
@@ -7160,12 +7131,12 @@
             </a:ln>
           </p:spPr>
           <p:txBody>
-            <a:bodyPr anchorCtr="0" anchor="ctr" bIns="91425" lIns="91425" spcFirstLastPara="1" rIns="91425" wrap="square" tIns="91425">
+            <a:bodyPr spcFirstLastPara="1" wrap="square" lIns="91425" tIns="91425" rIns="91425" bIns="91425" anchor="ctr" anchorCtr="0">
               <a:noAutofit/>
             </a:bodyPr>
             <a:lstStyle/>
             <a:p>
-              <a:pPr indent="0" lvl="0" marL="0" rtl="0" algn="l">
+              <a:pPr marL="0" lvl="0" indent="0" algn="l" rtl="0">
                 <a:spcBef>
                   <a:spcPts val="0"/>
                 </a:spcBef>
@@ -7174,9 +7145,6 @@
                 </a:spcAft>
                 <a:buNone/>
               </a:pPr>
-              <a:r>
-                <a:t/>
-              </a:r>
               <a:endParaRPr/>
             </a:p>
           </p:txBody>
@@ -7194,7 +7162,7 @@
             </a:xfrm>
             <a:prstGeom prst="diagStripe">
               <a:avLst>
-                <a:gd fmla="val 50000" name="adj"/>
+                <a:gd name="adj" fmla="val 50000"/>
               </a:avLst>
             </a:prstGeom>
             <a:solidFill>
@@ -7207,12 +7175,12 @@
             </a:ln>
           </p:spPr>
           <p:txBody>
-            <a:bodyPr anchorCtr="0" anchor="ctr" bIns="91425" lIns="91425" spcFirstLastPara="1" rIns="91425" wrap="square" tIns="91425">
+            <a:bodyPr spcFirstLastPara="1" wrap="square" lIns="91425" tIns="91425" rIns="91425" bIns="91425" anchor="ctr" anchorCtr="0">
               <a:noAutofit/>
             </a:bodyPr>
             <a:lstStyle/>
             <a:p>
-              <a:pPr indent="0" lvl="0" marL="0" rtl="0" algn="l">
+              <a:pPr marL="0" lvl="0" indent="0" algn="l" rtl="0">
                 <a:spcBef>
                   <a:spcPts val="0"/>
                 </a:spcBef>
@@ -7221,9 +7189,6 @@
                 </a:spcAft>
                 <a:buNone/>
               </a:pPr>
-              <a:r>
-                <a:t/>
-              </a:r>
               <a:endParaRPr/>
             </a:p>
           </p:txBody>
@@ -7241,7 +7206,7 @@
             </a:xfrm>
             <a:prstGeom prst="diagStripe">
               <a:avLst>
-                <a:gd fmla="val 50000" name="adj"/>
+                <a:gd name="adj" fmla="val 50000"/>
               </a:avLst>
             </a:prstGeom>
             <a:solidFill>
@@ -7254,12 +7219,12 @@
             </a:ln>
           </p:spPr>
           <p:txBody>
-            <a:bodyPr anchorCtr="0" anchor="ctr" bIns="91425" lIns="91425" spcFirstLastPara="1" rIns="91425" wrap="square" tIns="91425">
+            <a:bodyPr spcFirstLastPara="1" wrap="square" lIns="91425" tIns="91425" rIns="91425" bIns="91425" anchor="ctr" anchorCtr="0">
               <a:noAutofit/>
             </a:bodyPr>
             <a:lstStyle/>
             <a:p>
-              <a:pPr indent="0" lvl="0" marL="0" rtl="0" algn="l">
+              <a:pPr marL="0" lvl="0" indent="0" algn="l" rtl="0">
                 <a:spcBef>
                   <a:spcPts val="0"/>
                 </a:spcBef>
@@ -7268,9 +7233,6 @@
                 </a:spcAft>
                 <a:buNone/>
               </a:pPr>
-              <a:r>
-                <a:t/>
-              </a:r>
               <a:endParaRPr/>
             </a:p>
           </p:txBody>
@@ -7288,7 +7250,7 @@
             </a:xfrm>
             <a:prstGeom prst="diagStripe">
               <a:avLst>
-                <a:gd fmla="val 50000" name="adj"/>
+                <a:gd name="adj" fmla="val 50000"/>
               </a:avLst>
             </a:prstGeom>
             <a:solidFill>
@@ -7301,12 +7263,12 @@
             </a:ln>
           </p:spPr>
           <p:txBody>
-            <a:bodyPr anchorCtr="0" anchor="ctr" bIns="91425" lIns="91425" spcFirstLastPara="1" rIns="91425" wrap="square" tIns="91425">
+            <a:bodyPr spcFirstLastPara="1" wrap="square" lIns="91425" tIns="91425" rIns="91425" bIns="91425" anchor="ctr" anchorCtr="0">
               <a:noAutofit/>
             </a:bodyPr>
             <a:lstStyle/>
             <a:p>
-              <a:pPr indent="0" lvl="0" marL="0" rtl="0" algn="l">
+              <a:pPr marL="0" lvl="0" indent="0" algn="l" rtl="0">
                 <a:spcBef>
                   <a:spcPts val="0"/>
                 </a:spcBef>
@@ -7315,9 +7277,6 @@
                 </a:spcAft>
                 <a:buNone/>
               </a:pPr>
-              <a:r>
-                <a:t/>
-              </a:r>
               <a:endParaRPr/>
             </a:p>
           </p:txBody>
@@ -7335,7 +7294,7 @@
             </a:xfrm>
             <a:prstGeom prst="diagStripe">
               <a:avLst>
-                <a:gd fmla="val 50000" name="adj"/>
+                <a:gd name="adj" fmla="val 50000"/>
               </a:avLst>
             </a:prstGeom>
             <a:solidFill>
@@ -7348,12 +7307,12 @@
             </a:ln>
           </p:spPr>
           <p:txBody>
-            <a:bodyPr anchorCtr="0" anchor="ctr" bIns="91425" lIns="91425" spcFirstLastPara="1" rIns="91425" wrap="square" tIns="91425">
+            <a:bodyPr spcFirstLastPara="1" wrap="square" lIns="91425" tIns="91425" rIns="91425" bIns="91425" anchor="ctr" anchorCtr="0">
               <a:noAutofit/>
             </a:bodyPr>
             <a:lstStyle/>
             <a:p>
-              <a:pPr indent="0" lvl="0" marL="0" rtl="0" algn="l">
+              <a:pPr marL="0" lvl="0" indent="0" algn="l" rtl="0">
                 <a:spcBef>
                   <a:spcPts val="0"/>
                 </a:spcBef>
@@ -7362,9 +7321,6 @@
                 </a:spcAft>
                 <a:buNone/>
               </a:pPr>
-              <a:r>
-                <a:t/>
-              </a:r>
               <a:endParaRPr/>
             </a:p>
           </p:txBody>
@@ -7382,7 +7338,7 @@
             </a:xfrm>
             <a:prstGeom prst="diagStripe">
               <a:avLst>
-                <a:gd fmla="val 50000" name="adj"/>
+                <a:gd name="adj" fmla="val 50000"/>
               </a:avLst>
             </a:prstGeom>
             <a:solidFill>
@@ -7393,12 +7349,12 @@
             </a:ln>
           </p:spPr>
           <p:txBody>
-            <a:bodyPr anchorCtr="0" anchor="ctr" bIns="91425" lIns="91425" spcFirstLastPara="1" rIns="91425" wrap="square" tIns="91425">
+            <a:bodyPr spcFirstLastPara="1" wrap="square" lIns="91425" tIns="91425" rIns="91425" bIns="91425" anchor="ctr" anchorCtr="0">
               <a:noAutofit/>
             </a:bodyPr>
             <a:lstStyle/>
             <a:p>
-              <a:pPr indent="0" lvl="0" marL="0" rtl="0" algn="l">
+              <a:pPr marL="0" lvl="0" indent="0" algn="l" rtl="0">
                 <a:spcBef>
                   <a:spcPts val="0"/>
                 </a:spcBef>
@@ -7407,9 +7363,6 @@
                 </a:spcAft>
                 <a:buNone/>
               </a:pPr>
-              <a:r>
-                <a:t/>
-              </a:r>
               <a:endParaRPr/>
             </a:p>
           </p:txBody>
@@ -7427,7 +7380,7 @@
             </a:xfrm>
             <a:prstGeom prst="diagStripe">
               <a:avLst>
-                <a:gd fmla="val 50000" name="adj"/>
+                <a:gd name="adj" fmla="val 50000"/>
               </a:avLst>
             </a:prstGeom>
             <a:solidFill>
@@ -7440,12 +7393,12 @@
             </a:ln>
           </p:spPr>
           <p:txBody>
-            <a:bodyPr anchorCtr="0" anchor="ctr" bIns="91425" lIns="91425" spcFirstLastPara="1" rIns="91425" wrap="square" tIns="91425">
+            <a:bodyPr spcFirstLastPara="1" wrap="square" lIns="91425" tIns="91425" rIns="91425" bIns="91425" anchor="ctr" anchorCtr="0">
               <a:noAutofit/>
             </a:bodyPr>
             <a:lstStyle/>
             <a:p>
-              <a:pPr indent="0" lvl="0" marL="0" rtl="0" algn="l">
+              <a:pPr marL="0" lvl="0" indent="0" algn="l" rtl="0">
                 <a:spcBef>
                   <a:spcPts val="0"/>
                 </a:spcBef>
@@ -7454,9 +7407,6 @@
                 </a:spcAft>
                 <a:buNone/>
               </a:pPr>
-              <a:r>
-                <a:t/>
-              </a:r>
               <a:endParaRPr/>
             </a:p>
           </p:txBody>
@@ -7474,7 +7424,7 @@
             </a:xfrm>
             <a:prstGeom prst="diagStripe">
               <a:avLst>
-                <a:gd fmla="val 50000" name="adj"/>
+                <a:gd name="adj" fmla="val 50000"/>
               </a:avLst>
             </a:prstGeom>
             <a:solidFill>
@@ -7487,12 +7437,12 @@
             </a:ln>
           </p:spPr>
           <p:txBody>
-            <a:bodyPr anchorCtr="0" anchor="ctr" bIns="91425" lIns="91425" spcFirstLastPara="1" rIns="91425" wrap="square" tIns="91425">
+            <a:bodyPr spcFirstLastPara="1" wrap="square" lIns="91425" tIns="91425" rIns="91425" bIns="91425" anchor="ctr" anchorCtr="0">
               <a:noAutofit/>
             </a:bodyPr>
             <a:lstStyle/>
             <a:p>
-              <a:pPr indent="0" lvl="0" marL="0" rtl="0" algn="l">
+              <a:pPr marL="0" lvl="0" indent="0" algn="l" rtl="0">
                 <a:spcBef>
                   <a:spcPts val="0"/>
                 </a:spcBef>
@@ -7501,9 +7451,6 @@
                 </a:spcAft>
                 <a:buNone/>
               </a:pPr>
-              <a:r>
-                <a:t/>
-              </a:r>
               <a:endParaRPr/>
             </a:p>
           </p:txBody>
@@ -7521,7 +7468,7 @@
             </a:xfrm>
             <a:prstGeom prst="diagStripe">
               <a:avLst>
-                <a:gd fmla="val 50000" name="adj"/>
+                <a:gd name="adj" fmla="val 50000"/>
               </a:avLst>
             </a:prstGeom>
             <a:solidFill>
@@ -7534,12 +7481,12 @@
             </a:ln>
           </p:spPr>
           <p:txBody>
-            <a:bodyPr anchorCtr="0" anchor="ctr" bIns="91425" lIns="91425" spcFirstLastPara="1" rIns="91425" wrap="square" tIns="91425">
+            <a:bodyPr spcFirstLastPara="1" wrap="square" lIns="91425" tIns="91425" rIns="91425" bIns="91425" anchor="ctr" anchorCtr="0">
               <a:noAutofit/>
             </a:bodyPr>
             <a:lstStyle/>
             <a:p>
-              <a:pPr indent="0" lvl="0" marL="0" rtl="0" algn="l">
+              <a:pPr marL="0" lvl="0" indent="0" algn="l" rtl="0">
                 <a:spcBef>
                   <a:spcPts val="0"/>
                 </a:spcBef>
@@ -7548,9 +7495,6 @@
                 </a:spcAft>
                 <a:buNone/>
               </a:pPr>
-              <a:r>
-                <a:t/>
-              </a:r>
               <a:endParaRPr/>
             </a:p>
           </p:txBody>
@@ -7568,7 +7512,7 @@
             </a:xfrm>
             <a:prstGeom prst="diagStripe">
               <a:avLst>
-                <a:gd fmla="val 50000" name="adj"/>
+                <a:gd name="adj" fmla="val 50000"/>
               </a:avLst>
             </a:prstGeom>
             <a:solidFill>
@@ -7581,12 +7525,12 @@
             </a:ln>
           </p:spPr>
           <p:txBody>
-            <a:bodyPr anchorCtr="0" anchor="ctr" bIns="91425" lIns="91425" spcFirstLastPara="1" rIns="91425" wrap="square" tIns="91425">
+            <a:bodyPr spcFirstLastPara="1" wrap="square" lIns="91425" tIns="91425" rIns="91425" bIns="91425" anchor="ctr" anchorCtr="0">
               <a:noAutofit/>
             </a:bodyPr>
             <a:lstStyle/>
             <a:p>
-              <a:pPr indent="0" lvl="0" marL="0" rtl="0" algn="l">
+              <a:pPr marL="0" lvl="0" indent="0" algn="l" rtl="0">
                 <a:spcBef>
                   <a:spcPts val="0"/>
                 </a:spcBef>
@@ -7595,9 +7539,6 @@
                 </a:spcAft>
                 <a:buNone/>
               </a:pPr>
-              <a:r>
-                <a:t/>
-              </a:r>
               <a:endParaRPr/>
             </a:p>
           </p:txBody>
@@ -7615,7 +7556,7 @@
             </a:xfrm>
             <a:prstGeom prst="diagStripe">
               <a:avLst>
-                <a:gd fmla="val 50000" name="adj"/>
+                <a:gd name="adj" fmla="val 50000"/>
               </a:avLst>
             </a:prstGeom>
             <a:solidFill>
@@ -7628,12 +7569,12 @@
             </a:ln>
           </p:spPr>
           <p:txBody>
-            <a:bodyPr anchorCtr="0" anchor="ctr" bIns="91425" lIns="91425" spcFirstLastPara="1" rIns="91425" wrap="square" tIns="91425">
+            <a:bodyPr spcFirstLastPara="1" wrap="square" lIns="91425" tIns="91425" rIns="91425" bIns="91425" anchor="ctr" anchorCtr="0">
               <a:noAutofit/>
             </a:bodyPr>
             <a:lstStyle/>
             <a:p>
-              <a:pPr indent="0" lvl="0" marL="0" rtl="0" algn="l">
+              <a:pPr marL="0" lvl="0" indent="0" algn="l" rtl="0">
                 <a:spcBef>
                   <a:spcPts val="0"/>
                 </a:spcBef>
@@ -7642,9 +7583,6 @@
                 </a:spcAft>
                 <a:buNone/>
               </a:pPr>
-              <a:r>
-                <a:t/>
-              </a:r>
               <a:endParaRPr/>
             </a:p>
           </p:txBody>
@@ -7662,7 +7600,7 @@
             </a:xfrm>
             <a:prstGeom prst="diagStripe">
               <a:avLst>
-                <a:gd fmla="val 50000" name="adj"/>
+                <a:gd name="adj" fmla="val 50000"/>
               </a:avLst>
             </a:prstGeom>
             <a:solidFill>
@@ -7673,12 +7611,12 @@
             </a:ln>
           </p:spPr>
           <p:txBody>
-            <a:bodyPr anchorCtr="0" anchor="ctr" bIns="91425" lIns="91425" spcFirstLastPara="1" rIns="91425" wrap="square" tIns="91425">
+            <a:bodyPr spcFirstLastPara="1" wrap="square" lIns="91425" tIns="91425" rIns="91425" bIns="91425" anchor="ctr" anchorCtr="0">
               <a:noAutofit/>
             </a:bodyPr>
             <a:lstStyle/>
             <a:p>
-              <a:pPr indent="0" lvl="0" marL="0" rtl="0" algn="l">
+              <a:pPr marL="0" lvl="0" indent="0" algn="l" rtl="0">
                 <a:spcBef>
                   <a:spcPts val="0"/>
                 </a:spcBef>
@@ -7687,9 +7625,6 @@
                 </a:spcAft>
                 <a:buNone/>
               </a:pPr>
-              <a:r>
-                <a:t/>
-              </a:r>
               <a:endParaRPr/>
             </a:p>
           </p:txBody>
@@ -7707,7 +7642,7 @@
             </a:xfrm>
             <a:prstGeom prst="diagStripe">
               <a:avLst>
-                <a:gd fmla="val 50000" name="adj"/>
+                <a:gd name="adj" fmla="val 50000"/>
               </a:avLst>
             </a:prstGeom>
             <a:solidFill>
@@ -7720,12 +7655,12 @@
             </a:ln>
           </p:spPr>
           <p:txBody>
-            <a:bodyPr anchorCtr="0" anchor="ctr" bIns="91425" lIns="91425" spcFirstLastPara="1" rIns="91425" wrap="square" tIns="91425">
+            <a:bodyPr spcFirstLastPara="1" wrap="square" lIns="91425" tIns="91425" rIns="91425" bIns="91425" anchor="ctr" anchorCtr="0">
               <a:noAutofit/>
             </a:bodyPr>
             <a:lstStyle/>
             <a:p>
-              <a:pPr indent="0" lvl="0" marL="0" rtl="0" algn="l">
+              <a:pPr marL="0" lvl="0" indent="0" algn="l" rtl="0">
                 <a:spcBef>
                   <a:spcPts val="0"/>
                 </a:spcBef>
@@ -7734,9 +7669,6 @@
                 </a:spcAft>
                 <a:buNone/>
               </a:pPr>
-              <a:r>
-                <a:t/>
-              </a:r>
               <a:endParaRPr/>
             </a:p>
           </p:txBody>
@@ -7754,7 +7686,7 @@
             </a:xfrm>
             <a:prstGeom prst="diagStripe">
               <a:avLst>
-                <a:gd fmla="val 50000" name="adj"/>
+                <a:gd name="adj" fmla="val 50000"/>
               </a:avLst>
             </a:prstGeom>
             <a:solidFill>
@@ -7767,12 +7699,12 @@
             </a:ln>
           </p:spPr>
           <p:txBody>
-            <a:bodyPr anchorCtr="0" anchor="ctr" bIns="91425" lIns="91425" spcFirstLastPara="1" rIns="91425" wrap="square" tIns="91425">
+            <a:bodyPr spcFirstLastPara="1" wrap="square" lIns="91425" tIns="91425" rIns="91425" bIns="91425" anchor="ctr" anchorCtr="0">
               <a:noAutofit/>
             </a:bodyPr>
             <a:lstStyle/>
             <a:p>
-              <a:pPr indent="0" lvl="0" marL="0" rtl="0" algn="l">
+              <a:pPr marL="0" lvl="0" indent="0" algn="l" rtl="0">
                 <a:spcBef>
                   <a:spcPts val="0"/>
                 </a:spcBef>
@@ -7781,9 +7713,6 @@
                 </a:spcAft>
                 <a:buNone/>
               </a:pPr>
-              <a:r>
-                <a:t/>
-              </a:r>
               <a:endParaRPr/>
             </a:p>
           </p:txBody>
@@ -7801,7 +7730,7 @@
             </a:xfrm>
             <a:prstGeom prst="diagStripe">
               <a:avLst>
-                <a:gd fmla="val 50000" name="adj"/>
+                <a:gd name="adj" fmla="val 50000"/>
               </a:avLst>
             </a:prstGeom>
             <a:solidFill>
@@ -7814,12 +7743,12 @@
             </a:ln>
           </p:spPr>
           <p:txBody>
-            <a:bodyPr anchorCtr="0" anchor="ctr" bIns="91425" lIns="91425" spcFirstLastPara="1" rIns="91425" wrap="square" tIns="91425">
+            <a:bodyPr spcFirstLastPara="1" wrap="square" lIns="91425" tIns="91425" rIns="91425" bIns="91425" anchor="ctr" anchorCtr="0">
               <a:noAutofit/>
             </a:bodyPr>
             <a:lstStyle/>
             <a:p>
-              <a:pPr indent="0" lvl="0" marL="0" rtl="0" algn="l">
+              <a:pPr marL="0" lvl="0" indent="0" algn="l" rtl="0">
                 <a:spcBef>
                   <a:spcPts val="0"/>
                 </a:spcBef>
@@ -7828,9 +7757,6 @@
                 </a:spcAft>
                 <a:buNone/>
               </a:pPr>
-              <a:r>
-                <a:t/>
-              </a:r>
               <a:endParaRPr/>
             </a:p>
           </p:txBody>
@@ -7848,7 +7774,7 @@
             </a:xfrm>
             <a:prstGeom prst="diagStripe">
               <a:avLst>
-                <a:gd fmla="val 50000" name="adj"/>
+                <a:gd name="adj" fmla="val 50000"/>
               </a:avLst>
             </a:prstGeom>
             <a:solidFill>
@@ -7861,12 +7787,12 @@
             </a:ln>
           </p:spPr>
           <p:txBody>
-            <a:bodyPr anchorCtr="0" anchor="ctr" bIns="91425" lIns="91425" spcFirstLastPara="1" rIns="91425" wrap="square" tIns="91425">
+            <a:bodyPr spcFirstLastPara="1" wrap="square" lIns="91425" tIns="91425" rIns="91425" bIns="91425" anchor="ctr" anchorCtr="0">
               <a:noAutofit/>
             </a:bodyPr>
             <a:lstStyle/>
             <a:p>
-              <a:pPr indent="0" lvl="0" marL="0" rtl="0" algn="l">
+              <a:pPr marL="0" lvl="0" indent="0" algn="l" rtl="0">
                 <a:spcBef>
                   <a:spcPts val="0"/>
                 </a:spcBef>
@@ -7875,9 +7801,6 @@
                 </a:spcAft>
                 <a:buNone/>
               </a:pPr>
-              <a:r>
-                <a:t/>
-              </a:r>
               <a:endParaRPr/>
             </a:p>
           </p:txBody>
@@ -7886,7 +7809,9 @@
       <p:sp>
         <p:nvSpPr>
           <p:cNvPr id="89" name="Google Shape;89;p8"/>
-          <p:cNvSpPr txBox="1"/>
+          <p:cNvSpPr txBox="1">
+            <a:spLocks noGrp="1"/>
+          </p:cNvSpPr>
           <p:nvPr>
             <p:ph type="title"/>
           </p:nvPr>
@@ -7901,7 +7826,7 @@
           </a:prstGeom>
         </p:spPr>
         <p:txBody>
-          <a:bodyPr anchorCtr="0" anchor="ctr" bIns="91425" lIns="91425" spcFirstLastPara="1" rIns="91425" wrap="square" tIns="91425"/>
+          <a:bodyPr spcFirstLastPara="1" wrap="square" lIns="91425" tIns="91425" rIns="91425" bIns="91425" anchor="ctr" anchorCtr="0"/>
           <a:lstStyle>
             <a:lvl1pPr lvl="0">
               <a:spcBef>
@@ -8003,15 +7928,19 @@
               <a:defRPr/>
             </a:lvl9pPr>
           </a:lstStyle>
-          <a:p/>
+          <a:p>
+            <a:endParaRPr/>
+          </a:p>
         </p:txBody>
       </p:sp>
       <p:sp>
         <p:nvSpPr>
           <p:cNvPr id="90" name="Google Shape;90;p8"/>
-          <p:cNvSpPr txBox="1"/>
+          <p:cNvSpPr txBox="1">
+            <a:spLocks noGrp="1"/>
+          </p:cNvSpPr>
           <p:nvPr>
-            <p:ph idx="12" type="sldNum"/>
+            <p:ph type="sldNum" idx="12"/>
           </p:nvPr>
         </p:nvSpPr>
         <p:spPr>
@@ -8024,7 +7953,7 @@
           </a:prstGeom>
         </p:spPr>
         <p:txBody>
-          <a:bodyPr anchorCtr="0" anchor="ctr" bIns="91425" lIns="91425" spcFirstLastPara="1" rIns="91425" wrap="square" tIns="91425">
+          <a:bodyPr spcFirstLastPara="1" wrap="square" lIns="91425" tIns="91425" rIns="91425" bIns="91425" anchor="ctr" anchorCtr="0">
             <a:noAutofit/>
           </a:bodyPr>
           <a:lstStyle>
@@ -8066,7 +7995,7 @@
             </a:lvl9pPr>
           </a:lstStyle>
           <a:p>
-            <a:pPr indent="0" lvl="0" marL="0" rtl="0" algn="r">
+            <a:pPr marL="0" lvl="0" indent="0" algn="r" rtl="0">
               <a:spcBef>
                 <a:spcPts val="0"/>
               </a:spcBef>
@@ -8077,6 +8006,15 @@
             </a:pPr>
             <a:fld id="{00000000-1234-1234-1234-123412341234}" type="slidenum">
               <a:rPr lang="en-GB"/>
+              <a:pPr marL="0" lvl="0" indent="0" algn="r" rtl="0">
+                <a:spcBef>
+                  <a:spcPts val="0"/>
+                </a:spcBef>
+                <a:spcAft>
+                  <a:spcPts val="0"/>
+                </a:spcAft>
+                <a:buNone/>
+              </a:pPr>
               <a:t>‹#›</a:t>
             </a:fld>
             <a:endParaRPr/>
@@ -8092,11 +8030,11 @@
 </file>
 
 <file path=ppt/slideLayouts/slideLayout8.xml><?xml version="1.0" encoding="utf-8"?>
-<p:sldLayout xmlns:a="http://schemas.openxmlformats.org/drawingml/2006/main" xmlns:r="http://schemas.openxmlformats.org/officeDocument/2006/relationships" xmlns:mc="http://schemas.openxmlformats.org/markup-compatibility/2006" xmlns:mv="urn:schemas-microsoft-com:mac:vml" xmlns:p="http://schemas.openxmlformats.org/presentationml/2006/main" xmlns:c="http://schemas.openxmlformats.org/drawingml/2006/chart" xmlns:dgm="http://schemas.openxmlformats.org/drawingml/2006/diagram" xmlns:o="urn:schemas-microsoft-com:office:office" xmlns:v="urn:schemas-microsoft-com:vml" xmlns:pvml="urn:schemas-microsoft-com:office:powerpoint" xmlns:com="http://schemas.openxmlformats.org/drawingml/2006/compatibility" xmlns:p14="http://schemas.microsoft.com/office/powerpoint/2010/main" xmlns:p15="http://schemas.microsoft.com/office/powerpoint/2012/main" matchingName="Section title and description">
+<p:sldLayout xmlns:a="http://schemas.openxmlformats.org/drawingml/2006/main" xmlns:r="http://schemas.openxmlformats.org/officeDocument/2006/relationships" xmlns:p="http://schemas.openxmlformats.org/presentationml/2006/main" matchingName="Section title and description">
   <p:cSld name="SECTION_TITLE_AND_DESCRIPTION">
     <p:spTree>
       <p:nvGrpSpPr>
-        <p:cNvPr id="91" name="Shape 91"/>
+        <p:cNvPr id="1" name="Shape 91"/>
         <p:cNvGrpSpPr/>
         <p:nvPr/>
       </p:nvGrpSpPr>
@@ -8135,7 +8073,7 @@
             </a:xfrm>
             <a:prstGeom prst="diagStripe">
               <a:avLst>
-                <a:gd fmla="val 50000" name="adj"/>
+                <a:gd name="adj" fmla="val 50000"/>
               </a:avLst>
             </a:prstGeom>
             <a:solidFill>
@@ -8146,12 +8084,12 @@
             </a:ln>
           </p:spPr>
           <p:txBody>
-            <a:bodyPr anchorCtr="0" anchor="ctr" bIns="91425" lIns="91425" spcFirstLastPara="1" rIns="91425" wrap="square" tIns="91425">
+            <a:bodyPr spcFirstLastPara="1" wrap="square" lIns="91425" tIns="91425" rIns="91425" bIns="91425" anchor="ctr" anchorCtr="0">
               <a:noAutofit/>
             </a:bodyPr>
             <a:lstStyle/>
             <a:p>
-              <a:pPr indent="0" lvl="0" marL="0" rtl="0" algn="l">
+              <a:pPr marL="0" lvl="0" indent="0" algn="l" rtl="0">
                 <a:spcBef>
                   <a:spcPts val="0"/>
                 </a:spcBef>
@@ -8160,9 +8098,6 @@
                 </a:spcAft>
                 <a:buNone/>
               </a:pPr>
-              <a:r>
-                <a:t/>
-              </a:r>
               <a:endParaRPr/>
             </a:p>
           </p:txBody>
@@ -8180,7 +8115,7 @@
             </a:xfrm>
             <a:prstGeom prst="diagStripe">
               <a:avLst>
-                <a:gd fmla="val 50000" name="adj"/>
+                <a:gd name="adj" fmla="val 50000"/>
               </a:avLst>
             </a:prstGeom>
             <a:solidFill>
@@ -8191,12 +8126,12 @@
             </a:ln>
           </p:spPr>
           <p:txBody>
-            <a:bodyPr anchorCtr="0" anchor="ctr" bIns="91425" lIns="91425" spcFirstLastPara="1" rIns="91425" wrap="square" tIns="91425">
+            <a:bodyPr spcFirstLastPara="1" wrap="square" lIns="91425" tIns="91425" rIns="91425" bIns="91425" anchor="ctr" anchorCtr="0">
               <a:noAutofit/>
             </a:bodyPr>
             <a:lstStyle/>
             <a:p>
-              <a:pPr indent="0" lvl="0" marL="0" rtl="0" algn="l">
+              <a:pPr marL="0" lvl="0" indent="0" algn="l" rtl="0">
                 <a:spcBef>
                   <a:spcPts val="0"/>
                 </a:spcBef>
@@ -8205,9 +8140,6 @@
                 </a:spcAft>
                 <a:buNone/>
               </a:pPr>
-              <a:r>
-                <a:t/>
-              </a:r>
               <a:endParaRPr/>
             </a:p>
           </p:txBody>
@@ -8216,7 +8148,9 @@
       <p:sp>
         <p:nvSpPr>
           <p:cNvPr id="95" name="Google Shape;95;p9"/>
-          <p:cNvSpPr txBox="1"/>
+          <p:cNvSpPr txBox="1">
+            <a:spLocks noGrp="1"/>
+          </p:cNvSpPr>
           <p:nvPr>
             <p:ph type="title"/>
           </p:nvPr>
@@ -8231,7 +8165,7 @@
           </a:prstGeom>
         </p:spPr>
         <p:txBody>
-          <a:bodyPr anchorCtr="0" anchor="t" bIns="91425" lIns="91425" spcFirstLastPara="1" rIns="91425" wrap="square" tIns="91425"/>
+          <a:bodyPr spcFirstLastPara="1" wrap="square" lIns="91425" tIns="91425" rIns="91425" bIns="91425" anchor="t" anchorCtr="0"/>
           <a:lstStyle>
             <a:lvl1pPr lvl="0">
               <a:spcBef>
@@ -8333,15 +8267,19 @@
               <a:defRPr sz="2400"/>
             </a:lvl9pPr>
           </a:lstStyle>
-          <a:p/>
+          <a:p>
+            <a:endParaRPr/>
+          </a:p>
         </p:txBody>
       </p:sp>
       <p:sp>
         <p:nvSpPr>
           <p:cNvPr id="96" name="Google Shape;96;p9"/>
-          <p:cNvSpPr txBox="1"/>
+          <p:cNvSpPr txBox="1">
+            <a:spLocks noGrp="1"/>
+          </p:cNvSpPr>
           <p:nvPr>
-            <p:ph idx="1" type="subTitle"/>
+            <p:ph type="subTitle" idx="1"/>
           </p:nvPr>
         </p:nvSpPr>
         <p:spPr>
@@ -8354,7 +8292,7 @@
           </a:prstGeom>
         </p:spPr>
         <p:txBody>
-          <a:bodyPr anchorCtr="0" anchor="t" bIns="91425" lIns="91425" spcFirstLastPara="1" rIns="91425" wrap="square" tIns="91425"/>
+          <a:bodyPr spcFirstLastPara="1" wrap="square" lIns="91425" tIns="91425" rIns="91425" bIns="91425" anchor="t" anchorCtr="0"/>
           <a:lstStyle>
             <a:lvl1pPr lvl="0">
               <a:lnSpc>
@@ -8483,15 +8421,19 @@
               <a:defRPr sz="1300"/>
             </a:lvl9pPr>
           </a:lstStyle>
-          <a:p/>
+          <a:p>
+            <a:endParaRPr/>
+          </a:p>
         </p:txBody>
       </p:sp>
       <p:sp>
         <p:nvSpPr>
           <p:cNvPr id="97" name="Google Shape;97;p9"/>
-          <p:cNvSpPr txBox="1"/>
+          <p:cNvSpPr txBox="1">
+            <a:spLocks noGrp="1"/>
+          </p:cNvSpPr>
           <p:nvPr>
-            <p:ph idx="2" type="body"/>
+            <p:ph type="body" idx="2"/>
           </p:nvPr>
         </p:nvSpPr>
         <p:spPr>
@@ -8504,9 +8446,9 @@
           </a:prstGeom>
         </p:spPr>
         <p:txBody>
-          <a:bodyPr anchorCtr="0" anchor="t" bIns="91425" lIns="91425" spcFirstLastPara="1" rIns="91425" wrap="square" tIns="91425"/>
+          <a:bodyPr spcFirstLastPara="1" wrap="square" lIns="91425" tIns="91425" rIns="91425" bIns="91425" anchor="t" anchorCtr="0"/>
           <a:lstStyle>
-            <a:lvl1pPr indent="-311150" lvl="0" marL="457200">
+            <a:lvl1pPr marL="457200" lvl="0" indent="-311150">
               <a:spcBef>
                 <a:spcPts val="0"/>
               </a:spcBef>
@@ -8517,7 +8459,7 @@
               <a:buChar char="●"/>
               <a:defRPr/>
             </a:lvl1pPr>
-            <a:lvl2pPr indent="-298450" lvl="1" marL="914400">
+            <a:lvl2pPr marL="914400" lvl="1" indent="-298450">
               <a:spcBef>
                 <a:spcPts val="1600"/>
               </a:spcBef>
@@ -8528,7 +8470,7 @@
               <a:buChar char="○"/>
               <a:defRPr/>
             </a:lvl2pPr>
-            <a:lvl3pPr indent="-298450" lvl="2" marL="1371600">
+            <a:lvl3pPr marL="1371600" lvl="2" indent="-298450">
               <a:spcBef>
                 <a:spcPts val="1600"/>
               </a:spcBef>
@@ -8539,7 +8481,7 @@
               <a:buChar char="■"/>
               <a:defRPr/>
             </a:lvl3pPr>
-            <a:lvl4pPr indent="-298450" lvl="3" marL="1828800">
+            <a:lvl4pPr marL="1828800" lvl="3" indent="-298450">
               <a:spcBef>
                 <a:spcPts val="1600"/>
               </a:spcBef>
@@ -8550,7 +8492,7 @@
               <a:buChar char="●"/>
               <a:defRPr/>
             </a:lvl4pPr>
-            <a:lvl5pPr indent="-298450" lvl="4" marL="2286000">
+            <a:lvl5pPr marL="2286000" lvl="4" indent="-298450">
               <a:spcBef>
                 <a:spcPts val="1600"/>
               </a:spcBef>
@@ -8561,7 +8503,7 @@
               <a:buChar char="○"/>
               <a:defRPr/>
             </a:lvl5pPr>
-            <a:lvl6pPr indent="-298450" lvl="5" marL="2743200">
+            <a:lvl6pPr marL="2743200" lvl="5" indent="-298450">
               <a:spcBef>
                 <a:spcPts val="1600"/>
               </a:spcBef>
@@ -8572,7 +8514,7 @@
               <a:buChar char="■"/>
               <a:defRPr/>
             </a:lvl6pPr>
-            <a:lvl7pPr indent="-298450" lvl="6" marL="3200400">
+            <a:lvl7pPr marL="3200400" lvl="6" indent="-298450">
               <a:spcBef>
                 <a:spcPts val="1600"/>
               </a:spcBef>
@@ -8583,7 +8525,7 @@
               <a:buChar char="●"/>
               <a:defRPr/>
             </a:lvl7pPr>
-            <a:lvl8pPr indent="-298450" lvl="7" marL="3657600">
+            <a:lvl8pPr marL="3657600" lvl="7" indent="-298450">
               <a:spcBef>
                 <a:spcPts val="1600"/>
               </a:spcBef>
@@ -8594,7 +8536,7 @@
               <a:buChar char="○"/>
               <a:defRPr/>
             </a:lvl8pPr>
-            <a:lvl9pPr indent="-298450" lvl="8" marL="4114800">
+            <a:lvl9pPr marL="4114800" lvl="8" indent="-298450">
               <a:spcBef>
                 <a:spcPts val="1600"/>
               </a:spcBef>
@@ -8606,15 +8548,19 @@
               <a:defRPr/>
             </a:lvl9pPr>
           </a:lstStyle>
-          <a:p/>
+          <a:p>
+            <a:endParaRPr/>
+          </a:p>
         </p:txBody>
       </p:sp>
       <p:sp>
         <p:nvSpPr>
           <p:cNvPr id="98" name="Google Shape;98;p9"/>
-          <p:cNvSpPr txBox="1"/>
+          <p:cNvSpPr txBox="1">
+            <a:spLocks noGrp="1"/>
+          </p:cNvSpPr>
           <p:nvPr>
-            <p:ph idx="12" type="sldNum"/>
+            <p:ph type="sldNum" idx="12"/>
           </p:nvPr>
         </p:nvSpPr>
         <p:spPr>
@@ -8627,7 +8573,7 @@
           </a:prstGeom>
         </p:spPr>
         <p:txBody>
-          <a:bodyPr anchorCtr="0" anchor="ctr" bIns="91425" lIns="91425" spcFirstLastPara="1" rIns="91425" wrap="square" tIns="91425">
+          <a:bodyPr spcFirstLastPara="1" wrap="square" lIns="91425" tIns="91425" rIns="91425" bIns="91425" anchor="ctr" anchorCtr="0">
             <a:noAutofit/>
           </a:bodyPr>
           <a:lstStyle>
@@ -8669,7 +8615,7 @@
             </a:lvl9pPr>
           </a:lstStyle>
           <a:p>
-            <a:pPr indent="0" lvl="0" marL="0" rtl="0" algn="r">
+            <a:pPr marL="0" lvl="0" indent="0" algn="r" rtl="0">
               <a:spcBef>
                 <a:spcPts val="0"/>
               </a:spcBef>
@@ -8680,6 +8626,15 @@
             </a:pPr>
             <a:fld id="{00000000-1234-1234-1234-123412341234}" type="slidenum">
               <a:rPr lang="en-GB"/>
+              <a:pPr marL="0" lvl="0" indent="0" algn="r" rtl="0">
+                <a:spcBef>
+                  <a:spcPts val="0"/>
+                </a:spcBef>
+                <a:spcAft>
+                  <a:spcPts val="0"/>
+                </a:spcAft>
+                <a:buNone/>
+              </a:pPr>
               <a:t>‹#›</a:t>
             </a:fld>
             <a:endParaRPr/>
@@ -8695,11 +8650,11 @@
 </file>
 
 <file path=ppt/slideLayouts/slideLayout9.xml><?xml version="1.0" encoding="utf-8"?>
-<p:sldLayout xmlns:a="http://schemas.openxmlformats.org/drawingml/2006/main" xmlns:r="http://schemas.openxmlformats.org/officeDocument/2006/relationships" xmlns:mc="http://schemas.openxmlformats.org/markup-compatibility/2006" xmlns:mv="urn:schemas-microsoft-com:mac:vml" xmlns:p="http://schemas.openxmlformats.org/presentationml/2006/main" xmlns:c="http://schemas.openxmlformats.org/drawingml/2006/chart" xmlns:dgm="http://schemas.openxmlformats.org/drawingml/2006/diagram" xmlns:o="urn:schemas-microsoft-com:office:office" xmlns:v="urn:schemas-microsoft-com:vml" xmlns:pvml="urn:schemas-microsoft-com:office:powerpoint" xmlns:com="http://schemas.openxmlformats.org/drawingml/2006/compatibility" xmlns:p14="http://schemas.microsoft.com/office/powerpoint/2010/main" xmlns:p15="http://schemas.microsoft.com/office/powerpoint/2012/main" matchingName="Caption">
+<p:sldLayout xmlns:a="http://schemas.openxmlformats.org/drawingml/2006/main" xmlns:r="http://schemas.openxmlformats.org/officeDocument/2006/relationships" xmlns:p="http://schemas.openxmlformats.org/presentationml/2006/main" matchingName="Caption">
   <p:cSld name="CAPTION_ONLY">
     <p:spTree>
       <p:nvGrpSpPr>
-        <p:cNvPr id="99" name="Shape 99"/>
+        <p:cNvPr id="1" name="Shape 99"/>
         <p:cNvGrpSpPr/>
         <p:nvPr/>
       </p:nvGrpSpPr>
@@ -8738,7 +8693,7 @@
             </a:xfrm>
             <a:prstGeom prst="diagStripe">
               <a:avLst>
-                <a:gd fmla="val 50000" name="adj"/>
+                <a:gd name="adj" fmla="val 50000"/>
               </a:avLst>
             </a:prstGeom>
             <a:solidFill>
@@ -8751,12 +8706,12 @@
             </a:ln>
           </p:spPr>
           <p:txBody>
-            <a:bodyPr anchorCtr="0" anchor="ctr" bIns="91425" lIns="91425" spcFirstLastPara="1" rIns="91425" wrap="square" tIns="91425">
+            <a:bodyPr spcFirstLastPara="1" wrap="square" lIns="91425" tIns="91425" rIns="91425" bIns="91425" anchor="ctr" anchorCtr="0">
               <a:noAutofit/>
             </a:bodyPr>
             <a:lstStyle/>
             <a:p>
-              <a:pPr indent="0" lvl="0" marL="0" rtl="0" algn="l">
+              <a:pPr marL="0" lvl="0" indent="0" algn="l" rtl="0">
                 <a:spcBef>
                   <a:spcPts val="0"/>
                 </a:spcBef>
@@ -8765,9 +8720,6 @@
                 </a:spcAft>
                 <a:buNone/>
               </a:pPr>
-              <a:r>
-                <a:t/>
-              </a:r>
               <a:endParaRPr/>
             </a:p>
           </p:txBody>
@@ -8785,7 +8737,7 @@
             </a:xfrm>
             <a:prstGeom prst="diagStripe">
               <a:avLst>
-                <a:gd fmla="val 50000" name="adj"/>
+                <a:gd name="adj" fmla="val 50000"/>
               </a:avLst>
             </a:prstGeom>
             <a:solidFill>
@@ -8798,12 +8750,12 @@
             </a:ln>
           </p:spPr>
           <p:txBody>
-            <a:bodyPr anchorCtr="0" anchor="ctr" bIns="91425" lIns="91425" spcFirstLastPara="1" rIns="91425" wrap="square" tIns="91425">
+            <a:bodyPr spcFirstLastPara="1" wrap="square" lIns="91425" tIns="91425" rIns="91425" bIns="91425" anchor="ctr" anchorCtr="0">
               <a:noAutofit/>
             </a:bodyPr>
             <a:lstStyle/>
             <a:p>
-              <a:pPr indent="0" lvl="0" marL="0" rtl="0" algn="l">
+              <a:pPr marL="0" lvl="0" indent="0" algn="l" rtl="0">
                 <a:spcBef>
                   <a:spcPts val="0"/>
                 </a:spcBef>
@@ -8812,9 +8764,6 @@
                 </a:spcAft>
                 <a:buNone/>
               </a:pPr>
-              <a:r>
-                <a:t/>
-              </a:r>
               <a:endParaRPr/>
             </a:p>
           </p:txBody>
@@ -8823,9 +8772,11 @@
       <p:sp>
         <p:nvSpPr>
           <p:cNvPr id="103" name="Google Shape;103;p10"/>
-          <p:cNvSpPr txBox="1"/>
+          <p:cNvSpPr txBox="1">
+            <a:spLocks noGrp="1"/>
+          </p:cNvSpPr>
           <p:nvPr>
-            <p:ph idx="1" type="body"/>
+            <p:ph type="body" idx="1"/>
           </p:nvPr>
         </p:nvSpPr>
         <p:spPr>
@@ -8838,9 +8789,9 @@
           </a:prstGeom>
         </p:spPr>
         <p:txBody>
-          <a:bodyPr anchorCtr="0" anchor="ctr" bIns="91425" lIns="91425" spcFirstLastPara="1" rIns="91425" wrap="square" tIns="91425"/>
+          <a:bodyPr spcFirstLastPara="1" wrap="square" lIns="91425" tIns="91425" rIns="91425" bIns="91425" anchor="ctr" anchorCtr="0"/>
           <a:lstStyle>
-            <a:lvl1pPr indent="-228600" lvl="0" marL="457200">
+            <a:lvl1pPr marL="457200" lvl="0" indent="-228600">
               <a:lnSpc>
                 <a:spcPct val="100000"/>
               </a:lnSpc>
@@ -8855,15 +8806,19 @@
               <a:defRPr/>
             </a:lvl1pPr>
           </a:lstStyle>
-          <a:p/>
+          <a:p>
+            <a:endParaRPr/>
+          </a:p>
         </p:txBody>
       </p:sp>
       <p:sp>
         <p:nvSpPr>
           <p:cNvPr id="104" name="Google Shape;104;p10"/>
-          <p:cNvSpPr txBox="1"/>
+          <p:cNvSpPr txBox="1">
+            <a:spLocks noGrp="1"/>
+          </p:cNvSpPr>
           <p:nvPr>
-            <p:ph idx="12" type="sldNum"/>
+            <p:ph type="sldNum" idx="12"/>
           </p:nvPr>
         </p:nvSpPr>
         <p:spPr>
@@ -8876,7 +8831,7 @@
           </a:prstGeom>
         </p:spPr>
         <p:txBody>
-          <a:bodyPr anchorCtr="0" anchor="ctr" bIns="91425" lIns="91425" spcFirstLastPara="1" rIns="91425" wrap="square" tIns="91425">
+          <a:bodyPr spcFirstLastPara="1" wrap="square" lIns="91425" tIns="91425" rIns="91425" bIns="91425" anchor="ctr" anchorCtr="0">
             <a:noAutofit/>
           </a:bodyPr>
           <a:lstStyle>
@@ -8918,7 +8873,7 @@
             </a:lvl9pPr>
           </a:lstStyle>
           <a:p>
-            <a:pPr indent="0" lvl="0" marL="0" rtl="0" algn="r">
+            <a:pPr marL="0" lvl="0" indent="0" algn="r" rtl="0">
               <a:spcBef>
                 <a:spcPts val="0"/>
               </a:spcBef>
@@ -8929,6 +8884,15 @@
             </a:pPr>
             <a:fld id="{00000000-1234-1234-1234-123412341234}" type="slidenum">
               <a:rPr lang="en-GB"/>
+              <a:pPr marL="0" lvl="0" indent="0" algn="r" rtl="0">
+                <a:spcBef>
+                  <a:spcPts val="0"/>
+                </a:spcBef>
+                <a:spcAft>
+                  <a:spcPts val="0"/>
+                </a:spcAft>
+                <a:buNone/>
+              </a:pPr>
               <a:t>‹#›</a:t>
             </a:fld>
             <a:endParaRPr/>
@@ -8944,18 +8908,19 @@
 </file>
 
 <file path=ppt/slideMasters/slideMaster1.xml><?xml version="1.0" encoding="utf-8"?>
-<p:sldMaster xmlns:a="http://schemas.openxmlformats.org/drawingml/2006/main" xmlns:r="http://schemas.openxmlformats.org/officeDocument/2006/relationships" xmlns:mc="http://schemas.openxmlformats.org/markup-compatibility/2006" xmlns:mv="urn:schemas-microsoft-com:mac:vml" xmlns:p="http://schemas.openxmlformats.org/presentationml/2006/main" xmlns:c="http://schemas.openxmlformats.org/drawingml/2006/chart" xmlns:dgm="http://schemas.openxmlformats.org/drawingml/2006/diagram" xmlns:o="urn:schemas-microsoft-com:office:office" xmlns:v="urn:schemas-microsoft-com:vml" xmlns:pvml="urn:schemas-microsoft-com:office:powerpoint" xmlns:com="http://schemas.openxmlformats.org/drawingml/2006/compatibility" xmlns:p14="http://schemas.microsoft.com/office/powerpoint/2010/main" xmlns:p15="http://schemas.microsoft.com/office/powerpoint/2012/main">
+<p:sldMaster xmlns:a="http://schemas.openxmlformats.org/drawingml/2006/main" xmlns:r="http://schemas.openxmlformats.org/officeDocument/2006/relationships" xmlns:p="http://schemas.openxmlformats.org/presentationml/2006/main">
   <p:cSld name="focus">
     <p:bg>
       <p:bgPr>
         <a:solidFill>
           <a:schemeClr val="dk1"/>
         </a:solidFill>
+        <a:effectLst/>
       </p:bgPr>
     </p:bg>
     <p:spTree>
       <p:nvGrpSpPr>
-        <p:cNvPr id="5" name="Shape 5"/>
+        <p:cNvPr id="1" name="Shape 5"/>
         <p:cNvGrpSpPr/>
         <p:nvPr/>
       </p:nvGrpSpPr>
@@ -8970,7 +8935,9 @@
       <p:sp>
         <p:nvSpPr>
           <p:cNvPr id="6" name="Google Shape;6;p1"/>
-          <p:cNvSpPr txBox="1"/>
+          <p:cNvSpPr txBox="1">
+            <a:spLocks noGrp="1"/>
+          </p:cNvSpPr>
           <p:nvPr>
             <p:ph type="title"/>
           </p:nvPr>
@@ -8989,7 +8956,7 @@
           </a:ln>
         </p:spPr>
         <p:txBody>
-          <a:bodyPr anchorCtr="0" anchor="t" bIns="91425" lIns="91425" spcFirstLastPara="1" rIns="91425" wrap="square" tIns="91425"/>
+          <a:bodyPr spcFirstLastPara="1" wrap="square" lIns="91425" tIns="91425" rIns="91425" bIns="91425" anchor="t" anchorCtr="0"/>
           <a:lstStyle>
             <a:lvl1pPr lvl="0">
               <a:spcBef>
@@ -9199,15 +9166,19 @@
               </a:defRPr>
             </a:lvl9pPr>
           </a:lstStyle>
-          <a:p/>
+          <a:p>
+            <a:endParaRPr/>
+          </a:p>
         </p:txBody>
       </p:sp>
       <p:sp>
         <p:nvSpPr>
           <p:cNvPr id="7" name="Google Shape;7;p1"/>
-          <p:cNvSpPr txBox="1"/>
+          <p:cNvSpPr txBox="1">
+            <a:spLocks noGrp="1"/>
+          </p:cNvSpPr>
           <p:nvPr>
-            <p:ph idx="1" type="body"/>
+            <p:ph type="body" idx="1"/>
           </p:nvPr>
         </p:nvSpPr>
         <p:spPr>
@@ -9224,9 +9195,9 @@
           </a:ln>
         </p:spPr>
         <p:txBody>
-          <a:bodyPr anchorCtr="0" anchor="t" bIns="91425" lIns="91425" spcFirstLastPara="1" rIns="91425" wrap="square" tIns="91425"/>
+          <a:bodyPr spcFirstLastPara="1" wrap="square" lIns="91425" tIns="91425" rIns="91425" bIns="91425" anchor="t" anchorCtr="0"/>
           <a:lstStyle>
-            <a:lvl1pPr indent="-311150" lvl="0" marL="457200">
+            <a:lvl1pPr marL="457200" lvl="0" indent="-311150">
               <a:lnSpc>
                 <a:spcPct val="115000"/>
               </a:lnSpc>
@@ -9252,7 +9223,7 @@
                 <a:sym typeface="Lato"/>
               </a:defRPr>
             </a:lvl1pPr>
-            <a:lvl2pPr indent="-298450" lvl="1" marL="914400">
+            <a:lvl2pPr marL="914400" lvl="1" indent="-298450">
               <a:lnSpc>
                 <a:spcPct val="115000"/>
               </a:lnSpc>
@@ -9278,7 +9249,7 @@
                 <a:sym typeface="Lato"/>
               </a:defRPr>
             </a:lvl2pPr>
-            <a:lvl3pPr indent="-298450" lvl="2" marL="1371600">
+            <a:lvl3pPr marL="1371600" lvl="2" indent="-298450">
               <a:lnSpc>
                 <a:spcPct val="115000"/>
               </a:lnSpc>
@@ -9304,7 +9275,7 @@
                 <a:sym typeface="Lato"/>
               </a:defRPr>
             </a:lvl3pPr>
-            <a:lvl4pPr indent="-298450" lvl="3" marL="1828800">
+            <a:lvl4pPr marL="1828800" lvl="3" indent="-298450">
               <a:lnSpc>
                 <a:spcPct val="115000"/>
               </a:lnSpc>
@@ -9330,7 +9301,7 @@
                 <a:sym typeface="Lato"/>
               </a:defRPr>
             </a:lvl4pPr>
-            <a:lvl5pPr indent="-298450" lvl="4" marL="2286000">
+            <a:lvl5pPr marL="2286000" lvl="4" indent="-298450">
               <a:lnSpc>
                 <a:spcPct val="115000"/>
               </a:lnSpc>
@@ -9356,7 +9327,7 @@
                 <a:sym typeface="Lato"/>
               </a:defRPr>
             </a:lvl5pPr>
-            <a:lvl6pPr indent="-298450" lvl="5" marL="2743200">
+            <a:lvl6pPr marL="2743200" lvl="5" indent="-298450">
               <a:lnSpc>
                 <a:spcPct val="115000"/>
               </a:lnSpc>
@@ -9382,7 +9353,7 @@
                 <a:sym typeface="Lato"/>
               </a:defRPr>
             </a:lvl6pPr>
-            <a:lvl7pPr indent="-298450" lvl="6" marL="3200400">
+            <a:lvl7pPr marL="3200400" lvl="6" indent="-298450">
               <a:lnSpc>
                 <a:spcPct val="115000"/>
               </a:lnSpc>
@@ -9408,7 +9379,7 @@
                 <a:sym typeface="Lato"/>
               </a:defRPr>
             </a:lvl7pPr>
-            <a:lvl8pPr indent="-298450" lvl="7" marL="3657600">
+            <a:lvl8pPr marL="3657600" lvl="7" indent="-298450">
               <a:lnSpc>
                 <a:spcPct val="115000"/>
               </a:lnSpc>
@@ -9434,7 +9405,7 @@
                 <a:sym typeface="Lato"/>
               </a:defRPr>
             </a:lvl8pPr>
-            <a:lvl9pPr indent="-298450" lvl="8" marL="4114800">
+            <a:lvl9pPr marL="4114800" lvl="8" indent="-298450">
               <a:lnSpc>
                 <a:spcPct val="115000"/>
               </a:lnSpc>
@@ -9461,15 +9432,19 @@
               </a:defRPr>
             </a:lvl9pPr>
           </a:lstStyle>
-          <a:p/>
+          <a:p>
+            <a:endParaRPr/>
+          </a:p>
         </p:txBody>
       </p:sp>
       <p:sp>
         <p:nvSpPr>
           <p:cNvPr id="8" name="Google Shape;8;p1"/>
-          <p:cNvSpPr txBox="1"/>
+          <p:cNvSpPr txBox="1">
+            <a:spLocks noGrp="1"/>
+          </p:cNvSpPr>
           <p:nvPr>
-            <p:ph idx="12" type="sldNum"/>
+            <p:ph type="sldNum" idx="12"/>
           </p:nvPr>
         </p:nvSpPr>
         <p:spPr>
@@ -9486,7 +9461,7 @@
           </a:ln>
         </p:spPr>
         <p:txBody>
-          <a:bodyPr anchorCtr="0" anchor="ctr" bIns="91425" lIns="91425" spcFirstLastPara="1" rIns="91425" wrap="square" tIns="91425">
+          <a:bodyPr spcFirstLastPara="1" wrap="square" lIns="91425" tIns="91425" rIns="91425" bIns="91425" anchor="ctr" anchorCtr="0">
             <a:noAutofit/>
           </a:bodyPr>
           <a:lstStyle>
@@ -9600,7 +9575,7 @@
             </a:lvl9pPr>
           </a:lstStyle>
           <a:p>
-            <a:pPr indent="0" lvl="0" marL="0" rtl="0" algn="r">
+            <a:pPr marL="0" lvl="0" indent="0" algn="r" rtl="0">
               <a:spcBef>
                 <a:spcPts val="0"/>
               </a:spcBef>
@@ -9611,6 +9586,15 @@
             </a:pPr>
             <a:fld id="{00000000-1234-1234-1234-123412341234}" type="slidenum">
               <a:rPr lang="en-GB"/>
+              <a:pPr marL="0" lvl="0" indent="0" algn="r" rtl="0">
+                <a:spcBef>
+                  <a:spcPts val="0"/>
+                </a:spcBef>
+                <a:spcAft>
+                  <a:spcPts val="0"/>
+                </a:spcAft>
+                <a:buNone/>
+              </a:pPr>
               <a:t>‹#›</a:t>
             </a:fld>
             <a:endParaRPr/>
@@ -9619,7 +9603,7 @@
       </p:sp>
     </p:spTree>
   </p:cSld>
-  <p:clrMap accent1="accent1" accent2="accent2" accent3="accent3" accent4="accent4" accent5="accent5" accent6="accent6" bg1="lt1" bg2="dk2" tx1="dk1" tx2="lt2" folHlink="folHlink" hlink="hlink"/>
+  <p:clrMap bg1="lt1" tx1="dk1" bg2="dk2" tx2="lt2" accent1="accent1" accent2="accent2" accent3="accent3" accent4="accent4" accent5="accent5" accent6="accent6" hlink="hlink" folHlink="folHlink"/>
   <p:sldLayoutIdLst>
     <p:sldLayoutId id="2147483648" r:id="rId1"/>
     <p:sldLayoutId id="2147483649" r:id="rId2"/>
@@ -9633,10 +9617,10 @@
     <p:sldLayoutId id="2147483657" r:id="rId10"/>
     <p:sldLayoutId id="2147483658" r:id="rId11"/>
   </p:sldLayoutIdLst>
-  <p:hf dt="0" ftr="0" hdr="0" sldNum="0"/>
+  <p:hf sldNum="0" hdr="0" ftr="0" dt="0"/>
   <p:txStyles>
     <p:titleStyle>
-      <a:defPPr lvl="0" marR="0" rtl="0" algn="l">
+      <a:defPPr marR="0" lvl="0" algn="l" rtl="0">
         <a:lnSpc>
           <a:spcPct val="100000"/>
         </a:lnSpc>
@@ -9647,7 +9631,7 @@
           <a:spcPts val="0"/>
         </a:spcAft>
       </a:defPPr>
-      <a:lvl1pPr lvl="0" marR="0" rtl="0" algn="l">
+      <a:lvl1pPr marR="0" lvl="0" algn="l" rtl="0">
         <a:lnSpc>
           <a:spcPct val="100000"/>
         </a:lnSpc>
@@ -9661,7 +9645,7 @@
           <a:srgbClr val="000000"/>
         </a:buClr>
         <a:buFont typeface="Arial"/>
-        <a:defRPr b="0" i="0" sz="1400" u="none" cap="none" strike="noStrike">
+        <a:defRPr sz="1400" b="0" i="0" u="none" strike="noStrike" cap="none">
           <a:solidFill>
             <a:srgbClr val="000000"/>
           </a:solidFill>
@@ -9671,7 +9655,7 @@
           <a:sym typeface="Arial"/>
         </a:defRPr>
       </a:lvl1pPr>
-      <a:lvl2pPr lvl="1" marR="0" rtl="0" algn="l">
+      <a:lvl2pPr marR="0" lvl="1" algn="l" rtl="0">
         <a:lnSpc>
           <a:spcPct val="100000"/>
         </a:lnSpc>
@@ -9685,7 +9669,7 @@
           <a:srgbClr val="000000"/>
         </a:buClr>
         <a:buFont typeface="Arial"/>
-        <a:defRPr b="0" i="0" sz="1400" u="none" cap="none" strike="noStrike">
+        <a:defRPr sz="1400" b="0" i="0" u="none" strike="noStrike" cap="none">
           <a:solidFill>
             <a:srgbClr val="000000"/>
           </a:solidFill>
@@ -9695,7 +9679,7 @@
           <a:sym typeface="Arial"/>
         </a:defRPr>
       </a:lvl2pPr>
-      <a:lvl3pPr lvl="2" marR="0" rtl="0" algn="l">
+      <a:lvl3pPr marR="0" lvl="2" algn="l" rtl="0">
         <a:lnSpc>
           <a:spcPct val="100000"/>
         </a:lnSpc>
@@ -9709,7 +9693,7 @@
           <a:srgbClr val="000000"/>
         </a:buClr>
         <a:buFont typeface="Arial"/>
-        <a:defRPr b="0" i="0" sz="1400" u="none" cap="none" strike="noStrike">
+        <a:defRPr sz="1400" b="0" i="0" u="none" strike="noStrike" cap="none">
           <a:solidFill>
             <a:srgbClr val="000000"/>
           </a:solidFill>
@@ -9719,7 +9703,7 @@
           <a:sym typeface="Arial"/>
         </a:defRPr>
       </a:lvl3pPr>
-      <a:lvl4pPr lvl="3" marR="0" rtl="0" algn="l">
+      <a:lvl4pPr marR="0" lvl="3" algn="l" rtl="0">
         <a:lnSpc>
           <a:spcPct val="100000"/>
         </a:lnSpc>
@@ -9733,7 +9717,7 @@
           <a:srgbClr val="000000"/>
         </a:buClr>
         <a:buFont typeface="Arial"/>
-        <a:defRPr b="0" i="0" sz="1400" u="none" cap="none" strike="noStrike">
+        <a:defRPr sz="1400" b="0" i="0" u="none" strike="noStrike" cap="none">
           <a:solidFill>
             <a:srgbClr val="000000"/>
           </a:solidFill>
@@ -9743,7 +9727,7 @@
           <a:sym typeface="Arial"/>
         </a:defRPr>
       </a:lvl4pPr>
-      <a:lvl5pPr lvl="4" marR="0" rtl="0" algn="l">
+      <a:lvl5pPr marR="0" lvl="4" algn="l" rtl="0">
         <a:lnSpc>
           <a:spcPct val="100000"/>
         </a:lnSpc>
@@ -9757,7 +9741,7 @@
           <a:srgbClr val="000000"/>
         </a:buClr>
         <a:buFont typeface="Arial"/>
-        <a:defRPr b="0" i="0" sz="1400" u="none" cap="none" strike="noStrike">
+        <a:defRPr sz="1400" b="0" i="0" u="none" strike="noStrike" cap="none">
           <a:solidFill>
             <a:srgbClr val="000000"/>
           </a:solidFill>
@@ -9767,7 +9751,7 @@
           <a:sym typeface="Arial"/>
         </a:defRPr>
       </a:lvl5pPr>
-      <a:lvl6pPr lvl="5" marR="0" rtl="0" algn="l">
+      <a:lvl6pPr marR="0" lvl="5" algn="l" rtl="0">
         <a:lnSpc>
           <a:spcPct val="100000"/>
         </a:lnSpc>
@@ -9781,7 +9765,7 @@
           <a:srgbClr val="000000"/>
         </a:buClr>
         <a:buFont typeface="Arial"/>
-        <a:defRPr b="0" i="0" sz="1400" u="none" cap="none" strike="noStrike">
+        <a:defRPr sz="1400" b="0" i="0" u="none" strike="noStrike" cap="none">
           <a:solidFill>
             <a:srgbClr val="000000"/>
           </a:solidFill>
@@ -9791,7 +9775,7 @@
           <a:sym typeface="Arial"/>
         </a:defRPr>
       </a:lvl6pPr>
-      <a:lvl7pPr lvl="6" marR="0" rtl="0" algn="l">
+      <a:lvl7pPr marR="0" lvl="6" algn="l" rtl="0">
         <a:lnSpc>
           <a:spcPct val="100000"/>
         </a:lnSpc>
@@ -9805,7 +9789,7 @@
           <a:srgbClr val="000000"/>
         </a:buClr>
         <a:buFont typeface="Arial"/>
-        <a:defRPr b="0" i="0" sz="1400" u="none" cap="none" strike="noStrike">
+        <a:defRPr sz="1400" b="0" i="0" u="none" strike="noStrike" cap="none">
           <a:solidFill>
             <a:srgbClr val="000000"/>
           </a:solidFill>
@@ -9815,7 +9799,7 @@
           <a:sym typeface="Arial"/>
         </a:defRPr>
       </a:lvl7pPr>
-      <a:lvl8pPr lvl="7" marR="0" rtl="0" algn="l">
+      <a:lvl8pPr marR="0" lvl="7" algn="l" rtl="0">
         <a:lnSpc>
           <a:spcPct val="100000"/>
         </a:lnSpc>
@@ -9829,7 +9813,7 @@
           <a:srgbClr val="000000"/>
         </a:buClr>
         <a:buFont typeface="Arial"/>
-        <a:defRPr b="0" i="0" sz="1400" u="none" cap="none" strike="noStrike">
+        <a:defRPr sz="1400" b="0" i="0" u="none" strike="noStrike" cap="none">
           <a:solidFill>
             <a:srgbClr val="000000"/>
           </a:solidFill>
@@ -9839,7 +9823,7 @@
           <a:sym typeface="Arial"/>
         </a:defRPr>
       </a:lvl8pPr>
-      <a:lvl9pPr lvl="8" marR="0" rtl="0" algn="l">
+      <a:lvl9pPr marR="0" lvl="8" algn="l" rtl="0">
         <a:lnSpc>
           <a:spcPct val="100000"/>
         </a:lnSpc>
@@ -9853,7 +9837,7 @@
           <a:srgbClr val="000000"/>
         </a:buClr>
         <a:buFont typeface="Arial"/>
-        <a:defRPr b="0" i="0" sz="1400" u="none" cap="none" strike="noStrike">
+        <a:defRPr sz="1400" b="0" i="0" u="none" strike="noStrike" cap="none">
           <a:solidFill>
             <a:srgbClr val="000000"/>
           </a:solidFill>
@@ -9865,7 +9849,7 @@
       </a:lvl9pPr>
     </p:titleStyle>
     <p:bodyStyle>
-      <a:defPPr lvl="0" marR="0" rtl="0" algn="l">
+      <a:defPPr marR="0" lvl="0" algn="l" rtl="0">
         <a:lnSpc>
           <a:spcPct val="100000"/>
         </a:lnSpc>
@@ -9876,7 +9860,7 @@
           <a:spcPts val="0"/>
         </a:spcAft>
       </a:defPPr>
-      <a:lvl1pPr lvl="0" marR="0" rtl="0" algn="l">
+      <a:lvl1pPr marR="0" lvl="0" algn="l" rtl="0">
         <a:lnSpc>
           <a:spcPct val="100000"/>
         </a:lnSpc>
@@ -9890,7 +9874,7 @@
           <a:srgbClr val="000000"/>
         </a:buClr>
         <a:buFont typeface="Arial"/>
-        <a:defRPr b="0" i="0" sz="1400" u="none" cap="none" strike="noStrike">
+        <a:defRPr sz="1400" b="0" i="0" u="none" strike="noStrike" cap="none">
           <a:solidFill>
             <a:srgbClr val="000000"/>
           </a:solidFill>
@@ -9900,7 +9884,7 @@
           <a:sym typeface="Arial"/>
         </a:defRPr>
       </a:lvl1pPr>
-      <a:lvl2pPr lvl="1" marR="0" rtl="0" algn="l">
+      <a:lvl2pPr marR="0" lvl="1" algn="l" rtl="0">
         <a:lnSpc>
           <a:spcPct val="100000"/>
         </a:lnSpc>
@@ -9914,7 +9898,7 @@
           <a:srgbClr val="000000"/>
         </a:buClr>
         <a:buFont typeface="Arial"/>
-        <a:defRPr b="0" i="0" sz="1400" u="none" cap="none" strike="noStrike">
+        <a:defRPr sz="1400" b="0" i="0" u="none" strike="noStrike" cap="none">
           <a:solidFill>
             <a:srgbClr val="000000"/>
           </a:solidFill>
@@ -9924,7 +9908,7 @@
           <a:sym typeface="Arial"/>
         </a:defRPr>
       </a:lvl2pPr>
-      <a:lvl3pPr lvl="2" marR="0" rtl="0" algn="l">
+      <a:lvl3pPr marR="0" lvl="2" algn="l" rtl="0">
         <a:lnSpc>
           <a:spcPct val="100000"/>
         </a:lnSpc>
@@ -9938,7 +9922,7 @@
           <a:srgbClr val="000000"/>
         </a:buClr>
         <a:buFont typeface="Arial"/>
-        <a:defRPr b="0" i="0" sz="1400" u="none" cap="none" strike="noStrike">
+        <a:defRPr sz="1400" b="0" i="0" u="none" strike="noStrike" cap="none">
           <a:solidFill>
             <a:srgbClr val="000000"/>
           </a:solidFill>
@@ -9948,7 +9932,7 @@
           <a:sym typeface="Arial"/>
         </a:defRPr>
       </a:lvl3pPr>
-      <a:lvl4pPr lvl="3" marR="0" rtl="0" algn="l">
+      <a:lvl4pPr marR="0" lvl="3" algn="l" rtl="0">
         <a:lnSpc>
           <a:spcPct val="100000"/>
         </a:lnSpc>
@@ -9962,7 +9946,7 @@
           <a:srgbClr val="000000"/>
         </a:buClr>
         <a:buFont typeface="Arial"/>
-        <a:defRPr b="0" i="0" sz="1400" u="none" cap="none" strike="noStrike">
+        <a:defRPr sz="1400" b="0" i="0" u="none" strike="noStrike" cap="none">
           <a:solidFill>
             <a:srgbClr val="000000"/>
           </a:solidFill>
@@ -9972,7 +9956,7 @@
           <a:sym typeface="Arial"/>
         </a:defRPr>
       </a:lvl4pPr>
-      <a:lvl5pPr lvl="4" marR="0" rtl="0" algn="l">
+      <a:lvl5pPr marR="0" lvl="4" algn="l" rtl="0">
         <a:lnSpc>
           <a:spcPct val="100000"/>
         </a:lnSpc>
@@ -9986,7 +9970,7 @@
           <a:srgbClr val="000000"/>
         </a:buClr>
         <a:buFont typeface="Arial"/>
-        <a:defRPr b="0" i="0" sz="1400" u="none" cap="none" strike="noStrike">
+        <a:defRPr sz="1400" b="0" i="0" u="none" strike="noStrike" cap="none">
           <a:solidFill>
             <a:srgbClr val="000000"/>
           </a:solidFill>
@@ -9996,7 +9980,7 @@
           <a:sym typeface="Arial"/>
         </a:defRPr>
       </a:lvl5pPr>
-      <a:lvl6pPr lvl="5" marR="0" rtl="0" algn="l">
+      <a:lvl6pPr marR="0" lvl="5" algn="l" rtl="0">
         <a:lnSpc>
           <a:spcPct val="100000"/>
         </a:lnSpc>
@@ -10010,7 +9994,7 @@
           <a:srgbClr val="000000"/>
         </a:buClr>
         <a:buFont typeface="Arial"/>
-        <a:defRPr b="0" i="0" sz="1400" u="none" cap="none" strike="noStrike">
+        <a:defRPr sz="1400" b="0" i="0" u="none" strike="noStrike" cap="none">
           <a:solidFill>
             <a:srgbClr val="000000"/>
           </a:solidFill>
@@ -10020,7 +10004,7 @@
           <a:sym typeface="Arial"/>
         </a:defRPr>
       </a:lvl6pPr>
-      <a:lvl7pPr lvl="6" marR="0" rtl="0" algn="l">
+      <a:lvl7pPr marR="0" lvl="6" algn="l" rtl="0">
         <a:lnSpc>
           <a:spcPct val="100000"/>
         </a:lnSpc>
@@ -10034,7 +10018,7 @@
           <a:srgbClr val="000000"/>
         </a:buClr>
         <a:buFont typeface="Arial"/>
-        <a:defRPr b="0" i="0" sz="1400" u="none" cap="none" strike="noStrike">
+        <a:defRPr sz="1400" b="0" i="0" u="none" strike="noStrike" cap="none">
           <a:solidFill>
             <a:srgbClr val="000000"/>
           </a:solidFill>
@@ -10044,7 +10028,7 @@
           <a:sym typeface="Arial"/>
         </a:defRPr>
       </a:lvl7pPr>
-      <a:lvl8pPr lvl="7" marR="0" rtl="0" algn="l">
+      <a:lvl8pPr marR="0" lvl="7" algn="l" rtl="0">
         <a:lnSpc>
           <a:spcPct val="100000"/>
         </a:lnSpc>
@@ -10058,7 +10042,7 @@
           <a:srgbClr val="000000"/>
         </a:buClr>
         <a:buFont typeface="Arial"/>
-        <a:defRPr b="0" i="0" sz="1400" u="none" cap="none" strike="noStrike">
+        <a:defRPr sz="1400" b="0" i="0" u="none" strike="noStrike" cap="none">
           <a:solidFill>
             <a:srgbClr val="000000"/>
           </a:solidFill>
@@ -10068,7 +10052,7 @@
           <a:sym typeface="Arial"/>
         </a:defRPr>
       </a:lvl8pPr>
-      <a:lvl9pPr lvl="8" marR="0" rtl="0" algn="l">
+      <a:lvl9pPr marR="0" lvl="8" algn="l" rtl="0">
         <a:lnSpc>
           <a:spcPct val="100000"/>
         </a:lnSpc>
@@ -10082,7 +10066,7 @@
           <a:srgbClr val="000000"/>
         </a:buClr>
         <a:buFont typeface="Arial"/>
-        <a:defRPr b="0" i="0" sz="1400" u="none" cap="none" strike="noStrike">
+        <a:defRPr sz="1400" b="0" i="0" u="none" strike="noStrike" cap="none">
           <a:solidFill>
             <a:srgbClr val="000000"/>
           </a:solidFill>
@@ -10094,7 +10078,7 @@
       </a:lvl9pPr>
     </p:bodyStyle>
     <p:otherStyle>
-      <a:defPPr lvl="0" marR="0" rtl="0" algn="l">
+      <a:defPPr marR="0" lvl="0" algn="l" rtl="0">
         <a:lnSpc>
           <a:spcPct val="100000"/>
         </a:lnSpc>
@@ -10105,7 +10089,7 @@
           <a:spcPts val="0"/>
         </a:spcAft>
       </a:defPPr>
-      <a:lvl1pPr lvl="0" marR="0" rtl="0" algn="l">
+      <a:lvl1pPr marR="0" lvl="0" algn="l" rtl="0">
         <a:lnSpc>
           <a:spcPct val="100000"/>
         </a:lnSpc>
@@ -10119,7 +10103,7 @@
           <a:srgbClr val="000000"/>
         </a:buClr>
         <a:buFont typeface="Arial"/>
-        <a:defRPr b="0" i="0" sz="1400" u="none" cap="none" strike="noStrike">
+        <a:defRPr sz="1400" b="0" i="0" u="none" strike="noStrike" cap="none">
           <a:solidFill>
             <a:srgbClr val="000000"/>
           </a:solidFill>
@@ -10129,7 +10113,7 @@
           <a:sym typeface="Arial"/>
         </a:defRPr>
       </a:lvl1pPr>
-      <a:lvl2pPr lvl="1" marR="0" rtl="0" algn="l">
+      <a:lvl2pPr marR="0" lvl="1" algn="l" rtl="0">
         <a:lnSpc>
           <a:spcPct val="100000"/>
         </a:lnSpc>
@@ -10143,7 +10127,7 @@
           <a:srgbClr val="000000"/>
         </a:buClr>
         <a:buFont typeface="Arial"/>
-        <a:defRPr b="0" i="0" sz="1400" u="none" cap="none" strike="noStrike">
+        <a:defRPr sz="1400" b="0" i="0" u="none" strike="noStrike" cap="none">
           <a:solidFill>
             <a:srgbClr val="000000"/>
           </a:solidFill>
@@ -10153,7 +10137,7 @@
           <a:sym typeface="Arial"/>
         </a:defRPr>
       </a:lvl2pPr>
-      <a:lvl3pPr lvl="2" marR="0" rtl="0" algn="l">
+      <a:lvl3pPr marR="0" lvl="2" algn="l" rtl="0">
         <a:lnSpc>
           <a:spcPct val="100000"/>
         </a:lnSpc>
@@ -10167,7 +10151,7 @@
           <a:srgbClr val="000000"/>
         </a:buClr>
         <a:buFont typeface="Arial"/>
-        <a:defRPr b="0" i="0" sz="1400" u="none" cap="none" strike="noStrike">
+        <a:defRPr sz="1400" b="0" i="0" u="none" strike="noStrike" cap="none">
           <a:solidFill>
             <a:srgbClr val="000000"/>
           </a:solidFill>
@@ -10177,7 +10161,7 @@
           <a:sym typeface="Arial"/>
         </a:defRPr>
       </a:lvl3pPr>
-      <a:lvl4pPr lvl="3" marR="0" rtl="0" algn="l">
+      <a:lvl4pPr marR="0" lvl="3" algn="l" rtl="0">
         <a:lnSpc>
           <a:spcPct val="100000"/>
         </a:lnSpc>
@@ -10191,7 +10175,7 @@
           <a:srgbClr val="000000"/>
         </a:buClr>
         <a:buFont typeface="Arial"/>
-        <a:defRPr b="0" i="0" sz="1400" u="none" cap="none" strike="noStrike">
+        <a:defRPr sz="1400" b="0" i="0" u="none" strike="noStrike" cap="none">
           <a:solidFill>
             <a:srgbClr val="000000"/>
           </a:solidFill>
@@ -10201,7 +10185,7 @@
           <a:sym typeface="Arial"/>
         </a:defRPr>
       </a:lvl4pPr>
-      <a:lvl5pPr lvl="4" marR="0" rtl="0" algn="l">
+      <a:lvl5pPr marR="0" lvl="4" algn="l" rtl="0">
         <a:lnSpc>
           <a:spcPct val="100000"/>
         </a:lnSpc>
@@ -10215,7 +10199,7 @@
           <a:srgbClr val="000000"/>
         </a:buClr>
         <a:buFont typeface="Arial"/>
-        <a:defRPr b="0" i="0" sz="1400" u="none" cap="none" strike="noStrike">
+        <a:defRPr sz="1400" b="0" i="0" u="none" strike="noStrike" cap="none">
           <a:solidFill>
             <a:srgbClr val="000000"/>
           </a:solidFill>
@@ -10225,7 +10209,7 @@
           <a:sym typeface="Arial"/>
         </a:defRPr>
       </a:lvl5pPr>
-      <a:lvl6pPr lvl="5" marR="0" rtl="0" algn="l">
+      <a:lvl6pPr marR="0" lvl="5" algn="l" rtl="0">
         <a:lnSpc>
           <a:spcPct val="100000"/>
         </a:lnSpc>
@@ -10239,7 +10223,7 @@
           <a:srgbClr val="000000"/>
         </a:buClr>
         <a:buFont typeface="Arial"/>
-        <a:defRPr b="0" i="0" sz="1400" u="none" cap="none" strike="noStrike">
+        <a:defRPr sz="1400" b="0" i="0" u="none" strike="noStrike" cap="none">
           <a:solidFill>
             <a:srgbClr val="000000"/>
           </a:solidFill>
@@ -10249,7 +10233,7 @@
           <a:sym typeface="Arial"/>
         </a:defRPr>
       </a:lvl6pPr>
-      <a:lvl7pPr lvl="6" marR="0" rtl="0" algn="l">
+      <a:lvl7pPr marR="0" lvl="6" algn="l" rtl="0">
         <a:lnSpc>
           <a:spcPct val="100000"/>
         </a:lnSpc>
@@ -10263,7 +10247,7 @@
           <a:srgbClr val="000000"/>
         </a:buClr>
         <a:buFont typeface="Arial"/>
-        <a:defRPr b="0" i="0" sz="1400" u="none" cap="none" strike="noStrike">
+        <a:defRPr sz="1400" b="0" i="0" u="none" strike="noStrike" cap="none">
           <a:solidFill>
             <a:srgbClr val="000000"/>
           </a:solidFill>
@@ -10273,7 +10257,7 @@
           <a:sym typeface="Arial"/>
         </a:defRPr>
       </a:lvl7pPr>
-      <a:lvl8pPr lvl="7" marR="0" rtl="0" algn="l">
+      <a:lvl8pPr marR="0" lvl="7" algn="l" rtl="0">
         <a:lnSpc>
           <a:spcPct val="100000"/>
         </a:lnSpc>
@@ -10287,7 +10271,7 @@
           <a:srgbClr val="000000"/>
         </a:buClr>
         <a:buFont typeface="Arial"/>
-        <a:defRPr b="0" i="0" sz="1400" u="none" cap="none" strike="noStrike">
+        <a:defRPr sz="1400" b="0" i="0" u="none" strike="noStrike" cap="none">
           <a:solidFill>
             <a:srgbClr val="000000"/>
           </a:solidFill>
@@ -10297,7 +10281,7 @@
           <a:sym typeface="Arial"/>
         </a:defRPr>
       </a:lvl8pPr>
-      <a:lvl9pPr lvl="8" marR="0" rtl="0" algn="l">
+      <a:lvl9pPr marR="0" lvl="8" algn="l" rtl="0">
         <a:lnSpc>
           <a:spcPct val="100000"/>
         </a:lnSpc>
@@ -10311,7 +10295,7 @@
           <a:srgbClr val="000000"/>
         </a:buClr>
         <a:buFont typeface="Arial"/>
-        <a:defRPr b="0" i="0" sz="1400" u="none" cap="none" strike="noStrike">
+        <a:defRPr sz="1400" b="0" i="0" u="none" strike="noStrike" cap="none">
           <a:solidFill>
             <a:srgbClr val="000000"/>
           </a:solidFill>
@@ -10327,11 +10311,11 @@
 </file>
 
 <file path=ppt/slides/slide1.xml><?xml version="1.0" encoding="utf-8"?>
-<p:sld xmlns:a="http://schemas.openxmlformats.org/drawingml/2006/main" xmlns:r="http://schemas.openxmlformats.org/officeDocument/2006/relationships" xmlns:mc="http://schemas.openxmlformats.org/markup-compatibility/2006" xmlns:mv="urn:schemas-microsoft-com:mac:vml" xmlns:p="http://schemas.openxmlformats.org/presentationml/2006/main" xmlns:c="http://schemas.openxmlformats.org/drawingml/2006/chart" xmlns:dgm="http://schemas.openxmlformats.org/drawingml/2006/diagram" xmlns:o="urn:schemas-microsoft-com:office:office" xmlns:v="urn:schemas-microsoft-com:vml" xmlns:pvml="urn:schemas-microsoft-com:office:powerpoint" xmlns:com="http://schemas.openxmlformats.org/drawingml/2006/compatibility" xmlns:p14="http://schemas.microsoft.com/office/powerpoint/2010/main" xmlns:p15="http://schemas.microsoft.com/office/powerpoint/2012/main">
+<p:sld xmlns:a="http://schemas.openxmlformats.org/drawingml/2006/main" xmlns:r="http://schemas.openxmlformats.org/officeDocument/2006/relationships" xmlns:p="http://schemas.openxmlformats.org/presentationml/2006/main">
   <p:cSld>
     <p:spTree>
       <p:nvGrpSpPr>
-        <p:cNvPr id="133" name="Shape 133"/>
+        <p:cNvPr id="1" name="Shape 133"/>
         <p:cNvGrpSpPr/>
         <p:nvPr/>
       </p:nvGrpSpPr>
@@ -10346,7 +10330,9 @@
       <p:sp>
         <p:nvSpPr>
           <p:cNvPr id="134" name="Google Shape;134;p13"/>
-          <p:cNvSpPr txBox="1"/>
+          <p:cNvSpPr txBox="1">
+            <a:spLocks noGrp="1"/>
+          </p:cNvSpPr>
           <p:nvPr>
             <p:ph type="ctrTitle"/>
           </p:nvPr>
@@ -10361,12 +10347,12 @@
           </a:prstGeom>
         </p:spPr>
         <p:txBody>
-          <a:bodyPr anchorCtr="0" anchor="t" bIns="91425" lIns="91425" spcFirstLastPara="1" rIns="91425" wrap="square" tIns="91425">
+          <a:bodyPr spcFirstLastPara="1" wrap="square" lIns="91425" tIns="91425" rIns="91425" bIns="91425" anchor="t" anchorCtr="0">
             <a:noAutofit/>
           </a:bodyPr>
           <a:lstStyle/>
           <a:p>
-            <a:pPr indent="0" lvl="0" marL="0" rtl="0" algn="ctr">
+            <a:pPr marL="0" lvl="0" indent="0" algn="ctr" rtl="0">
               <a:spcBef>
                 <a:spcPts val="0"/>
               </a:spcBef>
@@ -10377,16 +10363,12 @@
             </a:pPr>
             <a:r>
               <a:rPr lang="en-GB"/>
-              <a:t>Dominion </a:t>
-            </a:r>
-            <a:r>
-              <a:rPr lang="en-GB"/>
-              <a:t>Pursuit</a:t>
+              <a:t>Dominion Pursuit</a:t>
             </a:r>
             <a:endParaRPr/>
           </a:p>
           <a:p>
-            <a:pPr indent="0" lvl="0" marL="0" rtl="0" algn="ctr">
+            <a:pPr marL="0" lvl="0" indent="0" algn="ctr" rtl="0">
               <a:spcBef>
                 <a:spcPts val="0"/>
               </a:spcBef>
@@ -10406,9 +10388,11 @@
       <p:sp>
         <p:nvSpPr>
           <p:cNvPr id="135" name="Google Shape;135;p13"/>
-          <p:cNvSpPr txBox="1"/>
+          <p:cNvSpPr txBox="1">
+            <a:spLocks noGrp="1"/>
+          </p:cNvSpPr>
           <p:nvPr>
-            <p:ph idx="1" type="subTitle"/>
+            <p:ph type="subTitle" idx="1"/>
           </p:nvPr>
         </p:nvSpPr>
         <p:spPr>
@@ -10421,12 +10405,12 @@
           </a:prstGeom>
         </p:spPr>
         <p:txBody>
-          <a:bodyPr anchorCtr="0" anchor="t" bIns="91425" lIns="91425" spcFirstLastPara="1" rIns="91425" wrap="square" tIns="91425">
+          <a:bodyPr spcFirstLastPara="1" wrap="square" lIns="91425" tIns="91425" rIns="91425" bIns="91425" anchor="t" anchorCtr="0">
             <a:noAutofit/>
           </a:bodyPr>
           <a:lstStyle/>
           <a:p>
-            <a:pPr indent="0" lvl="0" marL="0" rtl="0" algn="l">
+            <a:pPr marL="0" lvl="0" indent="0" algn="l" rtl="0">
               <a:spcBef>
                 <a:spcPts val="0"/>
               </a:spcBef>
@@ -10442,7 +10426,7 @@
             <a:endParaRPr/>
           </a:p>
           <a:p>
-            <a:pPr indent="-311150" lvl="0" marL="457200" rtl="0" algn="l">
+            <a:pPr marL="457200" lvl="0" indent="-311150" algn="l" rtl="0">
               <a:spcBef>
                 <a:spcPts val="0"/>
               </a:spcBef>
@@ -10459,7 +10443,7 @@
             <a:endParaRPr/>
           </a:p>
           <a:p>
-            <a:pPr indent="-311150" lvl="0" marL="457200" rtl="0" algn="l">
+            <a:pPr marL="457200" lvl="0" indent="-311150" algn="l" rtl="0">
               <a:spcBef>
                 <a:spcPts val="0"/>
               </a:spcBef>
@@ -10476,7 +10460,7 @@
             <a:endParaRPr/>
           </a:p>
           <a:p>
-            <a:pPr indent="-311150" lvl="0" marL="457200" rtl="0" algn="l">
+            <a:pPr marL="457200" lvl="0" indent="-311150" algn="l" rtl="0">
               <a:spcBef>
                 <a:spcPts val="0"/>
               </a:spcBef>
@@ -10503,11 +10487,11 @@
 </file>
 
 <file path=ppt/slides/slide10.xml><?xml version="1.0" encoding="utf-8"?>
-<p:sld xmlns:a="http://schemas.openxmlformats.org/drawingml/2006/main" xmlns:r="http://schemas.openxmlformats.org/officeDocument/2006/relationships" xmlns:mc="http://schemas.openxmlformats.org/markup-compatibility/2006" xmlns:mv="urn:schemas-microsoft-com:mac:vml" xmlns:p="http://schemas.openxmlformats.org/presentationml/2006/main" xmlns:c="http://schemas.openxmlformats.org/drawingml/2006/chart" xmlns:dgm="http://schemas.openxmlformats.org/drawingml/2006/diagram" xmlns:o="urn:schemas-microsoft-com:office:office" xmlns:v="urn:schemas-microsoft-com:vml" xmlns:pvml="urn:schemas-microsoft-com:office:powerpoint" xmlns:com="http://schemas.openxmlformats.org/drawingml/2006/compatibility" xmlns:p14="http://schemas.microsoft.com/office/powerpoint/2010/main" xmlns:p15="http://schemas.microsoft.com/office/powerpoint/2012/main">
+<p:sld xmlns:a="http://schemas.openxmlformats.org/drawingml/2006/main" xmlns:r="http://schemas.openxmlformats.org/officeDocument/2006/relationships" xmlns:p="http://schemas.openxmlformats.org/presentationml/2006/main">
   <p:cSld>
     <p:spTree>
       <p:nvGrpSpPr>
-        <p:cNvPr id="187" name="Shape 187"/>
+        <p:cNvPr id="1" name="Shape 187"/>
         <p:cNvGrpSpPr/>
         <p:nvPr/>
       </p:nvGrpSpPr>
@@ -10522,7 +10506,9 @@
       <p:sp>
         <p:nvSpPr>
           <p:cNvPr id="188" name="Google Shape;188;p22"/>
-          <p:cNvSpPr txBox="1"/>
+          <p:cNvSpPr txBox="1">
+            <a:spLocks noGrp="1"/>
+          </p:cNvSpPr>
           <p:nvPr>
             <p:ph type="title"/>
           </p:nvPr>
@@ -10537,12 +10523,12 @@
           </a:prstGeom>
         </p:spPr>
         <p:txBody>
-          <a:bodyPr anchorCtr="0" anchor="t" bIns="91425" lIns="91425" spcFirstLastPara="1" rIns="91425" wrap="square" tIns="91425">
+          <a:bodyPr spcFirstLastPara="1" wrap="square" lIns="91425" tIns="91425" rIns="91425" bIns="91425" anchor="t" anchorCtr="0">
             <a:noAutofit/>
           </a:bodyPr>
           <a:lstStyle/>
           <a:p>
-            <a:pPr indent="0" lvl="0" marL="0" rtl="0" algn="l">
+            <a:pPr marL="0" lvl="0" indent="0" algn="l" rtl="0">
               <a:spcBef>
                 <a:spcPts val="0"/>
               </a:spcBef>
@@ -10572,9 +10558,11 @@
       <p:sp>
         <p:nvSpPr>
           <p:cNvPr id="189" name="Google Shape;189;p22"/>
-          <p:cNvSpPr txBox="1"/>
+          <p:cNvSpPr txBox="1">
+            <a:spLocks noGrp="1"/>
+          </p:cNvSpPr>
           <p:nvPr>
-            <p:ph idx="1" type="body"/>
+            <p:ph type="body" idx="1"/>
           </p:nvPr>
         </p:nvSpPr>
         <p:spPr>
@@ -10587,12 +10575,12 @@
           </a:prstGeom>
         </p:spPr>
         <p:txBody>
-          <a:bodyPr anchorCtr="0" anchor="t" bIns="91425" lIns="91425" spcFirstLastPara="1" rIns="91425" wrap="square" tIns="91425">
+          <a:bodyPr spcFirstLastPara="1" wrap="square" lIns="91425" tIns="91425" rIns="91425" bIns="91425" anchor="t" anchorCtr="0">
             <a:noAutofit/>
           </a:bodyPr>
           <a:lstStyle/>
           <a:p>
-            <a:pPr indent="-342900" lvl="0" marL="457200" rtl="0" algn="l">
+            <a:pPr marL="457200" lvl="0" indent="-342900" algn="l" rtl="0">
               <a:spcBef>
                 <a:spcPts val="0"/>
               </a:spcBef>
@@ -10629,7 +10617,7 @@
             </a:endParaRPr>
           </a:p>
           <a:p>
-            <a:pPr indent="0" lvl="0" marL="0" marR="0" rtl="0" algn="l">
+            <a:pPr marL="0" marR="0" lvl="0" indent="0" algn="l" rtl="0">
               <a:lnSpc>
                 <a:spcPct val="115000"/>
               </a:lnSpc>
@@ -10641,9 +10629,6 @@
               </a:spcAft>
               <a:buNone/>
             </a:pPr>
-            <a:r>
-              <a:t/>
-            </a:r>
             <a:endParaRPr sz="1400">
               <a:solidFill>
                 <a:srgbClr val="FFFFFF"/>
@@ -10655,7 +10640,7 @@
             </a:endParaRPr>
           </a:p>
           <a:p>
-            <a:pPr indent="0" lvl="0" marL="914400" rtl="0" algn="l">
+            <a:pPr marL="914400" lvl="0" indent="0" algn="l" rtl="0">
               <a:spcBef>
                 <a:spcPts val="0"/>
               </a:spcBef>
@@ -10664,9 +10649,6 @@
               </a:spcAft>
               <a:buNone/>
             </a:pPr>
-            <a:r>
-              <a:t/>
-            </a:r>
             <a:endParaRPr sz="1800">
               <a:solidFill>
                 <a:srgbClr val="FFFFFF"/>
@@ -10689,7 +10671,7 @@
           <a:blip r:embed="rId3">
             <a:alphaModFix/>
           </a:blip>
-          <a:srcRect b="0" l="27722" r="18912" t="0"/>
+          <a:srcRect l="27722" r="18912"/>
           <a:stretch/>
         </p:blipFill>
         <p:spPr>
@@ -10726,12 +10708,12 @@
           </a:ln>
         </p:spPr>
         <p:txBody>
-          <a:bodyPr anchorCtr="0" anchor="t" bIns="91425" lIns="91425" spcFirstLastPara="1" rIns="91425" wrap="square" tIns="91425">
+          <a:bodyPr spcFirstLastPara="1" wrap="square" lIns="91425" tIns="91425" rIns="91425" bIns="91425" anchor="t" anchorCtr="0">
             <a:noAutofit/>
           </a:bodyPr>
           <a:lstStyle/>
           <a:p>
-            <a:pPr indent="0" lvl="0" marL="0" rtl="0" algn="l">
+            <a:pPr marL="0" lvl="0" indent="0" algn="l" rtl="0">
               <a:spcBef>
                 <a:spcPts val="0"/>
               </a:spcBef>
@@ -10773,11 +10755,11 @@
 </file>
 
 <file path=ppt/slides/slide11.xml><?xml version="1.0" encoding="utf-8"?>
-<p:sld xmlns:a="http://schemas.openxmlformats.org/drawingml/2006/main" xmlns:r="http://schemas.openxmlformats.org/officeDocument/2006/relationships" xmlns:mc="http://schemas.openxmlformats.org/markup-compatibility/2006" xmlns:mv="urn:schemas-microsoft-com:mac:vml" xmlns:p="http://schemas.openxmlformats.org/presentationml/2006/main" xmlns:c="http://schemas.openxmlformats.org/drawingml/2006/chart" xmlns:dgm="http://schemas.openxmlformats.org/drawingml/2006/diagram" xmlns:o="urn:schemas-microsoft-com:office:office" xmlns:v="urn:schemas-microsoft-com:vml" xmlns:pvml="urn:schemas-microsoft-com:office:powerpoint" xmlns:com="http://schemas.openxmlformats.org/drawingml/2006/compatibility" xmlns:p14="http://schemas.microsoft.com/office/powerpoint/2010/main" xmlns:p15="http://schemas.microsoft.com/office/powerpoint/2012/main">
+<p:sld xmlns:a="http://schemas.openxmlformats.org/drawingml/2006/main" xmlns:r="http://schemas.openxmlformats.org/officeDocument/2006/relationships" xmlns:p="http://schemas.openxmlformats.org/presentationml/2006/main">
   <p:cSld>
     <p:spTree>
       <p:nvGrpSpPr>
-        <p:cNvPr id="195" name="Shape 195"/>
+        <p:cNvPr id="1" name="Shape 195"/>
         <p:cNvGrpSpPr/>
         <p:nvPr/>
       </p:nvGrpSpPr>
@@ -10792,7 +10774,9 @@
       <p:sp>
         <p:nvSpPr>
           <p:cNvPr id="196" name="Google Shape;196;p23"/>
-          <p:cNvSpPr txBox="1"/>
+          <p:cNvSpPr txBox="1">
+            <a:spLocks noGrp="1"/>
+          </p:cNvSpPr>
           <p:nvPr>
             <p:ph type="title"/>
           </p:nvPr>
@@ -10807,12 +10791,12 @@
           </a:prstGeom>
         </p:spPr>
         <p:txBody>
-          <a:bodyPr anchorCtr="0" anchor="t" bIns="91425" lIns="91425" spcFirstLastPara="1" rIns="91425" wrap="square" tIns="91425">
+          <a:bodyPr spcFirstLastPara="1" wrap="square" lIns="91425" tIns="91425" rIns="91425" bIns="91425" anchor="t" anchorCtr="0">
             <a:noAutofit/>
           </a:bodyPr>
           <a:lstStyle/>
           <a:p>
-            <a:pPr indent="0" lvl="0" marL="0" rtl="0" algn="l">
+            <a:pPr marL="0" lvl="0" indent="0" algn="l" rtl="0">
               <a:spcBef>
                 <a:spcPts val="0"/>
               </a:spcBef>
@@ -10842,9 +10826,11 @@
       <p:sp>
         <p:nvSpPr>
           <p:cNvPr id="197" name="Google Shape;197;p23"/>
-          <p:cNvSpPr txBox="1"/>
+          <p:cNvSpPr txBox="1">
+            <a:spLocks noGrp="1"/>
+          </p:cNvSpPr>
           <p:nvPr>
-            <p:ph idx="1" type="body"/>
+            <p:ph type="body" idx="1"/>
           </p:nvPr>
         </p:nvSpPr>
         <p:spPr>
@@ -10857,12 +10843,12 @@
           </a:prstGeom>
         </p:spPr>
         <p:txBody>
-          <a:bodyPr anchorCtr="0" anchor="t" bIns="91425" lIns="91425" spcFirstLastPara="1" rIns="91425" wrap="square" tIns="91425">
+          <a:bodyPr spcFirstLastPara="1" wrap="square" lIns="91425" tIns="91425" rIns="91425" bIns="91425" anchor="t" anchorCtr="0">
             <a:noAutofit/>
           </a:bodyPr>
           <a:lstStyle/>
           <a:p>
-            <a:pPr indent="-342900" lvl="0" marL="457200" rtl="0" algn="l">
+            <a:pPr marL="457200" lvl="0" indent="-342900" algn="l" rtl="0">
               <a:lnSpc>
                 <a:spcPct val="115000"/>
               </a:lnSpc>
@@ -10902,7 +10888,7 @@
             </a:endParaRPr>
           </a:p>
           <a:p>
-            <a:pPr indent="-317500" lvl="1" marL="914400" rtl="0" algn="l">
+            <a:pPr marL="914400" lvl="1" indent="-317500" algn="l" rtl="0">
               <a:lnSpc>
                 <a:spcPct val="115000"/>
               </a:lnSpc>
@@ -10942,7 +10928,7 @@
             </a:endParaRPr>
           </a:p>
           <a:p>
-            <a:pPr indent="-317500" lvl="1" marL="914400" rtl="0" algn="l">
+            <a:pPr marL="914400" lvl="1" indent="-317500" algn="l" rtl="0">
               <a:lnSpc>
                 <a:spcPct val="115000"/>
               </a:lnSpc>
@@ -10982,7 +10968,7 @@
             </a:endParaRPr>
           </a:p>
           <a:p>
-            <a:pPr indent="0" lvl="0" marL="0" rtl="0" algn="l">
+            <a:pPr marL="0" lvl="0" indent="0" algn="l" rtl="0">
               <a:lnSpc>
                 <a:spcPct val="115000"/>
               </a:lnSpc>
@@ -10999,9 +10985,6 @@
               <a:buFont typeface="Arial"/>
               <a:buNone/>
             </a:pPr>
-            <a:r>
-              <a:t/>
-            </a:r>
             <a:endParaRPr sz="1800">
               <a:solidFill>
                 <a:srgbClr val="FFFFFF"/>
@@ -11013,7 +10996,7 @@
             </a:endParaRPr>
           </a:p>
           <a:p>
-            <a:pPr indent="-342900" lvl="0" marL="457200" rtl="0" algn="l">
+            <a:pPr marL="457200" lvl="0" indent="-342900" algn="l" rtl="0">
               <a:lnSpc>
                 <a:spcPct val="115000"/>
               </a:lnSpc>
@@ -11053,7 +11036,7 @@
             </a:endParaRPr>
           </a:p>
           <a:p>
-            <a:pPr indent="-317500" lvl="1" marL="914400" rtl="0" algn="l">
+            <a:pPr marL="914400" lvl="1" indent="-317500" algn="l" rtl="0">
               <a:lnSpc>
                 <a:spcPct val="115000"/>
               </a:lnSpc>
@@ -11093,7 +11076,7 @@
             </a:endParaRPr>
           </a:p>
           <a:p>
-            <a:pPr indent="0" lvl="0" marL="914400" rtl="0" algn="l">
+            <a:pPr marL="914400" lvl="0" indent="0" algn="l" rtl="0">
               <a:spcBef>
                 <a:spcPts val="0"/>
               </a:spcBef>
@@ -11102,9 +11085,6 @@
               </a:spcAft>
               <a:buNone/>
             </a:pPr>
-            <a:r>
-              <a:t/>
-            </a:r>
             <a:endParaRPr sz="1400">
               <a:solidFill>
                 <a:srgbClr val="FFFFFF"/>
@@ -11126,11 +11106,11 @@
 </file>
 
 <file path=ppt/slides/slide12.xml><?xml version="1.0" encoding="utf-8"?>
-<p:sld xmlns:a="http://schemas.openxmlformats.org/drawingml/2006/main" xmlns:r="http://schemas.openxmlformats.org/officeDocument/2006/relationships" xmlns:mc="http://schemas.openxmlformats.org/markup-compatibility/2006" xmlns:mv="urn:schemas-microsoft-com:mac:vml" xmlns:p="http://schemas.openxmlformats.org/presentationml/2006/main" xmlns:c="http://schemas.openxmlformats.org/drawingml/2006/chart" xmlns:dgm="http://schemas.openxmlformats.org/drawingml/2006/diagram" xmlns:o="urn:schemas-microsoft-com:office:office" xmlns:v="urn:schemas-microsoft-com:vml" xmlns:pvml="urn:schemas-microsoft-com:office:powerpoint" xmlns:com="http://schemas.openxmlformats.org/drawingml/2006/compatibility" xmlns:p14="http://schemas.microsoft.com/office/powerpoint/2010/main" xmlns:p15="http://schemas.microsoft.com/office/powerpoint/2012/main">
+<p:sld xmlns:a="http://schemas.openxmlformats.org/drawingml/2006/main" xmlns:r="http://schemas.openxmlformats.org/officeDocument/2006/relationships" xmlns:p="http://schemas.openxmlformats.org/presentationml/2006/main">
   <p:cSld>
     <p:spTree>
       <p:nvGrpSpPr>
-        <p:cNvPr id="201" name="Shape 201"/>
+        <p:cNvPr id="1" name="Shape 201"/>
         <p:cNvGrpSpPr/>
         <p:nvPr/>
       </p:nvGrpSpPr>
@@ -11145,7 +11125,9 @@
       <p:sp>
         <p:nvSpPr>
           <p:cNvPr id="202" name="Google Shape;202;p24"/>
-          <p:cNvSpPr txBox="1"/>
+          <p:cNvSpPr txBox="1">
+            <a:spLocks noGrp="1"/>
+          </p:cNvSpPr>
           <p:nvPr>
             <p:ph type="title"/>
           </p:nvPr>
@@ -11160,12 +11142,12 @@
           </a:prstGeom>
         </p:spPr>
         <p:txBody>
-          <a:bodyPr anchorCtr="0" anchor="t" bIns="91425" lIns="91425" spcFirstLastPara="1" rIns="91425" wrap="square" tIns="91425">
+          <a:bodyPr spcFirstLastPara="1" wrap="square" lIns="91425" tIns="91425" rIns="91425" bIns="91425" anchor="t" anchorCtr="0">
             <a:noAutofit/>
           </a:bodyPr>
           <a:lstStyle/>
           <a:p>
-            <a:pPr indent="0" lvl="0" marL="0" rtl="0" algn="l">
+            <a:pPr marL="0" lvl="0" indent="0" algn="l" rtl="0">
               <a:spcBef>
                 <a:spcPts val="0"/>
               </a:spcBef>
@@ -11218,12 +11200,12 @@
           </a:ln>
         </p:spPr>
         <p:txBody>
-          <a:bodyPr anchorCtr="0" anchor="t" bIns="91425" lIns="91425" spcFirstLastPara="1" rIns="91425" wrap="square" tIns="91425">
+          <a:bodyPr spcFirstLastPara="1" wrap="square" lIns="91425" tIns="91425" rIns="91425" bIns="91425" anchor="t" anchorCtr="0">
             <a:noAutofit/>
           </a:bodyPr>
           <a:lstStyle/>
           <a:p>
-            <a:pPr indent="0" lvl="0" marL="0" rtl="0" algn="l">
+            <a:pPr marL="0" lvl="0" indent="0" algn="l" rtl="0">
               <a:spcBef>
                 <a:spcPts val="0"/>
               </a:spcBef>
@@ -11265,11 +11247,11 @@
 </file>
 
 <file path=ppt/slides/slide13.xml><?xml version="1.0" encoding="utf-8"?>
-<p:sld xmlns:a="http://schemas.openxmlformats.org/drawingml/2006/main" xmlns:r="http://schemas.openxmlformats.org/officeDocument/2006/relationships" xmlns:mc="http://schemas.openxmlformats.org/markup-compatibility/2006" xmlns:mv="urn:schemas-microsoft-com:mac:vml" xmlns:p="http://schemas.openxmlformats.org/presentationml/2006/main" xmlns:c="http://schemas.openxmlformats.org/drawingml/2006/chart" xmlns:dgm="http://schemas.openxmlformats.org/drawingml/2006/diagram" xmlns:o="urn:schemas-microsoft-com:office:office" xmlns:v="urn:schemas-microsoft-com:vml" xmlns:pvml="urn:schemas-microsoft-com:office:powerpoint" xmlns:com="http://schemas.openxmlformats.org/drawingml/2006/compatibility" xmlns:p14="http://schemas.microsoft.com/office/powerpoint/2010/main" xmlns:p15="http://schemas.microsoft.com/office/powerpoint/2012/main">
+<p:sld xmlns:a="http://schemas.openxmlformats.org/drawingml/2006/main" xmlns:r="http://schemas.openxmlformats.org/officeDocument/2006/relationships" xmlns:p="http://schemas.openxmlformats.org/presentationml/2006/main">
   <p:cSld>
     <p:spTree>
       <p:nvGrpSpPr>
-        <p:cNvPr id="207" name="Shape 207"/>
+        <p:cNvPr id="1" name=""/>
         <p:cNvGrpSpPr/>
         <p:nvPr/>
       </p:nvGrpSpPr>
@@ -11283,8 +11265,754 @@
       </p:grpSpPr>
       <p:sp>
         <p:nvSpPr>
-          <p:cNvPr id="208" name="Google Shape;208;p25"/>
-          <p:cNvSpPr txBox="1"/>
+          <p:cNvPr id="2" name="Title 1"/>
+          <p:cNvSpPr>
+            <a:spLocks noGrp="1"/>
+          </p:cNvSpPr>
+          <p:nvPr>
+            <p:ph type="title"/>
+          </p:nvPr>
+        </p:nvSpPr>
+        <p:spPr>
+          <a:xfrm>
+            <a:off x="1219200" y="438150"/>
+            <a:ext cx="7038900" cy="914100"/>
+          </a:xfrm>
+        </p:spPr>
+        <p:txBody>
+          <a:bodyPr/>
+          <a:lstStyle/>
+          <a:p>
+            <a:pPr lvl="0"/>
+            <a:r>
+              <a:rPr lang="en-US" sz="3000" dirty="0" smtClean="0">
+                <a:solidFill>
+                  <a:srgbClr val="FFFFFF"/>
+                </a:solidFill>
+                <a:latin typeface="Times New Roman" pitchFamily="18" charset="0"/>
+                <a:cs typeface="Times New Roman" pitchFamily="18" charset="0"/>
+              </a:rPr>
+              <a:t>Game Input and </a:t>
+            </a:r>
+            <a:r>
+              <a:rPr lang="en-US" sz="3000" dirty="0" smtClean="0">
+                <a:solidFill>
+                  <a:srgbClr val="FFFFFF"/>
+                </a:solidFill>
+                <a:latin typeface="Times New Roman" pitchFamily="18" charset="0"/>
+                <a:cs typeface="Times New Roman" pitchFamily="18" charset="0"/>
+              </a:rPr>
+              <a:t>Output</a:t>
+            </a:r>
+            <a:endParaRPr lang="en-US" sz="3000" dirty="0"/>
+          </a:p>
+        </p:txBody>
+      </p:sp>
+      <p:graphicFrame>
+        <p:nvGraphicFramePr>
+          <p:cNvPr id="4" name="Table 3"/>
+          <p:cNvGraphicFramePr>
+            <a:graphicFrameLocks noGrp="1"/>
+          </p:cNvGraphicFramePr>
+          <p:nvPr/>
+        </p:nvGraphicFramePr>
+        <p:xfrm>
+          <a:off x="1828800" y="1504950"/>
+          <a:ext cx="5562600" cy="2407920"/>
+        </p:xfrm>
+        <a:graphic>
+          <a:graphicData uri="http://schemas.openxmlformats.org/drawingml/2006/table">
+            <a:tbl>
+              <a:tblPr/>
+              <a:tblGrid>
+                <a:gridCol w="2438400"/>
+                <a:gridCol w="3124200"/>
+              </a:tblGrid>
+              <a:tr h="213360">
+                <a:tc>
+                  <a:txBody>
+                    <a:bodyPr/>
+                    <a:lstStyle/>
+                    <a:p>
+                      <a:pPr rtl="0" fontAlgn="t">
+                        <a:spcBef>
+                          <a:spcPts val="0"/>
+                        </a:spcBef>
+                        <a:spcAft>
+                          <a:spcPts val="0"/>
+                        </a:spcAft>
+                      </a:pPr>
+                      <a:r>
+                        <a:rPr lang="en-US" sz="1200" b="1" i="0" u="none" strike="noStrike" dirty="0" smtClean="0">
+                          <a:solidFill>
+                            <a:srgbClr val="FFFFFF"/>
+                          </a:solidFill>
+                          <a:latin typeface="Times New Roman"/>
+                        </a:rPr>
+                        <a:t>Input</a:t>
+                      </a:r>
+                      <a:endParaRPr lang="en-US" dirty="0"/>
+                    </a:p>
+                  </a:txBody>
+                  <a:tcPr marL="53340" marR="53340" marT="53340" marB="53340">
+                    <a:lnL w="10157" cap="flat" cmpd="sng" algn="ctr">
+                      <a:solidFill>
+                        <a:srgbClr val="FFFFFF"/>
+                      </a:solidFill>
+                      <a:prstDash val="solid"/>
+                      <a:round/>
+                      <a:headEnd type="none" w="med" len="med"/>
+                      <a:tailEnd type="none" w="med" len="med"/>
+                    </a:lnL>
+                    <a:lnR w="10157" cap="flat" cmpd="sng" algn="ctr">
+                      <a:solidFill>
+                        <a:srgbClr val="FFFFFF"/>
+                      </a:solidFill>
+                      <a:prstDash val="solid"/>
+                      <a:round/>
+                      <a:headEnd type="none" w="med" len="med"/>
+                      <a:tailEnd type="none" w="med" len="med"/>
+                    </a:lnR>
+                    <a:lnT w="10157" cap="flat" cmpd="sng" algn="ctr">
+                      <a:solidFill>
+                        <a:srgbClr val="FFFFFF"/>
+                      </a:solidFill>
+                      <a:prstDash val="solid"/>
+                      <a:round/>
+                      <a:headEnd type="none" w="med" len="med"/>
+                      <a:tailEnd type="none" w="med" len="med"/>
+                    </a:lnT>
+                    <a:lnB w="10157" cap="flat" cmpd="sng" algn="ctr">
+                      <a:solidFill>
+                        <a:srgbClr val="FFFFFF"/>
+                      </a:solidFill>
+                      <a:prstDash val="solid"/>
+                      <a:round/>
+                      <a:headEnd type="none" w="med" len="med"/>
+                      <a:tailEnd type="none" w="med" len="med"/>
+                    </a:lnB>
+                  </a:tcPr>
+                </a:tc>
+                <a:tc>
+                  <a:txBody>
+                    <a:bodyPr/>
+                    <a:lstStyle/>
+                    <a:p>
+                      <a:pPr rtl="0" fontAlgn="t">
+                        <a:spcBef>
+                          <a:spcPts val="0"/>
+                        </a:spcBef>
+                        <a:spcAft>
+                          <a:spcPts val="0"/>
+                        </a:spcAft>
+                      </a:pPr>
+                      <a:r>
+                        <a:rPr lang="en-US" sz="1200" b="1" i="0" u="none" strike="noStrike" dirty="0">
+                          <a:solidFill>
+                            <a:srgbClr val="FFFFFF"/>
+                          </a:solidFill>
+                          <a:latin typeface="Times New Roman"/>
+                        </a:rPr>
+                        <a:t>Output</a:t>
+                      </a:r>
+                      <a:endParaRPr lang="en-US" dirty="0"/>
+                    </a:p>
+                  </a:txBody>
+                  <a:tcPr marL="53340" marR="53340" marT="53340" marB="53340">
+                    <a:lnL w="10157" cap="flat" cmpd="sng" algn="ctr">
+                      <a:solidFill>
+                        <a:srgbClr val="FFFFFF"/>
+                      </a:solidFill>
+                      <a:prstDash val="solid"/>
+                      <a:round/>
+                      <a:headEnd type="none" w="med" len="med"/>
+                      <a:tailEnd type="none" w="med" len="med"/>
+                    </a:lnL>
+                    <a:lnR w="10157" cap="flat" cmpd="sng" algn="ctr">
+                      <a:solidFill>
+                        <a:srgbClr val="FFFFFF"/>
+                      </a:solidFill>
+                      <a:prstDash val="solid"/>
+                      <a:round/>
+                      <a:headEnd type="none" w="med" len="med"/>
+                      <a:tailEnd type="none" w="med" len="med"/>
+                    </a:lnR>
+                    <a:lnT w="10157" cap="flat" cmpd="sng" algn="ctr">
+                      <a:solidFill>
+                        <a:srgbClr val="FFFFFF"/>
+                      </a:solidFill>
+                      <a:prstDash val="solid"/>
+                      <a:round/>
+                      <a:headEnd type="none" w="med" len="med"/>
+                      <a:tailEnd type="none" w="med" len="med"/>
+                    </a:lnT>
+                    <a:lnB w="10157" cap="flat" cmpd="sng" algn="ctr">
+                      <a:solidFill>
+                        <a:srgbClr val="FFFFFF"/>
+                      </a:solidFill>
+                      <a:prstDash val="solid"/>
+                      <a:round/>
+                      <a:headEnd type="none" w="med" len="med"/>
+                      <a:tailEnd type="none" w="med" len="med"/>
+                    </a:lnB>
+                  </a:tcPr>
+                </a:tc>
+              </a:tr>
+              <a:tr h="0">
+                <a:tc>
+                  <a:txBody>
+                    <a:bodyPr/>
+                    <a:lstStyle/>
+                    <a:p>
+                      <a:pPr rtl="0" fontAlgn="t">
+                        <a:spcBef>
+                          <a:spcPts val="0"/>
+                        </a:spcBef>
+                        <a:spcAft>
+                          <a:spcPts val="0"/>
+                        </a:spcAft>
+                      </a:pPr>
+                      <a:r>
+                        <a:rPr lang="en-US" sz="1200" b="0" i="0" u="none" strike="noStrike" dirty="0">
+                          <a:solidFill>
+                            <a:schemeClr val="bg1"/>
+                          </a:solidFill>
+                          <a:latin typeface="Times New Roman"/>
+                        </a:rPr>
+                        <a:t>Player clicks on the dice</a:t>
+                      </a:r>
+                      <a:endParaRPr lang="en-US" dirty="0">
+                        <a:solidFill>
+                          <a:schemeClr val="bg1"/>
+                        </a:solidFill>
+                      </a:endParaRPr>
+                    </a:p>
+                  </a:txBody>
+                  <a:tcPr marL="53340" marR="53340" marT="53340" marB="53340">
+                    <a:lnL w="10157" cap="flat" cmpd="sng" algn="ctr">
+                      <a:solidFill>
+                        <a:srgbClr val="FFFFFF"/>
+                      </a:solidFill>
+                      <a:prstDash val="solid"/>
+                      <a:round/>
+                      <a:headEnd type="none" w="med" len="med"/>
+                      <a:tailEnd type="none" w="med" len="med"/>
+                    </a:lnL>
+                    <a:lnR w="10157" cap="flat" cmpd="sng" algn="ctr">
+                      <a:solidFill>
+                        <a:srgbClr val="FFFFFF"/>
+                      </a:solidFill>
+                      <a:prstDash val="solid"/>
+                      <a:round/>
+                      <a:headEnd type="none" w="med" len="med"/>
+                      <a:tailEnd type="none" w="med" len="med"/>
+                    </a:lnR>
+                    <a:lnT w="10157" cap="flat" cmpd="sng" algn="ctr">
+                      <a:solidFill>
+                        <a:srgbClr val="FFFFFF"/>
+                      </a:solidFill>
+                      <a:prstDash val="solid"/>
+                      <a:round/>
+                      <a:headEnd type="none" w="med" len="med"/>
+                      <a:tailEnd type="none" w="med" len="med"/>
+                    </a:lnT>
+                    <a:lnB w="10157" cap="flat" cmpd="sng" algn="ctr">
+                      <a:solidFill>
+                        <a:srgbClr val="FFFFFF"/>
+                      </a:solidFill>
+                      <a:prstDash val="solid"/>
+                      <a:round/>
+                      <a:headEnd type="none" w="med" len="med"/>
+                      <a:tailEnd type="none" w="med" len="med"/>
+                    </a:lnB>
+                  </a:tcPr>
+                </a:tc>
+                <a:tc>
+                  <a:txBody>
+                    <a:bodyPr/>
+                    <a:lstStyle/>
+                    <a:p>
+                      <a:pPr rtl="0" fontAlgn="t">
+                        <a:spcBef>
+                          <a:spcPts val="0"/>
+                        </a:spcBef>
+                        <a:spcAft>
+                          <a:spcPts val="0"/>
+                        </a:spcAft>
+                        <a:buClr>
+                          <a:schemeClr val="bg1"/>
+                        </a:buClr>
+                        <a:buFont typeface="Arial" pitchFamily="34" charset="0"/>
+                        <a:buChar char="•"/>
+                      </a:pPr>
+                      <a:r>
+                        <a:rPr lang="en-US" sz="1200" b="0" i="0" u="none" strike="noStrike" dirty="0" smtClean="0">
+                          <a:solidFill>
+                            <a:schemeClr val="bg1"/>
+                          </a:solidFill>
+                          <a:latin typeface="Times New Roman"/>
+                        </a:rPr>
+                        <a:t> A </a:t>
+                      </a:r>
+                      <a:r>
+                        <a:rPr lang="en-US" sz="1200" b="0" i="0" u="none" strike="noStrike" dirty="0">
+                          <a:solidFill>
+                            <a:schemeClr val="bg1"/>
+                          </a:solidFill>
+                          <a:latin typeface="Times New Roman"/>
+                        </a:rPr>
+                        <a:t>roll-dice signal is sent to the dice object which changes its state from </a:t>
+                      </a:r>
+                      <a:r>
+                        <a:rPr lang="en-US" sz="1200" b="0" i="0" u="none" strike="noStrike" dirty="0" err="1">
+                          <a:solidFill>
+                            <a:schemeClr val="bg1"/>
+                          </a:solidFill>
+                          <a:latin typeface="Times New Roman"/>
+                        </a:rPr>
+                        <a:t>DiceStart</a:t>
+                      </a:r>
+                      <a:r>
+                        <a:rPr lang="en-US" sz="1200" b="0" i="0" u="none" strike="noStrike" dirty="0">
+                          <a:solidFill>
+                            <a:schemeClr val="bg1"/>
+                          </a:solidFill>
+                          <a:latin typeface="Times New Roman"/>
+                        </a:rPr>
+                        <a:t> to </a:t>
+                      </a:r>
+                      <a:r>
+                        <a:rPr lang="en-US" sz="1200" b="0" i="0" u="none" strike="noStrike" dirty="0" err="1">
+                          <a:solidFill>
+                            <a:schemeClr val="bg1"/>
+                          </a:solidFill>
+                          <a:latin typeface="Times New Roman"/>
+                        </a:rPr>
+                        <a:t>DiceRoll</a:t>
+                      </a:r>
+                      <a:r>
+                        <a:rPr lang="en-US" sz="1200" b="0" i="0" u="none" strike="noStrike" dirty="0">
+                          <a:solidFill>
+                            <a:schemeClr val="bg1"/>
+                          </a:solidFill>
+                          <a:latin typeface="Times New Roman"/>
+                        </a:rPr>
+                        <a:t>. </a:t>
+                      </a:r>
+                      <a:endParaRPr lang="en-US" sz="1200" b="0" i="0" u="none" strike="noStrike" dirty="0" smtClean="0">
+                        <a:solidFill>
+                          <a:schemeClr val="bg1"/>
+                        </a:solidFill>
+                        <a:latin typeface="Times New Roman"/>
+                      </a:endParaRPr>
+                    </a:p>
+                    <a:p>
+                      <a:pPr rtl="0" fontAlgn="t">
+                        <a:spcBef>
+                          <a:spcPts val="0"/>
+                        </a:spcBef>
+                        <a:spcAft>
+                          <a:spcPts val="0"/>
+                        </a:spcAft>
+                        <a:buClr>
+                          <a:schemeClr val="bg1"/>
+                        </a:buClr>
+                        <a:buFont typeface="Arial" pitchFamily="34" charset="0"/>
+                        <a:buChar char="•"/>
+                      </a:pPr>
+                      <a:r>
+                        <a:rPr lang="en-US" sz="1200" b="0" i="0" u="none" strike="noStrike" dirty="0" smtClean="0">
+                          <a:solidFill>
+                            <a:schemeClr val="bg1"/>
+                          </a:solidFill>
+                          <a:latin typeface="Times New Roman"/>
+                        </a:rPr>
+                        <a:t> After </a:t>
+                      </a:r>
+                      <a:r>
+                        <a:rPr lang="en-US" sz="1200" b="0" i="0" u="none" strike="noStrike" dirty="0">
+                          <a:solidFill>
+                            <a:schemeClr val="bg1"/>
+                          </a:solidFill>
+                          <a:latin typeface="Times New Roman"/>
+                        </a:rPr>
+                        <a:t>one iteration of </a:t>
+                      </a:r>
+                      <a:r>
+                        <a:rPr lang="en-US" sz="1200" b="0" i="0" u="none" strike="noStrike" dirty="0" err="1">
+                          <a:solidFill>
+                            <a:schemeClr val="bg1"/>
+                          </a:solidFill>
+                          <a:latin typeface="Times New Roman"/>
+                        </a:rPr>
+                        <a:t>DiceRoll</a:t>
+                      </a:r>
+                      <a:r>
+                        <a:rPr lang="en-US" sz="1200" b="0" i="0" u="none" strike="noStrike" dirty="0">
+                          <a:solidFill>
+                            <a:schemeClr val="bg1"/>
+                          </a:solidFill>
+                          <a:latin typeface="Times New Roman"/>
+                        </a:rPr>
+                        <a:t> state animation, a random number is generated between 1 and 6. </a:t>
+                      </a:r>
+                      <a:endParaRPr lang="en-US" sz="1200" b="0" i="0" u="none" strike="noStrike" dirty="0" smtClean="0">
+                        <a:solidFill>
+                          <a:schemeClr val="bg1"/>
+                        </a:solidFill>
+                        <a:latin typeface="Times New Roman"/>
+                      </a:endParaRPr>
+                    </a:p>
+                    <a:p>
+                      <a:pPr rtl="0" fontAlgn="t">
+                        <a:spcBef>
+                          <a:spcPts val="0"/>
+                        </a:spcBef>
+                        <a:spcAft>
+                          <a:spcPts val="0"/>
+                        </a:spcAft>
+                        <a:buClr>
+                          <a:schemeClr val="bg1"/>
+                        </a:buClr>
+                        <a:buFont typeface="Arial" pitchFamily="34" charset="0"/>
+                        <a:buChar char="•"/>
+                      </a:pPr>
+                      <a:r>
+                        <a:rPr lang="en-US" sz="1200" b="0" i="0" u="none" strike="noStrike" dirty="0" smtClean="0">
+                          <a:solidFill>
+                            <a:schemeClr val="bg1"/>
+                          </a:solidFill>
+                          <a:latin typeface="Times New Roman"/>
+                        </a:rPr>
+                        <a:t> The </a:t>
+                      </a:r>
+                      <a:r>
+                        <a:rPr lang="en-US" sz="1200" b="0" i="0" u="none" strike="noStrike" dirty="0">
+                          <a:solidFill>
+                            <a:schemeClr val="bg1"/>
+                          </a:solidFill>
+                          <a:latin typeface="Times New Roman"/>
+                        </a:rPr>
+                        <a:t>number is then sent as a signal to the dice object again. Depending upon the number received, the dice changes its face. </a:t>
+                      </a:r>
+                      <a:endParaRPr lang="en-US" sz="1200" b="0" i="0" u="none" strike="noStrike" dirty="0" smtClean="0">
+                        <a:solidFill>
+                          <a:schemeClr val="bg1"/>
+                        </a:solidFill>
+                        <a:latin typeface="Times New Roman"/>
+                      </a:endParaRPr>
+                    </a:p>
+                    <a:p>
+                      <a:pPr rtl="0" fontAlgn="t">
+                        <a:spcBef>
+                          <a:spcPts val="0"/>
+                        </a:spcBef>
+                        <a:spcAft>
+                          <a:spcPts val="0"/>
+                        </a:spcAft>
+                        <a:buClr>
+                          <a:schemeClr val="bg1"/>
+                        </a:buClr>
+                        <a:buFont typeface="Arial" pitchFamily="34" charset="0"/>
+                        <a:buChar char="•"/>
+                      </a:pPr>
+                      <a:r>
+                        <a:rPr lang="en-US" sz="1200" b="0" i="0" u="none" strike="noStrike" dirty="0" smtClean="0">
+                          <a:solidFill>
+                            <a:schemeClr val="bg1"/>
+                          </a:solidFill>
+                          <a:latin typeface="Times New Roman"/>
+                        </a:rPr>
+                        <a:t> The </a:t>
+                      </a:r>
+                      <a:r>
+                        <a:rPr lang="en-US" sz="1200" b="0" i="0" u="none" strike="noStrike" dirty="0">
+                          <a:solidFill>
+                            <a:schemeClr val="bg1"/>
+                          </a:solidFill>
+                          <a:latin typeface="Times New Roman"/>
+                        </a:rPr>
+                        <a:t>random number is also sent to the player object where it is used to move the player character across the tiles.</a:t>
+                      </a:r>
+                      <a:endParaRPr lang="en-US" dirty="0">
+                        <a:solidFill>
+                          <a:schemeClr val="bg1"/>
+                        </a:solidFill>
+                      </a:endParaRPr>
+                    </a:p>
+                  </a:txBody>
+                  <a:tcPr marL="53340" marR="53340" marT="53340" marB="53340">
+                    <a:lnL w="10157" cap="flat" cmpd="sng" algn="ctr">
+                      <a:solidFill>
+                        <a:srgbClr val="FFFFFF"/>
+                      </a:solidFill>
+                      <a:prstDash val="solid"/>
+                      <a:round/>
+                      <a:headEnd type="none" w="med" len="med"/>
+                      <a:tailEnd type="none" w="med" len="med"/>
+                    </a:lnL>
+                    <a:lnR w="10157" cap="flat" cmpd="sng" algn="ctr">
+                      <a:solidFill>
+                        <a:srgbClr val="FFFFFF"/>
+                      </a:solidFill>
+                      <a:prstDash val="solid"/>
+                      <a:round/>
+                      <a:headEnd type="none" w="med" len="med"/>
+                      <a:tailEnd type="none" w="med" len="med"/>
+                    </a:lnR>
+                    <a:lnT w="10157" cap="flat" cmpd="sng" algn="ctr">
+                      <a:solidFill>
+                        <a:srgbClr val="FFFFFF"/>
+                      </a:solidFill>
+                      <a:prstDash val="solid"/>
+                      <a:round/>
+                      <a:headEnd type="none" w="med" len="med"/>
+                      <a:tailEnd type="none" w="med" len="med"/>
+                    </a:lnT>
+                    <a:lnB w="10157" cap="flat" cmpd="sng" algn="ctr">
+                      <a:solidFill>
+                        <a:srgbClr val="FFFFFF"/>
+                      </a:solidFill>
+                      <a:prstDash val="solid"/>
+                      <a:round/>
+                      <a:headEnd type="none" w="med" len="med"/>
+                      <a:tailEnd type="none" w="med" len="med"/>
+                    </a:lnB>
+                  </a:tcPr>
+                </a:tc>
+              </a:tr>
+            </a:tbl>
+          </a:graphicData>
+        </a:graphic>
+      </p:graphicFrame>
+      <p:sp>
+        <p:nvSpPr>
+          <p:cNvPr id="44033" name="Rectangle 1"/>
+          <p:cNvSpPr>
+            <a:spLocks noChangeArrowheads="1"/>
+          </p:cNvSpPr>
+          <p:nvPr/>
+        </p:nvSpPr>
+        <p:spPr bwMode="auto">
+          <a:xfrm>
+            <a:off x="0" y="-556230"/>
+            <a:ext cx="2547492" cy="1569660"/>
+          </a:xfrm>
+          <a:prstGeom prst="rect">
+            <a:avLst/>
+          </a:prstGeom>
+          <a:noFill/>
+          <a:ln w="9525">
+            <a:noFill/>
+            <a:miter lim="800000"/>
+            <a:headEnd/>
+            <a:tailEnd/>
+          </a:ln>
+          <a:effectLst/>
+        </p:spPr>
+        <p:txBody>
+          <a:bodyPr vert="horz" wrap="none" lIns="91440" tIns="0" rIns="91440" bIns="0" numCol="1" anchor="ctr" anchorCtr="0" compatLnSpc="1">
+            <a:prstTxWarp prst="textNoShape">
+              <a:avLst/>
+            </a:prstTxWarp>
+            <a:spAutoFit/>
+          </a:bodyPr>
+          <a:lstStyle/>
+          <a:p>
+            <a:pPr marL="0" marR="0" lvl="0" indent="0" algn="l" defTabSz="914400" rtl="0" eaLnBrk="1" fontAlgn="base" latinLnBrk="0" hangingPunct="1">
+              <a:lnSpc>
+                <a:spcPct val="100000"/>
+              </a:lnSpc>
+              <a:spcBef>
+                <a:spcPct val="0"/>
+              </a:spcBef>
+              <a:spcAft>
+                <a:spcPct val="0"/>
+              </a:spcAft>
+              <a:buClrTx/>
+              <a:buSzTx/>
+              <a:buFontTx/>
+              <a:buNone/>
+              <a:tabLst/>
+            </a:pPr>
+            <a:r>
+              <a:rPr kumimoji="0" lang="en-US" sz="3000" b="0" i="0" u="none" strike="noStrike" cap="none" normalizeH="0" baseline="0" dirty="0" smtClean="0">
+                <a:ln>
+                  <a:noFill/>
+                </a:ln>
+                <a:solidFill>
+                  <a:srgbClr val="FFFFFF"/>
+                </a:solidFill>
+                <a:effectLst/>
+                <a:latin typeface="Times New Roman" pitchFamily="18" charset="0"/>
+                <a:cs typeface="Times New Roman" pitchFamily="18" charset="0"/>
+              </a:rPr>
+              <a:t>Current Design</a:t>
+            </a:r>
+            <a:endParaRPr kumimoji="0" lang="en-US" sz="600" b="0" i="0" u="none" strike="noStrike" cap="none" normalizeH="0" baseline="0" dirty="0" smtClean="0">
+              <a:ln>
+                <a:noFill/>
+              </a:ln>
+              <a:solidFill>
+                <a:schemeClr val="tx1"/>
+              </a:solidFill>
+              <a:effectLst/>
+              <a:latin typeface="Arial" pitchFamily="34" charset="0"/>
+              <a:cs typeface="Arial" pitchFamily="34" charset="0"/>
+            </a:endParaRPr>
+          </a:p>
+          <a:p>
+            <a:pPr marL="0" marR="0" lvl="0" indent="0" algn="l" defTabSz="914400" rtl="0" eaLnBrk="0" fontAlgn="base" latinLnBrk="0" hangingPunct="0">
+              <a:lnSpc>
+                <a:spcPct val="100000"/>
+              </a:lnSpc>
+              <a:spcBef>
+                <a:spcPct val="0"/>
+              </a:spcBef>
+              <a:spcAft>
+                <a:spcPct val="0"/>
+              </a:spcAft>
+              <a:buClrTx/>
+              <a:buSzTx/>
+              <a:buFontTx/>
+              <a:buNone/>
+              <a:tabLst/>
+            </a:pPr>
+            <a:r>
+              <a:rPr kumimoji="0" lang="en-US" sz="1800" b="0" i="0" u="none" strike="noStrike" cap="none" normalizeH="0" baseline="0" dirty="0" smtClean="0">
+                <a:ln>
+                  <a:noFill/>
+                </a:ln>
+                <a:solidFill>
+                  <a:schemeClr val="tx1"/>
+                </a:solidFill>
+                <a:effectLst/>
+                <a:latin typeface="Arial" pitchFamily="34" charset="0"/>
+                <a:cs typeface="Arial" pitchFamily="34" charset="0"/>
+              </a:rPr>
+              <a:t/>
+            </a:r>
+            <a:br>
+              <a:rPr kumimoji="0" lang="en-US" sz="1800" b="0" i="0" u="none" strike="noStrike" cap="none" normalizeH="0" baseline="0" dirty="0" smtClean="0">
+                <a:ln>
+                  <a:noFill/>
+                </a:ln>
+                <a:solidFill>
+                  <a:schemeClr val="tx1"/>
+                </a:solidFill>
+                <a:effectLst/>
+                <a:latin typeface="Arial" pitchFamily="34" charset="0"/>
+                <a:cs typeface="Arial" pitchFamily="34" charset="0"/>
+              </a:rPr>
+            </a:br>
+            <a:endParaRPr kumimoji="0" lang="en-US" sz="1800" b="0" i="0" u="none" strike="noStrike" cap="none" normalizeH="0" baseline="0" dirty="0" smtClean="0">
+              <a:ln>
+                <a:noFill/>
+              </a:ln>
+              <a:solidFill>
+                <a:schemeClr val="tx1"/>
+              </a:solidFill>
+              <a:effectLst/>
+              <a:latin typeface="Arial" pitchFamily="34" charset="0"/>
+              <a:cs typeface="Arial" pitchFamily="34" charset="0"/>
+            </a:endParaRPr>
+          </a:p>
+          <a:p>
+            <a:pPr marL="0" marR="0" lvl="0" indent="0" algn="l" defTabSz="914400" rtl="0" eaLnBrk="0" fontAlgn="base" latinLnBrk="0" hangingPunct="0">
+              <a:lnSpc>
+                <a:spcPct val="100000"/>
+              </a:lnSpc>
+              <a:spcBef>
+                <a:spcPct val="0"/>
+              </a:spcBef>
+              <a:spcAft>
+                <a:spcPct val="0"/>
+              </a:spcAft>
+              <a:buClrTx/>
+              <a:buSzTx/>
+              <a:buFontTx/>
+              <a:buNone/>
+              <a:tabLst/>
+            </a:pPr>
+            <a:r>
+              <a:rPr kumimoji="0" lang="en-US" sz="1800" b="0" i="0" u="none" strike="noStrike" cap="none" normalizeH="0" baseline="0" dirty="0" smtClean="0">
+                <a:ln>
+                  <a:noFill/>
+                </a:ln>
+                <a:solidFill>
+                  <a:schemeClr val="tx1"/>
+                </a:solidFill>
+                <a:effectLst/>
+                <a:latin typeface="Arial" pitchFamily="34" charset="0"/>
+                <a:cs typeface="Arial" pitchFamily="34" charset="0"/>
+              </a:rPr>
+              <a:t/>
+            </a:r>
+            <a:br>
+              <a:rPr kumimoji="0" lang="en-US" sz="1800" b="0" i="0" u="none" strike="noStrike" cap="none" normalizeH="0" baseline="0" dirty="0" smtClean="0">
+                <a:ln>
+                  <a:noFill/>
+                </a:ln>
+                <a:solidFill>
+                  <a:schemeClr val="tx1"/>
+                </a:solidFill>
+                <a:effectLst/>
+                <a:latin typeface="Arial" pitchFamily="34" charset="0"/>
+                <a:cs typeface="Arial" pitchFamily="34" charset="0"/>
+              </a:rPr>
+            </a:br>
+            <a:endParaRPr kumimoji="0" lang="en-US" sz="1800" b="0" i="0" u="none" strike="noStrike" cap="none" normalizeH="0" baseline="0" dirty="0" smtClean="0">
+              <a:ln>
+                <a:noFill/>
+              </a:ln>
+              <a:solidFill>
+                <a:schemeClr val="tx1"/>
+              </a:solidFill>
+              <a:effectLst/>
+              <a:latin typeface="Arial" pitchFamily="34" charset="0"/>
+              <a:cs typeface="Arial" pitchFamily="34" charset="0"/>
+            </a:endParaRPr>
+          </a:p>
+        </p:txBody>
+      </p:sp>
+    </p:spTree>
+  </p:cSld>
+  <p:clrMapOvr>
+    <a:masterClrMapping/>
+  </p:clrMapOvr>
+  <p:timing>
+    <p:tnLst>
+      <p:par>
+        <p:cTn id="1" dur="indefinite" restart="never" nodeType="tmRoot"/>
+      </p:par>
+    </p:tnLst>
+  </p:timing>
+</p:sld>
+</file>
+
+<file path=ppt/slides/slide14.xml><?xml version="1.0" encoding="utf-8"?>
+<p:sld xmlns:a="http://schemas.openxmlformats.org/drawingml/2006/main" xmlns:r="http://schemas.openxmlformats.org/officeDocument/2006/relationships" xmlns:p="http://schemas.openxmlformats.org/presentationml/2006/main">
+  <p:cSld>
+    <p:spTree>
+      <p:nvGrpSpPr>
+        <p:cNvPr id="1" name="Shape 214"/>
+        <p:cNvGrpSpPr/>
+        <p:nvPr/>
+      </p:nvGrpSpPr>
+      <p:grpSpPr>
+        <a:xfrm>
+          <a:off x="0" y="0"/>
+          <a:ext cx="0" cy="0"/>
+          <a:chOff x="0" y="0"/>
+          <a:chExt cx="0" cy="0"/>
+        </a:xfrm>
+      </p:grpSpPr>
+      <p:sp>
+        <p:nvSpPr>
+          <p:cNvPr id="215" name="Google Shape;215;p26"/>
+          <p:cNvSpPr txBox="1">
+            <a:spLocks noGrp="1"/>
+          </p:cNvSpPr>
           <p:nvPr>
             <p:ph type="title"/>
           </p:nvPr>
@@ -11299,521 +12027,12 @@
           </a:prstGeom>
         </p:spPr>
         <p:txBody>
-          <a:bodyPr anchorCtr="0" anchor="t" bIns="91425" lIns="91425" spcFirstLastPara="1" rIns="91425" wrap="square" tIns="91425">
+          <a:bodyPr spcFirstLastPara="1" wrap="square" lIns="91425" tIns="91425" rIns="91425" bIns="91425" anchor="t" anchorCtr="0">
             <a:noAutofit/>
           </a:bodyPr>
           <a:lstStyle/>
           <a:p>
-            <a:pPr indent="0" lvl="0" marL="0" rtl="0" algn="l">
-              <a:spcBef>
-                <a:spcPts val="0"/>
-              </a:spcBef>
-              <a:spcAft>
-                <a:spcPts val="0"/>
-              </a:spcAft>
-              <a:buNone/>
-            </a:pPr>
-            <a:r>
-              <a:rPr lang="en-GB" sz="3000">
-                <a:solidFill>
-                  <a:srgbClr val="FFFFFF"/>
-                </a:solidFill>
-                <a:latin typeface="Times New Roman"/>
-                <a:ea typeface="Times New Roman"/>
-                <a:cs typeface="Times New Roman"/>
-                <a:sym typeface="Times New Roman"/>
-              </a:rPr>
-              <a:t>Current Design</a:t>
-            </a:r>
-            <a:endParaRPr sz="3000">
-              <a:solidFill>
-                <a:srgbClr val="FFFFFF"/>
-              </a:solidFill>
-              <a:latin typeface="Times New Roman"/>
-              <a:ea typeface="Times New Roman"/>
-              <a:cs typeface="Times New Roman"/>
-              <a:sym typeface="Times New Roman"/>
-            </a:endParaRPr>
-          </a:p>
-        </p:txBody>
-      </p:sp>
-      <p:sp>
-        <p:nvSpPr>
-          <p:cNvPr id="209" name="Google Shape;209;p25"/>
-          <p:cNvSpPr txBox="1"/>
-          <p:nvPr>
-            <p:ph idx="1" type="body"/>
-          </p:nvPr>
-        </p:nvSpPr>
-        <p:spPr>
-          <a:xfrm>
-            <a:off x="1297500" y="1231375"/>
-            <a:ext cx="7038900" cy="2911200"/>
-          </a:xfrm>
-          <a:prstGeom prst="rect">
-            <a:avLst/>
-          </a:prstGeom>
-        </p:spPr>
-        <p:txBody>
-          <a:bodyPr anchorCtr="0" anchor="t" bIns="91425" lIns="91425" spcFirstLastPara="1" rIns="91425" wrap="square" tIns="91425">
-            <a:noAutofit/>
-          </a:bodyPr>
-          <a:lstStyle/>
-          <a:p>
-            <a:pPr indent="-342900" lvl="0" marL="457200" marR="0" rtl="0" algn="l">
-              <a:lnSpc>
-                <a:spcPct val="115000"/>
-              </a:lnSpc>
-              <a:spcBef>
-                <a:spcPts val="0"/>
-              </a:spcBef>
-              <a:spcAft>
-                <a:spcPts val="0"/>
-              </a:spcAft>
-              <a:buClr>
-                <a:srgbClr val="FFFFFF"/>
-              </a:buClr>
-              <a:buSzPts val="1800"/>
-              <a:buFont typeface="Times New Roman"/>
-              <a:buChar char="●"/>
-            </a:pPr>
-            <a:r>
-              <a:rPr lang="en-GB" sz="1400">
-                <a:solidFill>
-                  <a:srgbClr val="FFFFFF"/>
-                </a:solidFill>
-                <a:latin typeface="Times New Roman"/>
-                <a:ea typeface="Times New Roman"/>
-                <a:cs typeface="Times New Roman"/>
-                <a:sym typeface="Times New Roman"/>
-              </a:rPr>
-              <a:t>Game Input and Output</a:t>
-            </a:r>
-            <a:endParaRPr sz="1400">
-              <a:solidFill>
-                <a:srgbClr val="FFFFFF"/>
-              </a:solidFill>
-              <a:latin typeface="Times New Roman"/>
-              <a:ea typeface="Times New Roman"/>
-              <a:cs typeface="Times New Roman"/>
-              <a:sym typeface="Times New Roman"/>
-            </a:endParaRPr>
-          </a:p>
-          <a:p>
-            <a:pPr indent="0" lvl="0" marL="914400" rtl="0" algn="l">
-              <a:spcBef>
-                <a:spcPts val="0"/>
-              </a:spcBef>
-              <a:spcAft>
-                <a:spcPts val="1600"/>
-              </a:spcAft>
-              <a:buNone/>
-            </a:pPr>
-            <a:r>
-              <a:t/>
-            </a:r>
-            <a:endParaRPr sz="1400">
-              <a:solidFill>
-                <a:srgbClr val="FFFFFF"/>
-              </a:solidFill>
-              <a:latin typeface="Times New Roman"/>
-              <a:ea typeface="Times New Roman"/>
-              <a:cs typeface="Times New Roman"/>
-              <a:sym typeface="Times New Roman"/>
-            </a:endParaRPr>
-          </a:p>
-        </p:txBody>
-      </p:sp>
-      <p:graphicFrame>
-        <p:nvGraphicFramePr>
-          <p:cNvPr id="210" name="Google Shape;210;p25"/>
-          <p:cNvGraphicFramePr/>
-          <p:nvPr/>
-        </p:nvGraphicFramePr>
-        <p:xfrm>
-          <a:off x="1693125" y="1893938"/>
-          <a:ext cx="3000000" cy="3000000"/>
-        </p:xfrm>
-        <a:graphic>
-          <a:graphicData uri="http://schemas.openxmlformats.org/drawingml/2006/table">
-            <a:tbl>
-              <a:tblPr>
-                <a:noFill/>
-                <a:tableStyleId>{DC3C4FAE-B033-4A71-8E56-459BC6635B79}</a:tableStyleId>
-              </a:tblPr>
-              <a:tblGrid>
-                <a:gridCol w="2971800"/>
-                <a:gridCol w="2971800"/>
-              </a:tblGrid>
-              <a:tr h="12700">
-                <a:tc>
-                  <a:txBody>
-                    <a:bodyPr>
-                      <a:noAutofit/>
-                    </a:bodyPr>
-                    <a:lstStyle/>
-                    <a:p>
-                      <a:pPr indent="0" lvl="0" marL="0" rtl="0" algn="l">
-                        <a:spcBef>
-                          <a:spcPts val="0"/>
-                        </a:spcBef>
-                        <a:spcAft>
-                          <a:spcPts val="0"/>
-                        </a:spcAft>
-                        <a:buNone/>
-                      </a:pPr>
-                      <a:r>
-                        <a:rPr b="1" lang="en-GB" sz="1200">
-                          <a:solidFill>
-                            <a:srgbClr val="FFFFFF"/>
-                          </a:solidFill>
-                          <a:latin typeface="Times New Roman"/>
-                          <a:ea typeface="Times New Roman"/>
-                          <a:cs typeface="Times New Roman"/>
-                          <a:sym typeface="Times New Roman"/>
-                        </a:rPr>
-                        <a:t>Input</a:t>
-                      </a:r>
-                      <a:endParaRPr b="1" sz="1200">
-                        <a:solidFill>
-                          <a:srgbClr val="FFFFFF"/>
-                        </a:solidFill>
-                        <a:latin typeface="Times New Roman"/>
-                        <a:ea typeface="Times New Roman"/>
-                        <a:cs typeface="Times New Roman"/>
-                        <a:sym typeface="Times New Roman"/>
-                      </a:endParaRPr>
-                    </a:p>
-                  </a:txBody>
-                  <a:tcPr marT="63500" marB="63500" marR="63500" marL="63500">
-                    <a:lnL cap="flat" cmpd="sng" w="12700">
-                      <a:solidFill>
-                        <a:srgbClr val="FFFFFF"/>
-                      </a:solidFill>
-                      <a:prstDash val="solid"/>
-                      <a:round/>
-                      <a:headEnd len="sm" w="sm" type="none"/>
-                      <a:tailEnd len="sm" w="sm" type="none"/>
-                    </a:lnL>
-                    <a:lnR cap="flat" cmpd="sng" w="12700">
-                      <a:solidFill>
-                        <a:srgbClr val="FFFFFF"/>
-                      </a:solidFill>
-                      <a:prstDash val="solid"/>
-                      <a:round/>
-                      <a:headEnd len="sm" w="sm" type="none"/>
-                      <a:tailEnd len="sm" w="sm" type="none"/>
-                    </a:lnR>
-                    <a:lnT cap="flat" cmpd="sng" w="12700">
-                      <a:solidFill>
-                        <a:srgbClr val="FFFFFF"/>
-                      </a:solidFill>
-                      <a:prstDash val="solid"/>
-                      <a:round/>
-                      <a:headEnd len="sm" w="sm" type="none"/>
-                      <a:tailEnd len="sm" w="sm" type="none"/>
-                    </a:lnT>
-                    <a:lnB cap="flat" cmpd="sng" w="12700">
-                      <a:solidFill>
-                        <a:srgbClr val="FFFFFF"/>
-                      </a:solidFill>
-                      <a:prstDash val="solid"/>
-                      <a:round/>
-                      <a:headEnd len="sm" w="sm" type="none"/>
-                      <a:tailEnd len="sm" w="sm" type="none"/>
-                    </a:lnB>
-                  </a:tcPr>
-                </a:tc>
-                <a:tc>
-                  <a:txBody>
-                    <a:bodyPr>
-                      <a:noAutofit/>
-                    </a:bodyPr>
-                    <a:lstStyle/>
-                    <a:p>
-                      <a:pPr indent="0" lvl="0" marL="0" rtl="0" algn="l">
-                        <a:spcBef>
-                          <a:spcPts val="0"/>
-                        </a:spcBef>
-                        <a:spcAft>
-                          <a:spcPts val="0"/>
-                        </a:spcAft>
-                        <a:buNone/>
-                      </a:pPr>
-                      <a:r>
-                        <a:rPr b="1" lang="en-GB" sz="1200">
-                          <a:solidFill>
-                            <a:srgbClr val="FFFFFF"/>
-                          </a:solidFill>
-                          <a:latin typeface="Times New Roman"/>
-                          <a:ea typeface="Times New Roman"/>
-                          <a:cs typeface="Times New Roman"/>
-                          <a:sym typeface="Times New Roman"/>
-                        </a:rPr>
-                        <a:t>Output</a:t>
-                      </a:r>
-                      <a:endParaRPr b="1" sz="1200">
-                        <a:solidFill>
-                          <a:srgbClr val="FFFFFF"/>
-                        </a:solidFill>
-                        <a:latin typeface="Times New Roman"/>
-                        <a:ea typeface="Times New Roman"/>
-                        <a:cs typeface="Times New Roman"/>
-                        <a:sym typeface="Times New Roman"/>
-                      </a:endParaRPr>
-                    </a:p>
-                  </a:txBody>
-                  <a:tcPr marT="63500" marB="63500" marR="63500" marL="63500">
-                    <a:lnL cap="flat" cmpd="sng" w="12700">
-                      <a:solidFill>
-                        <a:srgbClr val="FFFFFF"/>
-                      </a:solidFill>
-                      <a:prstDash val="solid"/>
-                      <a:round/>
-                      <a:headEnd len="sm" w="sm" type="none"/>
-                      <a:tailEnd len="sm" w="sm" type="none"/>
-                    </a:lnL>
-                    <a:lnR cap="flat" cmpd="sng" w="12700">
-                      <a:solidFill>
-                        <a:srgbClr val="FFFFFF"/>
-                      </a:solidFill>
-                      <a:prstDash val="solid"/>
-                      <a:round/>
-                      <a:headEnd len="sm" w="sm" type="none"/>
-                      <a:tailEnd len="sm" w="sm" type="none"/>
-                    </a:lnR>
-                    <a:lnT cap="flat" cmpd="sng" w="12700">
-                      <a:solidFill>
-                        <a:srgbClr val="FFFFFF"/>
-                      </a:solidFill>
-                      <a:prstDash val="solid"/>
-                      <a:round/>
-                      <a:headEnd len="sm" w="sm" type="none"/>
-                      <a:tailEnd len="sm" w="sm" type="none"/>
-                    </a:lnT>
-                    <a:lnB cap="flat" cmpd="sng" w="12700">
-                      <a:solidFill>
-                        <a:srgbClr val="FFFFFF"/>
-                      </a:solidFill>
-                      <a:prstDash val="solid"/>
-                      <a:round/>
-                      <a:headEnd len="sm" w="sm" type="none"/>
-                      <a:tailEnd len="sm" w="sm" type="none"/>
-                    </a:lnB>
-                  </a:tcPr>
-                </a:tc>
-              </a:tr>
-              <a:tr h="12700">
-                <a:tc>
-                  <a:txBody>
-                    <a:bodyPr>
-                      <a:noAutofit/>
-                    </a:bodyPr>
-                    <a:lstStyle/>
-                    <a:p>
-                      <a:pPr indent="0" lvl="0" marL="0" rtl="0" algn="l">
-                        <a:spcBef>
-                          <a:spcPts val="0"/>
-                        </a:spcBef>
-                        <a:spcAft>
-                          <a:spcPts val="0"/>
-                        </a:spcAft>
-                        <a:buNone/>
-                      </a:pPr>
-                      <a:r>
-                        <a:rPr lang="en-GB" sz="1200">
-                          <a:solidFill>
-                            <a:srgbClr val="FFFFFF"/>
-                          </a:solidFill>
-                          <a:latin typeface="Times New Roman"/>
-                          <a:ea typeface="Times New Roman"/>
-                          <a:cs typeface="Times New Roman"/>
-                          <a:sym typeface="Times New Roman"/>
-                        </a:rPr>
-                        <a:t>Player clicks on the dice</a:t>
-                      </a:r>
-                      <a:endParaRPr sz="1200">
-                        <a:solidFill>
-                          <a:srgbClr val="FFFFFF"/>
-                        </a:solidFill>
-                        <a:latin typeface="Times New Roman"/>
-                        <a:ea typeface="Times New Roman"/>
-                        <a:cs typeface="Times New Roman"/>
-                        <a:sym typeface="Times New Roman"/>
-                      </a:endParaRPr>
-                    </a:p>
-                  </a:txBody>
-                  <a:tcPr marT="63500" marB="63500" marR="63500" marL="63500">
-                    <a:lnL cap="flat" cmpd="sng" w="12700">
-                      <a:solidFill>
-                        <a:srgbClr val="FFFFFF"/>
-                      </a:solidFill>
-                      <a:prstDash val="solid"/>
-                      <a:round/>
-                      <a:headEnd len="sm" w="sm" type="none"/>
-                      <a:tailEnd len="sm" w="sm" type="none"/>
-                    </a:lnL>
-                    <a:lnR cap="flat" cmpd="sng" w="12700">
-                      <a:solidFill>
-                        <a:srgbClr val="FFFFFF"/>
-                      </a:solidFill>
-                      <a:prstDash val="solid"/>
-                      <a:round/>
-                      <a:headEnd len="sm" w="sm" type="none"/>
-                      <a:tailEnd len="sm" w="sm" type="none"/>
-                    </a:lnR>
-                    <a:lnT cap="flat" cmpd="sng" w="12700">
-                      <a:solidFill>
-                        <a:srgbClr val="FFFFFF"/>
-                      </a:solidFill>
-                      <a:prstDash val="solid"/>
-                      <a:round/>
-                      <a:headEnd len="sm" w="sm" type="none"/>
-                      <a:tailEnd len="sm" w="sm" type="none"/>
-                    </a:lnT>
-                    <a:lnB cap="flat" cmpd="sng" w="12700">
-                      <a:solidFill>
-                        <a:srgbClr val="FFFFFF"/>
-                      </a:solidFill>
-                      <a:prstDash val="solid"/>
-                      <a:round/>
-                      <a:headEnd len="sm" w="sm" type="none"/>
-                      <a:tailEnd len="sm" w="sm" type="none"/>
-                    </a:lnB>
-                  </a:tcPr>
-                </a:tc>
-                <a:tc>
-                  <a:txBody>
-                    <a:bodyPr>
-                      <a:noAutofit/>
-                    </a:bodyPr>
-                    <a:lstStyle/>
-                    <a:p>
-                      <a:pPr indent="0" lvl="0" marL="0" rtl="0" algn="l">
-                        <a:spcBef>
-                          <a:spcPts val="0"/>
-                        </a:spcBef>
-                        <a:spcAft>
-                          <a:spcPts val="0"/>
-                        </a:spcAft>
-                        <a:buNone/>
-                      </a:pPr>
-                      <a:r>
-                        <a:rPr lang="en-GB" sz="1200">
-                          <a:solidFill>
-                            <a:srgbClr val="FFFFFF"/>
-                          </a:solidFill>
-                          <a:latin typeface="Times New Roman"/>
-                          <a:ea typeface="Times New Roman"/>
-                          <a:cs typeface="Times New Roman"/>
-                          <a:sym typeface="Times New Roman"/>
-                        </a:rPr>
-                        <a:t>A roll-dice signal is sent to the dice object which changes its state from DiceStart to DiceRoll. After one iteration of DiceRoll state animation, a random number is generated between 1 and 6. The number is then sent as a signal to the dice object again. Depending upon the number received, the dice changes its face. The random number is also sent to the player object where it is used to move the player character across the tiles.</a:t>
-                      </a:r>
-                      <a:endParaRPr sz="1200">
-                        <a:solidFill>
-                          <a:srgbClr val="FFFFFF"/>
-                        </a:solidFill>
-                        <a:latin typeface="Times New Roman"/>
-                        <a:ea typeface="Times New Roman"/>
-                        <a:cs typeface="Times New Roman"/>
-                        <a:sym typeface="Times New Roman"/>
-                      </a:endParaRPr>
-                    </a:p>
-                  </a:txBody>
-                  <a:tcPr marT="63500" marB="63500" marR="63500" marL="63500">
-                    <a:lnL cap="flat" cmpd="sng" w="12700">
-                      <a:solidFill>
-                        <a:srgbClr val="FFFFFF"/>
-                      </a:solidFill>
-                      <a:prstDash val="solid"/>
-                      <a:round/>
-                      <a:headEnd len="sm" w="sm" type="none"/>
-                      <a:tailEnd len="sm" w="sm" type="none"/>
-                    </a:lnL>
-                    <a:lnR cap="flat" cmpd="sng" w="12700">
-                      <a:solidFill>
-                        <a:srgbClr val="FFFFFF"/>
-                      </a:solidFill>
-                      <a:prstDash val="solid"/>
-                      <a:round/>
-                      <a:headEnd len="sm" w="sm" type="none"/>
-                      <a:tailEnd len="sm" w="sm" type="none"/>
-                    </a:lnR>
-                    <a:lnT cap="flat" cmpd="sng" w="12700">
-                      <a:solidFill>
-                        <a:srgbClr val="FFFFFF"/>
-                      </a:solidFill>
-                      <a:prstDash val="solid"/>
-                      <a:round/>
-                      <a:headEnd len="sm" w="sm" type="none"/>
-                      <a:tailEnd len="sm" w="sm" type="none"/>
-                    </a:lnT>
-                    <a:lnB cap="flat" cmpd="sng" w="12700">
-                      <a:solidFill>
-                        <a:srgbClr val="FFFFFF"/>
-                      </a:solidFill>
-                      <a:prstDash val="solid"/>
-                      <a:round/>
-                      <a:headEnd len="sm" w="sm" type="none"/>
-                      <a:tailEnd len="sm" w="sm" type="none"/>
-                    </a:lnB>
-                  </a:tcPr>
-                </a:tc>
-              </a:tr>
-            </a:tbl>
-          </a:graphicData>
-        </a:graphic>
-      </p:graphicFrame>
-    </p:spTree>
-  </p:cSld>
-  <p:clrMapOvr>
-    <a:masterClrMapping/>
-  </p:clrMapOvr>
-</p:sld>
-</file>
-
-<file path=ppt/slides/slide14.xml><?xml version="1.0" encoding="utf-8"?>
-<p:sld xmlns:a="http://schemas.openxmlformats.org/drawingml/2006/main" xmlns:r="http://schemas.openxmlformats.org/officeDocument/2006/relationships" xmlns:mc="http://schemas.openxmlformats.org/markup-compatibility/2006" xmlns:mv="urn:schemas-microsoft-com:mac:vml" xmlns:p="http://schemas.openxmlformats.org/presentationml/2006/main" xmlns:c="http://schemas.openxmlformats.org/drawingml/2006/chart" xmlns:dgm="http://schemas.openxmlformats.org/drawingml/2006/diagram" xmlns:o="urn:schemas-microsoft-com:office:office" xmlns:v="urn:schemas-microsoft-com:vml" xmlns:pvml="urn:schemas-microsoft-com:office:powerpoint" xmlns:com="http://schemas.openxmlformats.org/drawingml/2006/compatibility" xmlns:p14="http://schemas.microsoft.com/office/powerpoint/2010/main" xmlns:p15="http://schemas.microsoft.com/office/powerpoint/2012/main">
-  <p:cSld>
-    <p:spTree>
-      <p:nvGrpSpPr>
-        <p:cNvPr id="214" name="Shape 214"/>
-        <p:cNvGrpSpPr/>
-        <p:nvPr/>
-      </p:nvGrpSpPr>
-      <p:grpSpPr>
-        <a:xfrm>
-          <a:off x="0" y="0"/>
-          <a:ext cx="0" cy="0"/>
-          <a:chOff x="0" y="0"/>
-          <a:chExt cx="0" cy="0"/>
-        </a:xfrm>
-      </p:grpSpPr>
-      <p:sp>
-        <p:nvSpPr>
-          <p:cNvPr id="215" name="Google Shape;215;p26"/>
-          <p:cNvSpPr txBox="1"/>
-          <p:nvPr>
-            <p:ph type="title"/>
-          </p:nvPr>
-        </p:nvSpPr>
-        <p:spPr>
-          <a:xfrm>
-            <a:off x="1297500" y="449800"/>
-            <a:ext cx="7038900" cy="914100"/>
-          </a:xfrm>
-          <a:prstGeom prst="rect">
-            <a:avLst/>
-          </a:prstGeom>
-        </p:spPr>
-        <p:txBody>
-          <a:bodyPr anchorCtr="0" anchor="t" bIns="91425" lIns="91425" spcFirstLastPara="1" rIns="91425" wrap="square" tIns="91425">
-            <a:noAutofit/>
-          </a:bodyPr>
-          <a:lstStyle/>
-          <a:p>
-            <a:pPr indent="0" lvl="0" marL="0" rtl="0" algn="l">
+            <a:pPr marL="0" lvl="0" indent="0" algn="l" rtl="0">
               <a:spcBef>
                 <a:spcPts val="0"/>
               </a:spcBef>
@@ -11849,9 +12068,11 @@
       <p:sp>
         <p:nvSpPr>
           <p:cNvPr id="216" name="Google Shape;216;p26"/>
-          <p:cNvSpPr txBox="1"/>
+          <p:cNvSpPr txBox="1">
+            <a:spLocks noGrp="1"/>
+          </p:cNvSpPr>
           <p:nvPr>
-            <p:ph idx="1" type="body"/>
+            <p:ph type="body" idx="1"/>
           </p:nvPr>
         </p:nvSpPr>
         <p:spPr>
@@ -11864,12 +12085,12 @@
           </a:prstGeom>
         </p:spPr>
         <p:txBody>
-          <a:bodyPr anchorCtr="0" anchor="t" bIns="91425" lIns="91425" spcFirstLastPara="1" rIns="91425" wrap="square" tIns="91425">
+          <a:bodyPr spcFirstLastPara="1" wrap="square" lIns="91425" tIns="91425" rIns="91425" bIns="91425" anchor="t" anchorCtr="0">
             <a:noAutofit/>
           </a:bodyPr>
           <a:lstStyle/>
           <a:p>
-            <a:pPr indent="0" lvl="0" marL="0" rtl="0" algn="l">
+            <a:pPr marL="0" lvl="0" indent="0" algn="l" rtl="0">
               <a:lnSpc>
                 <a:spcPct val="115000"/>
               </a:lnSpc>
@@ -11887,7 +12108,7 @@
               <a:buNone/>
             </a:pPr>
             <a:r>
-              <a:rPr b="1" lang="en-GB" sz="1800">
+              <a:rPr lang="en-GB" sz="1800" b="1">
                 <a:solidFill>
                   <a:srgbClr val="FFFFFF"/>
                 </a:solidFill>
@@ -11898,7 +12119,7 @@
               </a:rPr>
               <a:t>Codes and scripts files </a:t>
             </a:r>
-            <a:endParaRPr b="1" sz="1800">
+            <a:endParaRPr sz="1800" b="1">
               <a:solidFill>
                 <a:srgbClr val="FFFFFF"/>
               </a:solidFill>
@@ -11909,7 +12130,7 @@
             </a:endParaRPr>
           </a:p>
           <a:p>
-            <a:pPr indent="0" lvl="0" marL="0" rtl="0" algn="l">
+            <a:pPr marL="0" lvl="0" indent="0" algn="l" rtl="0">
               <a:lnSpc>
                 <a:spcPct val="115000"/>
               </a:lnSpc>
@@ -11949,7 +12170,7 @@
             </a:endParaRPr>
           </a:p>
           <a:p>
-            <a:pPr indent="0" lvl="0" marL="0" rtl="0" algn="l">
+            <a:pPr marL="0" lvl="0" indent="0" algn="l" rtl="0">
               <a:lnSpc>
                 <a:spcPct val="115000"/>
               </a:lnSpc>
@@ -11966,10 +12187,7 @@
               <a:buFont typeface="Arial"/>
               <a:buNone/>
             </a:pPr>
-            <a:r>
-              <a:t/>
-            </a:r>
-            <a:endParaRPr b="1" sz="1400">
+            <a:endParaRPr sz="1400" b="1">
               <a:solidFill>
                 <a:srgbClr val="FFFFFF"/>
               </a:solidFill>
@@ -11980,7 +12198,7 @@
             </a:endParaRPr>
           </a:p>
           <a:p>
-            <a:pPr indent="0" lvl="0" marL="0" rtl="0" algn="l">
+            <a:pPr marL="0" lvl="0" indent="0" algn="l" rtl="0">
               <a:lnSpc>
                 <a:spcPct val="115000"/>
               </a:lnSpc>
@@ -11998,7 +12216,7 @@
               <a:buNone/>
             </a:pPr>
             <a:r>
-              <a:rPr b="1" lang="en-GB" sz="1800">
+              <a:rPr lang="en-GB" sz="1800" b="1">
                 <a:solidFill>
                   <a:srgbClr val="FFFFFF"/>
                 </a:solidFill>
@@ -12020,7 +12238,7 @@
             </a:endParaRPr>
           </a:p>
           <a:p>
-            <a:pPr indent="0" lvl="0" marL="0" rtl="0" algn="l">
+            <a:pPr marL="0" lvl="0" indent="0" algn="l" rtl="0">
               <a:lnSpc>
                 <a:spcPct val="115000"/>
               </a:lnSpc>
@@ -12070,11 +12288,11 @@
               <a:ea typeface="Times New Roman"/>
               <a:cs typeface="Times New Roman"/>
               <a:sym typeface="Times New Roman"/>
-              <a:hlinkClick r:id="rId4"/>
+              <a:hlinkClick r:id="rId3"/>
             </a:endParaRPr>
           </a:p>
           <a:p>
-            <a:pPr indent="0" lvl="0" marL="0" rtl="0" algn="l">
+            <a:pPr marL="0" lvl="0" indent="0" algn="l" rtl="0">
               <a:lnSpc>
                 <a:spcPct val="115000"/>
               </a:lnSpc>
@@ -12112,7 +12330,7 @@
                 <a:ea typeface="Times New Roman"/>
                 <a:cs typeface="Times New Roman"/>
                 <a:sym typeface="Times New Roman"/>
-                <a:hlinkClick r:id="rId5"/>
+                <a:hlinkClick r:id="rId4"/>
               </a:rPr>
               <a:t>https://web.archive.org/web/20120907013112/http://www.harrogate-scene.com/vintagegames/pdfs/game%20of%20life1.pdf</a:t>
             </a:r>
@@ -12127,7 +12345,7 @@
             </a:endParaRPr>
           </a:p>
           <a:p>
-            <a:pPr indent="0" lvl="0" marL="0" rtl="0" algn="l">
+            <a:pPr marL="0" lvl="0" indent="0" algn="l" rtl="0">
               <a:lnSpc>
                 <a:spcPct val="115000"/>
               </a:lnSpc>
@@ -12165,7 +12383,7 @@
                 <a:ea typeface="Times New Roman"/>
                 <a:cs typeface="Times New Roman"/>
                 <a:sym typeface="Times New Roman"/>
-                <a:hlinkClick r:id="rId6"/>
+                <a:hlinkClick r:id="rId5"/>
               </a:rPr>
               <a:t>https://howdoyouplayit.com/trouble-game-rules-play-trouble/</a:t>
             </a:r>
@@ -12192,7 +12410,7 @@
             </a:endParaRPr>
           </a:p>
           <a:p>
-            <a:pPr indent="0" lvl="0" marL="0" rtl="0" algn="l">
+            <a:pPr marL="0" lvl="0" indent="0" algn="l" rtl="0">
               <a:spcBef>
                 <a:spcPts val="0"/>
               </a:spcBef>
@@ -12201,9 +12419,6 @@
               </a:spcAft>
               <a:buNone/>
             </a:pPr>
-            <a:r>
-              <a:t/>
-            </a:r>
             <a:endParaRPr sz="1400">
               <a:solidFill>
                 <a:srgbClr val="FFFFFF"/>
@@ -12221,15 +12436,22 @@
   <p:clrMapOvr>
     <a:masterClrMapping/>
   </p:clrMapOvr>
+  <p:timing>
+    <p:tnLst>
+      <p:par>
+        <p:cTn id="1" dur="indefinite" restart="never" nodeType="tmRoot"/>
+      </p:par>
+    </p:tnLst>
+  </p:timing>
 </p:sld>
 </file>
 
 <file path=ppt/slides/slide15.xml><?xml version="1.0" encoding="utf-8"?>
-<p:sld xmlns:a="http://schemas.openxmlformats.org/drawingml/2006/main" xmlns:r="http://schemas.openxmlformats.org/officeDocument/2006/relationships" xmlns:mc="http://schemas.openxmlformats.org/markup-compatibility/2006" xmlns:mv="urn:schemas-microsoft-com:mac:vml" xmlns:p="http://schemas.openxmlformats.org/presentationml/2006/main" xmlns:c="http://schemas.openxmlformats.org/drawingml/2006/chart" xmlns:dgm="http://schemas.openxmlformats.org/drawingml/2006/diagram" xmlns:o="urn:schemas-microsoft-com:office:office" xmlns:v="urn:schemas-microsoft-com:vml" xmlns:pvml="urn:schemas-microsoft-com:office:powerpoint" xmlns:com="http://schemas.openxmlformats.org/drawingml/2006/compatibility" xmlns:p14="http://schemas.microsoft.com/office/powerpoint/2010/main" xmlns:p15="http://schemas.microsoft.com/office/powerpoint/2012/main">
+<p:sld xmlns:a="http://schemas.openxmlformats.org/drawingml/2006/main" xmlns:r="http://schemas.openxmlformats.org/officeDocument/2006/relationships" xmlns:p="http://schemas.openxmlformats.org/presentationml/2006/main">
   <p:cSld>
     <p:spTree>
       <p:nvGrpSpPr>
-        <p:cNvPr id="220" name="Shape 220"/>
+        <p:cNvPr id="1" name="Shape 220"/>
         <p:cNvGrpSpPr/>
         <p:nvPr/>
       </p:nvGrpSpPr>
@@ -12244,7 +12466,9 @@
       <p:sp>
         <p:nvSpPr>
           <p:cNvPr id="221" name="Google Shape;221;p27"/>
-          <p:cNvSpPr txBox="1"/>
+          <p:cNvSpPr txBox="1">
+            <a:spLocks noGrp="1"/>
+          </p:cNvSpPr>
           <p:nvPr>
             <p:ph type="title"/>
           </p:nvPr>
@@ -12259,12 +12483,12 @@
           </a:prstGeom>
         </p:spPr>
         <p:txBody>
-          <a:bodyPr anchorCtr="0" anchor="t" bIns="91425" lIns="91425" spcFirstLastPara="1" rIns="91425" wrap="square" tIns="91425">
+          <a:bodyPr spcFirstLastPara="1" wrap="square" lIns="91425" tIns="91425" rIns="91425" bIns="91425" anchor="t" anchorCtr="0">
             <a:noAutofit/>
           </a:bodyPr>
           <a:lstStyle/>
           <a:p>
-            <a:pPr indent="0" lvl="0" marL="0" marR="0" rtl="0" algn="l">
+            <a:pPr marL="0" marR="0" lvl="0" indent="0" algn="l" rtl="0">
               <a:lnSpc>
                 <a:spcPct val="100000"/>
               </a:lnSpc>
@@ -12316,9 +12540,11 @@
       <p:sp>
         <p:nvSpPr>
           <p:cNvPr id="222" name="Google Shape;222;p27"/>
-          <p:cNvSpPr txBox="1"/>
+          <p:cNvSpPr txBox="1">
+            <a:spLocks noGrp="1"/>
+          </p:cNvSpPr>
           <p:nvPr>
-            <p:ph idx="1" type="body"/>
+            <p:ph type="body" idx="1"/>
           </p:nvPr>
         </p:nvSpPr>
         <p:spPr>
@@ -12331,12 +12557,12 @@
           </a:prstGeom>
         </p:spPr>
         <p:txBody>
-          <a:bodyPr anchorCtr="0" anchor="t" bIns="91425" lIns="91425" spcFirstLastPara="1" rIns="91425" wrap="square" tIns="91425">
+          <a:bodyPr spcFirstLastPara="1" wrap="square" lIns="91425" tIns="91425" rIns="91425" bIns="91425" anchor="t" anchorCtr="0">
             <a:noAutofit/>
           </a:bodyPr>
           <a:lstStyle/>
           <a:p>
-            <a:pPr indent="0" lvl="0" marL="0" rtl="0" algn="l">
+            <a:pPr marL="0" lvl="0" indent="0" algn="l" rtl="0">
               <a:spcBef>
                 <a:spcPts val="0"/>
               </a:spcBef>
@@ -12372,11 +12598,11 @@
 </file>
 
 <file path=ppt/slides/slide2.xml><?xml version="1.0" encoding="utf-8"?>
-<p:sld xmlns:a="http://schemas.openxmlformats.org/drawingml/2006/main" xmlns:r="http://schemas.openxmlformats.org/officeDocument/2006/relationships" xmlns:mc="http://schemas.openxmlformats.org/markup-compatibility/2006" xmlns:mv="urn:schemas-microsoft-com:mac:vml" xmlns:p="http://schemas.openxmlformats.org/presentationml/2006/main" xmlns:c="http://schemas.openxmlformats.org/drawingml/2006/chart" xmlns:dgm="http://schemas.openxmlformats.org/drawingml/2006/diagram" xmlns:o="urn:schemas-microsoft-com:office:office" xmlns:v="urn:schemas-microsoft-com:vml" xmlns:pvml="urn:schemas-microsoft-com:office:powerpoint" xmlns:com="http://schemas.openxmlformats.org/drawingml/2006/compatibility" xmlns:p14="http://schemas.microsoft.com/office/powerpoint/2010/main" xmlns:p15="http://schemas.microsoft.com/office/powerpoint/2012/main">
+<p:sld xmlns:a="http://schemas.openxmlformats.org/drawingml/2006/main" xmlns:r="http://schemas.openxmlformats.org/officeDocument/2006/relationships" xmlns:p="http://schemas.openxmlformats.org/presentationml/2006/main">
   <p:cSld>
     <p:spTree>
       <p:nvGrpSpPr>
-        <p:cNvPr id="139" name="Shape 139"/>
+        <p:cNvPr id="1" name="Shape 139"/>
         <p:cNvGrpSpPr/>
         <p:nvPr/>
       </p:nvGrpSpPr>
@@ -12391,7 +12617,9 @@
       <p:sp>
         <p:nvSpPr>
           <p:cNvPr id="140" name="Google Shape;140;p14"/>
-          <p:cNvSpPr txBox="1"/>
+          <p:cNvSpPr txBox="1">
+            <a:spLocks noGrp="1"/>
+          </p:cNvSpPr>
           <p:nvPr>
             <p:ph type="title"/>
           </p:nvPr>
@@ -12406,12 +12634,12 @@
           </a:prstGeom>
         </p:spPr>
         <p:txBody>
-          <a:bodyPr anchorCtr="0" anchor="t" bIns="91425" lIns="91425" spcFirstLastPara="1" rIns="91425" wrap="square" tIns="91425">
+          <a:bodyPr spcFirstLastPara="1" wrap="square" lIns="91425" tIns="91425" rIns="91425" bIns="91425" anchor="t" anchorCtr="0">
             <a:noAutofit/>
           </a:bodyPr>
           <a:lstStyle/>
           <a:p>
-            <a:pPr indent="0" lvl="0" marL="0" rtl="0" algn="l">
+            <a:pPr marL="0" lvl="0" indent="0" algn="l" rtl="0">
               <a:spcBef>
                 <a:spcPts val="0"/>
               </a:spcBef>
@@ -12441,9 +12669,11 @@
       <p:sp>
         <p:nvSpPr>
           <p:cNvPr id="141" name="Google Shape;141;p14"/>
-          <p:cNvSpPr txBox="1"/>
+          <p:cNvSpPr txBox="1">
+            <a:spLocks noGrp="1"/>
+          </p:cNvSpPr>
           <p:nvPr>
-            <p:ph idx="1" type="body"/>
+            <p:ph type="body" idx="1"/>
           </p:nvPr>
         </p:nvSpPr>
         <p:spPr>
@@ -12456,12 +12686,12 @@
           </a:prstGeom>
         </p:spPr>
         <p:txBody>
-          <a:bodyPr anchorCtr="0" anchor="t" bIns="91425" lIns="91425" spcFirstLastPara="1" rIns="91425" wrap="square" tIns="91425">
+          <a:bodyPr spcFirstLastPara="1" wrap="square" lIns="91425" tIns="91425" rIns="91425" bIns="91425" anchor="t" anchorCtr="0">
             <a:noAutofit/>
           </a:bodyPr>
           <a:lstStyle/>
           <a:p>
-            <a:pPr indent="0" lvl="0" marL="0" rtl="0" algn="l">
+            <a:pPr marL="0" lvl="0" indent="0" algn="l" rtl="0">
               <a:lnSpc>
                 <a:spcPct val="115000"/>
               </a:lnSpc>
@@ -12511,11 +12741,11 @@
 </file>
 
 <file path=ppt/slides/slide3.xml><?xml version="1.0" encoding="utf-8"?>
-<p:sld xmlns:a="http://schemas.openxmlformats.org/drawingml/2006/main" xmlns:r="http://schemas.openxmlformats.org/officeDocument/2006/relationships" xmlns:mc="http://schemas.openxmlformats.org/markup-compatibility/2006" xmlns:mv="urn:schemas-microsoft-com:mac:vml" xmlns:p="http://schemas.openxmlformats.org/presentationml/2006/main" xmlns:c="http://schemas.openxmlformats.org/drawingml/2006/chart" xmlns:dgm="http://schemas.openxmlformats.org/drawingml/2006/diagram" xmlns:o="urn:schemas-microsoft-com:office:office" xmlns:v="urn:schemas-microsoft-com:vml" xmlns:pvml="urn:schemas-microsoft-com:office:powerpoint" xmlns:com="http://schemas.openxmlformats.org/drawingml/2006/compatibility" xmlns:p14="http://schemas.microsoft.com/office/powerpoint/2010/main" xmlns:p15="http://schemas.microsoft.com/office/powerpoint/2012/main">
+<p:sld xmlns:a="http://schemas.openxmlformats.org/drawingml/2006/main" xmlns:r="http://schemas.openxmlformats.org/officeDocument/2006/relationships" xmlns:p="http://schemas.openxmlformats.org/presentationml/2006/main">
   <p:cSld>
     <p:spTree>
       <p:nvGrpSpPr>
-        <p:cNvPr id="145" name="Shape 145"/>
+        <p:cNvPr id="1" name="Shape 145"/>
         <p:cNvGrpSpPr/>
         <p:nvPr/>
       </p:nvGrpSpPr>
@@ -12530,7 +12760,9 @@
       <p:sp>
         <p:nvSpPr>
           <p:cNvPr id="146" name="Google Shape;146;p15"/>
-          <p:cNvSpPr txBox="1"/>
+          <p:cNvSpPr txBox="1">
+            <a:spLocks noGrp="1"/>
+          </p:cNvSpPr>
           <p:nvPr>
             <p:ph type="title"/>
           </p:nvPr>
@@ -12545,12 +12777,12 @@
           </a:prstGeom>
         </p:spPr>
         <p:txBody>
-          <a:bodyPr anchorCtr="0" anchor="t" bIns="91425" lIns="91425" spcFirstLastPara="1" rIns="91425" wrap="square" tIns="91425">
+          <a:bodyPr spcFirstLastPara="1" wrap="square" lIns="91425" tIns="91425" rIns="91425" bIns="91425" anchor="t" anchorCtr="0">
             <a:noAutofit/>
           </a:bodyPr>
           <a:lstStyle/>
           <a:p>
-            <a:pPr indent="0" lvl="0" marL="0" rtl="0" algn="l">
+            <a:pPr marL="0" lvl="0" indent="0" algn="l" rtl="0">
               <a:spcBef>
                 <a:spcPts val="0"/>
               </a:spcBef>
@@ -12580,9 +12812,11 @@
       <p:sp>
         <p:nvSpPr>
           <p:cNvPr id="147" name="Google Shape;147;p15"/>
-          <p:cNvSpPr txBox="1"/>
+          <p:cNvSpPr txBox="1">
+            <a:spLocks noGrp="1"/>
+          </p:cNvSpPr>
           <p:nvPr>
-            <p:ph idx="1" type="body"/>
+            <p:ph type="body" idx="1"/>
           </p:nvPr>
         </p:nvSpPr>
         <p:spPr>
@@ -12595,12 +12829,12 @@
           </a:prstGeom>
         </p:spPr>
         <p:txBody>
-          <a:bodyPr anchorCtr="0" anchor="t" bIns="91425" lIns="91425" spcFirstLastPara="1" rIns="91425" wrap="square" tIns="91425">
+          <a:bodyPr spcFirstLastPara="1" wrap="square" lIns="91425" tIns="91425" rIns="91425" bIns="91425" anchor="t" anchorCtr="0">
             <a:noAutofit/>
           </a:bodyPr>
           <a:lstStyle/>
           <a:p>
-            <a:pPr indent="0" lvl="0" marL="0" rtl="0" algn="l">
+            <a:pPr marL="0" lvl="0" indent="0" algn="l" rtl="0">
               <a:lnSpc>
                 <a:spcPct val="115000"/>
               </a:lnSpc>
@@ -12635,7 +12869,7 @@
             </a:endParaRPr>
           </a:p>
           <a:p>
-            <a:pPr indent="457200" lvl="0" marL="914400" rtl="0" algn="l">
+            <a:pPr marL="914400" lvl="0" indent="457200" algn="l" rtl="0">
               <a:lnSpc>
                 <a:spcPct val="115000"/>
               </a:lnSpc>
@@ -12647,9 +12881,6 @@
               </a:spcAft>
               <a:buNone/>
             </a:pPr>
-            <a:r>
-              <a:t/>
-            </a:r>
             <a:endParaRPr sz="1400">
               <a:solidFill>
                 <a:srgbClr val="FFFFFF"/>
@@ -12661,7 +12892,7 @@
             </a:endParaRPr>
           </a:p>
           <a:p>
-            <a:pPr indent="-317500" lvl="0" marL="457200" rtl="0" algn="l">
+            <a:pPr marL="457200" lvl="0" indent="-317500" algn="l" rtl="0">
               <a:lnSpc>
                 <a:spcPct val="115000"/>
               </a:lnSpc>
@@ -12701,7 +12932,7 @@
             </a:endParaRPr>
           </a:p>
           <a:p>
-            <a:pPr indent="-317500" lvl="0" marL="457200" rtl="0" algn="l">
+            <a:pPr marL="457200" lvl="0" indent="-317500" algn="l" rtl="0">
               <a:lnSpc>
                 <a:spcPct val="115000"/>
               </a:lnSpc>
@@ -12741,7 +12972,7 @@
             </a:endParaRPr>
           </a:p>
           <a:p>
-            <a:pPr indent="-317500" lvl="0" marL="457200" rtl="0" algn="l">
+            <a:pPr marL="457200" lvl="0" indent="-317500" algn="l" rtl="0">
               <a:lnSpc>
                 <a:spcPct val="115000"/>
               </a:lnSpc>
@@ -12781,7 +13012,7 @@
             </a:endParaRPr>
           </a:p>
           <a:p>
-            <a:pPr indent="-317500" lvl="0" marL="457200" rtl="0" algn="l">
+            <a:pPr marL="457200" lvl="0" indent="-317500" algn="l" rtl="0">
               <a:lnSpc>
                 <a:spcPct val="115000"/>
               </a:lnSpc>
@@ -12821,7 +13052,7 @@
             </a:endParaRPr>
           </a:p>
           <a:p>
-            <a:pPr indent="-317500" lvl="0" marL="457200" rtl="0" algn="l">
+            <a:pPr marL="457200" lvl="0" indent="-317500" algn="l" rtl="0">
               <a:lnSpc>
                 <a:spcPct val="115000"/>
               </a:lnSpc>
@@ -12861,7 +13092,7 @@
             </a:endParaRPr>
           </a:p>
           <a:p>
-            <a:pPr indent="0" lvl="0" marL="0" rtl="0" algn="l">
+            <a:pPr marL="0" lvl="0" indent="0" algn="l" rtl="0">
               <a:spcBef>
                 <a:spcPts val="0"/>
               </a:spcBef>
@@ -12870,9 +13101,6 @@
               </a:spcAft>
               <a:buNone/>
             </a:pPr>
-            <a:r>
-              <a:t/>
-            </a:r>
             <a:endParaRPr sz="1400"/>
           </a:p>
         </p:txBody>
@@ -12886,11 +13114,11 @@
 </file>
 
 <file path=ppt/slides/slide4.xml><?xml version="1.0" encoding="utf-8"?>
-<p:sld xmlns:a="http://schemas.openxmlformats.org/drawingml/2006/main" xmlns:r="http://schemas.openxmlformats.org/officeDocument/2006/relationships" xmlns:mc="http://schemas.openxmlformats.org/markup-compatibility/2006" xmlns:mv="urn:schemas-microsoft-com:mac:vml" xmlns:p="http://schemas.openxmlformats.org/presentationml/2006/main" xmlns:c="http://schemas.openxmlformats.org/drawingml/2006/chart" xmlns:dgm="http://schemas.openxmlformats.org/drawingml/2006/diagram" xmlns:o="urn:schemas-microsoft-com:office:office" xmlns:v="urn:schemas-microsoft-com:vml" xmlns:pvml="urn:schemas-microsoft-com:office:powerpoint" xmlns:com="http://schemas.openxmlformats.org/drawingml/2006/compatibility" xmlns:p14="http://schemas.microsoft.com/office/powerpoint/2010/main" xmlns:p15="http://schemas.microsoft.com/office/powerpoint/2012/main">
+<p:sld xmlns:a="http://schemas.openxmlformats.org/drawingml/2006/main" xmlns:r="http://schemas.openxmlformats.org/officeDocument/2006/relationships" xmlns:p="http://schemas.openxmlformats.org/presentationml/2006/main">
   <p:cSld>
     <p:spTree>
       <p:nvGrpSpPr>
-        <p:cNvPr id="151" name="Shape 151"/>
+        <p:cNvPr id="1" name="Shape 151"/>
         <p:cNvGrpSpPr/>
         <p:nvPr/>
       </p:nvGrpSpPr>
@@ -12905,7 +13133,9 @@
       <p:sp>
         <p:nvSpPr>
           <p:cNvPr id="152" name="Google Shape;152;p16"/>
-          <p:cNvSpPr txBox="1"/>
+          <p:cNvSpPr txBox="1">
+            <a:spLocks noGrp="1"/>
+          </p:cNvSpPr>
           <p:nvPr>
             <p:ph type="title"/>
           </p:nvPr>
@@ -12920,12 +13150,12 @@
           </a:prstGeom>
         </p:spPr>
         <p:txBody>
-          <a:bodyPr anchorCtr="0" anchor="t" bIns="91425" lIns="91425" spcFirstLastPara="1" rIns="91425" wrap="square" tIns="91425">
+          <a:bodyPr spcFirstLastPara="1" wrap="square" lIns="91425" tIns="91425" rIns="91425" bIns="91425" anchor="t" anchorCtr="0">
             <a:noAutofit/>
           </a:bodyPr>
           <a:lstStyle/>
           <a:p>
-            <a:pPr indent="0" lvl="0" marL="0" rtl="0" algn="l">
+            <a:pPr marL="0" lvl="0" indent="0" algn="l" rtl="0">
               <a:spcBef>
                 <a:spcPts val="0"/>
               </a:spcBef>
@@ -12955,9 +13185,11 @@
       <p:sp>
         <p:nvSpPr>
           <p:cNvPr id="153" name="Google Shape;153;p16"/>
-          <p:cNvSpPr txBox="1"/>
+          <p:cNvSpPr txBox="1">
+            <a:spLocks noGrp="1"/>
+          </p:cNvSpPr>
           <p:nvPr>
-            <p:ph idx="1" type="body"/>
+            <p:ph type="body" idx="1"/>
           </p:nvPr>
         </p:nvSpPr>
         <p:spPr>
@@ -12969,7 +13201,7 @@
             <a:avLst/>
           </a:prstGeom>
           <a:effectLst>
-            <a:outerShdw blurRad="57150" rotWithShape="0" algn="bl" dir="5400000" dist="19050">
+            <a:outerShdw blurRad="57150" dist="19050" dir="5400000" algn="bl" rotWithShape="0">
               <a:srgbClr val="000000">
                 <a:alpha val="50000"/>
               </a:srgbClr>
@@ -12977,12 +13209,12 @@
           </a:effectLst>
         </p:spPr>
         <p:txBody>
-          <a:bodyPr anchorCtr="0" anchor="t" bIns="90000" lIns="91425" spcFirstLastPara="1" rIns="91425" wrap="square" tIns="91425">
+          <a:bodyPr spcFirstLastPara="1" wrap="square" lIns="91425" tIns="91425" rIns="91425" bIns="90000" anchor="t" anchorCtr="0">
             <a:noAutofit/>
           </a:bodyPr>
           <a:lstStyle/>
           <a:p>
-            <a:pPr indent="0" lvl="0" marL="0" rtl="0" algn="l">
+            <a:pPr marL="0" lvl="0" indent="0" algn="l" rtl="0">
               <a:spcBef>
                 <a:spcPts val="0"/>
               </a:spcBef>
@@ -13042,7 +13274,7 @@
             </a:endParaRPr>
           </a:p>
           <a:p>
-            <a:pPr indent="0" lvl="0" marL="0" rtl="0" algn="l">
+            <a:pPr marL="0" lvl="0" indent="0" algn="l" rtl="0">
               <a:spcBef>
                 <a:spcPts val="1600"/>
               </a:spcBef>
@@ -13068,7 +13300,7 @@
             </a:endParaRPr>
           </a:p>
           <a:p>
-            <a:pPr indent="-317500" lvl="0" marL="457200" rtl="0" algn="l">
+            <a:pPr marL="457200" lvl="0" indent="-317500" algn="l" rtl="0">
               <a:spcBef>
                 <a:spcPts val="1600"/>
               </a:spcBef>
@@ -13096,7 +13328,7 @@
             </a:endParaRPr>
           </a:p>
           <a:p>
-            <a:pPr indent="-317500" lvl="0" marL="457200" rtl="0" algn="l">
+            <a:pPr marL="457200" lvl="0" indent="-317500" algn="l" rtl="0">
               <a:spcBef>
                 <a:spcPts val="0"/>
               </a:spcBef>
@@ -13124,7 +13356,7 @@
             </a:endParaRPr>
           </a:p>
           <a:p>
-            <a:pPr indent="-317500" lvl="0" marL="457200" rtl="0" algn="l">
+            <a:pPr marL="457200" lvl="0" indent="-317500" algn="l" rtl="0">
               <a:spcBef>
                 <a:spcPts val="0"/>
               </a:spcBef>
@@ -13162,11 +13394,11 @@
 </file>
 
 <file path=ppt/slides/slide5.xml><?xml version="1.0" encoding="utf-8"?>
-<p:sld xmlns:a="http://schemas.openxmlformats.org/drawingml/2006/main" xmlns:r="http://schemas.openxmlformats.org/officeDocument/2006/relationships" xmlns:mc="http://schemas.openxmlformats.org/markup-compatibility/2006" xmlns:mv="urn:schemas-microsoft-com:mac:vml" xmlns:p="http://schemas.openxmlformats.org/presentationml/2006/main" xmlns:c="http://schemas.openxmlformats.org/drawingml/2006/chart" xmlns:dgm="http://schemas.openxmlformats.org/drawingml/2006/diagram" xmlns:o="urn:schemas-microsoft-com:office:office" xmlns:v="urn:schemas-microsoft-com:vml" xmlns:pvml="urn:schemas-microsoft-com:office:powerpoint" xmlns:com="http://schemas.openxmlformats.org/drawingml/2006/compatibility" xmlns:p14="http://schemas.microsoft.com/office/powerpoint/2010/main" xmlns:p15="http://schemas.microsoft.com/office/powerpoint/2012/main">
+<p:sld xmlns:a="http://schemas.openxmlformats.org/drawingml/2006/main" xmlns:r="http://schemas.openxmlformats.org/officeDocument/2006/relationships" xmlns:p="http://schemas.openxmlformats.org/presentationml/2006/main">
   <p:cSld>
     <p:spTree>
       <p:nvGrpSpPr>
-        <p:cNvPr id="157" name="Shape 157"/>
+        <p:cNvPr id="1" name="Shape 157"/>
         <p:cNvGrpSpPr/>
         <p:nvPr/>
       </p:nvGrpSpPr>
@@ -13181,7 +13413,9 @@
       <p:sp>
         <p:nvSpPr>
           <p:cNvPr id="158" name="Google Shape;158;p17"/>
-          <p:cNvSpPr txBox="1"/>
+          <p:cNvSpPr txBox="1">
+            <a:spLocks noGrp="1"/>
+          </p:cNvSpPr>
           <p:nvPr>
             <p:ph type="title"/>
           </p:nvPr>
@@ -13196,12 +13430,12 @@
           </a:prstGeom>
         </p:spPr>
         <p:txBody>
-          <a:bodyPr anchorCtr="0" anchor="t" bIns="91425" lIns="91425" spcFirstLastPara="1" rIns="91425" wrap="square" tIns="91425">
+          <a:bodyPr spcFirstLastPara="1" wrap="square" lIns="91425" tIns="91425" rIns="91425" bIns="91425" anchor="t" anchorCtr="0">
             <a:noAutofit/>
           </a:bodyPr>
           <a:lstStyle/>
           <a:p>
-            <a:pPr indent="0" lvl="0" marL="0" rtl="0" algn="l">
+            <a:pPr marL="0" lvl="0" indent="0" algn="l" rtl="0">
               <a:spcBef>
                 <a:spcPts val="0"/>
               </a:spcBef>
@@ -13231,9 +13465,11 @@
       <p:sp>
         <p:nvSpPr>
           <p:cNvPr id="159" name="Google Shape;159;p17"/>
-          <p:cNvSpPr txBox="1"/>
+          <p:cNvSpPr txBox="1">
+            <a:spLocks noGrp="1"/>
+          </p:cNvSpPr>
           <p:nvPr>
-            <p:ph idx="1" type="body"/>
+            <p:ph type="body" idx="1"/>
           </p:nvPr>
         </p:nvSpPr>
         <p:spPr>
@@ -13246,12 +13482,12 @@
           </a:prstGeom>
         </p:spPr>
         <p:txBody>
-          <a:bodyPr anchorCtr="0" anchor="t" bIns="91425" lIns="91425" spcFirstLastPara="1" rIns="91425" wrap="square" tIns="91425">
+          <a:bodyPr spcFirstLastPara="1" wrap="square" lIns="91425" tIns="91425" rIns="91425" bIns="91425" anchor="t" anchorCtr="0">
             <a:noAutofit/>
           </a:bodyPr>
           <a:lstStyle/>
           <a:p>
-            <a:pPr indent="0" lvl="0" marL="0" rtl="0" algn="l">
+            <a:pPr marL="0" lvl="0" indent="0" algn="l" rtl="0">
               <a:spcBef>
                 <a:spcPts val="0"/>
               </a:spcBef>
@@ -13287,7 +13523,7 @@
             </a:endParaRPr>
           </a:p>
           <a:p>
-            <a:pPr indent="0" lvl="0" marL="457200" rtl="0" algn="l">
+            <a:pPr marL="457200" lvl="0" indent="0" algn="l" rtl="0">
               <a:lnSpc>
                 <a:spcPct val="115000"/>
               </a:lnSpc>
@@ -13322,7 +13558,7 @@
             </a:endParaRPr>
           </a:p>
           <a:p>
-            <a:pPr indent="0" lvl="0" marL="0" rtl="0" algn="l">
+            <a:pPr marL="0" lvl="0" indent="0" algn="l" rtl="0">
               <a:lnSpc>
                 <a:spcPct val="115000"/>
               </a:lnSpc>
@@ -13334,9 +13570,6 @@
               </a:spcAft>
               <a:buNone/>
             </a:pPr>
-            <a:r>
-              <a:t/>
-            </a:r>
             <a:endParaRPr sz="1400">
               <a:solidFill>
                 <a:srgbClr val="FFFFFF"/>
@@ -13348,7 +13581,7 @@
             </a:endParaRPr>
           </a:p>
           <a:p>
-            <a:pPr indent="0" lvl="0" marL="0" rtl="0" algn="l">
+            <a:pPr marL="0" lvl="0" indent="0" algn="l" rtl="0">
               <a:lnSpc>
                 <a:spcPct val="115000"/>
               </a:lnSpc>
@@ -13383,7 +13616,7 @@
             </a:endParaRPr>
           </a:p>
           <a:p>
-            <a:pPr indent="0" lvl="0" marL="457200" rtl="0" algn="l">
+            <a:pPr marL="457200" lvl="0" indent="0" algn="l" rtl="0">
               <a:lnSpc>
                 <a:spcPct val="115000"/>
               </a:lnSpc>
@@ -13418,7 +13651,7 @@
             </a:endParaRPr>
           </a:p>
           <a:p>
-            <a:pPr indent="0" lvl="0" marL="457200" rtl="0" algn="l">
+            <a:pPr marL="457200" lvl="0" indent="0" algn="l" rtl="0">
               <a:lnSpc>
                 <a:spcPct val="115000"/>
               </a:lnSpc>
@@ -13435,9 +13668,6 @@
               <a:buFont typeface="Arial"/>
               <a:buNone/>
             </a:pPr>
-            <a:r>
-              <a:t/>
-            </a:r>
             <a:endParaRPr sz="1400">
               <a:solidFill>
                 <a:srgbClr val="FFFFFF"/>
@@ -13449,7 +13679,7 @@
             </a:endParaRPr>
           </a:p>
           <a:p>
-            <a:pPr indent="0" lvl="0" marL="0" rtl="0" algn="l">
+            <a:pPr marL="0" lvl="0" indent="0" algn="l" rtl="0">
               <a:spcBef>
                 <a:spcPts val="0"/>
               </a:spcBef>
@@ -13481,7 +13711,7 @@
             </a:endParaRPr>
           </a:p>
           <a:p>
-            <a:pPr indent="0" lvl="0" marL="0" rtl="0" algn="l">
+            <a:pPr marL="0" lvl="0" indent="0" algn="l" rtl="0">
               <a:spcBef>
                 <a:spcPts val="1600"/>
               </a:spcBef>
@@ -13513,7 +13743,7 @@
             </a:endParaRPr>
           </a:p>
           <a:p>
-            <a:pPr indent="0" lvl="0" marL="0" rtl="0" algn="l">
+            <a:pPr marL="0" lvl="0" indent="0" algn="l" rtl="0">
               <a:spcBef>
                 <a:spcPts val="1600"/>
               </a:spcBef>
@@ -13545,7 +13775,7 @@
             </a:endParaRPr>
           </a:p>
           <a:p>
-            <a:pPr indent="0" lvl="0" marL="0" rtl="0" algn="l">
+            <a:pPr marL="0" lvl="0" indent="0" algn="l" rtl="0">
               <a:spcBef>
                 <a:spcPts val="1600"/>
               </a:spcBef>
@@ -13554,9 +13784,6 @@
               </a:spcAft>
               <a:buNone/>
             </a:pPr>
-            <a:r>
-              <a:t/>
-            </a:r>
             <a:endParaRPr sz="1400">
               <a:solidFill>
                 <a:srgbClr val="FFFFFF"/>
@@ -13568,7 +13795,7 @@
             </a:endParaRPr>
           </a:p>
           <a:p>
-            <a:pPr indent="0" lvl="0" marL="0" rtl="0" algn="l">
+            <a:pPr marL="0" lvl="0" indent="0" algn="l" rtl="0">
               <a:spcBef>
                 <a:spcPts val="1600"/>
               </a:spcBef>
@@ -13577,9 +13804,6 @@
               </a:spcAft>
               <a:buNone/>
             </a:pPr>
-            <a:r>
-              <a:t/>
-            </a:r>
             <a:endParaRPr sz="1400">
               <a:solidFill>
                 <a:srgbClr val="FFFFFF"/>
@@ -13591,7 +13815,7 @@
             </a:endParaRPr>
           </a:p>
           <a:p>
-            <a:pPr indent="0" lvl="0" marL="0" rtl="0" algn="l">
+            <a:pPr marL="0" lvl="0" indent="0" algn="l" rtl="0">
               <a:spcBef>
                 <a:spcPts val="1600"/>
               </a:spcBef>
@@ -13600,9 +13824,6 @@
               </a:spcAft>
               <a:buNone/>
             </a:pPr>
-            <a:r>
-              <a:t/>
-            </a:r>
             <a:endParaRPr sz="1400">
               <a:solidFill>
                 <a:srgbClr val="FFFFFF"/>
@@ -13614,7 +13835,7 @@
             </a:endParaRPr>
           </a:p>
           <a:p>
-            <a:pPr indent="0" lvl="0" marL="0" rtl="0" algn="l">
+            <a:pPr marL="0" lvl="0" indent="0" algn="l" rtl="0">
               <a:spcBef>
                 <a:spcPts val="1600"/>
               </a:spcBef>
@@ -13623,9 +13844,6 @@
               </a:spcAft>
               <a:buNone/>
             </a:pPr>
-            <a:r>
-              <a:t/>
-            </a:r>
             <a:endParaRPr sz="1400">
               <a:solidFill>
                 <a:srgbClr val="FFFFFF"/>
@@ -13637,7 +13855,7 @@
             </a:endParaRPr>
           </a:p>
           <a:p>
-            <a:pPr indent="0" lvl="0" marL="0" rtl="0" algn="l">
+            <a:pPr marL="0" lvl="0" indent="0" algn="l" rtl="0">
               <a:spcBef>
                 <a:spcPts val="1600"/>
               </a:spcBef>
@@ -13646,9 +13864,6 @@
               </a:spcAft>
               <a:buNone/>
             </a:pPr>
-            <a:r>
-              <a:t/>
-            </a:r>
             <a:endParaRPr/>
           </a:p>
         </p:txBody>
@@ -13662,11 +13877,11 @@
 </file>
 
 <file path=ppt/slides/slide6.xml><?xml version="1.0" encoding="utf-8"?>
-<p:sld xmlns:a="http://schemas.openxmlformats.org/drawingml/2006/main" xmlns:r="http://schemas.openxmlformats.org/officeDocument/2006/relationships" xmlns:mc="http://schemas.openxmlformats.org/markup-compatibility/2006" xmlns:mv="urn:schemas-microsoft-com:mac:vml" xmlns:p="http://schemas.openxmlformats.org/presentationml/2006/main" xmlns:c="http://schemas.openxmlformats.org/drawingml/2006/chart" xmlns:dgm="http://schemas.openxmlformats.org/drawingml/2006/diagram" xmlns:o="urn:schemas-microsoft-com:office:office" xmlns:v="urn:schemas-microsoft-com:vml" xmlns:pvml="urn:schemas-microsoft-com:office:powerpoint" xmlns:com="http://schemas.openxmlformats.org/drawingml/2006/compatibility" xmlns:p14="http://schemas.microsoft.com/office/powerpoint/2010/main" xmlns:p15="http://schemas.microsoft.com/office/powerpoint/2012/main">
+<p:sld xmlns:a="http://schemas.openxmlformats.org/drawingml/2006/main" xmlns:r="http://schemas.openxmlformats.org/officeDocument/2006/relationships" xmlns:p="http://schemas.openxmlformats.org/presentationml/2006/main">
   <p:cSld>
     <p:spTree>
       <p:nvGrpSpPr>
-        <p:cNvPr id="163" name="Shape 163"/>
+        <p:cNvPr id="1" name="Shape 163"/>
         <p:cNvGrpSpPr/>
         <p:nvPr/>
       </p:nvGrpSpPr>
@@ -13681,9 +13896,11 @@
       <p:sp>
         <p:nvSpPr>
           <p:cNvPr id="164" name="Google Shape;164;p18"/>
-          <p:cNvSpPr txBox="1"/>
+          <p:cNvSpPr txBox="1">
+            <a:spLocks noGrp="1"/>
+          </p:cNvSpPr>
           <p:nvPr>
-            <p:ph idx="1" type="body"/>
+            <p:ph type="body" idx="1"/>
           </p:nvPr>
         </p:nvSpPr>
         <p:spPr>
@@ -13696,12 +13913,12 @@
           </a:prstGeom>
         </p:spPr>
         <p:txBody>
-          <a:bodyPr anchorCtr="0" anchor="t" bIns="91425" lIns="91425" spcFirstLastPara="1" rIns="91425" wrap="square" tIns="91425">
+          <a:bodyPr spcFirstLastPara="1" wrap="square" lIns="91425" tIns="91425" rIns="91425" bIns="91425" anchor="t" anchorCtr="0">
             <a:noAutofit/>
           </a:bodyPr>
           <a:lstStyle/>
           <a:p>
-            <a:pPr indent="0" lvl="0" marL="0" rtl="0" algn="l">
+            <a:pPr marL="0" lvl="0" indent="0" algn="l" rtl="0">
               <a:spcBef>
                 <a:spcPts val="0"/>
               </a:spcBef>
@@ -13738,7 +13955,7 @@
             </a:endParaRPr>
           </a:p>
           <a:p>
-            <a:pPr indent="0" lvl="0" marL="457200" rtl="0" algn="l">
+            <a:pPr marL="457200" lvl="0" indent="0" algn="l" rtl="0">
               <a:lnSpc>
                 <a:spcPct val="115000"/>
               </a:lnSpc>
@@ -13773,7 +13990,7 @@
             </a:endParaRPr>
           </a:p>
           <a:p>
-            <a:pPr indent="0" lvl="0" marL="457200" rtl="0" algn="l">
+            <a:pPr marL="457200" lvl="0" indent="0" algn="l" rtl="0">
               <a:lnSpc>
                 <a:spcPct val="115000"/>
               </a:lnSpc>
@@ -13785,9 +14002,6 @@
               </a:spcAft>
               <a:buNone/>
             </a:pPr>
-            <a:r>
-              <a:t/>
-            </a:r>
             <a:endParaRPr sz="1400">
               <a:solidFill>
                 <a:srgbClr val="FFFFFF"/>
@@ -13799,7 +14013,7 @@
             </a:endParaRPr>
           </a:p>
           <a:p>
-            <a:pPr indent="0" lvl="0" marL="0" rtl="0" algn="l">
+            <a:pPr marL="0" lvl="0" indent="0" algn="l" rtl="0">
               <a:lnSpc>
                 <a:spcPct val="115000"/>
               </a:lnSpc>
@@ -13839,7 +14053,7 @@
             </a:endParaRPr>
           </a:p>
           <a:p>
-            <a:pPr indent="0" lvl="0" marL="0" rtl="0" algn="l">
+            <a:pPr marL="0" lvl="0" indent="0" algn="l" rtl="0">
               <a:spcBef>
                 <a:spcPts val="0"/>
               </a:spcBef>
@@ -13848,9 +14062,6 @@
               </a:spcAft>
               <a:buNone/>
             </a:pPr>
-            <a:r>
-              <a:t/>
-            </a:r>
             <a:endParaRPr sz="1400">
               <a:solidFill>
                 <a:srgbClr val="FFFFFF"/>
@@ -13862,7 +14073,7 @@
             </a:endParaRPr>
           </a:p>
           <a:p>
-            <a:pPr indent="0" lvl="0" marL="0" rtl="0" algn="l">
+            <a:pPr marL="0" lvl="0" indent="0" algn="l" rtl="0">
               <a:spcBef>
                 <a:spcPts val="1600"/>
               </a:spcBef>
@@ -13894,7 +14105,7 @@
             </a:endParaRPr>
           </a:p>
           <a:p>
-            <a:pPr indent="0" lvl="0" marL="0" rtl="0" algn="l">
+            <a:pPr marL="0" lvl="0" indent="0" algn="l" rtl="0">
               <a:spcBef>
                 <a:spcPts val="1600"/>
               </a:spcBef>
@@ -13926,7 +14137,7 @@
             </a:endParaRPr>
           </a:p>
           <a:p>
-            <a:pPr indent="0" lvl="0" marL="0" rtl="0" algn="l">
+            <a:pPr marL="0" lvl="0" indent="0" algn="l" rtl="0">
               <a:spcBef>
                 <a:spcPts val="1600"/>
               </a:spcBef>
@@ -13994,7 +14205,7 @@
             </a:endParaRPr>
           </a:p>
           <a:p>
-            <a:pPr indent="0" lvl="0" marL="0" rtl="0" algn="l">
+            <a:pPr marL="0" lvl="0" indent="0" algn="l" rtl="0">
               <a:spcBef>
                 <a:spcPts val="1600"/>
               </a:spcBef>
@@ -14003,9 +14214,6 @@
               </a:spcAft>
               <a:buNone/>
             </a:pPr>
-            <a:r>
-              <a:t/>
-            </a:r>
             <a:endParaRPr sz="1400">
               <a:solidFill>
                 <a:srgbClr val="FFFFFF"/>
@@ -14017,7 +14225,7 @@
             </a:endParaRPr>
           </a:p>
           <a:p>
-            <a:pPr indent="0" lvl="0" marL="0" rtl="0" algn="l">
+            <a:pPr marL="0" lvl="0" indent="0" algn="l" rtl="0">
               <a:spcBef>
                 <a:spcPts val="1600"/>
               </a:spcBef>
@@ -14026,9 +14234,6 @@
               </a:spcAft>
               <a:buNone/>
             </a:pPr>
-            <a:r>
-              <a:t/>
-            </a:r>
             <a:endParaRPr sz="1400">
               <a:solidFill>
                 <a:srgbClr val="FFFFFF"/>
@@ -14040,7 +14245,7 @@
             </a:endParaRPr>
           </a:p>
           <a:p>
-            <a:pPr indent="0" lvl="0" marL="0" rtl="0" algn="l">
+            <a:pPr marL="0" lvl="0" indent="0" algn="l" rtl="0">
               <a:spcBef>
                 <a:spcPts val="1600"/>
               </a:spcBef>
@@ -14049,9 +14254,6 @@
               </a:spcAft>
               <a:buNone/>
             </a:pPr>
-            <a:r>
-              <a:t/>
-            </a:r>
             <a:endParaRPr sz="1400">
               <a:solidFill>
                 <a:srgbClr val="FFFFFF"/>
@@ -14067,7 +14269,9 @@
       <p:sp>
         <p:nvSpPr>
           <p:cNvPr id="165" name="Google Shape;165;p18"/>
-          <p:cNvSpPr txBox="1"/>
+          <p:cNvSpPr txBox="1">
+            <a:spLocks noGrp="1"/>
+          </p:cNvSpPr>
           <p:nvPr>
             <p:ph type="title"/>
           </p:nvPr>
@@ -14082,12 +14286,12 @@
           </a:prstGeom>
         </p:spPr>
         <p:txBody>
-          <a:bodyPr anchorCtr="0" anchor="t" bIns="91425" lIns="91425" spcFirstLastPara="1" rIns="91425" wrap="square" tIns="91425">
+          <a:bodyPr spcFirstLastPara="1" wrap="square" lIns="91425" tIns="91425" rIns="91425" bIns="91425" anchor="t" anchorCtr="0">
             <a:noAutofit/>
           </a:bodyPr>
           <a:lstStyle/>
           <a:p>
-            <a:pPr indent="0" lvl="0" marL="0" rtl="0" algn="l">
+            <a:pPr marL="0" lvl="0" indent="0" algn="l" rtl="0">
               <a:spcBef>
                 <a:spcPts val="0"/>
               </a:spcBef>
@@ -14123,11 +14327,11 @@
 </file>
 
 <file path=ppt/slides/slide7.xml><?xml version="1.0" encoding="utf-8"?>
-<p:sld xmlns:a="http://schemas.openxmlformats.org/drawingml/2006/main" xmlns:r="http://schemas.openxmlformats.org/officeDocument/2006/relationships" xmlns:mc="http://schemas.openxmlformats.org/markup-compatibility/2006" xmlns:mv="urn:schemas-microsoft-com:mac:vml" xmlns:p="http://schemas.openxmlformats.org/presentationml/2006/main" xmlns:c="http://schemas.openxmlformats.org/drawingml/2006/chart" xmlns:dgm="http://schemas.openxmlformats.org/drawingml/2006/diagram" xmlns:o="urn:schemas-microsoft-com:office:office" xmlns:v="urn:schemas-microsoft-com:vml" xmlns:pvml="urn:schemas-microsoft-com:office:powerpoint" xmlns:com="http://schemas.openxmlformats.org/drawingml/2006/compatibility" xmlns:p14="http://schemas.microsoft.com/office/powerpoint/2010/main" xmlns:p15="http://schemas.microsoft.com/office/powerpoint/2012/main">
+<p:sld xmlns:a="http://schemas.openxmlformats.org/drawingml/2006/main" xmlns:r="http://schemas.openxmlformats.org/officeDocument/2006/relationships" xmlns:p="http://schemas.openxmlformats.org/presentationml/2006/main">
   <p:cSld>
     <p:spTree>
       <p:nvGrpSpPr>
-        <p:cNvPr id="169" name="Shape 169"/>
+        <p:cNvPr id="1" name="Shape 169"/>
         <p:cNvGrpSpPr/>
         <p:nvPr/>
       </p:nvGrpSpPr>
@@ -14142,9 +14346,11 @@
       <p:sp>
         <p:nvSpPr>
           <p:cNvPr id="170" name="Google Shape;170;p19"/>
-          <p:cNvSpPr txBox="1"/>
+          <p:cNvSpPr txBox="1">
+            <a:spLocks noGrp="1"/>
+          </p:cNvSpPr>
           <p:nvPr>
-            <p:ph idx="1" type="body"/>
+            <p:ph type="body" idx="1"/>
           </p:nvPr>
         </p:nvSpPr>
         <p:spPr>
@@ -14157,12 +14363,12 @@
           </a:prstGeom>
         </p:spPr>
         <p:txBody>
-          <a:bodyPr anchorCtr="0" anchor="t" bIns="91425" lIns="91425" spcFirstLastPara="1" rIns="91425" wrap="square" tIns="91425">
+          <a:bodyPr spcFirstLastPara="1" wrap="square" lIns="91425" tIns="91425" rIns="91425" bIns="91425" anchor="t" anchorCtr="0">
             <a:noAutofit/>
           </a:bodyPr>
           <a:lstStyle/>
           <a:p>
-            <a:pPr indent="0" lvl="0" marL="0" rtl="0" algn="l">
+            <a:pPr marL="0" lvl="0" indent="0" algn="l" rtl="0">
               <a:lnSpc>
                 <a:spcPct val="115000"/>
               </a:lnSpc>
@@ -14197,7 +14403,7 @@
             </a:endParaRPr>
           </a:p>
           <a:p>
-            <a:pPr indent="0" lvl="0" marL="0" rtl="0" algn="l">
+            <a:pPr marL="0" lvl="0" indent="0" algn="l" rtl="0">
               <a:lnSpc>
                 <a:spcPct val="115000"/>
               </a:lnSpc>
@@ -14209,9 +14415,6 @@
               </a:spcAft>
               <a:buNone/>
             </a:pPr>
-            <a:r>
-              <a:t/>
-            </a:r>
             <a:endParaRPr sz="1400">
               <a:solidFill>
                 <a:srgbClr val="FFFFFF"/>
@@ -14223,7 +14426,7 @@
             </a:endParaRPr>
           </a:p>
           <a:p>
-            <a:pPr indent="0" lvl="0" marL="0" rtl="0" algn="l">
+            <a:pPr marL="0" lvl="0" indent="0" algn="l" rtl="0">
               <a:lnSpc>
                 <a:spcPct val="115000"/>
               </a:lnSpc>
@@ -14258,7 +14461,7 @@
             </a:endParaRPr>
           </a:p>
           <a:p>
-            <a:pPr indent="0" lvl="0" marL="0" rtl="0" algn="l">
+            <a:pPr marL="0" lvl="0" indent="0" algn="l" rtl="0">
               <a:lnSpc>
                 <a:spcPct val="115000"/>
               </a:lnSpc>
@@ -14270,9 +14473,6 @@
               </a:spcAft>
               <a:buNone/>
             </a:pPr>
-            <a:r>
-              <a:t/>
-            </a:r>
             <a:endParaRPr sz="1400">
               <a:solidFill>
                 <a:srgbClr val="FFFFFF"/>
@@ -14284,7 +14484,7 @@
             </a:endParaRPr>
           </a:p>
           <a:p>
-            <a:pPr indent="0" lvl="0" marL="0" rtl="0" algn="l">
+            <a:pPr marL="0" lvl="0" indent="0" algn="l" rtl="0">
               <a:lnSpc>
                 <a:spcPct val="115000"/>
               </a:lnSpc>
@@ -14330,7 +14530,7 @@
             </a:endParaRPr>
           </a:p>
           <a:p>
-            <a:pPr indent="0" lvl="0" marL="0" rtl="0" algn="l">
+            <a:pPr marL="0" lvl="0" indent="0" algn="l" rtl="0">
               <a:lnSpc>
                 <a:spcPct val="115000"/>
               </a:lnSpc>
@@ -14342,9 +14542,6 @@
               </a:spcAft>
               <a:buNone/>
             </a:pPr>
-            <a:r>
-              <a:t/>
-            </a:r>
             <a:endParaRPr sz="1400">
               <a:solidFill>
                 <a:srgbClr val="FFFFFF"/>
@@ -14356,7 +14553,7 @@
             </a:endParaRPr>
           </a:p>
           <a:p>
-            <a:pPr indent="0" lvl="0" marL="0" rtl="0" algn="l">
+            <a:pPr marL="0" lvl="0" indent="0" algn="l" rtl="0">
               <a:lnSpc>
                 <a:spcPct val="115000"/>
               </a:lnSpc>
@@ -14368,9 +14565,6 @@
               </a:spcAft>
               <a:buNone/>
             </a:pPr>
-            <a:r>
-              <a:t/>
-            </a:r>
             <a:endParaRPr sz="1400">
               <a:solidFill>
                 <a:srgbClr val="FFFFFF"/>
@@ -14382,7 +14576,7 @@
             </a:endParaRPr>
           </a:p>
           <a:p>
-            <a:pPr indent="0" lvl="0" marL="0" rtl="0" algn="l">
+            <a:pPr marL="0" lvl="0" indent="0" algn="l" rtl="0">
               <a:spcBef>
                 <a:spcPts val="0"/>
               </a:spcBef>
@@ -14391,9 +14585,6 @@
               </a:spcAft>
               <a:buNone/>
             </a:pPr>
-            <a:r>
-              <a:t/>
-            </a:r>
             <a:endParaRPr/>
           </a:p>
         </p:txBody>
@@ -14401,7 +14592,9 @@
       <p:sp>
         <p:nvSpPr>
           <p:cNvPr id="171" name="Google Shape;171;p19"/>
-          <p:cNvSpPr txBox="1"/>
+          <p:cNvSpPr txBox="1">
+            <a:spLocks noGrp="1"/>
+          </p:cNvSpPr>
           <p:nvPr>
             <p:ph type="title"/>
           </p:nvPr>
@@ -14416,12 +14609,12 @@
           </a:prstGeom>
         </p:spPr>
         <p:txBody>
-          <a:bodyPr anchorCtr="0" anchor="t" bIns="91425" lIns="91425" spcFirstLastPara="1" rIns="91425" wrap="square" tIns="91425">
+          <a:bodyPr spcFirstLastPara="1" wrap="square" lIns="91425" tIns="91425" rIns="91425" bIns="91425" anchor="t" anchorCtr="0">
             <a:noAutofit/>
           </a:bodyPr>
           <a:lstStyle/>
           <a:p>
-            <a:pPr indent="0" lvl="0" marL="0" rtl="0" algn="l">
+            <a:pPr marL="0" lvl="0" indent="0" algn="l" rtl="0">
               <a:spcBef>
                 <a:spcPts val="0"/>
               </a:spcBef>
@@ -14457,11 +14650,11 @@
 </file>
 
 <file path=ppt/slides/slide8.xml><?xml version="1.0" encoding="utf-8"?>
-<p:sld xmlns:a="http://schemas.openxmlformats.org/drawingml/2006/main" xmlns:r="http://schemas.openxmlformats.org/officeDocument/2006/relationships" xmlns:mc="http://schemas.openxmlformats.org/markup-compatibility/2006" xmlns:mv="urn:schemas-microsoft-com:mac:vml" xmlns:p="http://schemas.openxmlformats.org/presentationml/2006/main" xmlns:c="http://schemas.openxmlformats.org/drawingml/2006/chart" xmlns:dgm="http://schemas.openxmlformats.org/drawingml/2006/diagram" xmlns:o="urn:schemas-microsoft-com:office:office" xmlns:v="urn:schemas-microsoft-com:vml" xmlns:pvml="urn:schemas-microsoft-com:office:powerpoint" xmlns:com="http://schemas.openxmlformats.org/drawingml/2006/compatibility" xmlns:p14="http://schemas.microsoft.com/office/powerpoint/2010/main" xmlns:p15="http://schemas.microsoft.com/office/powerpoint/2012/main">
+<p:sld xmlns:a="http://schemas.openxmlformats.org/drawingml/2006/main" xmlns:r="http://schemas.openxmlformats.org/officeDocument/2006/relationships" xmlns:p="http://schemas.openxmlformats.org/presentationml/2006/main">
   <p:cSld>
     <p:spTree>
       <p:nvGrpSpPr>
-        <p:cNvPr id="175" name="Shape 175"/>
+        <p:cNvPr id="1" name="Shape 175"/>
         <p:cNvGrpSpPr/>
         <p:nvPr/>
       </p:nvGrpSpPr>
@@ -14476,7 +14669,9 @@
       <p:sp>
         <p:nvSpPr>
           <p:cNvPr id="176" name="Google Shape;176;p20"/>
-          <p:cNvSpPr txBox="1"/>
+          <p:cNvSpPr txBox="1">
+            <a:spLocks noGrp="1"/>
+          </p:cNvSpPr>
           <p:nvPr>
             <p:ph type="title"/>
           </p:nvPr>
@@ -14491,12 +14686,12 @@
           </a:prstGeom>
         </p:spPr>
         <p:txBody>
-          <a:bodyPr anchorCtr="0" anchor="t" bIns="91425" lIns="91425" spcFirstLastPara="1" rIns="91425" wrap="square" tIns="91425">
+          <a:bodyPr spcFirstLastPara="1" wrap="square" lIns="91425" tIns="91425" rIns="91425" bIns="91425" anchor="t" anchorCtr="0">
             <a:noAutofit/>
           </a:bodyPr>
           <a:lstStyle/>
           <a:p>
-            <a:pPr indent="0" lvl="0" marL="0" rtl="0" algn="l">
+            <a:pPr marL="0" lvl="0" indent="0" algn="l" rtl="0">
               <a:spcBef>
                 <a:spcPts val="0"/>
               </a:spcBef>
@@ -14560,11 +14755,11 @@
 </file>
 
 <file path=ppt/slides/slide9.xml><?xml version="1.0" encoding="utf-8"?>
-<p:sld xmlns:a="http://schemas.openxmlformats.org/drawingml/2006/main" xmlns:r="http://schemas.openxmlformats.org/officeDocument/2006/relationships" xmlns:mc="http://schemas.openxmlformats.org/markup-compatibility/2006" xmlns:mv="urn:schemas-microsoft-com:mac:vml" xmlns:p="http://schemas.openxmlformats.org/presentationml/2006/main" xmlns:c="http://schemas.openxmlformats.org/drawingml/2006/chart" xmlns:dgm="http://schemas.openxmlformats.org/drawingml/2006/diagram" xmlns:o="urn:schemas-microsoft-com:office:office" xmlns:v="urn:schemas-microsoft-com:vml" xmlns:pvml="urn:schemas-microsoft-com:office:powerpoint" xmlns:com="http://schemas.openxmlformats.org/drawingml/2006/compatibility" xmlns:p14="http://schemas.microsoft.com/office/powerpoint/2010/main" xmlns:p15="http://schemas.microsoft.com/office/powerpoint/2012/main">
+<p:sld xmlns:a="http://schemas.openxmlformats.org/drawingml/2006/main" xmlns:r="http://schemas.openxmlformats.org/officeDocument/2006/relationships" xmlns:p="http://schemas.openxmlformats.org/presentationml/2006/main">
   <p:cSld>
     <p:spTree>
       <p:nvGrpSpPr>
-        <p:cNvPr id="181" name="Shape 181"/>
+        <p:cNvPr id="1" name="Shape 181"/>
         <p:cNvGrpSpPr/>
         <p:nvPr/>
       </p:nvGrpSpPr>
@@ -14579,7 +14774,9 @@
       <p:sp>
         <p:nvSpPr>
           <p:cNvPr id="182" name="Google Shape;182;p21"/>
-          <p:cNvSpPr txBox="1"/>
+          <p:cNvSpPr txBox="1">
+            <a:spLocks noGrp="1"/>
+          </p:cNvSpPr>
           <p:nvPr>
             <p:ph type="title"/>
           </p:nvPr>
@@ -14594,12 +14791,12 @@
           </a:prstGeom>
         </p:spPr>
         <p:txBody>
-          <a:bodyPr anchorCtr="0" anchor="t" bIns="91425" lIns="91425" spcFirstLastPara="1" rIns="91425" wrap="square" tIns="91425">
+          <a:bodyPr spcFirstLastPara="1" wrap="square" lIns="91425" tIns="91425" rIns="91425" bIns="91425" anchor="t" anchorCtr="0">
             <a:noAutofit/>
           </a:bodyPr>
           <a:lstStyle/>
           <a:p>
-            <a:pPr indent="0" lvl="0" marL="0" rtl="0" algn="l">
+            <a:pPr marL="0" lvl="0" indent="0" algn="l" rtl="0">
               <a:spcBef>
                 <a:spcPts val="0"/>
               </a:spcBef>
@@ -14629,9 +14826,11 @@
       <p:sp>
         <p:nvSpPr>
           <p:cNvPr id="183" name="Google Shape;183;p21"/>
-          <p:cNvSpPr txBox="1"/>
+          <p:cNvSpPr txBox="1">
+            <a:spLocks noGrp="1"/>
+          </p:cNvSpPr>
           <p:nvPr>
-            <p:ph idx="1" type="body"/>
+            <p:ph type="body" idx="1"/>
           </p:nvPr>
         </p:nvSpPr>
         <p:spPr>
@@ -14644,12 +14843,12 @@
           </a:prstGeom>
         </p:spPr>
         <p:txBody>
-          <a:bodyPr anchorCtr="0" anchor="t" bIns="91425" lIns="91425" spcFirstLastPara="1" rIns="91425" wrap="square" tIns="91425">
+          <a:bodyPr spcFirstLastPara="1" wrap="square" lIns="91425" tIns="91425" rIns="91425" bIns="91425" anchor="t" anchorCtr="0">
             <a:noAutofit/>
           </a:bodyPr>
           <a:lstStyle/>
           <a:p>
-            <a:pPr indent="-342900" lvl="0" marL="457200" rtl="0" algn="l">
+            <a:pPr marL="457200" lvl="0" indent="-342900" algn="l" rtl="0">
               <a:spcBef>
                 <a:spcPts val="0"/>
               </a:spcBef>
@@ -14686,7 +14885,7 @@
             </a:endParaRPr>
           </a:p>
           <a:p>
-            <a:pPr indent="-317500" lvl="1" marL="914400" rtl="0" algn="l">
+            <a:pPr marL="914400" lvl="1" indent="-317500" algn="l" rtl="0">
               <a:lnSpc>
                 <a:spcPct val="115000"/>
               </a:lnSpc>
@@ -14726,7 +14925,7 @@
             </a:endParaRPr>
           </a:p>
           <a:p>
-            <a:pPr indent="-317500" lvl="1" marL="914400" rtl="0" algn="l">
+            <a:pPr marL="914400" lvl="1" indent="-317500" algn="l" rtl="0">
               <a:lnSpc>
                 <a:spcPct val="115000"/>
               </a:lnSpc>
@@ -14766,7 +14965,7 @@
             </a:endParaRPr>
           </a:p>
           <a:p>
-            <a:pPr indent="-317500" lvl="1" marL="914400" rtl="0" algn="l">
+            <a:pPr marL="914400" lvl="1" indent="-317500" algn="l" rtl="0">
               <a:lnSpc>
                 <a:spcPct val="115000"/>
               </a:lnSpc>
@@ -14806,7 +15005,7 @@
             </a:endParaRPr>
           </a:p>
           <a:p>
-            <a:pPr indent="-317500" lvl="2" marL="1371600" rtl="0" algn="l">
+            <a:pPr marL="1371600" lvl="2" indent="-317500" algn="l" rtl="0">
               <a:lnSpc>
                 <a:spcPct val="115000"/>
               </a:lnSpc>
@@ -14846,7 +15045,7 @@
             </a:endParaRPr>
           </a:p>
           <a:p>
-            <a:pPr indent="-317500" lvl="2" marL="1371600" rtl="0" algn="l">
+            <a:pPr marL="1371600" lvl="2" indent="-317500" algn="l" rtl="0">
               <a:lnSpc>
                 <a:spcPct val="115000"/>
               </a:lnSpc>
@@ -14886,7 +15085,7 @@
             </a:endParaRPr>
           </a:p>
           <a:p>
-            <a:pPr indent="-317500" lvl="2" marL="1371600" rtl="0" algn="l">
+            <a:pPr marL="1371600" lvl="2" indent="-317500" algn="l" rtl="0">
               <a:lnSpc>
                 <a:spcPct val="115000"/>
               </a:lnSpc>
@@ -14926,7 +15125,7 @@
             </a:endParaRPr>
           </a:p>
           <a:p>
-            <a:pPr indent="0" lvl="0" marL="914400" rtl="0" algn="l">
+            <a:pPr marL="914400" lvl="0" indent="0" algn="l" rtl="0">
               <a:spcBef>
                 <a:spcPts val="0"/>
               </a:spcBef>
@@ -14935,9 +15134,6 @@
               </a:spcAft>
               <a:buNone/>
             </a:pPr>
-            <a:r>
-              <a:t/>
-            </a:r>
             <a:endParaRPr sz="1800">
               <a:solidFill>
                 <a:srgbClr val="FFFFFF"/>
@@ -14959,7 +15155,7 @@
 </file>
 
 <file path=ppt/theme/theme1.xml><?xml version="1.0" encoding="utf-8"?>
-<a:theme xmlns:a="http://schemas.openxmlformats.org/drawingml/2006/main" xmlns:r="http://schemas.openxmlformats.org/officeDocument/2006/relationships" name="Focus">
+<a:theme xmlns:a="http://schemas.openxmlformats.org/drawingml/2006/main" name="Focus">
   <a:themeElements>
     <a:clrScheme name="Focus">
       <a:dk1>
@@ -15234,11 +15430,13 @@
       </a:bgFillStyleLst>
     </a:fmtScheme>
   </a:themeElements>
+  <a:objectDefaults/>
+  <a:extraClrSchemeLst/>
 </a:theme>
 </file>
 
 <file path=ppt/theme/theme2.xml><?xml version="1.0" encoding="utf-8"?>
-<a:theme xmlns:a="http://schemas.openxmlformats.org/drawingml/2006/main" xmlns:r="http://schemas.openxmlformats.org/officeDocument/2006/relationships">
+<a:theme xmlns:a="http://schemas.openxmlformats.org/drawingml/2006/main">
   <a:themeElements>
     <a:clrScheme name="Default">
       <a:dk1>
@@ -15513,5 +15711,7 @@
       </a:bgFillStyleLst>
     </a:fmtScheme>
   </a:themeElements>
+  <a:objectDefaults/>
+  <a:extraClrSchemeLst/>
 </a:theme>
 </file>
--- a/Documents/Iteration1/Team 7-Iteration 1.pptx
+++ b/Documents/Iteration1/Team 7-Iteration 1.pptx
@@ -1990,7 +1990,7 @@
         </p:nvSpPr>
         <p:spPr>
           <a:xfrm>
-            <a:off x="381300" y="685800"/>
+            <a:off x="381000" y="685800"/>
             <a:ext cx="6096000" cy="3429000"/>
           </a:xfrm>
           <a:custGeom>
@@ -11292,17 +11292,7 @@
                 <a:latin typeface="Times New Roman" pitchFamily="18" charset="0"/>
                 <a:cs typeface="Times New Roman" pitchFamily="18" charset="0"/>
               </a:rPr>
-              <a:t>Game Input and </a:t>
-            </a:r>
-            <a:r>
-              <a:rPr lang="en-US" sz="3000" dirty="0" smtClean="0">
-                <a:solidFill>
-                  <a:srgbClr val="FFFFFF"/>
-                </a:solidFill>
-                <a:latin typeface="Times New Roman" pitchFamily="18" charset="0"/>
-                <a:cs typeface="Times New Roman" pitchFamily="18" charset="0"/>
-              </a:rPr>
-              <a:t>Output</a:t>
+              <a:t>Game Input and Output</a:t>
             </a:r>
             <a:endParaRPr lang="en-US" sz="3000" dirty="0"/>
           </a:p>
@@ -14720,30 +14710,26 @@
       </p:sp>
       <p:pic>
         <p:nvPicPr>
-          <p:cNvPr id="177" name="Google Shape;177;p20"/>
-          <p:cNvPicPr preferRelativeResize="0"/>
+          <p:cNvPr id="4" name="Picture 3" descr="GameSS.JPG"/>
+          <p:cNvPicPr>
+            <a:picLocks noChangeAspect="1"/>
+          </p:cNvPicPr>
           <p:nvPr/>
         </p:nvPicPr>
         <p:blipFill>
-          <a:blip r:embed="rId3">
-            <a:alphaModFix/>
-          </a:blip>
+          <a:blip r:embed="rId3"/>
           <a:stretch>
             <a:fillRect/>
           </a:stretch>
         </p:blipFill>
         <p:spPr>
           <a:xfrm>
-            <a:off x="1297500" y="1162100"/>
-            <a:ext cx="6807400" cy="3654625"/>
+            <a:off x="1447800" y="1123950"/>
+            <a:ext cx="6400800" cy="3586941"/>
           </a:xfrm>
           <a:prstGeom prst="rect">
             <a:avLst/>
           </a:prstGeom>
-          <a:noFill/>
-          <a:ln>
-            <a:noFill/>
-          </a:ln>
         </p:spPr>
       </p:pic>
     </p:spTree>

--- a/Documents/Iteration1/Team 7-Iteration 1.pptx
+++ b/Documents/Iteration1/Team 7-Iteration 1.pptx
@@ -742,8 +742,8 @@
         </p:nvSpPr>
         <p:spPr>
           <a:xfrm>
-            <a:off x="381300" y="685800"/>
-            <a:ext cx="6096075" cy="3429000"/>
+            <a:off x="381000" y="685800"/>
+            <a:ext cx="6096000" cy="3429000"/>
           </a:xfrm>
           <a:custGeom>
             <a:avLst/>
@@ -10362,10 +10362,10 @@
               <a:buNone/>
             </a:pPr>
             <a:r>
-              <a:rPr lang="en-GB"/>
+              <a:rPr lang="en-GB" dirty="0"/>
               <a:t>Dominion Pursuit</a:t>
             </a:r>
-            <a:endParaRPr/>
+            <a:endParaRPr dirty="0"/>
           </a:p>
           <a:p>
             <a:pPr marL="0" lvl="0" indent="0" algn="ctr" rtl="0">
@@ -10378,10 +10378,10 @@
               <a:buNone/>
             </a:pPr>
             <a:r>
-              <a:rPr lang="en-GB"/>
+              <a:rPr lang="en-GB" sz="3600" dirty="0"/>
               <a:t>    Iteration 1</a:t>
             </a:r>
-            <a:endParaRPr/>
+            <a:endParaRPr sz="3600" dirty="0"/>
           </a:p>
         </p:txBody>
       </p:sp>
@@ -10483,6 +10483,13 @@
   <p:clrMapOvr>
     <a:masterClrMapping/>
   </p:clrMapOvr>
+  <p:timing>
+    <p:tnLst>
+      <p:par>
+        <p:cTn id="1" dur="indefinite" restart="never" nodeType="tmRoot"/>
+      </p:par>
+    </p:tnLst>
+  </p:timing>
 </p:sld>
 </file>
 
@@ -10751,6 +10758,13 @@
   <p:clrMapOvr>
     <a:masterClrMapping/>
   </p:clrMapOvr>
+  <p:timing>
+    <p:tnLst>
+      <p:par>
+        <p:cTn id="1" dur="indefinite" restart="never" nodeType="tmRoot"/>
+      </p:par>
+    </p:tnLst>
+  </p:timing>
 </p:sld>
 </file>
 
@@ -11102,6 +11116,13 @@
   <p:clrMapOvr>
     <a:masterClrMapping/>
   </p:clrMapOvr>
+  <p:timing>
+    <p:tnLst>
+      <p:par>
+        <p:cTn id="1" dur="indefinite" restart="never" nodeType="tmRoot"/>
+      </p:par>
+    </p:tnLst>
+  </p:timing>
 </p:sld>
 </file>
 
@@ -11243,6 +11264,13 @@
   <p:clrMapOvr>
     <a:masterClrMapping/>
   </p:clrMapOvr>
+  <p:timing>
+    <p:tnLst>
+      <p:par>
+        <p:cTn id="1" dur="indefinite" restart="never" nodeType="tmRoot"/>
+      </p:par>
+    </p:tnLst>
+  </p:timing>
 </p:sld>
 </file>
 
@@ -12584,6 +12612,13 @@
   <p:clrMapOvr>
     <a:masterClrMapping/>
   </p:clrMapOvr>
+  <p:timing>
+    <p:tnLst>
+      <p:par>
+        <p:cTn id="1" dur="indefinite" restart="never" nodeType="tmRoot"/>
+      </p:par>
+    </p:tnLst>
+  </p:timing>
 </p:sld>
 </file>
 
@@ -12727,6 +12762,13 @@
   <p:clrMapOvr>
     <a:masterClrMapping/>
   </p:clrMapOvr>
+  <p:timing>
+    <p:tnLst>
+      <p:par>
+        <p:cTn id="1" dur="indefinite" restart="never" nodeType="tmRoot"/>
+      </p:par>
+    </p:tnLst>
+  </p:timing>
 </p:sld>
 </file>
 
@@ -13100,6 +13142,13 @@
   <p:clrMapOvr>
     <a:masterClrMapping/>
   </p:clrMapOvr>
+  <p:timing>
+    <p:tnLst>
+      <p:par>
+        <p:cTn id="1" dur="indefinite" restart="never" nodeType="tmRoot"/>
+      </p:par>
+    </p:tnLst>
+  </p:timing>
 </p:sld>
 </file>
 
@@ -13380,6 +13429,13 @@
   <p:clrMapOvr>
     <a:masterClrMapping/>
   </p:clrMapOvr>
+  <p:timing>
+    <p:tnLst>
+      <p:par>
+        <p:cTn id="1" dur="indefinite" restart="never" nodeType="tmRoot"/>
+      </p:par>
+    </p:tnLst>
+  </p:timing>
 </p:sld>
 </file>
 
@@ -13863,6 +13919,13 @@
   <p:clrMapOvr>
     <a:masterClrMapping/>
   </p:clrMapOvr>
+  <p:timing>
+    <p:tnLst>
+      <p:par>
+        <p:cTn id="1" dur="indefinite" restart="never" nodeType="tmRoot"/>
+      </p:par>
+    </p:tnLst>
+  </p:timing>
 </p:sld>
 </file>
 
@@ -14313,6 +14376,13 @@
   <p:clrMapOvr>
     <a:masterClrMapping/>
   </p:clrMapOvr>
+  <p:timing>
+    <p:tnLst>
+      <p:par>
+        <p:cTn id="1" dur="indefinite" restart="never" nodeType="tmRoot"/>
+      </p:par>
+    </p:tnLst>
+  </p:timing>
 </p:sld>
 </file>
 
@@ -14636,6 +14706,13 @@
   <p:clrMapOvr>
     <a:masterClrMapping/>
   </p:clrMapOvr>
+  <p:timing>
+    <p:tnLst>
+      <p:par>
+        <p:cTn id="1" dur="indefinite" restart="never" nodeType="tmRoot"/>
+      </p:par>
+    </p:tnLst>
+  </p:timing>
 </p:sld>
 </file>
 
@@ -14737,6 +14814,13 @@
   <p:clrMapOvr>
     <a:masterClrMapping/>
   </p:clrMapOvr>
+  <p:timing>
+    <p:tnLst>
+      <p:par>
+        <p:cTn id="1" dur="indefinite" restart="never" nodeType="tmRoot"/>
+      </p:par>
+    </p:tnLst>
+  </p:timing>
 </p:sld>
 </file>
 
@@ -15137,6 +15221,13 @@
   <p:clrMapOvr>
     <a:masterClrMapping/>
   </p:clrMapOvr>
+  <p:timing>
+    <p:tnLst>
+      <p:par>
+        <p:cTn id="1" dur="indefinite" restart="never" nodeType="tmRoot"/>
+      </p:par>
+    </p:tnLst>
+  </p:timing>
 </p:sld>
 </file>
 
